--- a/Reports/SEE PPT's/CIE-1_PPT's/techify ppt.pptx
+++ b/Reports/SEE PPT's/CIE-1_PPT's/techify ppt.pptx
@@ -126,7 +126,7 @@
   </p:defaultTextStyle>
   <p:extLst>
     <p:ext uri="{EFAFB233-063F-42B5-8137-9DF3F51BA10A}">
-      <p15:sldGuideLst xmlns:p15="http://schemas.microsoft.com/office/powerpoint/2012/main" xmlns="">
+      <p15:sldGuideLst xmlns:p15="http://schemas.microsoft.com/office/powerpoint/2012/main">
         <p15:guide id="1" orient="horz" pos="2160" userDrawn="1">
           <p15:clr>
             <a:srgbClr val="A4A3A4"/>
@@ -140,7 +140,7 @@
       </p15:sldGuideLst>
     </p:ext>
     <p:ext uri="{2D200454-40CA-4A62-9FC3-DE9A4176ACB9}">
-      <p15:notesGuideLst xmlns:p15="http://schemas.microsoft.com/office/powerpoint/2012/main" xmlns=""/>
+      <p15:notesGuideLst xmlns:p15="http://schemas.microsoft.com/office/powerpoint/2012/main"/>
     </p:ext>
   </p:extLst>
 </p:presentation>
@@ -151,7 +151,7 @@
   <p:cmAuthor id="1" name="KRISHNA ." initials="K." lastIdx="1" clrIdx="0">
     <p:extLst>
       <p:ext uri="{19B8F6BF-5375-455C-9EA6-DF929625EA0E}">
-        <p15:presenceInfo xmlns:p15="http://schemas.microsoft.com/office/powerpoint/2012/main" xmlns="" userId="a6445e251d59b333" providerId="Windows Live"/>
+        <p15:presenceInfo xmlns:p15="http://schemas.microsoft.com/office/powerpoint/2012/main" userId="a6445e251d59b333" providerId="Windows Live"/>
       </p:ext>
     </p:extLst>
   </p:cmAuthor>
@@ -159,8 +159,18 @@
 </file>
 
 <file path=ppt/charts/chart1.xml><?xml version="1.0" encoding="utf-8"?>
-<c:chartSpace xmlns:c="http://schemas.openxmlformats.org/drawingml/2006/chart" xmlns:a="http://schemas.openxmlformats.org/drawingml/2006/main" xmlns:r="http://schemas.openxmlformats.org/officeDocument/2006/relationships">
+<c:chartSpace xmlns:c="http://schemas.openxmlformats.org/drawingml/2006/chart" xmlns:a="http://schemas.openxmlformats.org/drawingml/2006/main" xmlns:r="http://schemas.openxmlformats.org/officeDocument/2006/relationships" xmlns:c16r2="http://schemas.microsoft.com/office/drawing/2015/06/chart">
+  <c:date1904 val="0"/>
   <c:lang val="en-US"/>
+  <c:roundedCorners val="0"/>
+  <mc:AlternateContent xmlns:mc="http://schemas.openxmlformats.org/markup-compatibility/2006">
+    <mc:Choice xmlns:c14="http://schemas.microsoft.com/office/drawing/2007/8/2/chart" Requires="c14">
+      <c14:style val="102"/>
+    </mc:Choice>
+    <mc:Fallback>
+      <c:style val="2"/>
+    </mc:Fallback>
+  </mc:AlternateContent>
   <c:chart>
     <c:title>
       <c:tx>
@@ -200,7 +210,7 @@
           </a:p>
         </c:rich>
       </c:tx>
-      <c:layout/>
+      <c:overlay val="0"/>
       <c:spPr>
         <a:noFill/>
         <a:ln>
@@ -209,11 +219,13 @@
         <a:effectLst/>
       </c:spPr>
     </c:title>
+    <c:autoTitleDeleted val="0"/>
     <c:plotArea>
       <c:layout/>
       <c:barChart>
         <c:barDir val="col"/>
         <c:grouping val="clustered"/>
+        <c:varyColors val="0"/>
         <c:ser>
           <c:idx val="0"/>
           <c:order val="0"/>
@@ -237,6 +249,7 @@
             </a:ln>
             <a:effectLst/>
           </c:spPr>
+          <c:invertIfNegative val="0"/>
           <c:cat>
             <c:strRef>
               <c:f>Sheet1!$A$2:$A$5</c:f>
@@ -278,7 +291,7 @@
               </c:numCache>
             </c:numRef>
           </c:val>
-          <c:extLst xmlns:c16r2="http://schemas.microsoft.com/office/drawing/2015/06/chart">
+          <c:extLst>
             <c:ext xmlns:c16="http://schemas.microsoft.com/office/drawing/2014/chart" uri="{C3380CC4-5D6E-409C-BE32-E72D297353CC}">
               <c16:uniqueId val="{00000000-94E4-46C2-84C2-EDD3180D4623}"/>
             </c:ext>
@@ -307,6 +320,7 @@
             </a:ln>
             <a:effectLst/>
           </c:spPr>
+          <c:invertIfNegative val="0"/>
           <c:cat>
             <c:strRef>
               <c:f>Sheet1!$A$2:$A$5</c:f>
@@ -348,7 +362,7 @@
               </c:numCache>
             </c:numRef>
           </c:val>
-          <c:extLst xmlns:c16r2="http://schemas.microsoft.com/office/drawing/2015/06/chart">
+          <c:extLst>
             <c:ext xmlns:c16="http://schemas.microsoft.com/office/drawing/2014/chart" uri="{C3380CC4-5D6E-409C-BE32-E72D297353CC}">
               <c16:uniqueId val="{00000001-94E4-46C2-84C2-EDD3180D4623}"/>
             </c:ext>
@@ -377,6 +391,7 @@
             </a:ln>
             <a:effectLst/>
           </c:spPr>
+          <c:invertIfNegative val="0"/>
           <c:cat>
             <c:strRef>
               <c:f>Sheet1!$A$2:$A$5</c:f>
@@ -418,7 +433,7 @@
               </c:numCache>
             </c:numRef>
           </c:val>
-          <c:extLst xmlns:c16r2="http://schemas.microsoft.com/office/drawing/2015/06/chart">
+          <c:extLst>
             <c:ext xmlns:c16="http://schemas.microsoft.com/office/drawing/2014/chart" uri="{C3380CC4-5D6E-409C-BE32-E72D297353CC}">
               <c16:uniqueId val="{00000001-7F8E-4DA9-889D-A8ADD25D326B}"/>
             </c:ext>
@@ -447,6 +462,7 @@
             </a:ln>
             <a:effectLst/>
           </c:spPr>
+          <c:invertIfNegative val="0"/>
           <c:cat>
             <c:strRef>
               <c:f>Sheet1!$A$2:$A$5</c:f>
@@ -488,7 +504,7 @@
               </c:numCache>
             </c:numRef>
           </c:val>
-          <c:extLst xmlns:c16r2="http://schemas.microsoft.com/office/drawing/2015/06/chart">
+          <c:extLst>
             <c:ext xmlns:c16="http://schemas.microsoft.com/office/drawing/2014/chart" uri="{C3380CC4-5D6E-409C-BE32-E72D297353CC}">
               <c16:uniqueId val="{00000002-7F8E-4DA9-889D-A8ADD25D326B}"/>
             </c:ext>
@@ -517,6 +533,7 @@
             </a:ln>
             <a:effectLst/>
           </c:spPr>
+          <c:invertIfNegative val="0"/>
           <c:cat>
             <c:strRef>
               <c:f>Sheet1!$A$2:$A$5</c:f>
@@ -558,13 +575,20 @@
               </c:numCache>
             </c:numRef>
           </c:val>
-          <c:extLst xmlns:c16r2="http://schemas.microsoft.com/office/drawing/2015/06/chart">
+          <c:extLst>
             <c:ext xmlns:c16="http://schemas.microsoft.com/office/drawing/2014/chart" uri="{C3380CC4-5D6E-409C-BE32-E72D297353CC}">
               <c16:uniqueId val="{00000003-7F8E-4DA9-889D-A8ADD25D326B}"/>
             </c:ext>
           </c:extLst>
         </c:ser>
-        <c:dLbls/>
+        <c:dLbls>
+          <c:showLegendKey val="0"/>
+          <c:showVal val="0"/>
+          <c:showCatName val="0"/>
+          <c:showSerName val="0"/>
+          <c:showPercent val="0"/>
+          <c:showBubbleSize val="0"/>
+        </c:dLbls>
         <c:gapWidth val="219"/>
         <c:overlap val="-27"/>
         <c:axId val="142383744"/>
@@ -575,9 +599,11 @@
         <c:scaling>
           <c:orientation val="minMax"/>
         </c:scaling>
+        <c:delete val="0"/>
         <c:axPos val="b"/>
         <c:numFmt formatCode="General" sourceLinked="1"/>
         <c:majorTickMark val="none"/>
+        <c:minorTickMark val="none"/>
         <c:tickLblPos val="nextTo"/>
         <c:spPr>
           <a:noFill/>
@@ -617,12 +643,14 @@
         <c:auto val="1"/>
         <c:lblAlgn val="ctr"/>
         <c:lblOffset val="100"/>
+        <c:noMultiLvlLbl val="0"/>
       </c:catAx>
       <c:valAx>
         <c:axId val="142393728"/>
         <c:scaling>
           <c:orientation val="minMax"/>
         </c:scaling>
+        <c:delete val="0"/>
         <c:axPos val="l"/>
         <c:majorGridlines>
           <c:spPr>
@@ -640,6 +668,7 @@
         </c:majorGridlines>
         <c:numFmt formatCode="General" sourceLinked="1"/>
         <c:majorTickMark val="none"/>
+        <c:minorTickMark val="none"/>
         <c:tickLblPos val="nextTo"/>
         <c:spPr>
           <a:noFill/>
@@ -682,7 +711,7 @@
     </c:plotArea>
     <c:legend>
       <c:legendPos val="b"/>
-      <c:layout/>
+      <c:overlay val="0"/>
       <c:spPr>
         <a:noFill/>
         <a:ln>
@@ -713,13 +742,14 @@
     </c:legend>
     <c:plotVisOnly val="1"/>
     <c:dispBlanksAs val="gap"/>
-    <c:extLst xmlns:c16r2="http://schemas.microsoft.com/office/drawing/2015/06/chart">
+    <c:extLst>
       <c:ext xmlns:c16r3="http://schemas.microsoft.com/office/drawing/2017/03/chart" uri="{56B9EC1D-385E-4148-901F-78D8002777C0}">
         <c16r3:dataDisplayOptions16>
           <c16r3:dispNaAsBlank val="1"/>
         </c16r3:dataDisplayOptions16>
       </c:ext>
     </c:extLst>
+    <c:showDLblsOverMax val="0"/>
   </c:chart>
   <c:spPr>
     <a:noFill/>
@@ -738,13 +768,25 @@
       <a:endParaRPr lang="en-US"/>
     </a:p>
   </c:txPr>
-  <c:externalData r:id="rId1"/>
+  <c:externalData r:id="rId1">
+    <c:autoUpdate val="0"/>
+  </c:externalData>
 </c:chartSpace>
 </file>
 
 <file path=ppt/charts/chart2.xml><?xml version="1.0" encoding="utf-8"?>
-<c:chartSpace xmlns:c="http://schemas.openxmlformats.org/drawingml/2006/chart" xmlns:a="http://schemas.openxmlformats.org/drawingml/2006/main" xmlns:r="http://schemas.openxmlformats.org/officeDocument/2006/relationships">
+<c:chartSpace xmlns:c="http://schemas.openxmlformats.org/drawingml/2006/chart" xmlns:a="http://schemas.openxmlformats.org/drawingml/2006/main" xmlns:r="http://schemas.openxmlformats.org/officeDocument/2006/relationships" xmlns:c16r2="http://schemas.microsoft.com/office/drawing/2015/06/chart">
+  <c:date1904 val="0"/>
   <c:lang val="en-US"/>
+  <c:roundedCorners val="0"/>
+  <mc:AlternateContent xmlns:mc="http://schemas.openxmlformats.org/markup-compatibility/2006">
+    <mc:Choice xmlns:c14="http://schemas.microsoft.com/office/drawing/2007/8/2/chart" Requires="c14">
+      <c14:style val="102"/>
+    </mc:Choice>
+    <mc:Fallback>
+      <c:style val="2"/>
+    </mc:Fallback>
+  </mc:AlternateContent>
   <c:chart>
     <c:title>
       <c:tx>
@@ -776,7 +818,7 @@
           </a:p>
         </c:rich>
       </c:tx>
-      <c:layout/>
+      <c:overlay val="0"/>
       <c:spPr>
         <a:noFill/>
         <a:ln>
@@ -785,11 +827,13 @@
         <a:effectLst/>
       </c:spPr>
     </c:title>
+    <c:autoTitleDeleted val="0"/>
     <c:plotArea>
       <c:layout/>
       <c:barChart>
         <c:barDir val="col"/>
         <c:grouping val="clustered"/>
+        <c:varyColors val="0"/>
         <c:ser>
           <c:idx val="0"/>
           <c:order val="0"/>
@@ -813,6 +857,7 @@
             </a:ln>
             <a:effectLst/>
           </c:spPr>
+          <c:invertIfNegative val="0"/>
           <c:cat>
             <c:numRef>
               <c:f>Sheet1!$A$2:$A$5</c:f>
@@ -855,7 +900,7 @@
               </c:numCache>
             </c:numRef>
           </c:val>
-          <c:extLst xmlns:c16r2="http://schemas.microsoft.com/office/drawing/2015/06/chart">
+          <c:extLst>
             <c:ext xmlns:c16="http://schemas.microsoft.com/office/drawing/2014/chart" uri="{C3380CC4-5D6E-409C-BE32-E72D297353CC}">
               <c16:uniqueId val="{00000000-2CC6-40BC-819D-250DEF4D96B6}"/>
             </c:ext>
@@ -884,6 +929,7 @@
             </a:ln>
             <a:effectLst/>
           </c:spPr>
+          <c:invertIfNegative val="0"/>
           <c:cat>
             <c:numRef>
               <c:f>Sheet1!$A$2:$A$5</c:f>
@@ -926,7 +972,7 @@
               </c:numCache>
             </c:numRef>
           </c:val>
-          <c:extLst xmlns:c16r2="http://schemas.microsoft.com/office/drawing/2015/06/chart">
+          <c:extLst>
             <c:ext xmlns:c16="http://schemas.microsoft.com/office/drawing/2014/chart" uri="{C3380CC4-5D6E-409C-BE32-E72D297353CC}">
               <c16:uniqueId val="{00000001-2CC6-40BC-819D-250DEF4D96B6}"/>
             </c:ext>
@@ -955,6 +1001,7 @@
             </a:ln>
             <a:effectLst/>
           </c:spPr>
+          <c:invertIfNegative val="0"/>
           <c:cat>
             <c:numRef>
               <c:f>Sheet1!$A$2:$A$5</c:f>
@@ -997,13 +1044,20 @@
               </c:numCache>
             </c:numRef>
           </c:val>
-          <c:extLst xmlns:c16r2="http://schemas.microsoft.com/office/drawing/2015/06/chart">
+          <c:extLst>
             <c:ext xmlns:c16="http://schemas.microsoft.com/office/drawing/2014/chart" uri="{C3380CC4-5D6E-409C-BE32-E72D297353CC}">
               <c16:uniqueId val="{00000002-2CC6-40BC-819D-250DEF4D96B6}"/>
             </c:ext>
           </c:extLst>
         </c:ser>
-        <c:dLbls/>
+        <c:dLbls>
+          <c:showLegendKey val="0"/>
+          <c:showVal val="0"/>
+          <c:showCatName val="0"/>
+          <c:showSerName val="0"/>
+          <c:showPercent val="0"/>
+          <c:showBubbleSize val="0"/>
+        </c:dLbls>
         <c:gapWidth val="219"/>
         <c:overlap val="-27"/>
         <c:axId val="143021184"/>
@@ -1014,9 +1068,11 @@
         <c:scaling>
           <c:orientation val="minMax"/>
         </c:scaling>
+        <c:delete val="0"/>
         <c:axPos val="b"/>
         <c:numFmt formatCode="General" sourceLinked="1"/>
         <c:majorTickMark val="none"/>
+        <c:minorTickMark val="none"/>
         <c:tickLblPos val="nextTo"/>
         <c:spPr>
           <a:noFill/>
@@ -1056,12 +1112,14 @@
         <c:auto val="1"/>
         <c:lblAlgn val="ctr"/>
         <c:lblOffset val="100"/>
+        <c:noMultiLvlLbl val="0"/>
       </c:catAx>
       <c:valAx>
         <c:axId val="143022720"/>
         <c:scaling>
           <c:orientation val="minMax"/>
         </c:scaling>
+        <c:delete val="0"/>
         <c:axPos val="l"/>
         <c:majorGridlines>
           <c:spPr>
@@ -1079,6 +1137,7 @@
         </c:majorGridlines>
         <c:numFmt formatCode="0%" sourceLinked="1"/>
         <c:majorTickMark val="none"/>
+        <c:minorTickMark val="none"/>
         <c:tickLblPos val="nextTo"/>
         <c:spPr>
           <a:noFill/>
@@ -1121,7 +1180,7 @@
     </c:plotArea>
     <c:legend>
       <c:legendPos val="b"/>
-      <c:layout/>
+      <c:overlay val="0"/>
       <c:spPr>
         <a:noFill/>
         <a:ln>
@@ -1152,13 +1211,14 @@
     </c:legend>
     <c:plotVisOnly val="1"/>
     <c:dispBlanksAs val="gap"/>
-    <c:extLst xmlns:c16r2="http://schemas.microsoft.com/office/drawing/2015/06/chart">
+    <c:extLst>
       <c:ext xmlns:c16r3="http://schemas.microsoft.com/office/drawing/2017/03/chart" uri="{56B9EC1D-385E-4148-901F-78D8002777C0}">
         <c16r3:dataDisplayOptions16>
           <c16r3:dispNaAsBlank val="1"/>
         </c16r3:dataDisplayOptions16>
       </c:ext>
     </c:extLst>
+    <c:showDLblsOverMax val="0"/>
   </c:chart>
   <c:spPr>
     <a:noFill/>
@@ -1177,13 +1237,25 @@
       <a:endParaRPr lang="en-US"/>
     </a:p>
   </c:txPr>
-  <c:externalData r:id="rId1"/>
+  <c:externalData r:id="rId1">
+    <c:autoUpdate val="0"/>
+  </c:externalData>
 </c:chartSpace>
 </file>
 
 <file path=ppt/charts/chart3.xml><?xml version="1.0" encoding="utf-8"?>
-<c:chartSpace xmlns:c="http://schemas.openxmlformats.org/drawingml/2006/chart" xmlns:a="http://schemas.openxmlformats.org/drawingml/2006/main" xmlns:r="http://schemas.openxmlformats.org/officeDocument/2006/relationships">
+<c:chartSpace xmlns:c="http://schemas.openxmlformats.org/drawingml/2006/chart" xmlns:a="http://schemas.openxmlformats.org/drawingml/2006/main" xmlns:r="http://schemas.openxmlformats.org/officeDocument/2006/relationships" xmlns:c16r2="http://schemas.microsoft.com/office/drawing/2015/06/chart">
+  <c:date1904 val="0"/>
   <c:lang val="en-US"/>
+  <c:roundedCorners val="0"/>
+  <mc:AlternateContent xmlns:mc="http://schemas.openxmlformats.org/markup-compatibility/2006">
+    <mc:Choice xmlns:c14="http://schemas.microsoft.com/office/drawing/2007/8/2/chart" Requires="c14">
+      <c14:style val="102"/>
+    </mc:Choice>
+    <mc:Fallback>
+      <c:style val="2"/>
+    </mc:Fallback>
+  </mc:AlternateContent>
   <c:chart>
     <c:title>
       <c:tx>
@@ -1215,7 +1287,7 @@
           </a:p>
         </c:rich>
       </c:tx>
-      <c:layout/>
+      <c:overlay val="0"/>
       <c:spPr>
         <a:noFill/>
         <a:ln>
@@ -1224,11 +1296,13 @@
         <a:effectLst/>
       </c:spPr>
     </c:title>
+    <c:autoTitleDeleted val="0"/>
     <c:plotArea>
       <c:layout/>
       <c:barChart>
         <c:barDir val="col"/>
         <c:grouping val="clustered"/>
+        <c:varyColors val="0"/>
         <c:ser>
           <c:idx val="0"/>
           <c:order val="0"/>
@@ -1252,6 +1326,7 @@
             </a:ln>
             <a:effectLst/>
           </c:spPr>
+          <c:invertIfNegative val="0"/>
           <c:cat>
             <c:strRef>
               <c:f>Sheet1!$A$2:$A$4</c:f>
@@ -1287,7 +1362,7 @@
               </c:numCache>
             </c:numRef>
           </c:val>
-          <c:extLst xmlns:c16r2="http://schemas.microsoft.com/office/drawing/2015/06/chart">
+          <c:extLst>
             <c:ext xmlns:c16="http://schemas.microsoft.com/office/drawing/2014/chart" uri="{C3380CC4-5D6E-409C-BE32-E72D297353CC}">
               <c16:uniqueId val="{00000000-2A2A-4981-AA07-1639AC635C24}"/>
             </c:ext>
@@ -1316,6 +1391,7 @@
             </a:ln>
             <a:effectLst/>
           </c:spPr>
+          <c:invertIfNegative val="0"/>
           <c:cat>
             <c:strRef>
               <c:f>Sheet1!$A$2:$A$4</c:f>
@@ -1351,13 +1427,20 @@
               </c:numCache>
             </c:numRef>
           </c:val>
-          <c:extLst xmlns:c16r2="http://schemas.microsoft.com/office/drawing/2015/06/chart">
+          <c:extLst>
             <c:ext xmlns:c16="http://schemas.microsoft.com/office/drawing/2014/chart" uri="{C3380CC4-5D6E-409C-BE32-E72D297353CC}">
               <c16:uniqueId val="{00000001-2A2A-4981-AA07-1639AC635C24}"/>
             </c:ext>
           </c:extLst>
         </c:ser>
-        <c:dLbls/>
+        <c:dLbls>
+          <c:showLegendKey val="0"/>
+          <c:showVal val="0"/>
+          <c:showCatName val="0"/>
+          <c:showSerName val="0"/>
+          <c:showPercent val="0"/>
+          <c:showBubbleSize val="0"/>
+        </c:dLbls>
         <c:gapWidth val="219"/>
         <c:overlap val="-27"/>
         <c:axId val="143086336"/>
@@ -1368,9 +1451,11 @@
         <c:scaling>
           <c:orientation val="minMax"/>
         </c:scaling>
+        <c:delete val="0"/>
         <c:axPos val="b"/>
         <c:numFmt formatCode="General" sourceLinked="1"/>
         <c:majorTickMark val="none"/>
+        <c:minorTickMark val="none"/>
         <c:tickLblPos val="nextTo"/>
         <c:spPr>
           <a:noFill/>
@@ -1410,12 +1495,14 @@
         <c:auto val="1"/>
         <c:lblAlgn val="ctr"/>
         <c:lblOffset val="100"/>
+        <c:noMultiLvlLbl val="0"/>
       </c:catAx>
       <c:valAx>
         <c:axId val="143087872"/>
         <c:scaling>
           <c:orientation val="minMax"/>
         </c:scaling>
+        <c:delete val="0"/>
         <c:axPos val="l"/>
         <c:majorGridlines>
           <c:spPr>
@@ -1433,6 +1520,7 @@
         </c:majorGridlines>
         <c:numFmt formatCode="General" sourceLinked="1"/>
         <c:majorTickMark val="none"/>
+        <c:minorTickMark val="none"/>
         <c:tickLblPos val="nextTo"/>
         <c:spPr>
           <a:noFill/>
@@ -1475,7 +1563,7 @@
     </c:plotArea>
     <c:legend>
       <c:legendPos val="b"/>
-      <c:layout/>
+      <c:overlay val="0"/>
       <c:spPr>
         <a:noFill/>
         <a:ln>
@@ -1506,13 +1594,14 @@
     </c:legend>
     <c:plotVisOnly val="1"/>
     <c:dispBlanksAs val="gap"/>
-    <c:extLst xmlns:c16r2="http://schemas.microsoft.com/office/drawing/2015/06/chart">
+    <c:extLst>
       <c:ext xmlns:c16r3="http://schemas.microsoft.com/office/drawing/2017/03/chart" uri="{56B9EC1D-385E-4148-901F-78D8002777C0}">
         <c16r3:dataDisplayOptions16>
           <c16r3:dispNaAsBlank val="1"/>
         </c16r3:dataDisplayOptions16>
       </c:ext>
     </c:extLst>
+    <c:showDLblsOverMax val="0"/>
   </c:chart>
   <c:spPr>
     <a:noFill/>
@@ -1531,1637 +1620,10 @@
       <a:endParaRPr lang="en-US"/>
     </a:p>
   </c:txPr>
-  <c:externalData r:id="rId1"/>
+  <c:externalData r:id="rId1">
+    <c:autoUpdate val="0"/>
+  </c:externalData>
 </c:chartSpace>
-</file>
-
-<file path=ppt/charts/colors1.xml><?xml version="1.0" encoding="utf-8"?>
-<cs:colorStyle xmlns:cs="http://schemas.microsoft.com/office/drawing/2012/chartStyle" xmlns:a="http://schemas.openxmlformats.org/drawingml/2006/main" meth="cycle" id="10">
-  <a:schemeClr val="accent1"/>
-  <a:schemeClr val="accent2"/>
-  <a:schemeClr val="accent3"/>
-  <a:schemeClr val="accent4"/>
-  <a:schemeClr val="accent5"/>
-  <a:schemeClr val="accent6"/>
-  <cs:variation/>
-  <cs:variation>
-    <a:lumMod val="60000"/>
-  </cs:variation>
-  <cs:variation>
-    <a:lumMod val="80000"/>
-    <a:lumOff val="20000"/>
-  </cs:variation>
-  <cs:variation>
-    <a:lumMod val="80000"/>
-  </cs:variation>
-  <cs:variation>
-    <a:lumMod val="60000"/>
-    <a:lumOff val="40000"/>
-  </cs:variation>
-  <cs:variation>
-    <a:lumMod val="50000"/>
-  </cs:variation>
-  <cs:variation>
-    <a:lumMod val="70000"/>
-    <a:lumOff val="30000"/>
-  </cs:variation>
-  <cs:variation>
-    <a:lumMod val="70000"/>
-  </cs:variation>
-  <cs:variation>
-    <a:lumMod val="50000"/>
-    <a:lumOff val="50000"/>
-  </cs:variation>
-</cs:colorStyle>
-</file>
-
-<file path=ppt/charts/colors2.xml><?xml version="1.0" encoding="utf-8"?>
-<cs:colorStyle xmlns:cs="http://schemas.microsoft.com/office/drawing/2012/chartStyle" xmlns:a="http://schemas.openxmlformats.org/drawingml/2006/main" meth="cycle" id="10">
-  <a:schemeClr val="accent1"/>
-  <a:schemeClr val="accent2"/>
-  <a:schemeClr val="accent3"/>
-  <a:schemeClr val="accent4"/>
-  <a:schemeClr val="accent5"/>
-  <a:schemeClr val="accent6"/>
-  <cs:variation/>
-  <cs:variation>
-    <a:lumMod val="60000"/>
-  </cs:variation>
-  <cs:variation>
-    <a:lumMod val="80000"/>
-    <a:lumOff val="20000"/>
-  </cs:variation>
-  <cs:variation>
-    <a:lumMod val="80000"/>
-  </cs:variation>
-  <cs:variation>
-    <a:lumMod val="60000"/>
-    <a:lumOff val="40000"/>
-  </cs:variation>
-  <cs:variation>
-    <a:lumMod val="50000"/>
-  </cs:variation>
-  <cs:variation>
-    <a:lumMod val="70000"/>
-    <a:lumOff val="30000"/>
-  </cs:variation>
-  <cs:variation>
-    <a:lumMod val="70000"/>
-  </cs:variation>
-  <cs:variation>
-    <a:lumMod val="50000"/>
-    <a:lumOff val="50000"/>
-  </cs:variation>
-</cs:colorStyle>
-</file>
-
-<file path=ppt/charts/colors3.xml><?xml version="1.0" encoding="utf-8"?>
-<cs:colorStyle xmlns:cs="http://schemas.microsoft.com/office/drawing/2012/chartStyle" xmlns:a="http://schemas.openxmlformats.org/drawingml/2006/main" meth="cycle" id="10">
-  <a:schemeClr val="accent1"/>
-  <a:schemeClr val="accent2"/>
-  <a:schemeClr val="accent3"/>
-  <a:schemeClr val="accent4"/>
-  <a:schemeClr val="accent5"/>
-  <a:schemeClr val="accent6"/>
-  <cs:variation/>
-  <cs:variation>
-    <a:lumMod val="60000"/>
-  </cs:variation>
-  <cs:variation>
-    <a:lumMod val="80000"/>
-    <a:lumOff val="20000"/>
-  </cs:variation>
-  <cs:variation>
-    <a:lumMod val="80000"/>
-  </cs:variation>
-  <cs:variation>
-    <a:lumMod val="60000"/>
-    <a:lumOff val="40000"/>
-  </cs:variation>
-  <cs:variation>
-    <a:lumMod val="50000"/>
-  </cs:variation>
-  <cs:variation>
-    <a:lumMod val="70000"/>
-    <a:lumOff val="30000"/>
-  </cs:variation>
-  <cs:variation>
-    <a:lumMod val="70000"/>
-  </cs:variation>
-  <cs:variation>
-    <a:lumMod val="50000"/>
-    <a:lumOff val="50000"/>
-  </cs:variation>
-</cs:colorStyle>
-</file>
-
-<file path=ppt/charts/style1.xml><?xml version="1.0" encoding="utf-8"?>
-<cs:chartStyle xmlns:cs="http://schemas.microsoft.com/office/drawing/2012/chartStyle" xmlns:a="http://schemas.openxmlformats.org/drawingml/2006/main" id="201">
-  <cs:axisTitle>
-    <cs:lnRef idx="0"/>
-    <cs:fillRef idx="0"/>
-    <cs:effectRef idx="0"/>
-    <cs:fontRef idx="minor">
-      <a:schemeClr val="tx1">
-        <a:lumMod val="65000"/>
-        <a:lumOff val="35000"/>
-      </a:schemeClr>
-    </cs:fontRef>
-    <cs:defRPr sz="1330" kern="1200"/>
-  </cs:axisTitle>
-  <cs:categoryAxis>
-    <cs:lnRef idx="0"/>
-    <cs:fillRef idx="0"/>
-    <cs:effectRef idx="0"/>
-    <cs:fontRef idx="minor">
-      <a:schemeClr val="tx1">
-        <a:lumMod val="65000"/>
-        <a:lumOff val="35000"/>
-      </a:schemeClr>
-    </cs:fontRef>
-    <cs:spPr>
-      <a:ln w="9525" cap="flat" cmpd="sng" algn="ctr">
-        <a:solidFill>
-          <a:schemeClr val="tx1">
-            <a:lumMod val="15000"/>
-            <a:lumOff val="85000"/>
-          </a:schemeClr>
-        </a:solidFill>
-        <a:round/>
-      </a:ln>
-    </cs:spPr>
-    <cs:defRPr sz="1197" kern="1200"/>
-  </cs:categoryAxis>
-  <cs:chartArea mods="allowNoFillOverride allowNoLineOverride">
-    <cs:lnRef idx="0"/>
-    <cs:fillRef idx="0"/>
-    <cs:effectRef idx="0"/>
-    <cs:fontRef idx="minor">
-      <a:schemeClr val="tx1"/>
-    </cs:fontRef>
-    <cs:spPr>
-      <a:solidFill>
-        <a:schemeClr val="bg1"/>
-      </a:solidFill>
-      <a:ln w="9525" cap="flat" cmpd="sng" algn="ctr">
-        <a:solidFill>
-          <a:schemeClr val="tx1">
-            <a:lumMod val="15000"/>
-            <a:lumOff val="85000"/>
-          </a:schemeClr>
-        </a:solidFill>
-        <a:round/>
-      </a:ln>
-    </cs:spPr>
-    <cs:defRPr sz="1330" kern="1200"/>
-  </cs:chartArea>
-  <cs:dataLabel>
-    <cs:lnRef idx="0"/>
-    <cs:fillRef idx="0"/>
-    <cs:effectRef idx="0"/>
-    <cs:fontRef idx="minor">
-      <a:schemeClr val="tx1">
-        <a:lumMod val="75000"/>
-        <a:lumOff val="25000"/>
-      </a:schemeClr>
-    </cs:fontRef>
-    <cs:defRPr sz="1197" kern="1200"/>
-  </cs:dataLabel>
-  <cs:dataLabelCallout>
-    <cs:lnRef idx="0"/>
-    <cs:fillRef idx="0"/>
-    <cs:effectRef idx="0"/>
-    <cs:fontRef idx="minor">
-      <a:schemeClr val="dk1">
-        <a:lumMod val="65000"/>
-        <a:lumOff val="35000"/>
-      </a:schemeClr>
-    </cs:fontRef>
-    <cs:spPr>
-      <a:solidFill>
-        <a:schemeClr val="lt1"/>
-      </a:solidFill>
-      <a:ln>
-        <a:solidFill>
-          <a:schemeClr val="dk1">
-            <a:lumMod val="25000"/>
-            <a:lumOff val="75000"/>
-          </a:schemeClr>
-        </a:solidFill>
-      </a:ln>
-    </cs:spPr>
-    <cs:defRPr sz="1197" kern="1200"/>
-    <cs:bodyPr rot="0" spcFirstLastPara="1" vertOverflow="clip" horzOverflow="clip" vert="horz" wrap="square" lIns="36576" tIns="18288" rIns="36576" bIns="18288" anchor="ctr" anchorCtr="1">
-      <a:spAutoFit/>
-    </cs:bodyPr>
-  </cs:dataLabelCallout>
-  <cs:dataPoint>
-    <cs:lnRef idx="0"/>
-    <cs:fillRef idx="1">
-      <cs:styleClr val="auto"/>
-    </cs:fillRef>
-    <cs:effectRef idx="0"/>
-    <cs:fontRef idx="minor">
-      <a:schemeClr val="tx1"/>
-    </cs:fontRef>
-  </cs:dataPoint>
-  <cs:dataPoint3D>
-    <cs:lnRef idx="0"/>
-    <cs:fillRef idx="1">
-      <cs:styleClr val="auto"/>
-    </cs:fillRef>
-    <cs:effectRef idx="0"/>
-    <cs:fontRef idx="minor">
-      <a:schemeClr val="tx1"/>
-    </cs:fontRef>
-  </cs:dataPoint3D>
-  <cs:dataPointLine>
-    <cs:lnRef idx="0">
-      <cs:styleClr val="auto"/>
-    </cs:lnRef>
-    <cs:fillRef idx="1"/>
-    <cs:effectRef idx="0"/>
-    <cs:fontRef idx="minor">
-      <a:schemeClr val="tx1"/>
-    </cs:fontRef>
-    <cs:spPr>
-      <a:ln w="28575" cap="rnd">
-        <a:solidFill>
-          <a:schemeClr val="phClr"/>
-        </a:solidFill>
-        <a:round/>
-      </a:ln>
-    </cs:spPr>
-  </cs:dataPointLine>
-  <cs:dataPointMarker>
-    <cs:lnRef idx="0">
-      <cs:styleClr val="auto"/>
-    </cs:lnRef>
-    <cs:fillRef idx="1">
-      <cs:styleClr val="auto"/>
-    </cs:fillRef>
-    <cs:effectRef idx="0"/>
-    <cs:fontRef idx="minor">
-      <a:schemeClr val="tx1"/>
-    </cs:fontRef>
-    <cs:spPr>
-      <a:ln w="9525">
-        <a:solidFill>
-          <a:schemeClr val="phClr"/>
-        </a:solidFill>
-      </a:ln>
-    </cs:spPr>
-  </cs:dataPointMarker>
-  <cs:dataPointMarkerLayout symbol="circle" size="5"/>
-  <cs:dataPointWireframe>
-    <cs:lnRef idx="0">
-      <cs:styleClr val="auto"/>
-    </cs:lnRef>
-    <cs:fillRef idx="1"/>
-    <cs:effectRef idx="0"/>
-    <cs:fontRef idx="minor">
-      <a:schemeClr val="tx1"/>
-    </cs:fontRef>
-    <cs:spPr>
-      <a:ln w="9525" cap="rnd">
-        <a:solidFill>
-          <a:schemeClr val="phClr"/>
-        </a:solidFill>
-        <a:round/>
-      </a:ln>
-    </cs:spPr>
-  </cs:dataPointWireframe>
-  <cs:dataTable>
-    <cs:lnRef idx="0"/>
-    <cs:fillRef idx="0"/>
-    <cs:effectRef idx="0"/>
-    <cs:fontRef idx="minor">
-      <a:schemeClr val="tx1">
-        <a:lumMod val="65000"/>
-        <a:lumOff val="35000"/>
-      </a:schemeClr>
-    </cs:fontRef>
-    <cs:spPr>
-      <a:noFill/>
-      <a:ln w="9525" cap="flat" cmpd="sng" algn="ctr">
-        <a:solidFill>
-          <a:schemeClr val="tx1">
-            <a:lumMod val="15000"/>
-            <a:lumOff val="85000"/>
-          </a:schemeClr>
-        </a:solidFill>
-        <a:round/>
-      </a:ln>
-    </cs:spPr>
-    <cs:defRPr sz="1197" kern="1200"/>
-  </cs:dataTable>
-  <cs:downBar>
-    <cs:lnRef idx="0"/>
-    <cs:fillRef idx="0"/>
-    <cs:effectRef idx="0"/>
-    <cs:fontRef idx="minor">
-      <a:schemeClr val="dk1"/>
-    </cs:fontRef>
-    <cs:spPr>
-      <a:solidFill>
-        <a:schemeClr val="dk1">
-          <a:lumMod val="65000"/>
-          <a:lumOff val="35000"/>
-        </a:schemeClr>
-      </a:solidFill>
-      <a:ln w="9525">
-        <a:solidFill>
-          <a:schemeClr val="tx1">
-            <a:lumMod val="65000"/>
-            <a:lumOff val="35000"/>
-          </a:schemeClr>
-        </a:solidFill>
-      </a:ln>
-    </cs:spPr>
-  </cs:downBar>
-  <cs:dropLine>
-    <cs:lnRef idx="0"/>
-    <cs:fillRef idx="0"/>
-    <cs:effectRef idx="0"/>
-    <cs:fontRef idx="minor">
-      <a:schemeClr val="tx1"/>
-    </cs:fontRef>
-    <cs:spPr>
-      <a:ln w="9525" cap="flat" cmpd="sng" algn="ctr">
-        <a:solidFill>
-          <a:schemeClr val="tx1">
-            <a:lumMod val="35000"/>
-            <a:lumOff val="65000"/>
-          </a:schemeClr>
-        </a:solidFill>
-        <a:round/>
-      </a:ln>
-    </cs:spPr>
-  </cs:dropLine>
-  <cs:errorBar>
-    <cs:lnRef idx="0"/>
-    <cs:fillRef idx="0"/>
-    <cs:effectRef idx="0"/>
-    <cs:fontRef idx="minor">
-      <a:schemeClr val="tx1"/>
-    </cs:fontRef>
-    <cs:spPr>
-      <a:ln w="9525" cap="flat" cmpd="sng" algn="ctr">
-        <a:solidFill>
-          <a:schemeClr val="tx1">
-            <a:lumMod val="65000"/>
-            <a:lumOff val="35000"/>
-          </a:schemeClr>
-        </a:solidFill>
-        <a:round/>
-      </a:ln>
-    </cs:spPr>
-  </cs:errorBar>
-  <cs:floor>
-    <cs:lnRef idx="0"/>
-    <cs:fillRef idx="0"/>
-    <cs:effectRef idx="0"/>
-    <cs:fontRef idx="minor">
-      <a:schemeClr val="tx1"/>
-    </cs:fontRef>
-    <cs:spPr>
-      <a:noFill/>
-      <a:ln>
-        <a:noFill/>
-      </a:ln>
-    </cs:spPr>
-  </cs:floor>
-  <cs:gridlineMajor>
-    <cs:lnRef idx="0"/>
-    <cs:fillRef idx="0"/>
-    <cs:effectRef idx="0"/>
-    <cs:fontRef idx="minor">
-      <a:schemeClr val="tx1"/>
-    </cs:fontRef>
-    <cs:spPr>
-      <a:ln w="9525" cap="flat" cmpd="sng" algn="ctr">
-        <a:solidFill>
-          <a:schemeClr val="tx1">
-            <a:lumMod val="15000"/>
-            <a:lumOff val="85000"/>
-          </a:schemeClr>
-        </a:solidFill>
-        <a:round/>
-      </a:ln>
-    </cs:spPr>
-  </cs:gridlineMajor>
-  <cs:gridlineMinor>
-    <cs:lnRef idx="0"/>
-    <cs:fillRef idx="0"/>
-    <cs:effectRef idx="0"/>
-    <cs:fontRef idx="minor">
-      <a:schemeClr val="tx1"/>
-    </cs:fontRef>
-    <cs:spPr>
-      <a:ln w="9525" cap="flat" cmpd="sng" algn="ctr">
-        <a:solidFill>
-          <a:schemeClr val="tx1">
-            <a:lumMod val="5000"/>
-            <a:lumOff val="95000"/>
-          </a:schemeClr>
-        </a:solidFill>
-        <a:round/>
-      </a:ln>
-    </cs:spPr>
-  </cs:gridlineMinor>
-  <cs:hiLoLine>
-    <cs:lnRef idx="0"/>
-    <cs:fillRef idx="0"/>
-    <cs:effectRef idx="0"/>
-    <cs:fontRef idx="minor">
-      <a:schemeClr val="tx1"/>
-    </cs:fontRef>
-    <cs:spPr>
-      <a:ln w="9525" cap="flat" cmpd="sng" algn="ctr">
-        <a:solidFill>
-          <a:schemeClr val="tx1">
-            <a:lumMod val="75000"/>
-            <a:lumOff val="25000"/>
-          </a:schemeClr>
-        </a:solidFill>
-        <a:round/>
-      </a:ln>
-    </cs:spPr>
-  </cs:hiLoLine>
-  <cs:leaderLine>
-    <cs:lnRef idx="0"/>
-    <cs:fillRef idx="0"/>
-    <cs:effectRef idx="0"/>
-    <cs:fontRef idx="minor">
-      <a:schemeClr val="tx1"/>
-    </cs:fontRef>
-    <cs:spPr>
-      <a:ln w="9525" cap="flat" cmpd="sng" algn="ctr">
-        <a:solidFill>
-          <a:schemeClr val="tx1">
-            <a:lumMod val="35000"/>
-            <a:lumOff val="65000"/>
-          </a:schemeClr>
-        </a:solidFill>
-        <a:round/>
-      </a:ln>
-    </cs:spPr>
-  </cs:leaderLine>
-  <cs:legend>
-    <cs:lnRef idx="0"/>
-    <cs:fillRef idx="0"/>
-    <cs:effectRef idx="0"/>
-    <cs:fontRef idx="minor">
-      <a:schemeClr val="tx1">
-        <a:lumMod val="65000"/>
-        <a:lumOff val="35000"/>
-      </a:schemeClr>
-    </cs:fontRef>
-    <cs:defRPr sz="1197" kern="1200"/>
-  </cs:legend>
-  <cs:plotArea mods="allowNoFillOverride allowNoLineOverride">
-    <cs:lnRef idx="0"/>
-    <cs:fillRef idx="0"/>
-    <cs:effectRef idx="0"/>
-    <cs:fontRef idx="minor">
-      <a:schemeClr val="tx1"/>
-    </cs:fontRef>
-  </cs:plotArea>
-  <cs:plotArea3D mods="allowNoFillOverride allowNoLineOverride">
-    <cs:lnRef idx="0"/>
-    <cs:fillRef idx="0"/>
-    <cs:effectRef idx="0"/>
-    <cs:fontRef idx="minor">
-      <a:schemeClr val="tx1"/>
-    </cs:fontRef>
-  </cs:plotArea3D>
-  <cs:seriesAxis>
-    <cs:lnRef idx="0"/>
-    <cs:fillRef idx="0"/>
-    <cs:effectRef idx="0"/>
-    <cs:fontRef idx="minor">
-      <a:schemeClr val="tx1">
-        <a:lumMod val="65000"/>
-        <a:lumOff val="35000"/>
-      </a:schemeClr>
-    </cs:fontRef>
-    <cs:defRPr sz="1197" kern="1200"/>
-  </cs:seriesAxis>
-  <cs:seriesLine>
-    <cs:lnRef idx="0"/>
-    <cs:fillRef idx="0"/>
-    <cs:effectRef idx="0"/>
-    <cs:fontRef idx="minor">
-      <a:schemeClr val="tx1"/>
-    </cs:fontRef>
-    <cs:spPr>
-      <a:ln w="9525" cap="flat" cmpd="sng" algn="ctr">
-        <a:solidFill>
-          <a:schemeClr val="tx1">
-            <a:lumMod val="35000"/>
-            <a:lumOff val="65000"/>
-          </a:schemeClr>
-        </a:solidFill>
-        <a:round/>
-      </a:ln>
-    </cs:spPr>
-  </cs:seriesLine>
-  <cs:title>
-    <cs:lnRef idx="0"/>
-    <cs:fillRef idx="0"/>
-    <cs:effectRef idx="0"/>
-    <cs:fontRef idx="minor">
-      <a:schemeClr val="tx1">
-        <a:lumMod val="65000"/>
-        <a:lumOff val="35000"/>
-      </a:schemeClr>
-    </cs:fontRef>
-    <cs:defRPr sz="1862" b="0" kern="1200" spc="0" baseline="0"/>
-  </cs:title>
-  <cs:trendline>
-    <cs:lnRef idx="0">
-      <cs:styleClr val="auto"/>
-    </cs:lnRef>
-    <cs:fillRef idx="0"/>
-    <cs:effectRef idx="0"/>
-    <cs:fontRef idx="minor">
-      <a:schemeClr val="tx1"/>
-    </cs:fontRef>
-    <cs:spPr>
-      <a:ln w="19050" cap="rnd">
-        <a:solidFill>
-          <a:schemeClr val="phClr"/>
-        </a:solidFill>
-        <a:prstDash val="sysDot"/>
-      </a:ln>
-    </cs:spPr>
-  </cs:trendline>
-  <cs:trendlineLabel>
-    <cs:lnRef idx="0"/>
-    <cs:fillRef idx="0"/>
-    <cs:effectRef idx="0"/>
-    <cs:fontRef idx="minor">
-      <a:schemeClr val="tx1">
-        <a:lumMod val="65000"/>
-        <a:lumOff val="35000"/>
-      </a:schemeClr>
-    </cs:fontRef>
-    <cs:defRPr sz="1197" kern="1200"/>
-  </cs:trendlineLabel>
-  <cs:upBar>
-    <cs:lnRef idx="0"/>
-    <cs:fillRef idx="0"/>
-    <cs:effectRef idx="0"/>
-    <cs:fontRef idx="minor">
-      <a:schemeClr val="dk1"/>
-    </cs:fontRef>
-    <cs:spPr>
-      <a:solidFill>
-        <a:schemeClr val="lt1"/>
-      </a:solidFill>
-      <a:ln w="9525">
-        <a:solidFill>
-          <a:schemeClr val="tx1">
-            <a:lumMod val="15000"/>
-            <a:lumOff val="85000"/>
-          </a:schemeClr>
-        </a:solidFill>
-      </a:ln>
-    </cs:spPr>
-  </cs:upBar>
-  <cs:valueAxis>
-    <cs:lnRef idx="0"/>
-    <cs:fillRef idx="0"/>
-    <cs:effectRef idx="0"/>
-    <cs:fontRef idx="minor">
-      <a:schemeClr val="tx1">
-        <a:lumMod val="65000"/>
-        <a:lumOff val="35000"/>
-      </a:schemeClr>
-    </cs:fontRef>
-    <cs:defRPr sz="1197" kern="1200"/>
-  </cs:valueAxis>
-  <cs:wall>
-    <cs:lnRef idx="0"/>
-    <cs:fillRef idx="0"/>
-    <cs:effectRef idx="0"/>
-    <cs:fontRef idx="minor">
-      <a:schemeClr val="tx1"/>
-    </cs:fontRef>
-    <cs:spPr>
-      <a:noFill/>
-      <a:ln>
-        <a:noFill/>
-      </a:ln>
-    </cs:spPr>
-  </cs:wall>
-</cs:chartStyle>
-</file>
-
-<file path=ppt/charts/style2.xml><?xml version="1.0" encoding="utf-8"?>
-<cs:chartStyle xmlns:cs="http://schemas.microsoft.com/office/drawing/2012/chartStyle" xmlns:a="http://schemas.openxmlformats.org/drawingml/2006/main" id="201">
-  <cs:axisTitle>
-    <cs:lnRef idx="0"/>
-    <cs:fillRef idx="0"/>
-    <cs:effectRef idx="0"/>
-    <cs:fontRef idx="minor">
-      <a:schemeClr val="tx1">
-        <a:lumMod val="65000"/>
-        <a:lumOff val="35000"/>
-      </a:schemeClr>
-    </cs:fontRef>
-    <cs:defRPr sz="1330" kern="1200"/>
-  </cs:axisTitle>
-  <cs:categoryAxis>
-    <cs:lnRef idx="0"/>
-    <cs:fillRef idx="0"/>
-    <cs:effectRef idx="0"/>
-    <cs:fontRef idx="minor">
-      <a:schemeClr val="tx1">
-        <a:lumMod val="65000"/>
-        <a:lumOff val="35000"/>
-      </a:schemeClr>
-    </cs:fontRef>
-    <cs:spPr>
-      <a:ln w="9525" cap="flat" cmpd="sng" algn="ctr">
-        <a:solidFill>
-          <a:schemeClr val="tx1">
-            <a:lumMod val="15000"/>
-            <a:lumOff val="85000"/>
-          </a:schemeClr>
-        </a:solidFill>
-        <a:round/>
-      </a:ln>
-    </cs:spPr>
-    <cs:defRPr sz="1197" kern="1200"/>
-  </cs:categoryAxis>
-  <cs:chartArea mods="allowNoFillOverride allowNoLineOverride">
-    <cs:lnRef idx="0"/>
-    <cs:fillRef idx="0"/>
-    <cs:effectRef idx="0"/>
-    <cs:fontRef idx="minor">
-      <a:schemeClr val="tx1"/>
-    </cs:fontRef>
-    <cs:spPr>
-      <a:solidFill>
-        <a:schemeClr val="bg1"/>
-      </a:solidFill>
-      <a:ln w="9525" cap="flat" cmpd="sng" algn="ctr">
-        <a:solidFill>
-          <a:schemeClr val="tx1">
-            <a:lumMod val="15000"/>
-            <a:lumOff val="85000"/>
-          </a:schemeClr>
-        </a:solidFill>
-        <a:round/>
-      </a:ln>
-    </cs:spPr>
-    <cs:defRPr sz="1330" kern="1200"/>
-  </cs:chartArea>
-  <cs:dataLabel>
-    <cs:lnRef idx="0"/>
-    <cs:fillRef idx="0"/>
-    <cs:effectRef idx="0"/>
-    <cs:fontRef idx="minor">
-      <a:schemeClr val="tx1">
-        <a:lumMod val="75000"/>
-        <a:lumOff val="25000"/>
-      </a:schemeClr>
-    </cs:fontRef>
-    <cs:defRPr sz="1197" kern="1200"/>
-  </cs:dataLabel>
-  <cs:dataLabelCallout>
-    <cs:lnRef idx="0"/>
-    <cs:fillRef idx="0"/>
-    <cs:effectRef idx="0"/>
-    <cs:fontRef idx="minor">
-      <a:schemeClr val="dk1">
-        <a:lumMod val="65000"/>
-        <a:lumOff val="35000"/>
-      </a:schemeClr>
-    </cs:fontRef>
-    <cs:spPr>
-      <a:solidFill>
-        <a:schemeClr val="lt1"/>
-      </a:solidFill>
-      <a:ln>
-        <a:solidFill>
-          <a:schemeClr val="dk1">
-            <a:lumMod val="25000"/>
-            <a:lumOff val="75000"/>
-          </a:schemeClr>
-        </a:solidFill>
-      </a:ln>
-    </cs:spPr>
-    <cs:defRPr sz="1197" kern="1200"/>
-    <cs:bodyPr rot="0" spcFirstLastPara="1" vertOverflow="clip" horzOverflow="clip" vert="horz" wrap="square" lIns="36576" tIns="18288" rIns="36576" bIns="18288" anchor="ctr" anchorCtr="1">
-      <a:spAutoFit/>
-    </cs:bodyPr>
-  </cs:dataLabelCallout>
-  <cs:dataPoint>
-    <cs:lnRef idx="0"/>
-    <cs:fillRef idx="1">
-      <cs:styleClr val="auto"/>
-    </cs:fillRef>
-    <cs:effectRef idx="0"/>
-    <cs:fontRef idx="minor">
-      <a:schemeClr val="tx1"/>
-    </cs:fontRef>
-  </cs:dataPoint>
-  <cs:dataPoint3D>
-    <cs:lnRef idx="0"/>
-    <cs:fillRef idx="1">
-      <cs:styleClr val="auto"/>
-    </cs:fillRef>
-    <cs:effectRef idx="0"/>
-    <cs:fontRef idx="minor">
-      <a:schemeClr val="tx1"/>
-    </cs:fontRef>
-  </cs:dataPoint3D>
-  <cs:dataPointLine>
-    <cs:lnRef idx="0">
-      <cs:styleClr val="auto"/>
-    </cs:lnRef>
-    <cs:fillRef idx="1"/>
-    <cs:effectRef idx="0"/>
-    <cs:fontRef idx="minor">
-      <a:schemeClr val="tx1"/>
-    </cs:fontRef>
-    <cs:spPr>
-      <a:ln w="28575" cap="rnd">
-        <a:solidFill>
-          <a:schemeClr val="phClr"/>
-        </a:solidFill>
-        <a:round/>
-      </a:ln>
-    </cs:spPr>
-  </cs:dataPointLine>
-  <cs:dataPointMarker>
-    <cs:lnRef idx="0">
-      <cs:styleClr val="auto"/>
-    </cs:lnRef>
-    <cs:fillRef idx="1">
-      <cs:styleClr val="auto"/>
-    </cs:fillRef>
-    <cs:effectRef idx="0"/>
-    <cs:fontRef idx="minor">
-      <a:schemeClr val="tx1"/>
-    </cs:fontRef>
-    <cs:spPr>
-      <a:ln w="9525">
-        <a:solidFill>
-          <a:schemeClr val="phClr"/>
-        </a:solidFill>
-      </a:ln>
-    </cs:spPr>
-  </cs:dataPointMarker>
-  <cs:dataPointMarkerLayout symbol="circle" size="5"/>
-  <cs:dataPointWireframe>
-    <cs:lnRef idx="0">
-      <cs:styleClr val="auto"/>
-    </cs:lnRef>
-    <cs:fillRef idx="1"/>
-    <cs:effectRef idx="0"/>
-    <cs:fontRef idx="minor">
-      <a:schemeClr val="tx1"/>
-    </cs:fontRef>
-    <cs:spPr>
-      <a:ln w="9525" cap="rnd">
-        <a:solidFill>
-          <a:schemeClr val="phClr"/>
-        </a:solidFill>
-        <a:round/>
-      </a:ln>
-    </cs:spPr>
-  </cs:dataPointWireframe>
-  <cs:dataTable>
-    <cs:lnRef idx="0"/>
-    <cs:fillRef idx="0"/>
-    <cs:effectRef idx="0"/>
-    <cs:fontRef idx="minor">
-      <a:schemeClr val="tx1">
-        <a:lumMod val="65000"/>
-        <a:lumOff val="35000"/>
-      </a:schemeClr>
-    </cs:fontRef>
-    <cs:spPr>
-      <a:noFill/>
-      <a:ln w="9525" cap="flat" cmpd="sng" algn="ctr">
-        <a:solidFill>
-          <a:schemeClr val="tx1">
-            <a:lumMod val="15000"/>
-            <a:lumOff val="85000"/>
-          </a:schemeClr>
-        </a:solidFill>
-        <a:round/>
-      </a:ln>
-    </cs:spPr>
-    <cs:defRPr sz="1197" kern="1200"/>
-  </cs:dataTable>
-  <cs:downBar>
-    <cs:lnRef idx="0"/>
-    <cs:fillRef idx="0"/>
-    <cs:effectRef idx="0"/>
-    <cs:fontRef idx="minor">
-      <a:schemeClr val="dk1"/>
-    </cs:fontRef>
-    <cs:spPr>
-      <a:solidFill>
-        <a:schemeClr val="dk1">
-          <a:lumMod val="65000"/>
-          <a:lumOff val="35000"/>
-        </a:schemeClr>
-      </a:solidFill>
-      <a:ln w="9525">
-        <a:solidFill>
-          <a:schemeClr val="tx1">
-            <a:lumMod val="65000"/>
-            <a:lumOff val="35000"/>
-          </a:schemeClr>
-        </a:solidFill>
-      </a:ln>
-    </cs:spPr>
-  </cs:downBar>
-  <cs:dropLine>
-    <cs:lnRef idx="0"/>
-    <cs:fillRef idx="0"/>
-    <cs:effectRef idx="0"/>
-    <cs:fontRef idx="minor">
-      <a:schemeClr val="tx1"/>
-    </cs:fontRef>
-    <cs:spPr>
-      <a:ln w="9525" cap="flat" cmpd="sng" algn="ctr">
-        <a:solidFill>
-          <a:schemeClr val="tx1">
-            <a:lumMod val="35000"/>
-            <a:lumOff val="65000"/>
-          </a:schemeClr>
-        </a:solidFill>
-        <a:round/>
-      </a:ln>
-    </cs:spPr>
-  </cs:dropLine>
-  <cs:errorBar>
-    <cs:lnRef idx="0"/>
-    <cs:fillRef idx="0"/>
-    <cs:effectRef idx="0"/>
-    <cs:fontRef idx="minor">
-      <a:schemeClr val="tx1"/>
-    </cs:fontRef>
-    <cs:spPr>
-      <a:ln w="9525" cap="flat" cmpd="sng" algn="ctr">
-        <a:solidFill>
-          <a:schemeClr val="tx1">
-            <a:lumMod val="65000"/>
-            <a:lumOff val="35000"/>
-          </a:schemeClr>
-        </a:solidFill>
-        <a:round/>
-      </a:ln>
-    </cs:spPr>
-  </cs:errorBar>
-  <cs:floor>
-    <cs:lnRef idx="0"/>
-    <cs:fillRef idx="0"/>
-    <cs:effectRef idx="0"/>
-    <cs:fontRef idx="minor">
-      <a:schemeClr val="tx1"/>
-    </cs:fontRef>
-    <cs:spPr>
-      <a:noFill/>
-      <a:ln>
-        <a:noFill/>
-      </a:ln>
-    </cs:spPr>
-  </cs:floor>
-  <cs:gridlineMajor>
-    <cs:lnRef idx="0"/>
-    <cs:fillRef idx="0"/>
-    <cs:effectRef idx="0"/>
-    <cs:fontRef idx="minor">
-      <a:schemeClr val="tx1"/>
-    </cs:fontRef>
-    <cs:spPr>
-      <a:ln w="9525" cap="flat" cmpd="sng" algn="ctr">
-        <a:solidFill>
-          <a:schemeClr val="tx1">
-            <a:lumMod val="15000"/>
-            <a:lumOff val="85000"/>
-          </a:schemeClr>
-        </a:solidFill>
-        <a:round/>
-      </a:ln>
-    </cs:spPr>
-  </cs:gridlineMajor>
-  <cs:gridlineMinor>
-    <cs:lnRef idx="0"/>
-    <cs:fillRef idx="0"/>
-    <cs:effectRef idx="0"/>
-    <cs:fontRef idx="minor">
-      <a:schemeClr val="tx1"/>
-    </cs:fontRef>
-    <cs:spPr>
-      <a:ln w="9525" cap="flat" cmpd="sng" algn="ctr">
-        <a:solidFill>
-          <a:schemeClr val="tx1">
-            <a:lumMod val="5000"/>
-            <a:lumOff val="95000"/>
-          </a:schemeClr>
-        </a:solidFill>
-        <a:round/>
-      </a:ln>
-    </cs:spPr>
-  </cs:gridlineMinor>
-  <cs:hiLoLine>
-    <cs:lnRef idx="0"/>
-    <cs:fillRef idx="0"/>
-    <cs:effectRef idx="0"/>
-    <cs:fontRef idx="minor">
-      <a:schemeClr val="tx1"/>
-    </cs:fontRef>
-    <cs:spPr>
-      <a:ln w="9525" cap="flat" cmpd="sng" algn="ctr">
-        <a:solidFill>
-          <a:schemeClr val="tx1">
-            <a:lumMod val="75000"/>
-            <a:lumOff val="25000"/>
-          </a:schemeClr>
-        </a:solidFill>
-        <a:round/>
-      </a:ln>
-    </cs:spPr>
-  </cs:hiLoLine>
-  <cs:leaderLine>
-    <cs:lnRef idx="0"/>
-    <cs:fillRef idx="0"/>
-    <cs:effectRef idx="0"/>
-    <cs:fontRef idx="minor">
-      <a:schemeClr val="tx1"/>
-    </cs:fontRef>
-    <cs:spPr>
-      <a:ln w="9525" cap="flat" cmpd="sng" algn="ctr">
-        <a:solidFill>
-          <a:schemeClr val="tx1">
-            <a:lumMod val="35000"/>
-            <a:lumOff val="65000"/>
-          </a:schemeClr>
-        </a:solidFill>
-        <a:round/>
-      </a:ln>
-    </cs:spPr>
-  </cs:leaderLine>
-  <cs:legend>
-    <cs:lnRef idx="0"/>
-    <cs:fillRef idx="0"/>
-    <cs:effectRef idx="0"/>
-    <cs:fontRef idx="minor">
-      <a:schemeClr val="tx1">
-        <a:lumMod val="65000"/>
-        <a:lumOff val="35000"/>
-      </a:schemeClr>
-    </cs:fontRef>
-    <cs:defRPr sz="1197" kern="1200"/>
-  </cs:legend>
-  <cs:plotArea mods="allowNoFillOverride allowNoLineOverride">
-    <cs:lnRef idx="0"/>
-    <cs:fillRef idx="0"/>
-    <cs:effectRef idx="0"/>
-    <cs:fontRef idx="minor">
-      <a:schemeClr val="tx1"/>
-    </cs:fontRef>
-  </cs:plotArea>
-  <cs:plotArea3D mods="allowNoFillOverride allowNoLineOverride">
-    <cs:lnRef idx="0"/>
-    <cs:fillRef idx="0"/>
-    <cs:effectRef idx="0"/>
-    <cs:fontRef idx="minor">
-      <a:schemeClr val="tx1"/>
-    </cs:fontRef>
-  </cs:plotArea3D>
-  <cs:seriesAxis>
-    <cs:lnRef idx="0"/>
-    <cs:fillRef idx="0"/>
-    <cs:effectRef idx="0"/>
-    <cs:fontRef idx="minor">
-      <a:schemeClr val="tx1">
-        <a:lumMod val="65000"/>
-        <a:lumOff val="35000"/>
-      </a:schemeClr>
-    </cs:fontRef>
-    <cs:defRPr sz="1197" kern="1200"/>
-  </cs:seriesAxis>
-  <cs:seriesLine>
-    <cs:lnRef idx="0"/>
-    <cs:fillRef idx="0"/>
-    <cs:effectRef idx="0"/>
-    <cs:fontRef idx="minor">
-      <a:schemeClr val="tx1"/>
-    </cs:fontRef>
-    <cs:spPr>
-      <a:ln w="9525" cap="flat" cmpd="sng" algn="ctr">
-        <a:solidFill>
-          <a:schemeClr val="tx1">
-            <a:lumMod val="35000"/>
-            <a:lumOff val="65000"/>
-          </a:schemeClr>
-        </a:solidFill>
-        <a:round/>
-      </a:ln>
-    </cs:spPr>
-  </cs:seriesLine>
-  <cs:title>
-    <cs:lnRef idx="0"/>
-    <cs:fillRef idx="0"/>
-    <cs:effectRef idx="0"/>
-    <cs:fontRef idx="minor">
-      <a:schemeClr val="tx1">
-        <a:lumMod val="65000"/>
-        <a:lumOff val="35000"/>
-      </a:schemeClr>
-    </cs:fontRef>
-    <cs:defRPr sz="1862" b="0" kern="1200" spc="0" baseline="0"/>
-  </cs:title>
-  <cs:trendline>
-    <cs:lnRef idx="0">
-      <cs:styleClr val="auto"/>
-    </cs:lnRef>
-    <cs:fillRef idx="0"/>
-    <cs:effectRef idx="0"/>
-    <cs:fontRef idx="minor">
-      <a:schemeClr val="tx1"/>
-    </cs:fontRef>
-    <cs:spPr>
-      <a:ln w="19050" cap="rnd">
-        <a:solidFill>
-          <a:schemeClr val="phClr"/>
-        </a:solidFill>
-        <a:prstDash val="sysDot"/>
-      </a:ln>
-    </cs:spPr>
-  </cs:trendline>
-  <cs:trendlineLabel>
-    <cs:lnRef idx="0"/>
-    <cs:fillRef idx="0"/>
-    <cs:effectRef idx="0"/>
-    <cs:fontRef idx="minor">
-      <a:schemeClr val="tx1">
-        <a:lumMod val="65000"/>
-        <a:lumOff val="35000"/>
-      </a:schemeClr>
-    </cs:fontRef>
-    <cs:defRPr sz="1197" kern="1200"/>
-  </cs:trendlineLabel>
-  <cs:upBar>
-    <cs:lnRef idx="0"/>
-    <cs:fillRef idx="0"/>
-    <cs:effectRef idx="0"/>
-    <cs:fontRef idx="minor">
-      <a:schemeClr val="dk1"/>
-    </cs:fontRef>
-    <cs:spPr>
-      <a:solidFill>
-        <a:schemeClr val="lt1"/>
-      </a:solidFill>
-      <a:ln w="9525">
-        <a:solidFill>
-          <a:schemeClr val="tx1">
-            <a:lumMod val="15000"/>
-            <a:lumOff val="85000"/>
-          </a:schemeClr>
-        </a:solidFill>
-      </a:ln>
-    </cs:spPr>
-  </cs:upBar>
-  <cs:valueAxis>
-    <cs:lnRef idx="0"/>
-    <cs:fillRef idx="0"/>
-    <cs:effectRef idx="0"/>
-    <cs:fontRef idx="minor">
-      <a:schemeClr val="tx1">
-        <a:lumMod val="65000"/>
-        <a:lumOff val="35000"/>
-      </a:schemeClr>
-    </cs:fontRef>
-    <cs:defRPr sz="1197" kern="1200"/>
-  </cs:valueAxis>
-  <cs:wall>
-    <cs:lnRef idx="0"/>
-    <cs:fillRef idx="0"/>
-    <cs:effectRef idx="0"/>
-    <cs:fontRef idx="minor">
-      <a:schemeClr val="tx1"/>
-    </cs:fontRef>
-    <cs:spPr>
-      <a:noFill/>
-      <a:ln>
-        <a:noFill/>
-      </a:ln>
-    </cs:spPr>
-  </cs:wall>
-</cs:chartStyle>
-</file>
-
-<file path=ppt/charts/style3.xml><?xml version="1.0" encoding="utf-8"?>
-<cs:chartStyle xmlns:cs="http://schemas.microsoft.com/office/drawing/2012/chartStyle" xmlns:a="http://schemas.openxmlformats.org/drawingml/2006/main" id="201">
-  <cs:axisTitle>
-    <cs:lnRef idx="0"/>
-    <cs:fillRef idx="0"/>
-    <cs:effectRef idx="0"/>
-    <cs:fontRef idx="minor">
-      <a:schemeClr val="tx1">
-        <a:lumMod val="65000"/>
-        <a:lumOff val="35000"/>
-      </a:schemeClr>
-    </cs:fontRef>
-    <cs:defRPr sz="1330" kern="1200"/>
-  </cs:axisTitle>
-  <cs:categoryAxis>
-    <cs:lnRef idx="0"/>
-    <cs:fillRef idx="0"/>
-    <cs:effectRef idx="0"/>
-    <cs:fontRef idx="minor">
-      <a:schemeClr val="tx1">
-        <a:lumMod val="65000"/>
-        <a:lumOff val="35000"/>
-      </a:schemeClr>
-    </cs:fontRef>
-    <cs:spPr>
-      <a:ln w="9525" cap="flat" cmpd="sng" algn="ctr">
-        <a:solidFill>
-          <a:schemeClr val="tx1">
-            <a:lumMod val="15000"/>
-            <a:lumOff val="85000"/>
-          </a:schemeClr>
-        </a:solidFill>
-        <a:round/>
-      </a:ln>
-    </cs:spPr>
-    <cs:defRPr sz="1197" kern="1200"/>
-  </cs:categoryAxis>
-  <cs:chartArea mods="allowNoFillOverride allowNoLineOverride">
-    <cs:lnRef idx="0"/>
-    <cs:fillRef idx="0"/>
-    <cs:effectRef idx="0"/>
-    <cs:fontRef idx="minor">
-      <a:schemeClr val="tx1"/>
-    </cs:fontRef>
-    <cs:spPr>
-      <a:solidFill>
-        <a:schemeClr val="bg1"/>
-      </a:solidFill>
-      <a:ln w="9525" cap="flat" cmpd="sng" algn="ctr">
-        <a:solidFill>
-          <a:schemeClr val="tx1">
-            <a:lumMod val="15000"/>
-            <a:lumOff val="85000"/>
-          </a:schemeClr>
-        </a:solidFill>
-        <a:round/>
-      </a:ln>
-    </cs:spPr>
-    <cs:defRPr sz="1330" kern="1200"/>
-  </cs:chartArea>
-  <cs:dataLabel>
-    <cs:lnRef idx="0"/>
-    <cs:fillRef idx="0"/>
-    <cs:effectRef idx="0"/>
-    <cs:fontRef idx="minor">
-      <a:schemeClr val="tx1">
-        <a:lumMod val="75000"/>
-        <a:lumOff val="25000"/>
-      </a:schemeClr>
-    </cs:fontRef>
-    <cs:defRPr sz="1197" kern="1200"/>
-  </cs:dataLabel>
-  <cs:dataLabelCallout>
-    <cs:lnRef idx="0"/>
-    <cs:fillRef idx="0"/>
-    <cs:effectRef idx="0"/>
-    <cs:fontRef idx="minor">
-      <a:schemeClr val="dk1">
-        <a:lumMod val="65000"/>
-        <a:lumOff val="35000"/>
-      </a:schemeClr>
-    </cs:fontRef>
-    <cs:spPr>
-      <a:solidFill>
-        <a:schemeClr val="lt1"/>
-      </a:solidFill>
-      <a:ln>
-        <a:solidFill>
-          <a:schemeClr val="dk1">
-            <a:lumMod val="25000"/>
-            <a:lumOff val="75000"/>
-          </a:schemeClr>
-        </a:solidFill>
-      </a:ln>
-    </cs:spPr>
-    <cs:defRPr sz="1197" kern="1200"/>
-    <cs:bodyPr rot="0" spcFirstLastPara="1" vertOverflow="clip" horzOverflow="clip" vert="horz" wrap="square" lIns="36576" tIns="18288" rIns="36576" bIns="18288" anchor="ctr" anchorCtr="1">
-      <a:spAutoFit/>
-    </cs:bodyPr>
-  </cs:dataLabelCallout>
-  <cs:dataPoint>
-    <cs:lnRef idx="0"/>
-    <cs:fillRef idx="1">
-      <cs:styleClr val="auto"/>
-    </cs:fillRef>
-    <cs:effectRef idx="0"/>
-    <cs:fontRef idx="minor">
-      <a:schemeClr val="tx1"/>
-    </cs:fontRef>
-  </cs:dataPoint>
-  <cs:dataPoint3D>
-    <cs:lnRef idx="0"/>
-    <cs:fillRef idx="1">
-      <cs:styleClr val="auto"/>
-    </cs:fillRef>
-    <cs:effectRef idx="0"/>
-    <cs:fontRef idx="minor">
-      <a:schemeClr val="tx1"/>
-    </cs:fontRef>
-  </cs:dataPoint3D>
-  <cs:dataPointLine>
-    <cs:lnRef idx="0">
-      <cs:styleClr val="auto"/>
-    </cs:lnRef>
-    <cs:fillRef idx="1"/>
-    <cs:effectRef idx="0"/>
-    <cs:fontRef idx="minor">
-      <a:schemeClr val="tx1"/>
-    </cs:fontRef>
-    <cs:spPr>
-      <a:ln w="28575" cap="rnd">
-        <a:solidFill>
-          <a:schemeClr val="phClr"/>
-        </a:solidFill>
-        <a:round/>
-      </a:ln>
-    </cs:spPr>
-  </cs:dataPointLine>
-  <cs:dataPointMarker>
-    <cs:lnRef idx="0">
-      <cs:styleClr val="auto"/>
-    </cs:lnRef>
-    <cs:fillRef idx="1">
-      <cs:styleClr val="auto"/>
-    </cs:fillRef>
-    <cs:effectRef idx="0"/>
-    <cs:fontRef idx="minor">
-      <a:schemeClr val="tx1"/>
-    </cs:fontRef>
-    <cs:spPr>
-      <a:ln w="9525">
-        <a:solidFill>
-          <a:schemeClr val="phClr"/>
-        </a:solidFill>
-      </a:ln>
-    </cs:spPr>
-  </cs:dataPointMarker>
-  <cs:dataPointMarkerLayout symbol="circle" size="5"/>
-  <cs:dataPointWireframe>
-    <cs:lnRef idx="0">
-      <cs:styleClr val="auto"/>
-    </cs:lnRef>
-    <cs:fillRef idx="1"/>
-    <cs:effectRef idx="0"/>
-    <cs:fontRef idx="minor">
-      <a:schemeClr val="tx1"/>
-    </cs:fontRef>
-    <cs:spPr>
-      <a:ln w="9525" cap="rnd">
-        <a:solidFill>
-          <a:schemeClr val="phClr"/>
-        </a:solidFill>
-        <a:round/>
-      </a:ln>
-    </cs:spPr>
-  </cs:dataPointWireframe>
-  <cs:dataTable>
-    <cs:lnRef idx="0"/>
-    <cs:fillRef idx="0"/>
-    <cs:effectRef idx="0"/>
-    <cs:fontRef idx="minor">
-      <a:schemeClr val="tx1">
-        <a:lumMod val="65000"/>
-        <a:lumOff val="35000"/>
-      </a:schemeClr>
-    </cs:fontRef>
-    <cs:spPr>
-      <a:noFill/>
-      <a:ln w="9525" cap="flat" cmpd="sng" algn="ctr">
-        <a:solidFill>
-          <a:schemeClr val="tx1">
-            <a:lumMod val="15000"/>
-            <a:lumOff val="85000"/>
-          </a:schemeClr>
-        </a:solidFill>
-        <a:round/>
-      </a:ln>
-    </cs:spPr>
-    <cs:defRPr sz="1197" kern="1200"/>
-  </cs:dataTable>
-  <cs:downBar>
-    <cs:lnRef idx="0"/>
-    <cs:fillRef idx="0"/>
-    <cs:effectRef idx="0"/>
-    <cs:fontRef idx="minor">
-      <a:schemeClr val="dk1"/>
-    </cs:fontRef>
-    <cs:spPr>
-      <a:solidFill>
-        <a:schemeClr val="dk1">
-          <a:lumMod val="65000"/>
-          <a:lumOff val="35000"/>
-        </a:schemeClr>
-      </a:solidFill>
-      <a:ln w="9525">
-        <a:solidFill>
-          <a:schemeClr val="tx1">
-            <a:lumMod val="65000"/>
-            <a:lumOff val="35000"/>
-          </a:schemeClr>
-        </a:solidFill>
-      </a:ln>
-    </cs:spPr>
-  </cs:downBar>
-  <cs:dropLine>
-    <cs:lnRef idx="0"/>
-    <cs:fillRef idx="0"/>
-    <cs:effectRef idx="0"/>
-    <cs:fontRef idx="minor">
-      <a:schemeClr val="tx1"/>
-    </cs:fontRef>
-    <cs:spPr>
-      <a:ln w="9525" cap="flat" cmpd="sng" algn="ctr">
-        <a:solidFill>
-          <a:schemeClr val="tx1">
-            <a:lumMod val="35000"/>
-            <a:lumOff val="65000"/>
-          </a:schemeClr>
-        </a:solidFill>
-        <a:round/>
-      </a:ln>
-    </cs:spPr>
-  </cs:dropLine>
-  <cs:errorBar>
-    <cs:lnRef idx="0"/>
-    <cs:fillRef idx="0"/>
-    <cs:effectRef idx="0"/>
-    <cs:fontRef idx="minor">
-      <a:schemeClr val="tx1"/>
-    </cs:fontRef>
-    <cs:spPr>
-      <a:ln w="9525" cap="flat" cmpd="sng" algn="ctr">
-        <a:solidFill>
-          <a:schemeClr val="tx1">
-            <a:lumMod val="65000"/>
-            <a:lumOff val="35000"/>
-          </a:schemeClr>
-        </a:solidFill>
-        <a:round/>
-      </a:ln>
-    </cs:spPr>
-  </cs:errorBar>
-  <cs:floor>
-    <cs:lnRef idx="0"/>
-    <cs:fillRef idx="0"/>
-    <cs:effectRef idx="0"/>
-    <cs:fontRef idx="minor">
-      <a:schemeClr val="tx1"/>
-    </cs:fontRef>
-    <cs:spPr>
-      <a:noFill/>
-      <a:ln>
-        <a:noFill/>
-      </a:ln>
-    </cs:spPr>
-  </cs:floor>
-  <cs:gridlineMajor>
-    <cs:lnRef idx="0"/>
-    <cs:fillRef idx="0"/>
-    <cs:effectRef idx="0"/>
-    <cs:fontRef idx="minor">
-      <a:schemeClr val="tx1"/>
-    </cs:fontRef>
-    <cs:spPr>
-      <a:ln w="9525" cap="flat" cmpd="sng" algn="ctr">
-        <a:solidFill>
-          <a:schemeClr val="tx1">
-            <a:lumMod val="15000"/>
-            <a:lumOff val="85000"/>
-          </a:schemeClr>
-        </a:solidFill>
-        <a:round/>
-      </a:ln>
-    </cs:spPr>
-  </cs:gridlineMajor>
-  <cs:gridlineMinor>
-    <cs:lnRef idx="0"/>
-    <cs:fillRef idx="0"/>
-    <cs:effectRef idx="0"/>
-    <cs:fontRef idx="minor">
-      <a:schemeClr val="tx1"/>
-    </cs:fontRef>
-    <cs:spPr>
-      <a:ln w="9525" cap="flat" cmpd="sng" algn="ctr">
-        <a:solidFill>
-          <a:schemeClr val="tx1">
-            <a:lumMod val="5000"/>
-            <a:lumOff val="95000"/>
-          </a:schemeClr>
-        </a:solidFill>
-        <a:round/>
-      </a:ln>
-    </cs:spPr>
-  </cs:gridlineMinor>
-  <cs:hiLoLine>
-    <cs:lnRef idx="0"/>
-    <cs:fillRef idx="0"/>
-    <cs:effectRef idx="0"/>
-    <cs:fontRef idx="minor">
-      <a:schemeClr val="tx1"/>
-    </cs:fontRef>
-    <cs:spPr>
-      <a:ln w="9525" cap="flat" cmpd="sng" algn="ctr">
-        <a:solidFill>
-          <a:schemeClr val="tx1">
-            <a:lumMod val="75000"/>
-            <a:lumOff val="25000"/>
-          </a:schemeClr>
-        </a:solidFill>
-        <a:round/>
-      </a:ln>
-    </cs:spPr>
-  </cs:hiLoLine>
-  <cs:leaderLine>
-    <cs:lnRef idx="0"/>
-    <cs:fillRef idx="0"/>
-    <cs:effectRef idx="0"/>
-    <cs:fontRef idx="minor">
-      <a:schemeClr val="tx1"/>
-    </cs:fontRef>
-    <cs:spPr>
-      <a:ln w="9525" cap="flat" cmpd="sng" algn="ctr">
-        <a:solidFill>
-          <a:schemeClr val="tx1">
-            <a:lumMod val="35000"/>
-            <a:lumOff val="65000"/>
-          </a:schemeClr>
-        </a:solidFill>
-        <a:round/>
-      </a:ln>
-    </cs:spPr>
-  </cs:leaderLine>
-  <cs:legend>
-    <cs:lnRef idx="0"/>
-    <cs:fillRef idx="0"/>
-    <cs:effectRef idx="0"/>
-    <cs:fontRef idx="minor">
-      <a:schemeClr val="tx1">
-        <a:lumMod val="65000"/>
-        <a:lumOff val="35000"/>
-      </a:schemeClr>
-    </cs:fontRef>
-    <cs:defRPr sz="1197" kern="1200"/>
-  </cs:legend>
-  <cs:plotArea mods="allowNoFillOverride allowNoLineOverride">
-    <cs:lnRef idx="0"/>
-    <cs:fillRef idx="0"/>
-    <cs:effectRef idx="0"/>
-    <cs:fontRef idx="minor">
-      <a:schemeClr val="tx1"/>
-    </cs:fontRef>
-  </cs:plotArea>
-  <cs:plotArea3D mods="allowNoFillOverride allowNoLineOverride">
-    <cs:lnRef idx="0"/>
-    <cs:fillRef idx="0"/>
-    <cs:effectRef idx="0"/>
-    <cs:fontRef idx="minor">
-      <a:schemeClr val="tx1"/>
-    </cs:fontRef>
-  </cs:plotArea3D>
-  <cs:seriesAxis>
-    <cs:lnRef idx="0"/>
-    <cs:fillRef idx="0"/>
-    <cs:effectRef idx="0"/>
-    <cs:fontRef idx="minor">
-      <a:schemeClr val="tx1">
-        <a:lumMod val="65000"/>
-        <a:lumOff val="35000"/>
-      </a:schemeClr>
-    </cs:fontRef>
-    <cs:defRPr sz="1197" kern="1200"/>
-  </cs:seriesAxis>
-  <cs:seriesLine>
-    <cs:lnRef idx="0"/>
-    <cs:fillRef idx="0"/>
-    <cs:effectRef idx="0"/>
-    <cs:fontRef idx="minor">
-      <a:schemeClr val="tx1"/>
-    </cs:fontRef>
-    <cs:spPr>
-      <a:ln w="9525" cap="flat" cmpd="sng" algn="ctr">
-        <a:solidFill>
-          <a:schemeClr val="tx1">
-            <a:lumMod val="35000"/>
-            <a:lumOff val="65000"/>
-          </a:schemeClr>
-        </a:solidFill>
-        <a:round/>
-      </a:ln>
-    </cs:spPr>
-  </cs:seriesLine>
-  <cs:title>
-    <cs:lnRef idx="0"/>
-    <cs:fillRef idx="0"/>
-    <cs:effectRef idx="0"/>
-    <cs:fontRef idx="minor">
-      <a:schemeClr val="tx1">
-        <a:lumMod val="65000"/>
-        <a:lumOff val="35000"/>
-      </a:schemeClr>
-    </cs:fontRef>
-    <cs:defRPr sz="1862" b="0" kern="1200" spc="0" baseline="0"/>
-  </cs:title>
-  <cs:trendline>
-    <cs:lnRef idx="0">
-      <cs:styleClr val="auto"/>
-    </cs:lnRef>
-    <cs:fillRef idx="0"/>
-    <cs:effectRef idx="0"/>
-    <cs:fontRef idx="minor">
-      <a:schemeClr val="tx1"/>
-    </cs:fontRef>
-    <cs:spPr>
-      <a:ln w="19050" cap="rnd">
-        <a:solidFill>
-          <a:schemeClr val="phClr"/>
-        </a:solidFill>
-        <a:prstDash val="sysDot"/>
-      </a:ln>
-    </cs:spPr>
-  </cs:trendline>
-  <cs:trendlineLabel>
-    <cs:lnRef idx="0"/>
-    <cs:fillRef idx="0"/>
-    <cs:effectRef idx="0"/>
-    <cs:fontRef idx="minor">
-      <a:schemeClr val="tx1">
-        <a:lumMod val="65000"/>
-        <a:lumOff val="35000"/>
-      </a:schemeClr>
-    </cs:fontRef>
-    <cs:defRPr sz="1197" kern="1200"/>
-  </cs:trendlineLabel>
-  <cs:upBar>
-    <cs:lnRef idx="0"/>
-    <cs:fillRef idx="0"/>
-    <cs:effectRef idx="0"/>
-    <cs:fontRef idx="minor">
-      <a:schemeClr val="dk1"/>
-    </cs:fontRef>
-    <cs:spPr>
-      <a:solidFill>
-        <a:schemeClr val="lt1"/>
-      </a:solidFill>
-      <a:ln w="9525">
-        <a:solidFill>
-          <a:schemeClr val="tx1">
-            <a:lumMod val="15000"/>
-            <a:lumOff val="85000"/>
-          </a:schemeClr>
-        </a:solidFill>
-      </a:ln>
-    </cs:spPr>
-  </cs:upBar>
-  <cs:valueAxis>
-    <cs:lnRef idx="0"/>
-    <cs:fillRef idx="0"/>
-    <cs:effectRef idx="0"/>
-    <cs:fontRef idx="minor">
-      <a:schemeClr val="tx1">
-        <a:lumMod val="65000"/>
-        <a:lumOff val="35000"/>
-      </a:schemeClr>
-    </cs:fontRef>
-    <cs:defRPr sz="1197" kern="1200"/>
-  </cs:valueAxis>
-  <cs:wall>
-    <cs:lnRef idx="0"/>
-    <cs:fillRef idx="0"/>
-    <cs:effectRef idx="0"/>
-    <cs:fontRef idx="minor">
-      <a:schemeClr val="tx1"/>
-    </cs:fontRef>
-    <cs:spPr>
-      <a:noFill/>
-      <a:ln>
-        <a:noFill/>
-      </a:ln>
-    </cs:spPr>
-  </cs:wall>
-</cs:chartStyle>
 </file>
 
 <file path=ppt/handoutMasters/handoutMaster1.xml><?xml version="1.0" encoding="utf-8"?>
@@ -3191,7 +1653,7 @@
           <p:cNvPr id="2" name="Header Placeholder 1">
             <a:extLst>
               <a:ext uri="{FF2B5EF4-FFF2-40B4-BE49-F238E27FC236}">
-                <a16:creationId xmlns:a16="http://schemas.microsoft.com/office/drawing/2014/main" xmlns="" id="{CCAAC74A-664E-43D3-859E-B35855730DBB}"/>
+                <a16:creationId xmlns:a16="http://schemas.microsoft.com/office/drawing/2014/main" id="{CCAAC74A-664E-43D3-859E-B35855730DBB}"/>
               </a:ext>
             </a:extLst>
           </p:cNvPr>
@@ -3228,7 +1690,7 @@
           <p:cNvPr id="3" name="Date Placeholder 2">
             <a:extLst>
               <a:ext uri="{FF2B5EF4-FFF2-40B4-BE49-F238E27FC236}">
-                <a16:creationId xmlns:a16="http://schemas.microsoft.com/office/drawing/2014/main" xmlns="" id="{2710C658-31F9-4A67-8267-E3463B262A30}"/>
+                <a16:creationId xmlns:a16="http://schemas.microsoft.com/office/drawing/2014/main" id="{2710C658-31F9-4A67-8267-E3463B262A30}"/>
               </a:ext>
             </a:extLst>
           </p:cNvPr>
@@ -3259,7 +1721,7 @@
             <a:fld id="{23AD794A-17F4-48F7-A14F-39DCAE091952}" type="datetimeFigureOut">
               <a:rPr lang="en-US" smtClean="0"/>
               <a:pPr/>
-              <a:t>5/11/2023</a:t>
+              <a:t>6/23/2023</a:t>
             </a:fld>
             <a:endParaRPr lang="en-US" dirty="0"/>
           </a:p>
@@ -3270,7 +1732,7 @@
           <p:cNvPr id="4" name="Footer Placeholder 3">
             <a:extLst>
               <a:ext uri="{FF2B5EF4-FFF2-40B4-BE49-F238E27FC236}">
-                <a16:creationId xmlns:a16="http://schemas.microsoft.com/office/drawing/2014/main" xmlns="" id="{CD7BBBF1-3A7A-4F4B-8592-578ABE65B71F}"/>
+                <a16:creationId xmlns:a16="http://schemas.microsoft.com/office/drawing/2014/main" id="{CD7BBBF1-3A7A-4F4B-8592-578ABE65B71F}"/>
               </a:ext>
             </a:extLst>
           </p:cNvPr>
@@ -3307,7 +1769,7 @@
           <p:cNvPr id="5" name="Slide Number Placeholder 4">
             <a:extLst>
               <a:ext uri="{FF2B5EF4-FFF2-40B4-BE49-F238E27FC236}">
-                <a16:creationId xmlns:a16="http://schemas.microsoft.com/office/drawing/2014/main" xmlns="" id="{CA02F046-B531-4374-9A89-AC21BCA06E1B}"/>
+                <a16:creationId xmlns:a16="http://schemas.microsoft.com/office/drawing/2014/main" id="{CA02F046-B531-4374-9A89-AC21BCA06E1B}"/>
               </a:ext>
             </a:extLst>
           </p:cNvPr>
@@ -3347,7 +1809,7 @@
     </p:spTree>
     <p:extLst>
       <p:ext uri="{BB962C8B-B14F-4D97-AF65-F5344CB8AC3E}">
-        <p14:creationId xmlns:p14="http://schemas.microsoft.com/office/powerpoint/2010/main" xmlns="" val="900527363"/>
+        <p14:creationId xmlns:p14="http://schemas.microsoft.com/office/powerpoint/2010/main" val="900527363"/>
       </p:ext>
     </p:extLst>
   </p:cSld>
@@ -3438,7 +1900,7 @@
             <a:fld id="{594C6A87-CC60-415C-BFEE-13D1CAD6861A}" type="datetimeFigureOut">
               <a:rPr lang="en-US" smtClean="0"/>
               <a:pPr/>
-              <a:t>5/11/2023</a:t>
+              <a:t>6/23/2023</a:t>
             </a:fld>
             <a:endParaRPr lang="en-US" dirty="0"/>
           </a:p>
@@ -3606,7 +2068,7 @@
     </p:spTree>
     <p:extLst>
       <p:ext uri="{BB962C8B-B14F-4D97-AF65-F5344CB8AC3E}">
-        <p14:creationId xmlns:p14="http://schemas.microsoft.com/office/powerpoint/2010/main" xmlns="" val="1300625787"/>
+        <p14:creationId xmlns:p14="http://schemas.microsoft.com/office/powerpoint/2010/main" val="1300625787"/>
       </p:ext>
     </p:extLst>
   </p:cSld>
@@ -3753,10 +2215,9 @@
           </a:lstStyle>
           <a:p>
             <a:r>
-              <a:rPr kumimoji="0" lang="en-US" smtClean="0"/>
+              <a:rPr kumimoji="0" lang="en-US"/>
               <a:t>Click to edit Master title style</a:t>
             </a:r>
-            <a:endParaRPr kumimoji="0" lang="en-US"/>
           </a:p>
         </p:txBody>
       </p:sp>
@@ -3814,10 +2275,9 @@
           </a:lstStyle>
           <a:p>
             <a:r>
-              <a:rPr kumimoji="0" lang="en-US" smtClean="0"/>
+              <a:rPr kumimoji="0" lang="en-US"/>
               <a:t>Click to edit Master subtitle style</a:t>
             </a:r>
-            <a:endParaRPr kumimoji="0" lang="en-US"/>
           </a:p>
         </p:txBody>
       </p:sp>
@@ -3844,7 +2304,7 @@
             <a:fld id="{64BF4833-09CA-4F95-9AA9-D45BF689F777}" type="datetimeFigureOut">
               <a:rPr lang="en-IN" smtClean="0"/>
               <a:pPr/>
-              <a:t>11-05-2023</a:t>
+              <a:t>23-06-2023</a:t>
             </a:fld>
             <a:endParaRPr lang="en-IN"/>
           </a:p>
@@ -4639,10 +3099,9 @@
           <a:lstStyle/>
           <a:p>
             <a:r>
-              <a:rPr kumimoji="0" lang="en-US" smtClean="0"/>
+              <a:rPr kumimoji="0" lang="en-US"/>
               <a:t>Click to edit Master title style</a:t>
             </a:r>
-            <a:endParaRPr kumimoji="0" lang="en-US"/>
           </a:p>
         </p:txBody>
       </p:sp>
@@ -4663,35 +3122,35 @@
           <a:p>
             <a:pPr lvl="0" eaLnBrk="1" latinLnBrk="0" hangingPunct="1"/>
             <a:r>
-              <a:rPr lang="en-US" smtClean="0"/>
+              <a:rPr lang="en-US"/>
               <a:t>Click to edit Master text styles</a:t>
             </a:r>
           </a:p>
           <a:p>
             <a:pPr lvl="1" eaLnBrk="1" latinLnBrk="0" hangingPunct="1"/>
             <a:r>
-              <a:rPr lang="en-US" smtClean="0"/>
+              <a:rPr lang="en-US"/>
               <a:t>Second level</a:t>
             </a:r>
           </a:p>
           <a:p>
             <a:pPr lvl="2" eaLnBrk="1" latinLnBrk="0" hangingPunct="1"/>
             <a:r>
-              <a:rPr lang="en-US" smtClean="0"/>
+              <a:rPr lang="en-US"/>
               <a:t>Third level</a:t>
             </a:r>
           </a:p>
           <a:p>
             <a:pPr lvl="3" eaLnBrk="1" latinLnBrk="0" hangingPunct="1"/>
             <a:r>
-              <a:rPr lang="en-US" smtClean="0"/>
+              <a:rPr lang="en-US"/>
               <a:t>Fourth level</a:t>
             </a:r>
           </a:p>
           <a:p>
             <a:pPr lvl="4" eaLnBrk="1" latinLnBrk="0" hangingPunct="1"/>
             <a:r>
-              <a:rPr lang="en-US" smtClean="0"/>
+              <a:rPr lang="en-US"/>
               <a:t>Fifth level</a:t>
             </a:r>
             <a:endParaRPr kumimoji="0" lang="en-US"/>
@@ -4716,7 +3175,7 @@
             <a:fld id="{64BF4833-09CA-4F95-9AA9-D45BF689F777}" type="datetimeFigureOut">
               <a:rPr lang="en-IN" smtClean="0"/>
               <a:pPr/>
-              <a:t>11-05-2023</a:t>
+              <a:t>23-06-2023</a:t>
             </a:fld>
             <a:endParaRPr lang="en-IN"/>
           </a:p>
@@ -4812,10 +3271,9 @@
           <a:lstStyle/>
           <a:p>
             <a:r>
-              <a:rPr kumimoji="0" lang="en-US" smtClean="0"/>
+              <a:rPr kumimoji="0" lang="en-US"/>
               <a:t>Click to edit Master title style</a:t>
             </a:r>
-            <a:endParaRPr kumimoji="0" lang="en-US"/>
           </a:p>
         </p:txBody>
       </p:sp>
@@ -4841,35 +3299,35 @@
           <a:p>
             <a:pPr lvl="0" eaLnBrk="1" latinLnBrk="0" hangingPunct="1"/>
             <a:r>
-              <a:rPr lang="en-US" smtClean="0"/>
+              <a:rPr lang="en-US"/>
               <a:t>Click to edit Master text styles</a:t>
             </a:r>
           </a:p>
           <a:p>
             <a:pPr lvl="1" eaLnBrk="1" latinLnBrk="0" hangingPunct="1"/>
             <a:r>
-              <a:rPr lang="en-US" smtClean="0"/>
+              <a:rPr lang="en-US"/>
               <a:t>Second level</a:t>
             </a:r>
           </a:p>
           <a:p>
             <a:pPr lvl="2" eaLnBrk="1" latinLnBrk="0" hangingPunct="1"/>
             <a:r>
-              <a:rPr lang="en-US" smtClean="0"/>
+              <a:rPr lang="en-US"/>
               <a:t>Third level</a:t>
             </a:r>
           </a:p>
           <a:p>
             <a:pPr lvl="3" eaLnBrk="1" latinLnBrk="0" hangingPunct="1"/>
             <a:r>
-              <a:rPr lang="en-US" smtClean="0"/>
+              <a:rPr lang="en-US"/>
               <a:t>Fourth level</a:t>
             </a:r>
           </a:p>
           <a:p>
             <a:pPr lvl="4" eaLnBrk="1" latinLnBrk="0" hangingPunct="1"/>
             <a:r>
-              <a:rPr lang="en-US" smtClean="0"/>
+              <a:rPr lang="en-US"/>
               <a:t>Fifth level</a:t>
             </a:r>
             <a:endParaRPr kumimoji="0" lang="en-US"/>
@@ -4894,7 +3352,7 @@
             <a:fld id="{64BF4833-09CA-4F95-9AA9-D45BF689F777}" type="datetimeFigureOut">
               <a:rPr lang="en-IN" smtClean="0"/>
               <a:pPr/>
-              <a:t>11-05-2023</a:t>
+              <a:t>23-06-2023</a:t>
             </a:fld>
             <a:endParaRPr lang="en-IN"/>
           </a:p>
@@ -4974,7 +3432,7 @@
           <p:cNvPr id="7" name="Rectangle 6">
             <a:extLst>
               <a:ext uri="{FF2B5EF4-FFF2-40B4-BE49-F238E27FC236}">
-                <a16:creationId xmlns:a16="http://schemas.microsoft.com/office/drawing/2014/main" xmlns="" id="{76607FB0-0FB2-41FD-B334-74C7B05B8CEE}"/>
+                <a16:creationId xmlns:a16="http://schemas.microsoft.com/office/drawing/2014/main" id="{76607FB0-0FB2-41FD-B334-74C7B05B8CEE}"/>
               </a:ext>
             </a:extLst>
           </p:cNvPr>
@@ -5026,7 +3484,7 @@
           <p:cNvPr id="8" name="Rectangle 7">
             <a:extLst>
               <a:ext uri="{FF2B5EF4-FFF2-40B4-BE49-F238E27FC236}">
-                <a16:creationId xmlns:a16="http://schemas.microsoft.com/office/drawing/2014/main" xmlns="" id="{21508BC1-7ABB-42C8-B268-3C6F4FD455DE}"/>
+                <a16:creationId xmlns:a16="http://schemas.microsoft.com/office/drawing/2014/main" id="{21508BC1-7ABB-42C8-B268-3C6F4FD455DE}"/>
               </a:ext>
             </a:extLst>
           </p:cNvPr>
@@ -5078,7 +3536,7 @@
           <p:cNvPr id="9" name="Picture Placeholder 8">
             <a:extLst>
               <a:ext uri="{FF2B5EF4-FFF2-40B4-BE49-F238E27FC236}">
-                <a16:creationId xmlns:a16="http://schemas.microsoft.com/office/drawing/2014/main" xmlns="" id="{2D02598E-521E-41CD-B068-134834CFF4FF}"/>
+                <a16:creationId xmlns:a16="http://schemas.microsoft.com/office/drawing/2014/main" id="{2D02598E-521E-41CD-B068-134834CFF4FF}"/>
               </a:ext>
             </a:extLst>
           </p:cNvPr>
@@ -5124,7 +3582,7 @@
           <p:cNvPr id="10" name="Rectangle 9">
             <a:extLst>
               <a:ext uri="{FF2B5EF4-FFF2-40B4-BE49-F238E27FC236}">
-                <a16:creationId xmlns:a16="http://schemas.microsoft.com/office/drawing/2014/main" xmlns="" id="{F04A5F51-C7E6-44CC-ADF3-1C83AA35D0DC}"/>
+                <a16:creationId xmlns:a16="http://schemas.microsoft.com/office/drawing/2014/main" id="{F04A5F51-C7E6-44CC-ADF3-1C83AA35D0DC}"/>
               </a:ext>
             </a:extLst>
           </p:cNvPr>
@@ -5176,7 +3634,7 @@
           <p:cNvPr id="2" name="Title 1">
             <a:extLst>
               <a:ext uri="{FF2B5EF4-FFF2-40B4-BE49-F238E27FC236}">
-                <a16:creationId xmlns:a16="http://schemas.microsoft.com/office/drawing/2014/main" xmlns="" id="{4E8B51C6-9166-4F67-995A-396809E6533C}"/>
+                <a16:creationId xmlns:a16="http://schemas.microsoft.com/office/drawing/2014/main" id="{4E8B51C6-9166-4F67-995A-396809E6533C}"/>
               </a:ext>
             </a:extLst>
           </p:cNvPr>
@@ -5218,7 +3676,7 @@
           <p:cNvPr id="3" name="Subtitle 2">
             <a:extLst>
               <a:ext uri="{FF2B5EF4-FFF2-40B4-BE49-F238E27FC236}">
-                <a16:creationId xmlns:a16="http://schemas.microsoft.com/office/drawing/2014/main" xmlns="" id="{A951C9A4-8764-4CB3-AC26-C957C0E84BCD}"/>
+                <a16:creationId xmlns:a16="http://schemas.microsoft.com/office/drawing/2014/main" id="{A951C9A4-8764-4CB3-AC26-C957C0E84BCD}"/>
               </a:ext>
             </a:extLst>
           </p:cNvPr>
@@ -5291,7 +3749,7 @@
     </p:spTree>
     <p:extLst>
       <p:ext uri="{BB962C8B-B14F-4D97-AF65-F5344CB8AC3E}">
-        <p14:creationId xmlns:p14="http://schemas.microsoft.com/office/powerpoint/2010/main" xmlns="" val="3043890197"/>
+        <p14:creationId xmlns:p14="http://schemas.microsoft.com/office/powerpoint/2010/main" val="3043890197"/>
       </p:ext>
     </p:extLst>
   </p:cSld>
@@ -5323,7 +3781,7 @@
           <p:cNvPr id="18" name="Rectangle 17">
             <a:extLst>
               <a:ext uri="{FF2B5EF4-FFF2-40B4-BE49-F238E27FC236}">
-                <a16:creationId xmlns:a16="http://schemas.microsoft.com/office/drawing/2014/main" xmlns="" id="{1DD2DC66-11E4-4714-A8DE-E8AC34D49655}"/>
+                <a16:creationId xmlns:a16="http://schemas.microsoft.com/office/drawing/2014/main" id="{1DD2DC66-11E4-4714-A8DE-E8AC34D49655}"/>
               </a:ext>
             </a:extLst>
           </p:cNvPr>
@@ -5375,7 +3833,7 @@
           <p:cNvPr id="21" name="Rectangle 20">
             <a:extLst>
               <a:ext uri="{FF2B5EF4-FFF2-40B4-BE49-F238E27FC236}">
-                <a16:creationId xmlns:a16="http://schemas.microsoft.com/office/drawing/2014/main" xmlns="" id="{8CD9ECBB-3A0A-409C-B1C0-C8F4C3087894}"/>
+                <a16:creationId xmlns:a16="http://schemas.microsoft.com/office/drawing/2014/main" id="{8CD9ECBB-3A0A-409C-B1C0-C8F4C3087894}"/>
               </a:ext>
             </a:extLst>
           </p:cNvPr>
@@ -5427,7 +3885,7 @@
           <p:cNvPr id="22" name="Rectangle 21">
             <a:extLst>
               <a:ext uri="{FF2B5EF4-FFF2-40B4-BE49-F238E27FC236}">
-                <a16:creationId xmlns:a16="http://schemas.microsoft.com/office/drawing/2014/main" xmlns="" id="{6FB4FA2C-0414-484D-95CD-C5E17E33E238}"/>
+                <a16:creationId xmlns:a16="http://schemas.microsoft.com/office/drawing/2014/main" id="{6FB4FA2C-0414-484D-95CD-C5E17E33E238}"/>
               </a:ext>
             </a:extLst>
           </p:cNvPr>
@@ -5479,7 +3937,7 @@
           <p:cNvPr id="25" name="Rectangle 24">
             <a:extLst>
               <a:ext uri="{FF2B5EF4-FFF2-40B4-BE49-F238E27FC236}">
-                <a16:creationId xmlns:a16="http://schemas.microsoft.com/office/drawing/2014/main" xmlns="" id="{8D0DE753-6478-4950-8F99-15952FCB6521}"/>
+                <a16:creationId xmlns:a16="http://schemas.microsoft.com/office/drawing/2014/main" id="{8D0DE753-6478-4950-8F99-15952FCB6521}"/>
               </a:ext>
             </a:extLst>
           </p:cNvPr>
@@ -5531,7 +3989,7 @@
           <p:cNvPr id="2" name="Title 1">
             <a:extLst>
               <a:ext uri="{FF2B5EF4-FFF2-40B4-BE49-F238E27FC236}">
-                <a16:creationId xmlns:a16="http://schemas.microsoft.com/office/drawing/2014/main" xmlns="" id="{BADB3C88-F13B-4B5F-920D-B4EFFAA592E5}"/>
+                <a16:creationId xmlns:a16="http://schemas.microsoft.com/office/drawing/2014/main" id="{BADB3C88-F13B-4B5F-920D-B4EFFAA592E5}"/>
               </a:ext>
             </a:extLst>
           </p:cNvPr>
@@ -5565,7 +4023,7 @@
           <p:cNvPr id="17" name="Slide Number Placeholder 4">
             <a:extLst>
               <a:ext uri="{FF2B5EF4-FFF2-40B4-BE49-F238E27FC236}">
-                <a16:creationId xmlns:a16="http://schemas.microsoft.com/office/drawing/2014/main" xmlns="" id="{76336E3A-55EE-4423-B1AA-7489CA988813}"/>
+                <a16:creationId xmlns:a16="http://schemas.microsoft.com/office/drawing/2014/main" id="{76336E3A-55EE-4423-B1AA-7489CA988813}"/>
               </a:ext>
             </a:extLst>
           </p:cNvPr>
@@ -5600,7 +4058,7 @@
           <p:cNvPr id="24" name="Straight Connector 23">
             <a:extLst>
               <a:ext uri="{FF2B5EF4-FFF2-40B4-BE49-F238E27FC236}">
-                <a16:creationId xmlns:a16="http://schemas.microsoft.com/office/drawing/2014/main" xmlns="" id="{0C61EA57-B8EA-4589-A9DD-E25F300D5AFD}"/>
+                <a16:creationId xmlns:a16="http://schemas.microsoft.com/office/drawing/2014/main" id="{0C61EA57-B8EA-4589-A9DD-E25F300D5AFD}"/>
               </a:ext>
             </a:extLst>
           </p:cNvPr>
@@ -5641,7 +4099,7 @@
           <p:cNvPr id="43" name="Picture Placeholder 33">
             <a:extLst>
               <a:ext uri="{FF2B5EF4-FFF2-40B4-BE49-F238E27FC236}">
-                <a16:creationId xmlns:a16="http://schemas.microsoft.com/office/drawing/2014/main" xmlns="" id="{1644FD94-AD03-4C4F-A1A5-085DD8F56646}"/>
+                <a16:creationId xmlns:a16="http://schemas.microsoft.com/office/drawing/2014/main" id="{1644FD94-AD03-4C4F-A1A5-085DD8F56646}"/>
               </a:ext>
             </a:extLst>
           </p:cNvPr>
@@ -5686,7 +4144,7 @@
           <p:cNvPr id="28" name="Picture Placeholder 33">
             <a:extLst>
               <a:ext uri="{FF2B5EF4-FFF2-40B4-BE49-F238E27FC236}">
-                <a16:creationId xmlns:a16="http://schemas.microsoft.com/office/drawing/2014/main" xmlns="" id="{85BB27A3-DB87-46F4-8CA4-3C04A088E787}"/>
+                <a16:creationId xmlns:a16="http://schemas.microsoft.com/office/drawing/2014/main" id="{85BB27A3-DB87-46F4-8CA4-3C04A088E787}"/>
               </a:ext>
             </a:extLst>
           </p:cNvPr>
@@ -5731,7 +4189,7 @@
           <p:cNvPr id="29" name="Picture Placeholder 33">
             <a:extLst>
               <a:ext uri="{FF2B5EF4-FFF2-40B4-BE49-F238E27FC236}">
-                <a16:creationId xmlns:a16="http://schemas.microsoft.com/office/drawing/2014/main" xmlns="" id="{F356E399-83ED-4937-A1CC-F591866C0E8C}"/>
+                <a16:creationId xmlns:a16="http://schemas.microsoft.com/office/drawing/2014/main" id="{F356E399-83ED-4937-A1CC-F591866C0E8C}"/>
               </a:ext>
             </a:extLst>
           </p:cNvPr>
@@ -5776,7 +4234,7 @@
           <p:cNvPr id="30" name="Picture Placeholder 33">
             <a:extLst>
               <a:ext uri="{FF2B5EF4-FFF2-40B4-BE49-F238E27FC236}">
-                <a16:creationId xmlns:a16="http://schemas.microsoft.com/office/drawing/2014/main" xmlns="" id="{0967254B-CF1D-4F0D-A7F6-EC4E117B7509}"/>
+                <a16:creationId xmlns:a16="http://schemas.microsoft.com/office/drawing/2014/main" id="{0967254B-CF1D-4F0D-A7F6-EC4E117B7509}"/>
               </a:ext>
             </a:extLst>
           </p:cNvPr>
@@ -5821,7 +4279,7 @@
           <p:cNvPr id="31" name="Text Placeholder 39">
             <a:extLst>
               <a:ext uri="{FF2B5EF4-FFF2-40B4-BE49-F238E27FC236}">
-                <a16:creationId xmlns:a16="http://schemas.microsoft.com/office/drawing/2014/main" xmlns="" id="{0CEF6C35-6F7B-43AD-9E4D-44C2F8A7DFAC}"/>
+                <a16:creationId xmlns:a16="http://schemas.microsoft.com/office/drawing/2014/main" id="{0CEF6C35-6F7B-43AD-9E4D-44C2F8A7DFAC}"/>
               </a:ext>
             </a:extLst>
           </p:cNvPr>
@@ -5899,7 +4357,7 @@
           <p:cNvPr id="33" name="Text Placeholder 39">
             <a:extLst>
               <a:ext uri="{FF2B5EF4-FFF2-40B4-BE49-F238E27FC236}">
-                <a16:creationId xmlns:a16="http://schemas.microsoft.com/office/drawing/2014/main" xmlns="" id="{44EF032C-161A-4C58-B624-66488C255E1F}"/>
+                <a16:creationId xmlns:a16="http://schemas.microsoft.com/office/drawing/2014/main" id="{44EF032C-161A-4C58-B624-66488C255E1F}"/>
               </a:ext>
             </a:extLst>
           </p:cNvPr>
@@ -5977,7 +4435,7 @@
           <p:cNvPr id="37" name="Text Placeholder 39">
             <a:extLst>
               <a:ext uri="{FF2B5EF4-FFF2-40B4-BE49-F238E27FC236}">
-                <a16:creationId xmlns:a16="http://schemas.microsoft.com/office/drawing/2014/main" xmlns="" id="{ACF86334-F4A8-4CCD-944F-524700CD8386}"/>
+                <a16:creationId xmlns:a16="http://schemas.microsoft.com/office/drawing/2014/main" id="{ACF86334-F4A8-4CCD-944F-524700CD8386}"/>
               </a:ext>
             </a:extLst>
           </p:cNvPr>
@@ -6055,7 +4513,7 @@
           <p:cNvPr id="38" name="Text Placeholder 39">
             <a:extLst>
               <a:ext uri="{FF2B5EF4-FFF2-40B4-BE49-F238E27FC236}">
-                <a16:creationId xmlns:a16="http://schemas.microsoft.com/office/drawing/2014/main" xmlns="" id="{135B4AC9-821C-4D70-8A4A-1992394DE432}"/>
+                <a16:creationId xmlns:a16="http://schemas.microsoft.com/office/drawing/2014/main" id="{135B4AC9-821C-4D70-8A4A-1992394DE432}"/>
               </a:ext>
             </a:extLst>
           </p:cNvPr>
@@ -6133,7 +4591,7 @@
           <p:cNvPr id="40" name="Text Placeholder 39">
             <a:extLst>
               <a:ext uri="{FF2B5EF4-FFF2-40B4-BE49-F238E27FC236}">
-                <a16:creationId xmlns:a16="http://schemas.microsoft.com/office/drawing/2014/main" xmlns="" id="{D2CF516C-7598-43D3-95E9-5633F8F4469B}"/>
+                <a16:creationId xmlns:a16="http://schemas.microsoft.com/office/drawing/2014/main" id="{D2CF516C-7598-43D3-95E9-5633F8F4469B}"/>
               </a:ext>
             </a:extLst>
           </p:cNvPr>
@@ -6211,7 +4669,7 @@
           <p:cNvPr id="41" name="Text Placeholder 39">
             <a:extLst>
               <a:ext uri="{FF2B5EF4-FFF2-40B4-BE49-F238E27FC236}">
-                <a16:creationId xmlns:a16="http://schemas.microsoft.com/office/drawing/2014/main" xmlns="" id="{12A6084C-5383-4EFC-8D49-33C5B61E6492}"/>
+                <a16:creationId xmlns:a16="http://schemas.microsoft.com/office/drawing/2014/main" id="{12A6084C-5383-4EFC-8D49-33C5B61E6492}"/>
               </a:ext>
             </a:extLst>
           </p:cNvPr>
@@ -6289,7 +4747,7 @@
           <p:cNvPr id="42" name="Text Placeholder 39">
             <a:extLst>
               <a:ext uri="{FF2B5EF4-FFF2-40B4-BE49-F238E27FC236}">
-                <a16:creationId xmlns:a16="http://schemas.microsoft.com/office/drawing/2014/main" xmlns="" id="{EFC5493B-D3CF-41B9-A996-7FBE932504B8}"/>
+                <a16:creationId xmlns:a16="http://schemas.microsoft.com/office/drawing/2014/main" id="{EFC5493B-D3CF-41B9-A996-7FBE932504B8}"/>
               </a:ext>
             </a:extLst>
           </p:cNvPr>
@@ -6367,7 +4825,7 @@
           <p:cNvPr id="44" name="Text Placeholder 39">
             <a:extLst>
               <a:ext uri="{FF2B5EF4-FFF2-40B4-BE49-F238E27FC236}">
-                <a16:creationId xmlns:a16="http://schemas.microsoft.com/office/drawing/2014/main" xmlns="" id="{33A98F60-C169-44C1-9654-2239C9C1F29A}"/>
+                <a16:creationId xmlns:a16="http://schemas.microsoft.com/office/drawing/2014/main" id="{33A98F60-C169-44C1-9654-2239C9C1F29A}"/>
               </a:ext>
             </a:extLst>
           </p:cNvPr>
@@ -6443,7 +4901,7 @@
     </p:spTree>
     <p:extLst>
       <p:ext uri="{BB962C8B-B14F-4D97-AF65-F5344CB8AC3E}">
-        <p14:creationId xmlns:p14="http://schemas.microsoft.com/office/powerpoint/2010/main" xmlns="" val="3273004770"/>
+        <p14:creationId xmlns:p14="http://schemas.microsoft.com/office/powerpoint/2010/main" val="3273004770"/>
       </p:ext>
     </p:extLst>
   </p:cSld>
@@ -6475,7 +4933,7 @@
           <p:cNvPr id="2" name="Title 1">
             <a:extLst>
               <a:ext uri="{FF2B5EF4-FFF2-40B4-BE49-F238E27FC236}">
-                <a16:creationId xmlns:a16="http://schemas.microsoft.com/office/drawing/2014/main" xmlns="" id="{BADB3C88-F13B-4B5F-920D-B4EFFAA592E5}"/>
+                <a16:creationId xmlns:a16="http://schemas.microsoft.com/office/drawing/2014/main" id="{BADB3C88-F13B-4B5F-920D-B4EFFAA592E5}"/>
               </a:ext>
             </a:extLst>
           </p:cNvPr>
@@ -6503,7 +4961,7 @@
           <p:cNvPr id="5" name="Slide Number Placeholder 4">
             <a:extLst>
               <a:ext uri="{FF2B5EF4-FFF2-40B4-BE49-F238E27FC236}">
-                <a16:creationId xmlns:a16="http://schemas.microsoft.com/office/drawing/2014/main" xmlns="" id="{6E5460C4-49C1-4270-BC58-5EEBC77615CD}"/>
+                <a16:creationId xmlns:a16="http://schemas.microsoft.com/office/drawing/2014/main" id="{6E5460C4-49C1-4270-BC58-5EEBC77615CD}"/>
               </a:ext>
             </a:extLst>
           </p:cNvPr>
@@ -6533,7 +4991,7 @@
           <p:cNvPr id="24" name="Rectangle 23">
             <a:extLst>
               <a:ext uri="{FF2B5EF4-FFF2-40B4-BE49-F238E27FC236}">
-                <a16:creationId xmlns:a16="http://schemas.microsoft.com/office/drawing/2014/main" xmlns="" id="{E2950CCA-59F9-4C47-A5BA-294E9EDCBABE}"/>
+                <a16:creationId xmlns:a16="http://schemas.microsoft.com/office/drawing/2014/main" id="{E2950CCA-59F9-4C47-A5BA-294E9EDCBABE}"/>
               </a:ext>
             </a:extLst>
           </p:cNvPr>
@@ -6585,7 +5043,7 @@
           <p:cNvPr id="25" name="Rectangle 24">
             <a:extLst>
               <a:ext uri="{FF2B5EF4-FFF2-40B4-BE49-F238E27FC236}">
-                <a16:creationId xmlns:a16="http://schemas.microsoft.com/office/drawing/2014/main" xmlns="" id="{EB5BF167-B9E6-4F02-9FA8-3CA79D552F0E}"/>
+                <a16:creationId xmlns:a16="http://schemas.microsoft.com/office/drawing/2014/main" id="{EB5BF167-B9E6-4F02-9FA8-3CA79D552F0E}"/>
               </a:ext>
             </a:extLst>
           </p:cNvPr>
@@ -6637,7 +5095,7 @@
           <p:cNvPr id="26" name="Rectangle 25">
             <a:extLst>
               <a:ext uri="{FF2B5EF4-FFF2-40B4-BE49-F238E27FC236}">
-                <a16:creationId xmlns:a16="http://schemas.microsoft.com/office/drawing/2014/main" xmlns="" id="{B48694DE-D82B-49DB-8A45-D1DD4C9BCEF1}"/>
+                <a16:creationId xmlns:a16="http://schemas.microsoft.com/office/drawing/2014/main" id="{B48694DE-D82B-49DB-8A45-D1DD4C9BCEF1}"/>
               </a:ext>
             </a:extLst>
           </p:cNvPr>
@@ -6689,7 +5147,7 @@
           <p:cNvPr id="27" name="Rectangle 26">
             <a:extLst>
               <a:ext uri="{FF2B5EF4-FFF2-40B4-BE49-F238E27FC236}">
-                <a16:creationId xmlns:a16="http://schemas.microsoft.com/office/drawing/2014/main" xmlns="" id="{407C1370-8D38-4641-8D37-30A1218A4372}"/>
+                <a16:creationId xmlns:a16="http://schemas.microsoft.com/office/drawing/2014/main" id="{407C1370-8D38-4641-8D37-30A1218A4372}"/>
               </a:ext>
             </a:extLst>
           </p:cNvPr>
@@ -6741,7 +5199,7 @@
           <p:cNvPr id="29" name="Straight Connector 28">
             <a:extLst>
               <a:ext uri="{FF2B5EF4-FFF2-40B4-BE49-F238E27FC236}">
-                <a16:creationId xmlns:a16="http://schemas.microsoft.com/office/drawing/2014/main" xmlns="" id="{CE3EDDE5-9B23-44D7-8546-0B2365B42B16}"/>
+                <a16:creationId xmlns:a16="http://schemas.microsoft.com/office/drawing/2014/main" id="{CE3EDDE5-9B23-44D7-8546-0B2365B42B16}"/>
               </a:ext>
             </a:extLst>
           </p:cNvPr>
@@ -6782,7 +5240,7 @@
           <p:cNvPr id="30" name="Straight Connector 29">
             <a:extLst>
               <a:ext uri="{FF2B5EF4-FFF2-40B4-BE49-F238E27FC236}">
-                <a16:creationId xmlns:a16="http://schemas.microsoft.com/office/drawing/2014/main" xmlns="" id="{B9D259D5-D3C0-4B60-B2D9-9B6DFFD270D8}"/>
+                <a16:creationId xmlns:a16="http://schemas.microsoft.com/office/drawing/2014/main" id="{B9D259D5-D3C0-4B60-B2D9-9B6DFFD270D8}"/>
               </a:ext>
             </a:extLst>
           </p:cNvPr>
@@ -6823,7 +5281,7 @@
           <p:cNvPr id="31" name="Straight Connector 30">
             <a:extLst>
               <a:ext uri="{FF2B5EF4-FFF2-40B4-BE49-F238E27FC236}">
-                <a16:creationId xmlns:a16="http://schemas.microsoft.com/office/drawing/2014/main" xmlns="" id="{0710C392-9E34-4640-AC70-210A1B8C47B5}"/>
+                <a16:creationId xmlns:a16="http://schemas.microsoft.com/office/drawing/2014/main" id="{0710C392-9E34-4640-AC70-210A1B8C47B5}"/>
               </a:ext>
             </a:extLst>
           </p:cNvPr>
@@ -6864,7 +5322,7 @@
           <p:cNvPr id="32" name="Straight Connector 31">
             <a:extLst>
               <a:ext uri="{FF2B5EF4-FFF2-40B4-BE49-F238E27FC236}">
-                <a16:creationId xmlns:a16="http://schemas.microsoft.com/office/drawing/2014/main" xmlns="" id="{D7A92E0B-B060-48FA-A650-36894FF4B216}"/>
+                <a16:creationId xmlns:a16="http://schemas.microsoft.com/office/drawing/2014/main" id="{D7A92E0B-B060-48FA-A650-36894FF4B216}"/>
               </a:ext>
             </a:extLst>
           </p:cNvPr>
@@ -6905,7 +5363,7 @@
           <p:cNvPr id="34" name="Picture Placeholder 33">
             <a:extLst>
               <a:ext uri="{FF2B5EF4-FFF2-40B4-BE49-F238E27FC236}">
-                <a16:creationId xmlns:a16="http://schemas.microsoft.com/office/drawing/2014/main" xmlns="" id="{D9056F2B-EAFD-4A57-BB92-D14816C84DDE}"/>
+                <a16:creationId xmlns:a16="http://schemas.microsoft.com/office/drawing/2014/main" id="{D9056F2B-EAFD-4A57-BB92-D14816C84DDE}"/>
               </a:ext>
             </a:extLst>
           </p:cNvPr>
@@ -6948,7 +5406,7 @@
           <p:cNvPr id="35" name="Picture Placeholder 33">
             <a:extLst>
               <a:ext uri="{FF2B5EF4-FFF2-40B4-BE49-F238E27FC236}">
-                <a16:creationId xmlns:a16="http://schemas.microsoft.com/office/drawing/2014/main" xmlns="" id="{E65006DE-F797-4019-BB72-F484F9FE7E58}"/>
+                <a16:creationId xmlns:a16="http://schemas.microsoft.com/office/drawing/2014/main" id="{E65006DE-F797-4019-BB72-F484F9FE7E58}"/>
               </a:ext>
             </a:extLst>
           </p:cNvPr>
@@ -6991,7 +5449,7 @@
           <p:cNvPr id="36" name="Picture Placeholder 33">
             <a:extLst>
               <a:ext uri="{FF2B5EF4-FFF2-40B4-BE49-F238E27FC236}">
-                <a16:creationId xmlns:a16="http://schemas.microsoft.com/office/drawing/2014/main" xmlns="" id="{0947D252-5545-4406-8764-B7712464DA56}"/>
+                <a16:creationId xmlns:a16="http://schemas.microsoft.com/office/drawing/2014/main" id="{0947D252-5545-4406-8764-B7712464DA56}"/>
               </a:ext>
             </a:extLst>
           </p:cNvPr>
@@ -7034,7 +5492,7 @@
           <p:cNvPr id="38" name="Picture Placeholder 33">
             <a:extLst>
               <a:ext uri="{FF2B5EF4-FFF2-40B4-BE49-F238E27FC236}">
-                <a16:creationId xmlns:a16="http://schemas.microsoft.com/office/drawing/2014/main" xmlns="" id="{DD89F80C-C1D7-4F63-BAD2-F4EE1F9A162F}"/>
+                <a16:creationId xmlns:a16="http://schemas.microsoft.com/office/drawing/2014/main" id="{DD89F80C-C1D7-4F63-BAD2-F4EE1F9A162F}"/>
               </a:ext>
             </a:extLst>
           </p:cNvPr>
@@ -7077,7 +5535,7 @@
           <p:cNvPr id="40" name="Text Placeholder 39">
             <a:extLst>
               <a:ext uri="{FF2B5EF4-FFF2-40B4-BE49-F238E27FC236}">
-                <a16:creationId xmlns:a16="http://schemas.microsoft.com/office/drawing/2014/main" xmlns="" id="{08BBFEC8-B6BE-4768-9284-26D98C06FFC4}"/>
+                <a16:creationId xmlns:a16="http://schemas.microsoft.com/office/drawing/2014/main" id="{08BBFEC8-B6BE-4768-9284-26D98C06FFC4}"/>
               </a:ext>
             </a:extLst>
           </p:cNvPr>
@@ -7154,7 +5612,7 @@
           <p:cNvPr id="41" name="Text Placeholder 39">
             <a:extLst>
               <a:ext uri="{FF2B5EF4-FFF2-40B4-BE49-F238E27FC236}">
-                <a16:creationId xmlns:a16="http://schemas.microsoft.com/office/drawing/2014/main" xmlns="" id="{D12C79C2-427D-418B-8FFA-C27D8F2C986B}"/>
+                <a16:creationId xmlns:a16="http://schemas.microsoft.com/office/drawing/2014/main" id="{D12C79C2-427D-418B-8FFA-C27D8F2C986B}"/>
               </a:ext>
             </a:extLst>
           </p:cNvPr>
@@ -7231,7 +5689,7 @@
           <p:cNvPr id="42" name="Text Placeholder 39">
             <a:extLst>
               <a:ext uri="{FF2B5EF4-FFF2-40B4-BE49-F238E27FC236}">
-                <a16:creationId xmlns:a16="http://schemas.microsoft.com/office/drawing/2014/main" xmlns="" id="{0FD568C4-A06D-4A56-B7D6-AF338F5C329A}"/>
+                <a16:creationId xmlns:a16="http://schemas.microsoft.com/office/drawing/2014/main" id="{0FD568C4-A06D-4A56-B7D6-AF338F5C329A}"/>
               </a:ext>
             </a:extLst>
           </p:cNvPr>
@@ -7308,7 +5766,7 @@
           <p:cNvPr id="43" name="Text Placeholder 39">
             <a:extLst>
               <a:ext uri="{FF2B5EF4-FFF2-40B4-BE49-F238E27FC236}">
-                <a16:creationId xmlns:a16="http://schemas.microsoft.com/office/drawing/2014/main" xmlns="" id="{76B41443-1233-4172-B61C-7CC516D88802}"/>
+                <a16:creationId xmlns:a16="http://schemas.microsoft.com/office/drawing/2014/main" id="{76B41443-1233-4172-B61C-7CC516D88802}"/>
               </a:ext>
             </a:extLst>
           </p:cNvPr>
@@ -7383,7 +5841,7 @@
     </p:spTree>
     <p:extLst>
       <p:ext uri="{BB962C8B-B14F-4D97-AF65-F5344CB8AC3E}">
-        <p14:creationId xmlns:p14="http://schemas.microsoft.com/office/powerpoint/2010/main" xmlns="" val="3843774090"/>
+        <p14:creationId xmlns:p14="http://schemas.microsoft.com/office/powerpoint/2010/main" val="3843774090"/>
       </p:ext>
     </p:extLst>
   </p:cSld>
@@ -7415,7 +5873,7 @@
           <p:cNvPr id="2" name="Title 1">
             <a:extLst>
               <a:ext uri="{FF2B5EF4-FFF2-40B4-BE49-F238E27FC236}">
-                <a16:creationId xmlns:a16="http://schemas.microsoft.com/office/drawing/2014/main" xmlns="" id="{BADB3C88-F13B-4B5F-920D-B4EFFAA592E5}"/>
+                <a16:creationId xmlns:a16="http://schemas.microsoft.com/office/drawing/2014/main" id="{BADB3C88-F13B-4B5F-920D-B4EFFAA592E5}"/>
               </a:ext>
             </a:extLst>
           </p:cNvPr>
@@ -7449,7 +5907,7 @@
           <p:cNvPr id="17" name="Slide Number Placeholder 4">
             <a:extLst>
               <a:ext uri="{FF2B5EF4-FFF2-40B4-BE49-F238E27FC236}">
-                <a16:creationId xmlns:a16="http://schemas.microsoft.com/office/drawing/2014/main" xmlns="" id="{76336E3A-55EE-4423-B1AA-7489CA988813}"/>
+                <a16:creationId xmlns:a16="http://schemas.microsoft.com/office/drawing/2014/main" id="{76336E3A-55EE-4423-B1AA-7489CA988813}"/>
               </a:ext>
             </a:extLst>
           </p:cNvPr>
@@ -7484,7 +5942,7 @@
           <p:cNvPr id="24" name="Straight Connector 23">
             <a:extLst>
               <a:ext uri="{FF2B5EF4-FFF2-40B4-BE49-F238E27FC236}">
-                <a16:creationId xmlns:a16="http://schemas.microsoft.com/office/drawing/2014/main" xmlns="" id="{0C61EA57-B8EA-4589-A9DD-E25F300D5AFD}"/>
+                <a16:creationId xmlns:a16="http://schemas.microsoft.com/office/drawing/2014/main" id="{0C61EA57-B8EA-4589-A9DD-E25F300D5AFD}"/>
               </a:ext>
             </a:extLst>
           </p:cNvPr>
@@ -7525,7 +5983,7 @@
           <p:cNvPr id="4" name="Chart Placeholder 3">
             <a:extLst>
               <a:ext uri="{FF2B5EF4-FFF2-40B4-BE49-F238E27FC236}">
-                <a16:creationId xmlns:a16="http://schemas.microsoft.com/office/drawing/2014/main" xmlns="" id="{56084AEC-DB39-4367-A213-BB2FE4AD38BE}"/>
+                <a16:creationId xmlns:a16="http://schemas.microsoft.com/office/drawing/2014/main" id="{56084AEC-DB39-4367-A213-BB2FE4AD38BE}"/>
               </a:ext>
             </a:extLst>
           </p:cNvPr>
@@ -7566,7 +6024,7 @@
           <p:cNvPr id="25" name="Rectangle 24">
             <a:extLst>
               <a:ext uri="{FF2B5EF4-FFF2-40B4-BE49-F238E27FC236}">
-                <a16:creationId xmlns:a16="http://schemas.microsoft.com/office/drawing/2014/main" xmlns="" id="{D928258E-48B5-471F-BC61-B45FB2CA51BA}"/>
+                <a16:creationId xmlns:a16="http://schemas.microsoft.com/office/drawing/2014/main" id="{D928258E-48B5-471F-BC61-B45FB2CA51BA}"/>
               </a:ext>
             </a:extLst>
           </p:cNvPr>
@@ -7618,7 +6076,7 @@
           <p:cNvPr id="6" name="Text Placeholder 5">
             <a:extLst>
               <a:ext uri="{FF2B5EF4-FFF2-40B4-BE49-F238E27FC236}">
-                <a16:creationId xmlns:a16="http://schemas.microsoft.com/office/drawing/2014/main" xmlns="" id="{9867FAC3-5109-4D5D-8105-FC48313396C4}"/>
+                <a16:creationId xmlns:a16="http://schemas.microsoft.com/office/drawing/2014/main" id="{9867FAC3-5109-4D5D-8105-FC48313396C4}"/>
               </a:ext>
             </a:extLst>
           </p:cNvPr>
@@ -7716,7 +6174,7 @@
     </p:spTree>
     <p:extLst>
       <p:ext uri="{BB962C8B-B14F-4D97-AF65-F5344CB8AC3E}">
-        <p14:creationId xmlns:p14="http://schemas.microsoft.com/office/powerpoint/2010/main" xmlns="" val="3120761927"/>
+        <p14:creationId xmlns:p14="http://schemas.microsoft.com/office/powerpoint/2010/main" val="3120761927"/>
       </p:ext>
     </p:extLst>
   </p:cSld>
@@ -7748,7 +6206,7 @@
           <p:cNvPr id="9" name="Rectangle 8">
             <a:extLst>
               <a:ext uri="{FF2B5EF4-FFF2-40B4-BE49-F238E27FC236}">
-                <a16:creationId xmlns:a16="http://schemas.microsoft.com/office/drawing/2014/main" xmlns="" id="{0A6C789F-805A-4494-8430-C63414191AC2}"/>
+                <a16:creationId xmlns:a16="http://schemas.microsoft.com/office/drawing/2014/main" id="{0A6C789F-805A-4494-8430-C63414191AC2}"/>
               </a:ext>
             </a:extLst>
           </p:cNvPr>
@@ -7800,7 +6258,7 @@
           <p:cNvPr id="10" name="Rectangle 9">
             <a:extLst>
               <a:ext uri="{FF2B5EF4-FFF2-40B4-BE49-F238E27FC236}">
-                <a16:creationId xmlns:a16="http://schemas.microsoft.com/office/drawing/2014/main" xmlns="" id="{A5A73287-EED0-4EEC-8007-E2C13366027B}"/>
+                <a16:creationId xmlns:a16="http://schemas.microsoft.com/office/drawing/2014/main" id="{A5A73287-EED0-4EEC-8007-E2C13366027B}"/>
               </a:ext>
             </a:extLst>
           </p:cNvPr>
@@ -7852,7 +6310,7 @@
           <p:cNvPr id="2" name="Title 1">
             <a:extLst>
               <a:ext uri="{FF2B5EF4-FFF2-40B4-BE49-F238E27FC236}">
-                <a16:creationId xmlns:a16="http://schemas.microsoft.com/office/drawing/2014/main" xmlns="" id="{DE3A6AA5-A315-455E-B5C7-E53E3746ED81}"/>
+                <a16:creationId xmlns:a16="http://schemas.microsoft.com/office/drawing/2014/main" id="{DE3A6AA5-A315-455E-B5C7-E53E3746ED81}"/>
               </a:ext>
             </a:extLst>
           </p:cNvPr>
@@ -7880,7 +6338,7 @@
           <p:cNvPr id="3" name="Content Placeholder 2">
             <a:extLst>
               <a:ext uri="{FF2B5EF4-FFF2-40B4-BE49-F238E27FC236}">
-                <a16:creationId xmlns:a16="http://schemas.microsoft.com/office/drawing/2014/main" xmlns="" id="{3E60534E-DE82-45F4-8E2E-DA97F169177F}"/>
+                <a16:creationId xmlns:a16="http://schemas.microsoft.com/office/drawing/2014/main" id="{3E60534E-DE82-45F4-8E2E-DA97F169177F}"/>
               </a:ext>
             </a:extLst>
           </p:cNvPr>
@@ -7981,7 +6439,7 @@
           <p:cNvPr id="4" name="Content Placeholder 3">
             <a:extLst>
               <a:ext uri="{FF2B5EF4-FFF2-40B4-BE49-F238E27FC236}">
-                <a16:creationId xmlns:a16="http://schemas.microsoft.com/office/drawing/2014/main" xmlns="" id="{23F1116B-C8B0-450D-83F6-49C4ABB22CCD}"/>
+                <a16:creationId xmlns:a16="http://schemas.microsoft.com/office/drawing/2014/main" id="{23F1116B-C8B0-450D-83F6-49C4ABB22CCD}"/>
               </a:ext>
             </a:extLst>
           </p:cNvPr>
@@ -8082,7 +6540,7 @@
           <p:cNvPr id="7" name="Slide Number Placeholder 6">
             <a:extLst>
               <a:ext uri="{FF2B5EF4-FFF2-40B4-BE49-F238E27FC236}">
-                <a16:creationId xmlns:a16="http://schemas.microsoft.com/office/drawing/2014/main" xmlns="" id="{2C182A82-4FBE-4689-B739-692549B4030D}"/>
+                <a16:creationId xmlns:a16="http://schemas.microsoft.com/office/drawing/2014/main" id="{2C182A82-4FBE-4689-B739-692549B4030D}"/>
               </a:ext>
             </a:extLst>
           </p:cNvPr>
@@ -8112,7 +6570,7 @@
           <p:cNvPr id="8" name="Picture Placeholder 6">
             <a:extLst>
               <a:ext uri="{FF2B5EF4-FFF2-40B4-BE49-F238E27FC236}">
-                <a16:creationId xmlns:a16="http://schemas.microsoft.com/office/drawing/2014/main" xmlns="" id="{4DC80855-A1B8-4B65-B6F6-2AA6239EC246}"/>
+                <a16:creationId xmlns:a16="http://schemas.microsoft.com/office/drawing/2014/main" id="{4DC80855-A1B8-4B65-B6F6-2AA6239EC246}"/>
               </a:ext>
             </a:extLst>
           </p:cNvPr>
@@ -8158,7 +6616,7 @@
     </p:spTree>
     <p:extLst>
       <p:ext uri="{BB962C8B-B14F-4D97-AF65-F5344CB8AC3E}">
-        <p14:creationId xmlns:p14="http://schemas.microsoft.com/office/powerpoint/2010/main" xmlns="" val="1219079953"/>
+        <p14:creationId xmlns:p14="http://schemas.microsoft.com/office/powerpoint/2010/main" val="1219079953"/>
       </p:ext>
     </p:extLst>
   </p:cSld>
@@ -8190,7 +6648,7 @@
           <p:cNvPr id="7" name="Rectangle 6">
             <a:extLst>
               <a:ext uri="{FF2B5EF4-FFF2-40B4-BE49-F238E27FC236}">
-                <a16:creationId xmlns:a16="http://schemas.microsoft.com/office/drawing/2014/main" xmlns="" id="{4DB43705-0B3F-4F77-A8BB-08EC09D36A56}"/>
+                <a16:creationId xmlns:a16="http://schemas.microsoft.com/office/drawing/2014/main" id="{4DB43705-0B3F-4F77-A8BB-08EC09D36A56}"/>
               </a:ext>
             </a:extLst>
           </p:cNvPr>
@@ -8242,7 +6700,7 @@
           <p:cNvPr id="2" name="Title 1">
             <a:extLst>
               <a:ext uri="{FF2B5EF4-FFF2-40B4-BE49-F238E27FC236}">
-                <a16:creationId xmlns:a16="http://schemas.microsoft.com/office/drawing/2014/main" xmlns="" id="{9B2BA5B3-8B1C-4C1C-B4EB-C9A8AC24AEDE}"/>
+                <a16:creationId xmlns:a16="http://schemas.microsoft.com/office/drawing/2014/main" id="{9B2BA5B3-8B1C-4C1C-B4EB-C9A8AC24AEDE}"/>
               </a:ext>
             </a:extLst>
           </p:cNvPr>
@@ -8284,7 +6742,7 @@
           <p:cNvPr id="9" name="Slide Number Placeholder 8">
             <a:extLst>
               <a:ext uri="{FF2B5EF4-FFF2-40B4-BE49-F238E27FC236}">
-                <a16:creationId xmlns:a16="http://schemas.microsoft.com/office/drawing/2014/main" xmlns="" id="{6B54C622-8EF1-4AE4-AB25-19D71A5C547C}"/>
+                <a16:creationId xmlns:a16="http://schemas.microsoft.com/office/drawing/2014/main" id="{6B54C622-8EF1-4AE4-AB25-19D71A5C547C}"/>
               </a:ext>
             </a:extLst>
           </p:cNvPr>
@@ -8314,7 +6772,7 @@
           <p:cNvPr id="5" name="Text Placeholder 4">
             <a:extLst>
               <a:ext uri="{FF2B5EF4-FFF2-40B4-BE49-F238E27FC236}">
-                <a16:creationId xmlns:a16="http://schemas.microsoft.com/office/drawing/2014/main" xmlns="" id="{BA2A6524-3EAC-4E27-BF8E-8F87E480F902}"/>
+                <a16:creationId xmlns:a16="http://schemas.microsoft.com/office/drawing/2014/main" id="{BA2A6524-3EAC-4E27-BF8E-8F87E480F902}"/>
               </a:ext>
             </a:extLst>
           </p:cNvPr>
@@ -8392,7 +6850,7 @@
           <p:cNvPr id="6" name="Content Placeholder 5">
             <a:extLst>
               <a:ext uri="{FF2B5EF4-FFF2-40B4-BE49-F238E27FC236}">
-                <a16:creationId xmlns:a16="http://schemas.microsoft.com/office/drawing/2014/main" xmlns="" id="{61FB94EC-1786-4ACB-B9A8-28216C7AB699}"/>
+                <a16:creationId xmlns:a16="http://schemas.microsoft.com/office/drawing/2014/main" id="{61FB94EC-1786-4ACB-B9A8-28216C7AB699}"/>
               </a:ext>
             </a:extLst>
           </p:cNvPr>
@@ -8493,7 +6951,7 @@
           <p:cNvPr id="3" name="Text Placeholder 2">
             <a:extLst>
               <a:ext uri="{FF2B5EF4-FFF2-40B4-BE49-F238E27FC236}">
-                <a16:creationId xmlns:a16="http://schemas.microsoft.com/office/drawing/2014/main" xmlns="" id="{9DA658D4-2F70-44A3-A7C3-BF6A1D7BE2A9}"/>
+                <a16:creationId xmlns:a16="http://schemas.microsoft.com/office/drawing/2014/main" id="{9DA658D4-2F70-44A3-A7C3-BF6A1D7BE2A9}"/>
               </a:ext>
             </a:extLst>
           </p:cNvPr>
@@ -8569,7 +7027,7 @@
           <p:cNvPr id="4" name="Content Placeholder 3">
             <a:extLst>
               <a:ext uri="{FF2B5EF4-FFF2-40B4-BE49-F238E27FC236}">
-                <a16:creationId xmlns:a16="http://schemas.microsoft.com/office/drawing/2014/main" xmlns="" id="{CDF57B0C-62A3-4053-936D-9841C7D76D8B}"/>
+                <a16:creationId xmlns:a16="http://schemas.microsoft.com/office/drawing/2014/main" id="{CDF57B0C-62A3-4053-936D-9841C7D76D8B}"/>
               </a:ext>
             </a:extLst>
           </p:cNvPr>
@@ -8670,7 +7128,7 @@
           <p:cNvPr id="11" name="Picture Placeholder 6">
             <a:extLst>
               <a:ext uri="{FF2B5EF4-FFF2-40B4-BE49-F238E27FC236}">
-                <a16:creationId xmlns:a16="http://schemas.microsoft.com/office/drawing/2014/main" xmlns="" id="{16CD8AAD-701B-4F23-AB47-6FC680787135}"/>
+                <a16:creationId xmlns:a16="http://schemas.microsoft.com/office/drawing/2014/main" id="{16CD8AAD-701B-4F23-AB47-6FC680787135}"/>
               </a:ext>
             </a:extLst>
           </p:cNvPr>
@@ -8718,7 +7176,7 @@
           <p:cNvPr id="16" name="Picture Placeholder 6">
             <a:extLst>
               <a:ext uri="{FF2B5EF4-FFF2-40B4-BE49-F238E27FC236}">
-                <a16:creationId xmlns:a16="http://schemas.microsoft.com/office/drawing/2014/main" xmlns="" id="{2B9551A7-E41A-4D0E-925B-71270CA0F339}"/>
+                <a16:creationId xmlns:a16="http://schemas.microsoft.com/office/drawing/2014/main" id="{2B9551A7-E41A-4D0E-925B-71270CA0F339}"/>
               </a:ext>
             </a:extLst>
           </p:cNvPr>
@@ -8764,7 +7222,7 @@
     </p:spTree>
     <p:extLst>
       <p:ext uri="{BB962C8B-B14F-4D97-AF65-F5344CB8AC3E}">
-        <p14:creationId xmlns:p14="http://schemas.microsoft.com/office/powerpoint/2010/main" xmlns="" val="523174283"/>
+        <p14:creationId xmlns:p14="http://schemas.microsoft.com/office/powerpoint/2010/main" val="523174283"/>
       </p:ext>
     </p:extLst>
   </p:cSld>
@@ -8796,7 +7254,7 @@
           <p:cNvPr id="11" name="Rectangle 10">
             <a:extLst>
               <a:ext uri="{FF2B5EF4-FFF2-40B4-BE49-F238E27FC236}">
-                <a16:creationId xmlns:a16="http://schemas.microsoft.com/office/drawing/2014/main" xmlns="" id="{0565E0AE-C9AC-4E26-B4A4-DDEE620D8979}"/>
+                <a16:creationId xmlns:a16="http://schemas.microsoft.com/office/drawing/2014/main" id="{0565E0AE-C9AC-4E26-B4A4-DDEE620D8979}"/>
               </a:ext>
             </a:extLst>
           </p:cNvPr>
@@ -8848,7 +7306,7 @@
           <p:cNvPr id="9" name="Text Placeholder 8">
             <a:extLst>
               <a:ext uri="{FF2B5EF4-FFF2-40B4-BE49-F238E27FC236}">
-                <a16:creationId xmlns:a16="http://schemas.microsoft.com/office/drawing/2014/main" xmlns="" id="{B15B70BB-4776-4914-92C9-092579FD6EBE}"/>
+                <a16:creationId xmlns:a16="http://schemas.microsoft.com/office/drawing/2014/main" id="{B15B70BB-4776-4914-92C9-092579FD6EBE}"/>
               </a:ext>
             </a:extLst>
           </p:cNvPr>
@@ -8910,7 +7368,7 @@
           <p:cNvPr id="10" name="Text Placeholder 8">
             <a:extLst>
               <a:ext uri="{FF2B5EF4-FFF2-40B4-BE49-F238E27FC236}">
-                <a16:creationId xmlns:a16="http://schemas.microsoft.com/office/drawing/2014/main" xmlns="" id="{58899736-796A-4B23-9534-D8784DD9A238}"/>
+                <a16:creationId xmlns:a16="http://schemas.microsoft.com/office/drawing/2014/main" id="{58899736-796A-4B23-9534-D8784DD9A238}"/>
               </a:ext>
             </a:extLst>
           </p:cNvPr>
@@ -8972,7 +7430,7 @@
           <p:cNvPr id="12" name="Rectangle 11">
             <a:extLst>
               <a:ext uri="{FF2B5EF4-FFF2-40B4-BE49-F238E27FC236}">
-                <a16:creationId xmlns:a16="http://schemas.microsoft.com/office/drawing/2014/main" xmlns="" id="{6F023CF6-0A85-4867-A5CF-F75DDBC4C20A}"/>
+                <a16:creationId xmlns:a16="http://schemas.microsoft.com/office/drawing/2014/main" id="{6F023CF6-0A85-4867-A5CF-F75DDBC4C20A}"/>
               </a:ext>
             </a:extLst>
           </p:cNvPr>
@@ -9024,7 +7482,7 @@
           <p:cNvPr id="13" name="Rectangle 12">
             <a:extLst>
               <a:ext uri="{FF2B5EF4-FFF2-40B4-BE49-F238E27FC236}">
-                <a16:creationId xmlns:a16="http://schemas.microsoft.com/office/drawing/2014/main" xmlns="" id="{AF9F3577-4130-4F32-9302-DA8838D30560}"/>
+                <a16:creationId xmlns:a16="http://schemas.microsoft.com/office/drawing/2014/main" id="{AF9F3577-4130-4F32-9302-DA8838D30560}"/>
               </a:ext>
             </a:extLst>
           </p:cNvPr>
@@ -9076,7 +7534,7 @@
           <p:cNvPr id="4" name="Picture Placeholder 6">
             <a:extLst>
               <a:ext uri="{FF2B5EF4-FFF2-40B4-BE49-F238E27FC236}">
-                <a16:creationId xmlns:a16="http://schemas.microsoft.com/office/drawing/2014/main" xmlns="" id="{7E138685-E3C5-48A4-8460-3BEDDDEDA6AD}"/>
+                <a16:creationId xmlns:a16="http://schemas.microsoft.com/office/drawing/2014/main" id="{7E138685-E3C5-48A4-8460-3BEDDDEDA6AD}"/>
               </a:ext>
             </a:extLst>
           </p:cNvPr>
@@ -9124,7 +7582,7 @@
           <p:cNvPr id="6" name="Picture Placeholder 6">
             <a:extLst>
               <a:ext uri="{FF2B5EF4-FFF2-40B4-BE49-F238E27FC236}">
-                <a16:creationId xmlns:a16="http://schemas.microsoft.com/office/drawing/2014/main" xmlns="" id="{B6811C8C-D1DA-4EE5-888B-A30D6285BA5D}"/>
+                <a16:creationId xmlns:a16="http://schemas.microsoft.com/office/drawing/2014/main" id="{B6811C8C-D1DA-4EE5-888B-A30D6285BA5D}"/>
               </a:ext>
             </a:extLst>
           </p:cNvPr>
@@ -9170,7 +7628,7 @@
     </p:spTree>
     <p:extLst>
       <p:ext uri="{BB962C8B-B14F-4D97-AF65-F5344CB8AC3E}">
-        <p14:creationId xmlns:p14="http://schemas.microsoft.com/office/powerpoint/2010/main" xmlns="" val="589013213"/>
+        <p14:creationId xmlns:p14="http://schemas.microsoft.com/office/powerpoint/2010/main" val="589013213"/>
       </p:ext>
     </p:extLst>
   </p:cSld>
@@ -9202,7 +7660,7 @@
           <p:cNvPr id="3" name="Rectangle 2">
             <a:extLst>
               <a:ext uri="{FF2B5EF4-FFF2-40B4-BE49-F238E27FC236}">
-                <a16:creationId xmlns:a16="http://schemas.microsoft.com/office/drawing/2014/main" xmlns="" id="{EAB4EF4F-0A84-4C50-B171-F044231527B2}"/>
+                <a16:creationId xmlns:a16="http://schemas.microsoft.com/office/drawing/2014/main" id="{EAB4EF4F-0A84-4C50-B171-F044231527B2}"/>
               </a:ext>
             </a:extLst>
           </p:cNvPr>
@@ -9254,7 +7712,7 @@
           <p:cNvPr id="11" name="Rectangle 10">
             <a:extLst>
               <a:ext uri="{FF2B5EF4-FFF2-40B4-BE49-F238E27FC236}">
-                <a16:creationId xmlns:a16="http://schemas.microsoft.com/office/drawing/2014/main" xmlns="" id="{9171FC10-F7C3-4841-A705-B83FDE093009}"/>
+                <a16:creationId xmlns:a16="http://schemas.microsoft.com/office/drawing/2014/main" id="{9171FC10-F7C3-4841-A705-B83FDE093009}"/>
               </a:ext>
             </a:extLst>
           </p:cNvPr>
@@ -9306,7 +7764,7 @@
           <p:cNvPr id="4" name="Picture Placeholder 6">
             <a:extLst>
               <a:ext uri="{FF2B5EF4-FFF2-40B4-BE49-F238E27FC236}">
-                <a16:creationId xmlns:a16="http://schemas.microsoft.com/office/drawing/2014/main" xmlns="" id="{18957288-25D1-4D25-BECD-5A2E6A888185}"/>
+                <a16:creationId xmlns:a16="http://schemas.microsoft.com/office/drawing/2014/main" id="{18957288-25D1-4D25-BECD-5A2E6A888185}"/>
               </a:ext>
             </a:extLst>
           </p:cNvPr>
@@ -9352,7 +7810,7 @@
     </p:spTree>
     <p:extLst>
       <p:ext uri="{BB962C8B-B14F-4D97-AF65-F5344CB8AC3E}">
-        <p14:creationId xmlns:p14="http://schemas.microsoft.com/office/powerpoint/2010/main" xmlns="" val="3653777858"/>
+        <p14:creationId xmlns:p14="http://schemas.microsoft.com/office/powerpoint/2010/main" val="3653777858"/>
       </p:ext>
     </p:extLst>
   </p:cSld>
@@ -9395,10 +7853,9 @@
           <a:lstStyle/>
           <a:p>
             <a:r>
-              <a:rPr kumimoji="0" lang="en-US" smtClean="0"/>
+              <a:rPr kumimoji="0" lang="en-US"/>
               <a:t>Click to edit Master title style</a:t>
             </a:r>
-            <a:endParaRPr kumimoji="0" lang="en-US"/>
           </a:p>
         </p:txBody>
       </p:sp>
@@ -9424,35 +7881,35 @@
           <a:p>
             <a:pPr lvl="0" eaLnBrk="1" latinLnBrk="0" hangingPunct="1"/>
             <a:r>
-              <a:rPr lang="en-US" smtClean="0"/>
+              <a:rPr lang="en-US"/>
               <a:t>Click to edit Master text styles</a:t>
             </a:r>
           </a:p>
           <a:p>
             <a:pPr lvl="1" eaLnBrk="1" latinLnBrk="0" hangingPunct="1"/>
             <a:r>
-              <a:rPr lang="en-US" smtClean="0"/>
+              <a:rPr lang="en-US"/>
               <a:t>Second level</a:t>
             </a:r>
           </a:p>
           <a:p>
             <a:pPr lvl="2" eaLnBrk="1" latinLnBrk="0" hangingPunct="1"/>
             <a:r>
-              <a:rPr lang="en-US" smtClean="0"/>
+              <a:rPr lang="en-US"/>
               <a:t>Third level</a:t>
             </a:r>
           </a:p>
           <a:p>
             <a:pPr lvl="3" eaLnBrk="1" latinLnBrk="0" hangingPunct="1"/>
             <a:r>
-              <a:rPr lang="en-US" smtClean="0"/>
+              <a:rPr lang="en-US"/>
               <a:t>Fourth level</a:t>
             </a:r>
           </a:p>
           <a:p>
             <a:pPr lvl="4" eaLnBrk="1" latinLnBrk="0" hangingPunct="1"/>
             <a:r>
-              <a:rPr lang="en-US" smtClean="0"/>
+              <a:rPr lang="en-US"/>
               <a:t>Fifth level</a:t>
             </a:r>
             <a:endParaRPr kumimoji="0" lang="en-US"/>
@@ -9477,7 +7934,7 @@
             <a:fld id="{64BF4833-09CA-4F95-9AA9-D45BF689F777}" type="datetimeFigureOut">
               <a:rPr lang="en-IN" smtClean="0"/>
               <a:pPr/>
-              <a:t>11-05-2023</a:t>
+              <a:t>23-06-2023</a:t>
             </a:fld>
             <a:endParaRPr lang="en-IN"/>
           </a:p>
@@ -9556,7 +8013,7 @@
           <p:cNvPr id="3" name="Rectangle 2">
             <a:extLst>
               <a:ext uri="{FF2B5EF4-FFF2-40B4-BE49-F238E27FC236}">
-                <a16:creationId xmlns:a16="http://schemas.microsoft.com/office/drawing/2014/main" xmlns="" id="{EAB4EF4F-0A84-4C50-B171-F044231527B2}"/>
+                <a16:creationId xmlns:a16="http://schemas.microsoft.com/office/drawing/2014/main" id="{EAB4EF4F-0A84-4C50-B171-F044231527B2}"/>
               </a:ext>
             </a:extLst>
           </p:cNvPr>
@@ -9608,7 +8065,7 @@
           <p:cNvPr id="5" name="Rectangle 4">
             <a:extLst>
               <a:ext uri="{FF2B5EF4-FFF2-40B4-BE49-F238E27FC236}">
-                <a16:creationId xmlns:a16="http://schemas.microsoft.com/office/drawing/2014/main" xmlns="" id="{113E1565-5B33-4914-9800-50B8400266FF}"/>
+                <a16:creationId xmlns:a16="http://schemas.microsoft.com/office/drawing/2014/main" id="{113E1565-5B33-4914-9800-50B8400266FF}"/>
               </a:ext>
             </a:extLst>
           </p:cNvPr>
@@ -9660,7 +8117,7 @@
           <p:cNvPr id="6" name="Picture Placeholder 6">
             <a:extLst>
               <a:ext uri="{FF2B5EF4-FFF2-40B4-BE49-F238E27FC236}">
-                <a16:creationId xmlns:a16="http://schemas.microsoft.com/office/drawing/2014/main" xmlns="" id="{DE438B2E-01A6-453B-928D-97D98438168E}"/>
+                <a16:creationId xmlns:a16="http://schemas.microsoft.com/office/drawing/2014/main" id="{DE438B2E-01A6-453B-928D-97D98438168E}"/>
               </a:ext>
             </a:extLst>
           </p:cNvPr>
@@ -9706,7 +8163,7 @@
     </p:spTree>
     <p:extLst>
       <p:ext uri="{BB962C8B-B14F-4D97-AF65-F5344CB8AC3E}">
-        <p14:creationId xmlns:p14="http://schemas.microsoft.com/office/powerpoint/2010/main" xmlns="" val="3230339695"/>
+        <p14:creationId xmlns:p14="http://schemas.microsoft.com/office/powerpoint/2010/main" val="3230339695"/>
       </p:ext>
     </p:extLst>
   </p:cSld>
@@ -9738,7 +8195,7 @@
           <p:cNvPr id="7" name="Rectangle 6">
             <a:extLst>
               <a:ext uri="{FF2B5EF4-FFF2-40B4-BE49-F238E27FC236}">
-                <a16:creationId xmlns:a16="http://schemas.microsoft.com/office/drawing/2014/main" xmlns="" id="{ED497887-B1EF-4184-95F4-276A92D54B8F}"/>
+                <a16:creationId xmlns:a16="http://schemas.microsoft.com/office/drawing/2014/main" id="{ED497887-B1EF-4184-95F4-276A92D54B8F}"/>
               </a:ext>
             </a:extLst>
           </p:cNvPr>
@@ -9790,7 +8247,7 @@
           <p:cNvPr id="2" name="Title 1">
             <a:extLst>
               <a:ext uri="{FF2B5EF4-FFF2-40B4-BE49-F238E27FC236}">
-                <a16:creationId xmlns:a16="http://schemas.microsoft.com/office/drawing/2014/main" xmlns="" id="{4C2FFEDF-1F62-45E5-8000-9689D9DFC4D1}"/>
+                <a16:creationId xmlns:a16="http://schemas.microsoft.com/office/drawing/2014/main" id="{4C2FFEDF-1F62-45E5-8000-9689D9DFC4D1}"/>
               </a:ext>
             </a:extLst>
           </p:cNvPr>
@@ -9831,7 +8288,7 @@
           <p:cNvPr id="6" name="Slide Number Placeholder 5">
             <a:extLst>
               <a:ext uri="{FF2B5EF4-FFF2-40B4-BE49-F238E27FC236}">
-                <a16:creationId xmlns:a16="http://schemas.microsoft.com/office/drawing/2014/main" xmlns="" id="{A8D10129-98D8-456D-9925-F02A38DE1423}"/>
+                <a16:creationId xmlns:a16="http://schemas.microsoft.com/office/drawing/2014/main" id="{A8D10129-98D8-456D-9925-F02A38DE1423}"/>
               </a:ext>
             </a:extLst>
           </p:cNvPr>
@@ -9861,7 +8318,7 @@
           <p:cNvPr id="16" name="Rectangle 15">
             <a:extLst>
               <a:ext uri="{FF2B5EF4-FFF2-40B4-BE49-F238E27FC236}">
-                <a16:creationId xmlns:a16="http://schemas.microsoft.com/office/drawing/2014/main" xmlns="" id="{A73E3CFC-9652-4E07-82D7-0EC3304CAA1F}"/>
+                <a16:creationId xmlns:a16="http://schemas.microsoft.com/office/drawing/2014/main" id="{A73E3CFC-9652-4E07-82D7-0EC3304CAA1F}"/>
               </a:ext>
             </a:extLst>
           </p:cNvPr>
@@ -9913,7 +8370,7 @@
           <p:cNvPr id="8" name="Picture Placeholder 6">
             <a:extLst>
               <a:ext uri="{FF2B5EF4-FFF2-40B4-BE49-F238E27FC236}">
-                <a16:creationId xmlns:a16="http://schemas.microsoft.com/office/drawing/2014/main" xmlns="" id="{230D70C6-13FD-45D4-8FB6-26C56B8FF2D4}"/>
+                <a16:creationId xmlns:a16="http://schemas.microsoft.com/office/drawing/2014/main" id="{230D70C6-13FD-45D4-8FB6-26C56B8FF2D4}"/>
               </a:ext>
             </a:extLst>
           </p:cNvPr>
@@ -9961,7 +8418,7 @@
           <p:cNvPr id="3" name="Rectangle 2">
             <a:extLst>
               <a:ext uri="{FF2B5EF4-FFF2-40B4-BE49-F238E27FC236}">
-                <a16:creationId xmlns:a16="http://schemas.microsoft.com/office/drawing/2014/main" xmlns="" id="{E10ED78A-2A17-41C4-9030-D406C56DDF4A}"/>
+                <a16:creationId xmlns:a16="http://schemas.microsoft.com/office/drawing/2014/main" id="{E10ED78A-2A17-41C4-9030-D406C56DDF4A}"/>
               </a:ext>
             </a:extLst>
           </p:cNvPr>
@@ -10008,7 +8465,7 @@
     </p:spTree>
     <p:extLst>
       <p:ext uri="{BB962C8B-B14F-4D97-AF65-F5344CB8AC3E}">
-        <p14:creationId xmlns:p14="http://schemas.microsoft.com/office/powerpoint/2010/main" xmlns="" val="1598743923"/>
+        <p14:creationId xmlns:p14="http://schemas.microsoft.com/office/powerpoint/2010/main" val="1598743923"/>
       </p:ext>
     </p:extLst>
   </p:cSld>
@@ -10040,7 +8497,7 @@
           <p:cNvPr id="7" name="Rectangle 6">
             <a:extLst>
               <a:ext uri="{FF2B5EF4-FFF2-40B4-BE49-F238E27FC236}">
-                <a16:creationId xmlns:a16="http://schemas.microsoft.com/office/drawing/2014/main" xmlns="" id="{76607FB0-0FB2-41FD-B334-74C7B05B8CEE}"/>
+                <a16:creationId xmlns:a16="http://schemas.microsoft.com/office/drawing/2014/main" id="{76607FB0-0FB2-41FD-B334-74C7B05B8CEE}"/>
               </a:ext>
             </a:extLst>
           </p:cNvPr>
@@ -10092,7 +8549,7 @@
           <p:cNvPr id="9" name="Picture Placeholder 8">
             <a:extLst>
               <a:ext uri="{FF2B5EF4-FFF2-40B4-BE49-F238E27FC236}">
-                <a16:creationId xmlns:a16="http://schemas.microsoft.com/office/drawing/2014/main" xmlns="" id="{2D02598E-521E-41CD-B068-134834CFF4FF}"/>
+                <a16:creationId xmlns:a16="http://schemas.microsoft.com/office/drawing/2014/main" id="{2D02598E-521E-41CD-B068-134834CFF4FF}"/>
               </a:ext>
             </a:extLst>
           </p:cNvPr>
@@ -10138,7 +8595,7 @@
           <p:cNvPr id="10" name="Rectangle 9">
             <a:extLst>
               <a:ext uri="{FF2B5EF4-FFF2-40B4-BE49-F238E27FC236}">
-                <a16:creationId xmlns:a16="http://schemas.microsoft.com/office/drawing/2014/main" xmlns="" id="{F04A5F51-C7E6-44CC-ADF3-1C83AA35D0DC}"/>
+                <a16:creationId xmlns:a16="http://schemas.microsoft.com/office/drawing/2014/main" id="{F04A5F51-C7E6-44CC-ADF3-1C83AA35D0DC}"/>
               </a:ext>
             </a:extLst>
           </p:cNvPr>
@@ -10187,7 +8644,7 @@
           <p:cNvPr id="2" name="Title 1">
             <a:extLst>
               <a:ext uri="{FF2B5EF4-FFF2-40B4-BE49-F238E27FC236}">
-                <a16:creationId xmlns:a16="http://schemas.microsoft.com/office/drawing/2014/main" xmlns="" id="{4E8B51C6-9166-4F67-995A-396809E6533C}"/>
+                <a16:creationId xmlns:a16="http://schemas.microsoft.com/office/drawing/2014/main" id="{4E8B51C6-9166-4F67-995A-396809E6533C}"/>
               </a:ext>
             </a:extLst>
           </p:cNvPr>
@@ -10229,7 +8686,7 @@
           <p:cNvPr id="3" name="Subtitle 2">
             <a:extLst>
               <a:ext uri="{FF2B5EF4-FFF2-40B4-BE49-F238E27FC236}">
-                <a16:creationId xmlns:a16="http://schemas.microsoft.com/office/drawing/2014/main" xmlns="" id="{A951C9A4-8764-4CB3-AC26-C957C0E84BCD}"/>
+                <a16:creationId xmlns:a16="http://schemas.microsoft.com/office/drawing/2014/main" id="{A951C9A4-8764-4CB3-AC26-C957C0E84BCD}"/>
               </a:ext>
             </a:extLst>
           </p:cNvPr>
@@ -10302,7 +8759,7 @@
     </p:spTree>
     <p:extLst>
       <p:ext uri="{BB962C8B-B14F-4D97-AF65-F5344CB8AC3E}">
-        <p14:creationId xmlns:p14="http://schemas.microsoft.com/office/powerpoint/2010/main" xmlns="" val="2694810674"/>
+        <p14:creationId xmlns:p14="http://schemas.microsoft.com/office/powerpoint/2010/main" val="2694810674"/>
       </p:ext>
     </p:extLst>
   </p:cSld>
@@ -10334,7 +8791,7 @@
           <p:cNvPr id="7" name="Rectangle 6">
             <a:extLst>
               <a:ext uri="{FF2B5EF4-FFF2-40B4-BE49-F238E27FC236}">
-                <a16:creationId xmlns:a16="http://schemas.microsoft.com/office/drawing/2014/main" xmlns="" id="{76607FB0-0FB2-41FD-B334-74C7B05B8CEE}"/>
+                <a16:creationId xmlns:a16="http://schemas.microsoft.com/office/drawing/2014/main" id="{76607FB0-0FB2-41FD-B334-74C7B05B8CEE}"/>
               </a:ext>
             </a:extLst>
           </p:cNvPr>
@@ -10386,7 +8843,7 @@
           <p:cNvPr id="9" name="Picture Placeholder 8">
             <a:extLst>
               <a:ext uri="{FF2B5EF4-FFF2-40B4-BE49-F238E27FC236}">
-                <a16:creationId xmlns:a16="http://schemas.microsoft.com/office/drawing/2014/main" xmlns="" id="{2D02598E-521E-41CD-B068-134834CFF4FF}"/>
+                <a16:creationId xmlns:a16="http://schemas.microsoft.com/office/drawing/2014/main" id="{2D02598E-521E-41CD-B068-134834CFF4FF}"/>
               </a:ext>
             </a:extLst>
           </p:cNvPr>
@@ -10432,7 +8889,7 @@
           <p:cNvPr id="2" name="Title 1">
             <a:extLst>
               <a:ext uri="{FF2B5EF4-FFF2-40B4-BE49-F238E27FC236}">
-                <a16:creationId xmlns:a16="http://schemas.microsoft.com/office/drawing/2014/main" xmlns="" id="{4E8B51C6-9166-4F67-995A-396809E6533C}"/>
+                <a16:creationId xmlns:a16="http://schemas.microsoft.com/office/drawing/2014/main" id="{4E8B51C6-9166-4F67-995A-396809E6533C}"/>
               </a:ext>
             </a:extLst>
           </p:cNvPr>
@@ -10476,7 +8933,7 @@
           <p:cNvPr id="3" name="Subtitle 2">
             <a:extLst>
               <a:ext uri="{FF2B5EF4-FFF2-40B4-BE49-F238E27FC236}">
-                <a16:creationId xmlns:a16="http://schemas.microsoft.com/office/drawing/2014/main" xmlns="" id="{A951C9A4-8764-4CB3-AC26-C957C0E84BCD}"/>
+                <a16:creationId xmlns:a16="http://schemas.microsoft.com/office/drawing/2014/main" id="{A951C9A4-8764-4CB3-AC26-C957C0E84BCD}"/>
               </a:ext>
             </a:extLst>
           </p:cNvPr>
@@ -10549,7 +9006,7 @@
     </p:spTree>
     <p:extLst>
       <p:ext uri="{BB962C8B-B14F-4D97-AF65-F5344CB8AC3E}">
-        <p14:creationId xmlns:p14="http://schemas.microsoft.com/office/powerpoint/2010/main" xmlns="" val="855044332"/>
+        <p14:creationId xmlns:p14="http://schemas.microsoft.com/office/powerpoint/2010/main" val="855044332"/>
       </p:ext>
     </p:extLst>
   </p:cSld>
@@ -10581,7 +9038,7 @@
           <p:cNvPr id="7" name="Rectangle 6">
             <a:extLst>
               <a:ext uri="{FF2B5EF4-FFF2-40B4-BE49-F238E27FC236}">
-                <a16:creationId xmlns:a16="http://schemas.microsoft.com/office/drawing/2014/main" xmlns="" id="{76607FB0-0FB2-41FD-B334-74C7B05B8CEE}"/>
+                <a16:creationId xmlns:a16="http://schemas.microsoft.com/office/drawing/2014/main" id="{76607FB0-0FB2-41FD-B334-74C7B05B8CEE}"/>
               </a:ext>
             </a:extLst>
           </p:cNvPr>
@@ -10633,7 +9090,7 @@
           <p:cNvPr id="4" name="Rectangle 3">
             <a:extLst>
               <a:ext uri="{FF2B5EF4-FFF2-40B4-BE49-F238E27FC236}">
-                <a16:creationId xmlns:a16="http://schemas.microsoft.com/office/drawing/2014/main" xmlns="" id="{D1A59197-7C21-44E6-8A97-DE0ABD1E6909}"/>
+                <a16:creationId xmlns:a16="http://schemas.microsoft.com/office/drawing/2014/main" id="{D1A59197-7C21-44E6-8A97-DE0ABD1E6909}"/>
               </a:ext>
             </a:extLst>
           </p:cNvPr>
@@ -10685,7 +9142,7 @@
           <p:cNvPr id="9" name="Picture Placeholder 8">
             <a:extLst>
               <a:ext uri="{FF2B5EF4-FFF2-40B4-BE49-F238E27FC236}">
-                <a16:creationId xmlns:a16="http://schemas.microsoft.com/office/drawing/2014/main" xmlns="" id="{2D02598E-521E-41CD-B068-134834CFF4FF}"/>
+                <a16:creationId xmlns:a16="http://schemas.microsoft.com/office/drawing/2014/main" id="{2D02598E-521E-41CD-B068-134834CFF4FF}"/>
               </a:ext>
             </a:extLst>
           </p:cNvPr>
@@ -10731,7 +9188,7 @@
           <p:cNvPr id="2" name="Title 1">
             <a:extLst>
               <a:ext uri="{FF2B5EF4-FFF2-40B4-BE49-F238E27FC236}">
-                <a16:creationId xmlns:a16="http://schemas.microsoft.com/office/drawing/2014/main" xmlns="" id="{4E8B51C6-9166-4F67-995A-396809E6533C}"/>
+                <a16:creationId xmlns:a16="http://schemas.microsoft.com/office/drawing/2014/main" id="{4E8B51C6-9166-4F67-995A-396809E6533C}"/>
               </a:ext>
             </a:extLst>
           </p:cNvPr>
@@ -10775,7 +9232,7 @@
           <p:cNvPr id="3" name="Subtitle 2">
             <a:extLst>
               <a:ext uri="{FF2B5EF4-FFF2-40B4-BE49-F238E27FC236}">
-                <a16:creationId xmlns:a16="http://schemas.microsoft.com/office/drawing/2014/main" xmlns="" id="{A951C9A4-8764-4CB3-AC26-C957C0E84BCD}"/>
+                <a16:creationId xmlns:a16="http://schemas.microsoft.com/office/drawing/2014/main" id="{A951C9A4-8764-4CB3-AC26-C957C0E84BCD}"/>
               </a:ext>
             </a:extLst>
           </p:cNvPr>
@@ -10850,7 +9307,7 @@
           <p:cNvPr id="8" name="Rectangle 7">
             <a:extLst>
               <a:ext uri="{FF2B5EF4-FFF2-40B4-BE49-F238E27FC236}">
-                <a16:creationId xmlns:a16="http://schemas.microsoft.com/office/drawing/2014/main" xmlns="" id="{C1626B81-8882-4179-8C3A-BEA9BBEF2A62}"/>
+                <a16:creationId xmlns:a16="http://schemas.microsoft.com/office/drawing/2014/main" id="{C1626B81-8882-4179-8C3A-BEA9BBEF2A62}"/>
               </a:ext>
             </a:extLst>
           </p:cNvPr>
@@ -10900,7 +9357,7 @@
     </p:spTree>
     <p:extLst>
       <p:ext uri="{BB962C8B-B14F-4D97-AF65-F5344CB8AC3E}">
-        <p14:creationId xmlns:p14="http://schemas.microsoft.com/office/powerpoint/2010/main" xmlns="" val="2724836410"/>
+        <p14:creationId xmlns:p14="http://schemas.microsoft.com/office/powerpoint/2010/main" val="2724836410"/>
       </p:ext>
     </p:extLst>
   </p:cSld>
@@ -10932,7 +9389,7 @@
           <p:cNvPr id="7" name="Rectangle 6">
             <a:extLst>
               <a:ext uri="{FF2B5EF4-FFF2-40B4-BE49-F238E27FC236}">
-                <a16:creationId xmlns:a16="http://schemas.microsoft.com/office/drawing/2014/main" xmlns="" id="{76607FB0-0FB2-41FD-B334-74C7B05B8CEE}"/>
+                <a16:creationId xmlns:a16="http://schemas.microsoft.com/office/drawing/2014/main" id="{76607FB0-0FB2-41FD-B334-74C7B05B8CEE}"/>
               </a:ext>
             </a:extLst>
           </p:cNvPr>
@@ -10984,7 +9441,7 @@
           <p:cNvPr id="15" name="Rectangle 14">
             <a:extLst>
               <a:ext uri="{FF2B5EF4-FFF2-40B4-BE49-F238E27FC236}">
-                <a16:creationId xmlns:a16="http://schemas.microsoft.com/office/drawing/2014/main" xmlns="" id="{1517DDCC-4521-4225-8F36-D4B39128409A}"/>
+                <a16:creationId xmlns:a16="http://schemas.microsoft.com/office/drawing/2014/main" id="{1517DDCC-4521-4225-8F36-D4B39128409A}"/>
               </a:ext>
             </a:extLst>
           </p:cNvPr>
@@ -11038,7 +9495,7 @@
           <p:cNvPr id="6" name="Rectangle 5">
             <a:extLst>
               <a:ext uri="{FF2B5EF4-FFF2-40B4-BE49-F238E27FC236}">
-                <a16:creationId xmlns:a16="http://schemas.microsoft.com/office/drawing/2014/main" xmlns="" id="{B16570C8-2343-4B74-AF97-DC7CE5D92865}"/>
+                <a16:creationId xmlns:a16="http://schemas.microsoft.com/office/drawing/2014/main" id="{B16570C8-2343-4B74-AF97-DC7CE5D92865}"/>
               </a:ext>
             </a:extLst>
           </p:cNvPr>
@@ -11092,7 +9549,7 @@
           <p:cNvPr id="9" name="Picture Placeholder 8">
             <a:extLst>
               <a:ext uri="{FF2B5EF4-FFF2-40B4-BE49-F238E27FC236}">
-                <a16:creationId xmlns:a16="http://schemas.microsoft.com/office/drawing/2014/main" xmlns="" id="{2D02598E-521E-41CD-B068-134834CFF4FF}"/>
+                <a16:creationId xmlns:a16="http://schemas.microsoft.com/office/drawing/2014/main" id="{2D02598E-521E-41CD-B068-134834CFF4FF}"/>
               </a:ext>
             </a:extLst>
           </p:cNvPr>
@@ -11138,7 +9595,7 @@
           <p:cNvPr id="14" name="Rectangle 13">
             <a:extLst>
               <a:ext uri="{FF2B5EF4-FFF2-40B4-BE49-F238E27FC236}">
-                <a16:creationId xmlns:a16="http://schemas.microsoft.com/office/drawing/2014/main" xmlns="" id="{40B27536-7968-45BB-9FA8-DF1A47A47827}"/>
+                <a16:creationId xmlns:a16="http://schemas.microsoft.com/office/drawing/2014/main" id="{40B27536-7968-45BB-9FA8-DF1A47A47827}"/>
               </a:ext>
             </a:extLst>
           </p:cNvPr>
@@ -11190,7 +9647,7 @@
           <p:cNvPr id="2" name="Title 1">
             <a:extLst>
               <a:ext uri="{FF2B5EF4-FFF2-40B4-BE49-F238E27FC236}">
-                <a16:creationId xmlns:a16="http://schemas.microsoft.com/office/drawing/2014/main" xmlns="" id="{4E8B51C6-9166-4F67-995A-396809E6533C}"/>
+                <a16:creationId xmlns:a16="http://schemas.microsoft.com/office/drawing/2014/main" id="{4E8B51C6-9166-4F67-995A-396809E6533C}"/>
               </a:ext>
             </a:extLst>
           </p:cNvPr>
@@ -11234,7 +9691,7 @@
           <p:cNvPr id="3" name="Subtitle 2">
             <a:extLst>
               <a:ext uri="{FF2B5EF4-FFF2-40B4-BE49-F238E27FC236}">
-                <a16:creationId xmlns:a16="http://schemas.microsoft.com/office/drawing/2014/main" xmlns="" id="{A951C9A4-8764-4CB3-AC26-C957C0E84BCD}"/>
+                <a16:creationId xmlns:a16="http://schemas.microsoft.com/office/drawing/2014/main" id="{A951C9A4-8764-4CB3-AC26-C957C0E84BCD}"/>
               </a:ext>
             </a:extLst>
           </p:cNvPr>
@@ -11307,7 +9764,7 @@
     </p:spTree>
     <p:extLst>
       <p:ext uri="{BB962C8B-B14F-4D97-AF65-F5344CB8AC3E}">
-        <p14:creationId xmlns:p14="http://schemas.microsoft.com/office/powerpoint/2010/main" xmlns="" val="2928379178"/>
+        <p14:creationId xmlns:p14="http://schemas.microsoft.com/office/powerpoint/2010/main" val="2928379178"/>
       </p:ext>
     </p:extLst>
   </p:cSld>
@@ -11339,7 +9796,7 @@
           <p:cNvPr id="5" name="Rectangle 4">
             <a:extLst>
               <a:ext uri="{FF2B5EF4-FFF2-40B4-BE49-F238E27FC236}">
-                <a16:creationId xmlns:a16="http://schemas.microsoft.com/office/drawing/2014/main" xmlns="" id="{29C071DB-1B6B-4FC3-A099-12F35734D22D}"/>
+                <a16:creationId xmlns:a16="http://schemas.microsoft.com/office/drawing/2014/main" id="{29C071DB-1B6B-4FC3-A099-12F35734D22D}"/>
               </a:ext>
             </a:extLst>
           </p:cNvPr>
@@ -11391,7 +9848,7 @@
           <p:cNvPr id="8" name="Rectangle 7">
             <a:extLst>
               <a:ext uri="{FF2B5EF4-FFF2-40B4-BE49-F238E27FC236}">
-                <a16:creationId xmlns:a16="http://schemas.microsoft.com/office/drawing/2014/main" xmlns="" id="{35768407-2D97-4F4F-8CB8-4D3668680B64}"/>
+                <a16:creationId xmlns:a16="http://schemas.microsoft.com/office/drawing/2014/main" id="{35768407-2D97-4F4F-8CB8-4D3668680B64}"/>
               </a:ext>
             </a:extLst>
           </p:cNvPr>
@@ -11447,7 +9904,7 @@
           <p:cNvPr id="2" name="Title 1">
             <a:extLst>
               <a:ext uri="{FF2B5EF4-FFF2-40B4-BE49-F238E27FC236}">
-                <a16:creationId xmlns:a16="http://schemas.microsoft.com/office/drawing/2014/main" xmlns="" id="{E94FD2F3-3119-48E2-B464-A93E23C5A607}"/>
+                <a16:creationId xmlns:a16="http://schemas.microsoft.com/office/drawing/2014/main" id="{E94FD2F3-3119-48E2-B464-A93E23C5A607}"/>
               </a:ext>
             </a:extLst>
           </p:cNvPr>
@@ -11487,7 +9944,7 @@
           <p:cNvPr id="3" name="Content Placeholder 2">
             <a:extLst>
               <a:ext uri="{FF2B5EF4-FFF2-40B4-BE49-F238E27FC236}">
-                <a16:creationId xmlns:a16="http://schemas.microsoft.com/office/drawing/2014/main" xmlns="" id="{FCE87C6E-3441-429B-A81D-87F8344C068B}"/>
+                <a16:creationId xmlns:a16="http://schemas.microsoft.com/office/drawing/2014/main" id="{FCE87C6E-3441-429B-A81D-87F8344C068B}"/>
               </a:ext>
             </a:extLst>
           </p:cNvPr>
@@ -11588,7 +10045,7 @@
           <p:cNvPr id="6" name="Slide Number Placeholder 5">
             <a:extLst>
               <a:ext uri="{FF2B5EF4-FFF2-40B4-BE49-F238E27FC236}">
-                <a16:creationId xmlns:a16="http://schemas.microsoft.com/office/drawing/2014/main" xmlns="" id="{FC8ECDD1-1369-42FD-BD19-6797742A154C}"/>
+                <a16:creationId xmlns:a16="http://schemas.microsoft.com/office/drawing/2014/main" id="{FC8ECDD1-1369-42FD-BD19-6797742A154C}"/>
               </a:ext>
             </a:extLst>
           </p:cNvPr>
@@ -11618,7 +10075,7 @@
           <p:cNvPr id="7" name="Picture Placeholder 6">
             <a:extLst>
               <a:ext uri="{FF2B5EF4-FFF2-40B4-BE49-F238E27FC236}">
-                <a16:creationId xmlns:a16="http://schemas.microsoft.com/office/drawing/2014/main" xmlns="" id="{6D4AFEBD-46AA-4A09-AD19-CDD123811A47}"/>
+                <a16:creationId xmlns:a16="http://schemas.microsoft.com/office/drawing/2014/main" id="{6D4AFEBD-46AA-4A09-AD19-CDD123811A47}"/>
               </a:ext>
             </a:extLst>
           </p:cNvPr>
@@ -11664,7 +10121,7 @@
     </p:spTree>
     <p:extLst>
       <p:ext uri="{BB962C8B-B14F-4D97-AF65-F5344CB8AC3E}">
-        <p14:creationId xmlns:p14="http://schemas.microsoft.com/office/powerpoint/2010/main" xmlns="" val="3377171018"/>
+        <p14:creationId xmlns:p14="http://schemas.microsoft.com/office/powerpoint/2010/main" val="3377171018"/>
       </p:ext>
     </p:extLst>
   </p:cSld>
@@ -11696,7 +10153,7 @@
           <p:cNvPr id="8" name="Rectangle 7">
             <a:extLst>
               <a:ext uri="{FF2B5EF4-FFF2-40B4-BE49-F238E27FC236}">
-                <a16:creationId xmlns:a16="http://schemas.microsoft.com/office/drawing/2014/main" xmlns="" id="{34C5F727-FA73-47F4-8647-79441AA996E3}"/>
+                <a16:creationId xmlns:a16="http://schemas.microsoft.com/office/drawing/2014/main" id="{34C5F727-FA73-47F4-8647-79441AA996E3}"/>
               </a:ext>
             </a:extLst>
           </p:cNvPr>
@@ -11748,7 +10205,7 @@
           <p:cNvPr id="2" name="Title 1">
             <a:extLst>
               <a:ext uri="{FF2B5EF4-FFF2-40B4-BE49-F238E27FC236}">
-                <a16:creationId xmlns:a16="http://schemas.microsoft.com/office/drawing/2014/main" xmlns="" id="{E94FD2F3-3119-48E2-B464-A93E23C5A607}"/>
+                <a16:creationId xmlns:a16="http://schemas.microsoft.com/office/drawing/2014/main" id="{E94FD2F3-3119-48E2-B464-A93E23C5A607}"/>
               </a:ext>
             </a:extLst>
           </p:cNvPr>
@@ -11787,7 +10244,7 @@
           <p:cNvPr id="3" name="Content Placeholder 2">
             <a:extLst>
               <a:ext uri="{FF2B5EF4-FFF2-40B4-BE49-F238E27FC236}">
-                <a16:creationId xmlns:a16="http://schemas.microsoft.com/office/drawing/2014/main" xmlns="" id="{FCE87C6E-3441-429B-A81D-87F8344C068B}"/>
+                <a16:creationId xmlns:a16="http://schemas.microsoft.com/office/drawing/2014/main" id="{FCE87C6E-3441-429B-A81D-87F8344C068B}"/>
               </a:ext>
             </a:extLst>
           </p:cNvPr>
@@ -11849,7 +10306,7 @@
           <p:cNvPr id="6" name="Slide Number Placeholder 5">
             <a:extLst>
               <a:ext uri="{FF2B5EF4-FFF2-40B4-BE49-F238E27FC236}">
-                <a16:creationId xmlns:a16="http://schemas.microsoft.com/office/drawing/2014/main" xmlns="" id="{FC8ECDD1-1369-42FD-BD19-6797742A154C}"/>
+                <a16:creationId xmlns:a16="http://schemas.microsoft.com/office/drawing/2014/main" id="{FC8ECDD1-1369-42FD-BD19-6797742A154C}"/>
               </a:ext>
             </a:extLst>
           </p:cNvPr>
@@ -11879,7 +10336,7 @@
           <p:cNvPr id="5" name="Picture Placeholder 1">
             <a:extLst>
               <a:ext uri="{FF2B5EF4-FFF2-40B4-BE49-F238E27FC236}">
-                <a16:creationId xmlns:a16="http://schemas.microsoft.com/office/drawing/2014/main" xmlns="" id="{08C777B1-9A90-4B1E-A6AE-9339286077EB}"/>
+                <a16:creationId xmlns:a16="http://schemas.microsoft.com/office/drawing/2014/main" id="{08C777B1-9A90-4B1E-A6AE-9339286077EB}"/>
               </a:ext>
             </a:extLst>
           </p:cNvPr>
@@ -11972,7 +10429,7 @@
           <p:cNvPr id="7" name="Picture Placeholder 2">
             <a:extLst>
               <a:ext uri="{FF2B5EF4-FFF2-40B4-BE49-F238E27FC236}">
-                <a16:creationId xmlns:a16="http://schemas.microsoft.com/office/drawing/2014/main" xmlns="" id="{0FEA994A-8056-4F3D-9365-B6A362A93EE3}"/>
+                <a16:creationId xmlns:a16="http://schemas.microsoft.com/office/drawing/2014/main" id="{0FEA994A-8056-4F3D-9365-B6A362A93EE3}"/>
               </a:ext>
             </a:extLst>
           </p:cNvPr>
@@ -12065,7 +10522,7 @@
           <p:cNvPr id="9" name="Rectangle 8">
             <a:extLst>
               <a:ext uri="{FF2B5EF4-FFF2-40B4-BE49-F238E27FC236}">
-                <a16:creationId xmlns:a16="http://schemas.microsoft.com/office/drawing/2014/main" xmlns="" id="{E429E334-587D-4420-9285-C2A5F494582B}"/>
+                <a16:creationId xmlns:a16="http://schemas.microsoft.com/office/drawing/2014/main" id="{E429E334-587D-4420-9285-C2A5F494582B}"/>
               </a:ext>
             </a:extLst>
           </p:cNvPr>
@@ -12117,7 +10574,7 @@
           <p:cNvPr id="10" name="Rectangle 9">
             <a:extLst>
               <a:ext uri="{FF2B5EF4-FFF2-40B4-BE49-F238E27FC236}">
-                <a16:creationId xmlns:a16="http://schemas.microsoft.com/office/drawing/2014/main" xmlns="" id="{F7BD4601-EF26-4D7C-8CB6-95488F17575B}"/>
+                <a16:creationId xmlns:a16="http://schemas.microsoft.com/office/drawing/2014/main" id="{F7BD4601-EF26-4D7C-8CB6-95488F17575B}"/>
               </a:ext>
             </a:extLst>
           </p:cNvPr>
@@ -12169,7 +10626,7 @@
           <p:cNvPr id="11" name="Rectangle 10">
             <a:extLst>
               <a:ext uri="{FF2B5EF4-FFF2-40B4-BE49-F238E27FC236}">
-                <a16:creationId xmlns:a16="http://schemas.microsoft.com/office/drawing/2014/main" xmlns="" id="{91949C41-2679-4E9D-A28C-F0C979F5702B}"/>
+                <a16:creationId xmlns:a16="http://schemas.microsoft.com/office/drawing/2014/main" id="{91949C41-2679-4E9D-A28C-F0C979F5702B}"/>
               </a:ext>
             </a:extLst>
           </p:cNvPr>
@@ -12221,7 +10678,7 @@
           <p:cNvPr id="12" name="Rectangle 11">
             <a:extLst>
               <a:ext uri="{FF2B5EF4-FFF2-40B4-BE49-F238E27FC236}">
-                <a16:creationId xmlns:a16="http://schemas.microsoft.com/office/drawing/2014/main" xmlns="" id="{3454B05D-55FD-4118-B899-4095FF50870D}"/>
+                <a16:creationId xmlns:a16="http://schemas.microsoft.com/office/drawing/2014/main" id="{3454B05D-55FD-4118-B899-4095FF50870D}"/>
               </a:ext>
             </a:extLst>
           </p:cNvPr>
@@ -12271,7 +10728,7 @@
     </p:spTree>
     <p:extLst>
       <p:ext uri="{BB962C8B-B14F-4D97-AF65-F5344CB8AC3E}">
-        <p14:creationId xmlns:p14="http://schemas.microsoft.com/office/powerpoint/2010/main" xmlns="" val="440533000"/>
+        <p14:creationId xmlns:p14="http://schemas.microsoft.com/office/powerpoint/2010/main" val="440533000"/>
       </p:ext>
     </p:extLst>
   </p:cSld>
@@ -12303,7 +10760,7 @@
           <p:cNvPr id="8" name="Rectangle 7">
             <a:extLst>
               <a:ext uri="{FF2B5EF4-FFF2-40B4-BE49-F238E27FC236}">
-                <a16:creationId xmlns:a16="http://schemas.microsoft.com/office/drawing/2014/main" xmlns="" id="{34C5F727-FA73-47F4-8647-79441AA996E3}"/>
+                <a16:creationId xmlns:a16="http://schemas.microsoft.com/office/drawing/2014/main" id="{34C5F727-FA73-47F4-8647-79441AA996E3}"/>
               </a:ext>
             </a:extLst>
           </p:cNvPr>
@@ -12355,7 +10812,7 @@
           <p:cNvPr id="2" name="Title 1">
             <a:extLst>
               <a:ext uri="{FF2B5EF4-FFF2-40B4-BE49-F238E27FC236}">
-                <a16:creationId xmlns:a16="http://schemas.microsoft.com/office/drawing/2014/main" xmlns="" id="{E94FD2F3-3119-48E2-B464-A93E23C5A607}"/>
+                <a16:creationId xmlns:a16="http://schemas.microsoft.com/office/drawing/2014/main" id="{E94FD2F3-3119-48E2-B464-A93E23C5A607}"/>
               </a:ext>
             </a:extLst>
           </p:cNvPr>
@@ -12395,7 +10852,7 @@
           <p:cNvPr id="3" name="Content Placeholder 2">
             <a:extLst>
               <a:ext uri="{FF2B5EF4-FFF2-40B4-BE49-F238E27FC236}">
-                <a16:creationId xmlns:a16="http://schemas.microsoft.com/office/drawing/2014/main" xmlns="" id="{FCE87C6E-3441-429B-A81D-87F8344C068B}"/>
+                <a16:creationId xmlns:a16="http://schemas.microsoft.com/office/drawing/2014/main" id="{FCE87C6E-3441-429B-A81D-87F8344C068B}"/>
               </a:ext>
             </a:extLst>
           </p:cNvPr>
@@ -12476,7 +10933,7 @@
           <p:cNvPr id="6" name="Slide Number Placeholder 5">
             <a:extLst>
               <a:ext uri="{FF2B5EF4-FFF2-40B4-BE49-F238E27FC236}">
-                <a16:creationId xmlns:a16="http://schemas.microsoft.com/office/drawing/2014/main" xmlns="" id="{FC8ECDD1-1369-42FD-BD19-6797742A154C}"/>
+                <a16:creationId xmlns:a16="http://schemas.microsoft.com/office/drawing/2014/main" id="{FC8ECDD1-1369-42FD-BD19-6797742A154C}"/>
               </a:ext>
             </a:extLst>
           </p:cNvPr>
@@ -12506,7 +10963,7 @@
           <p:cNvPr id="13" name="Picture Placeholder 6">
             <a:extLst>
               <a:ext uri="{FF2B5EF4-FFF2-40B4-BE49-F238E27FC236}">
-                <a16:creationId xmlns:a16="http://schemas.microsoft.com/office/drawing/2014/main" xmlns="" id="{9303FD92-1AC4-4708-B13E-C97E00210D2E}"/>
+                <a16:creationId xmlns:a16="http://schemas.microsoft.com/office/drawing/2014/main" id="{9303FD92-1AC4-4708-B13E-C97E00210D2E}"/>
               </a:ext>
             </a:extLst>
           </p:cNvPr>
@@ -12554,7 +11011,7 @@
           <p:cNvPr id="14" name="Picture Placeholder 6">
             <a:extLst>
               <a:ext uri="{FF2B5EF4-FFF2-40B4-BE49-F238E27FC236}">
-                <a16:creationId xmlns:a16="http://schemas.microsoft.com/office/drawing/2014/main" xmlns="" id="{F6824EBC-CC6E-4D5A-B85A-DAC55ACE8533}"/>
+                <a16:creationId xmlns:a16="http://schemas.microsoft.com/office/drawing/2014/main" id="{F6824EBC-CC6E-4D5A-B85A-DAC55ACE8533}"/>
               </a:ext>
             </a:extLst>
           </p:cNvPr>
@@ -12602,7 +11059,7 @@
           <p:cNvPr id="15" name="Rectangle 14">
             <a:extLst>
               <a:ext uri="{FF2B5EF4-FFF2-40B4-BE49-F238E27FC236}">
-                <a16:creationId xmlns:a16="http://schemas.microsoft.com/office/drawing/2014/main" xmlns="" id="{43661888-890D-4E0C-8076-65EDFDB7DE27}"/>
+                <a16:creationId xmlns:a16="http://schemas.microsoft.com/office/drawing/2014/main" id="{43661888-890D-4E0C-8076-65EDFDB7DE27}"/>
               </a:ext>
             </a:extLst>
           </p:cNvPr>
@@ -12654,7 +11111,7 @@
           <p:cNvPr id="16" name="Rectangle 15">
             <a:extLst>
               <a:ext uri="{FF2B5EF4-FFF2-40B4-BE49-F238E27FC236}">
-                <a16:creationId xmlns:a16="http://schemas.microsoft.com/office/drawing/2014/main" xmlns="" id="{5AE48EF9-5BAF-4BD7-A6BE-866C0307B69F}"/>
+                <a16:creationId xmlns:a16="http://schemas.microsoft.com/office/drawing/2014/main" id="{5AE48EF9-5BAF-4BD7-A6BE-866C0307B69F}"/>
               </a:ext>
             </a:extLst>
           </p:cNvPr>
@@ -12706,7 +11163,7 @@
           <p:cNvPr id="17" name="Rectangle 16">
             <a:extLst>
               <a:ext uri="{FF2B5EF4-FFF2-40B4-BE49-F238E27FC236}">
-                <a16:creationId xmlns:a16="http://schemas.microsoft.com/office/drawing/2014/main" xmlns="" id="{E8D4A5F4-99AC-4FB3-8A59-AB8D7B4FC7D7}"/>
+                <a16:creationId xmlns:a16="http://schemas.microsoft.com/office/drawing/2014/main" id="{E8D4A5F4-99AC-4FB3-8A59-AB8D7B4FC7D7}"/>
               </a:ext>
             </a:extLst>
           </p:cNvPr>
@@ -12756,7 +11213,7 @@
     </p:spTree>
     <p:extLst>
       <p:ext uri="{BB962C8B-B14F-4D97-AF65-F5344CB8AC3E}">
-        <p14:creationId xmlns:p14="http://schemas.microsoft.com/office/powerpoint/2010/main" xmlns="" val="74013615"/>
+        <p14:creationId xmlns:p14="http://schemas.microsoft.com/office/powerpoint/2010/main" val="74013615"/>
       </p:ext>
     </p:extLst>
   </p:cSld>
@@ -12788,7 +11245,7 @@
           <p:cNvPr id="8" name="Rectangle 7">
             <a:extLst>
               <a:ext uri="{FF2B5EF4-FFF2-40B4-BE49-F238E27FC236}">
-                <a16:creationId xmlns:a16="http://schemas.microsoft.com/office/drawing/2014/main" xmlns="" id="{34C5F727-FA73-47F4-8647-79441AA996E3}"/>
+                <a16:creationId xmlns:a16="http://schemas.microsoft.com/office/drawing/2014/main" id="{34C5F727-FA73-47F4-8647-79441AA996E3}"/>
               </a:ext>
             </a:extLst>
           </p:cNvPr>
@@ -12840,7 +11297,7 @@
           <p:cNvPr id="2" name="Title 1">
             <a:extLst>
               <a:ext uri="{FF2B5EF4-FFF2-40B4-BE49-F238E27FC236}">
-                <a16:creationId xmlns:a16="http://schemas.microsoft.com/office/drawing/2014/main" xmlns="" id="{E94FD2F3-3119-48E2-B464-A93E23C5A607}"/>
+                <a16:creationId xmlns:a16="http://schemas.microsoft.com/office/drawing/2014/main" id="{E94FD2F3-3119-48E2-B464-A93E23C5A607}"/>
               </a:ext>
             </a:extLst>
           </p:cNvPr>
@@ -12880,7 +11337,7 @@
           <p:cNvPr id="3" name="Content Placeholder 2">
             <a:extLst>
               <a:ext uri="{FF2B5EF4-FFF2-40B4-BE49-F238E27FC236}">
-                <a16:creationId xmlns:a16="http://schemas.microsoft.com/office/drawing/2014/main" xmlns="" id="{FCE87C6E-3441-429B-A81D-87F8344C068B}"/>
+                <a16:creationId xmlns:a16="http://schemas.microsoft.com/office/drawing/2014/main" id="{FCE87C6E-3441-429B-A81D-87F8344C068B}"/>
               </a:ext>
             </a:extLst>
           </p:cNvPr>
@@ -12961,7 +11418,7 @@
           <p:cNvPr id="6" name="Slide Number Placeholder 5">
             <a:extLst>
               <a:ext uri="{FF2B5EF4-FFF2-40B4-BE49-F238E27FC236}">
-                <a16:creationId xmlns:a16="http://schemas.microsoft.com/office/drawing/2014/main" xmlns="" id="{FC8ECDD1-1369-42FD-BD19-6797742A154C}"/>
+                <a16:creationId xmlns:a16="http://schemas.microsoft.com/office/drawing/2014/main" id="{FC8ECDD1-1369-42FD-BD19-6797742A154C}"/>
               </a:ext>
             </a:extLst>
           </p:cNvPr>
@@ -12991,7 +11448,7 @@
           <p:cNvPr id="13" name="Picture Placeholder 6">
             <a:extLst>
               <a:ext uri="{FF2B5EF4-FFF2-40B4-BE49-F238E27FC236}">
-                <a16:creationId xmlns:a16="http://schemas.microsoft.com/office/drawing/2014/main" xmlns="" id="{9303FD92-1AC4-4708-B13E-C97E00210D2E}"/>
+                <a16:creationId xmlns:a16="http://schemas.microsoft.com/office/drawing/2014/main" id="{9303FD92-1AC4-4708-B13E-C97E00210D2E}"/>
               </a:ext>
             </a:extLst>
           </p:cNvPr>
@@ -13039,7 +11496,7 @@
           <p:cNvPr id="11" name="Rectangle 10">
             <a:extLst>
               <a:ext uri="{FF2B5EF4-FFF2-40B4-BE49-F238E27FC236}">
-                <a16:creationId xmlns:a16="http://schemas.microsoft.com/office/drawing/2014/main" xmlns="" id="{0E4979D5-6F1E-40A2-9A8E-8C5AE1AA3B62}"/>
+                <a16:creationId xmlns:a16="http://schemas.microsoft.com/office/drawing/2014/main" id="{0E4979D5-6F1E-40A2-9A8E-8C5AE1AA3B62}"/>
               </a:ext>
             </a:extLst>
           </p:cNvPr>
@@ -13089,7 +11546,7 @@
     </p:spTree>
     <p:extLst>
       <p:ext uri="{BB962C8B-B14F-4D97-AF65-F5344CB8AC3E}">
-        <p14:creationId xmlns:p14="http://schemas.microsoft.com/office/powerpoint/2010/main" xmlns="" val="243879636"/>
+        <p14:creationId xmlns:p14="http://schemas.microsoft.com/office/powerpoint/2010/main" val="243879636"/>
       </p:ext>
     </p:extLst>
   </p:cSld>
@@ -13147,10 +11604,9 @@
           </a:lstStyle>
           <a:p>
             <a:r>
-              <a:rPr kumimoji="0" lang="en-US" smtClean="0"/>
+              <a:rPr kumimoji="0" lang="en-US"/>
               <a:t>Click to edit Master title style</a:t>
             </a:r>
-            <a:endParaRPr kumimoji="0" lang="en-US"/>
           </a:p>
         </p:txBody>
       </p:sp>
@@ -13225,7 +11681,7 @@
           <a:p>
             <a:pPr lvl="0" eaLnBrk="1" latinLnBrk="0" hangingPunct="1"/>
             <a:r>
-              <a:rPr kumimoji="0" lang="en-US" smtClean="0"/>
+              <a:rPr kumimoji="0" lang="en-US"/>
               <a:t>Click to edit Master text styles</a:t>
             </a:r>
           </a:p>
@@ -13254,7 +11710,7 @@
             <a:fld id="{64BF4833-09CA-4F95-9AA9-D45BF689F777}" type="datetimeFigureOut">
               <a:rPr lang="en-IN" smtClean="0"/>
               <a:pPr/>
-              <a:t>11-05-2023</a:t>
+              <a:t>23-06-2023</a:t>
             </a:fld>
             <a:endParaRPr lang="en-IN"/>
           </a:p>
@@ -14009,7 +12465,7 @@
           <p:cNvPr id="24" name="Rectangle 23">
             <a:extLst>
               <a:ext uri="{FF2B5EF4-FFF2-40B4-BE49-F238E27FC236}">
-                <a16:creationId xmlns:a16="http://schemas.microsoft.com/office/drawing/2014/main" xmlns="" id="{65AC5C5D-988B-4CAD-952E-486CC127141E}"/>
+                <a16:creationId xmlns:a16="http://schemas.microsoft.com/office/drawing/2014/main" id="{65AC5C5D-988B-4CAD-952E-486CC127141E}"/>
               </a:ext>
             </a:extLst>
           </p:cNvPr>
@@ -14061,7 +12517,7 @@
           <p:cNvPr id="25" name="Rectangle 24">
             <a:extLst>
               <a:ext uri="{FF2B5EF4-FFF2-40B4-BE49-F238E27FC236}">
-                <a16:creationId xmlns:a16="http://schemas.microsoft.com/office/drawing/2014/main" xmlns="" id="{FC165B12-2AD0-4A2E-8701-E6880767D676}"/>
+                <a16:creationId xmlns:a16="http://schemas.microsoft.com/office/drawing/2014/main" id="{FC165B12-2AD0-4A2E-8701-E6880767D676}"/>
               </a:ext>
             </a:extLst>
           </p:cNvPr>
@@ -14110,7 +12566,7 @@
           <p:cNvPr id="27" name="Rectangle 26">
             <a:extLst>
               <a:ext uri="{FF2B5EF4-FFF2-40B4-BE49-F238E27FC236}">
-                <a16:creationId xmlns:a16="http://schemas.microsoft.com/office/drawing/2014/main" xmlns="" id="{B7B8685B-0557-4378-A4BB-A9FCC95C7A94}"/>
+                <a16:creationId xmlns:a16="http://schemas.microsoft.com/office/drawing/2014/main" id="{B7B8685B-0557-4378-A4BB-A9FCC95C7A94}"/>
               </a:ext>
             </a:extLst>
           </p:cNvPr>
@@ -14162,7 +12618,7 @@
           <p:cNvPr id="28" name="Rectangle 27">
             <a:extLst>
               <a:ext uri="{FF2B5EF4-FFF2-40B4-BE49-F238E27FC236}">
-                <a16:creationId xmlns:a16="http://schemas.microsoft.com/office/drawing/2014/main" xmlns="" id="{F477C460-DFDD-49DA-A732-58BE13C03CAC}"/>
+                <a16:creationId xmlns:a16="http://schemas.microsoft.com/office/drawing/2014/main" id="{F477C460-DFDD-49DA-A732-58BE13C03CAC}"/>
               </a:ext>
             </a:extLst>
           </p:cNvPr>
@@ -14239,7 +12695,7 @@
           <p:cNvPr id="8" name="Rectangle 7">
             <a:extLst>
               <a:ext uri="{FF2B5EF4-FFF2-40B4-BE49-F238E27FC236}">
-                <a16:creationId xmlns:a16="http://schemas.microsoft.com/office/drawing/2014/main" xmlns="" id="{34C5F727-FA73-47F4-8647-79441AA996E3}"/>
+                <a16:creationId xmlns:a16="http://schemas.microsoft.com/office/drawing/2014/main" id="{34C5F727-FA73-47F4-8647-79441AA996E3}"/>
               </a:ext>
             </a:extLst>
           </p:cNvPr>
@@ -14291,7 +12747,7 @@
           <p:cNvPr id="11" name="Rectangle 10">
             <a:extLst>
               <a:ext uri="{FF2B5EF4-FFF2-40B4-BE49-F238E27FC236}">
-                <a16:creationId xmlns:a16="http://schemas.microsoft.com/office/drawing/2014/main" xmlns="" id="{0E4979D5-6F1E-40A2-9A8E-8C5AE1AA3B62}"/>
+                <a16:creationId xmlns:a16="http://schemas.microsoft.com/office/drawing/2014/main" id="{0E4979D5-6F1E-40A2-9A8E-8C5AE1AA3B62}"/>
               </a:ext>
             </a:extLst>
           </p:cNvPr>
@@ -14343,7 +12799,7 @@
           <p:cNvPr id="2" name="Title 1">
             <a:extLst>
               <a:ext uri="{FF2B5EF4-FFF2-40B4-BE49-F238E27FC236}">
-                <a16:creationId xmlns:a16="http://schemas.microsoft.com/office/drawing/2014/main" xmlns="" id="{E94FD2F3-3119-48E2-B464-A93E23C5A607}"/>
+                <a16:creationId xmlns:a16="http://schemas.microsoft.com/office/drawing/2014/main" id="{E94FD2F3-3119-48E2-B464-A93E23C5A607}"/>
               </a:ext>
             </a:extLst>
           </p:cNvPr>
@@ -14383,7 +12839,7 @@
           <p:cNvPr id="3" name="Content Placeholder 2">
             <a:extLst>
               <a:ext uri="{FF2B5EF4-FFF2-40B4-BE49-F238E27FC236}">
-                <a16:creationId xmlns:a16="http://schemas.microsoft.com/office/drawing/2014/main" xmlns="" id="{FCE87C6E-3441-429B-A81D-87F8344C068B}"/>
+                <a16:creationId xmlns:a16="http://schemas.microsoft.com/office/drawing/2014/main" id="{FCE87C6E-3441-429B-A81D-87F8344C068B}"/>
               </a:ext>
             </a:extLst>
           </p:cNvPr>
@@ -14464,7 +12920,7 @@
           <p:cNvPr id="6" name="Slide Number Placeholder 5">
             <a:extLst>
               <a:ext uri="{FF2B5EF4-FFF2-40B4-BE49-F238E27FC236}">
-                <a16:creationId xmlns:a16="http://schemas.microsoft.com/office/drawing/2014/main" xmlns="" id="{FC8ECDD1-1369-42FD-BD19-6797742A154C}"/>
+                <a16:creationId xmlns:a16="http://schemas.microsoft.com/office/drawing/2014/main" id="{FC8ECDD1-1369-42FD-BD19-6797742A154C}"/>
               </a:ext>
             </a:extLst>
           </p:cNvPr>
@@ -14494,7 +12950,7 @@
           <p:cNvPr id="13" name="Picture Placeholder 6">
             <a:extLst>
               <a:ext uri="{FF2B5EF4-FFF2-40B4-BE49-F238E27FC236}">
-                <a16:creationId xmlns:a16="http://schemas.microsoft.com/office/drawing/2014/main" xmlns="" id="{9303FD92-1AC4-4708-B13E-C97E00210D2E}"/>
+                <a16:creationId xmlns:a16="http://schemas.microsoft.com/office/drawing/2014/main" id="{9303FD92-1AC4-4708-B13E-C97E00210D2E}"/>
               </a:ext>
             </a:extLst>
           </p:cNvPr>
@@ -14542,7 +12998,7 @@
           <p:cNvPr id="4" name="Rectangle 3">
             <a:extLst>
               <a:ext uri="{FF2B5EF4-FFF2-40B4-BE49-F238E27FC236}">
-                <a16:creationId xmlns:a16="http://schemas.microsoft.com/office/drawing/2014/main" xmlns="" id="{7306EB3B-6A54-45E7-B23D-F9515CC15D12}"/>
+                <a16:creationId xmlns:a16="http://schemas.microsoft.com/office/drawing/2014/main" id="{7306EB3B-6A54-45E7-B23D-F9515CC15D12}"/>
               </a:ext>
             </a:extLst>
           </p:cNvPr>
@@ -14594,7 +13050,7 @@
           <p:cNvPr id="9" name="Rectangle 8">
             <a:extLst>
               <a:ext uri="{FF2B5EF4-FFF2-40B4-BE49-F238E27FC236}">
-                <a16:creationId xmlns:a16="http://schemas.microsoft.com/office/drawing/2014/main" xmlns="" id="{7E110354-15BA-4B22-B7CF-3D5BFA5C722D}"/>
+                <a16:creationId xmlns:a16="http://schemas.microsoft.com/office/drawing/2014/main" id="{7E110354-15BA-4B22-B7CF-3D5BFA5C722D}"/>
               </a:ext>
             </a:extLst>
           </p:cNvPr>
@@ -14644,7 +13100,7 @@
     </p:spTree>
     <p:extLst>
       <p:ext uri="{BB962C8B-B14F-4D97-AF65-F5344CB8AC3E}">
-        <p14:creationId xmlns:p14="http://schemas.microsoft.com/office/powerpoint/2010/main" xmlns="" val="4151357272"/>
+        <p14:creationId xmlns:p14="http://schemas.microsoft.com/office/powerpoint/2010/main" val="4151357272"/>
       </p:ext>
     </p:extLst>
   </p:cSld>
@@ -14676,7 +13132,7 @@
           <p:cNvPr id="8" name="Rectangle 7">
             <a:extLst>
               <a:ext uri="{FF2B5EF4-FFF2-40B4-BE49-F238E27FC236}">
-                <a16:creationId xmlns:a16="http://schemas.microsoft.com/office/drawing/2014/main" xmlns="" id="{34C5F727-FA73-47F4-8647-79441AA996E3}"/>
+                <a16:creationId xmlns:a16="http://schemas.microsoft.com/office/drawing/2014/main" id="{34C5F727-FA73-47F4-8647-79441AA996E3}"/>
               </a:ext>
             </a:extLst>
           </p:cNvPr>
@@ -14728,7 +13184,7 @@
           <p:cNvPr id="2" name="Title 1">
             <a:extLst>
               <a:ext uri="{FF2B5EF4-FFF2-40B4-BE49-F238E27FC236}">
-                <a16:creationId xmlns:a16="http://schemas.microsoft.com/office/drawing/2014/main" xmlns="" id="{E94FD2F3-3119-48E2-B464-A93E23C5A607}"/>
+                <a16:creationId xmlns:a16="http://schemas.microsoft.com/office/drawing/2014/main" id="{E94FD2F3-3119-48E2-B464-A93E23C5A607}"/>
               </a:ext>
             </a:extLst>
           </p:cNvPr>
@@ -14768,7 +13224,7 @@
           <p:cNvPr id="3" name="Content Placeholder 2">
             <a:extLst>
               <a:ext uri="{FF2B5EF4-FFF2-40B4-BE49-F238E27FC236}">
-                <a16:creationId xmlns:a16="http://schemas.microsoft.com/office/drawing/2014/main" xmlns="" id="{FCE87C6E-3441-429B-A81D-87F8344C068B}"/>
+                <a16:creationId xmlns:a16="http://schemas.microsoft.com/office/drawing/2014/main" id="{FCE87C6E-3441-429B-A81D-87F8344C068B}"/>
               </a:ext>
             </a:extLst>
           </p:cNvPr>
@@ -14849,7 +13305,7 @@
           <p:cNvPr id="6" name="Slide Number Placeholder 5">
             <a:extLst>
               <a:ext uri="{FF2B5EF4-FFF2-40B4-BE49-F238E27FC236}">
-                <a16:creationId xmlns:a16="http://schemas.microsoft.com/office/drawing/2014/main" xmlns="" id="{FC8ECDD1-1369-42FD-BD19-6797742A154C}"/>
+                <a16:creationId xmlns:a16="http://schemas.microsoft.com/office/drawing/2014/main" id="{FC8ECDD1-1369-42FD-BD19-6797742A154C}"/>
               </a:ext>
             </a:extLst>
           </p:cNvPr>
@@ -14879,7 +13335,7 @@
           <p:cNvPr id="13" name="Picture Placeholder 6">
             <a:extLst>
               <a:ext uri="{FF2B5EF4-FFF2-40B4-BE49-F238E27FC236}">
-                <a16:creationId xmlns:a16="http://schemas.microsoft.com/office/drawing/2014/main" xmlns="" id="{9303FD92-1AC4-4708-B13E-C97E00210D2E}"/>
+                <a16:creationId xmlns:a16="http://schemas.microsoft.com/office/drawing/2014/main" id="{9303FD92-1AC4-4708-B13E-C97E00210D2E}"/>
               </a:ext>
             </a:extLst>
           </p:cNvPr>
@@ -14927,7 +13383,7 @@
           <p:cNvPr id="5" name="Rectangle 4">
             <a:extLst>
               <a:ext uri="{FF2B5EF4-FFF2-40B4-BE49-F238E27FC236}">
-                <a16:creationId xmlns:a16="http://schemas.microsoft.com/office/drawing/2014/main" xmlns="" id="{8E16C293-C1E0-4EA5-BDE5-D226D72FC08B}"/>
+                <a16:creationId xmlns:a16="http://schemas.microsoft.com/office/drawing/2014/main" id="{8E16C293-C1E0-4EA5-BDE5-D226D72FC08B}"/>
               </a:ext>
             </a:extLst>
           </p:cNvPr>
@@ -14979,7 +13435,7 @@
           <p:cNvPr id="12" name="Rectangle 11">
             <a:extLst>
               <a:ext uri="{FF2B5EF4-FFF2-40B4-BE49-F238E27FC236}">
-                <a16:creationId xmlns:a16="http://schemas.microsoft.com/office/drawing/2014/main" xmlns="" id="{DC770C08-8FFF-4293-8E7D-DBFEE4E3E443}"/>
+                <a16:creationId xmlns:a16="http://schemas.microsoft.com/office/drawing/2014/main" id="{DC770C08-8FFF-4293-8E7D-DBFEE4E3E443}"/>
               </a:ext>
             </a:extLst>
           </p:cNvPr>
@@ -15029,7 +13485,7 @@
     </p:spTree>
     <p:extLst>
       <p:ext uri="{BB962C8B-B14F-4D97-AF65-F5344CB8AC3E}">
-        <p14:creationId xmlns:p14="http://schemas.microsoft.com/office/powerpoint/2010/main" xmlns="" val="2414620619"/>
+        <p14:creationId xmlns:p14="http://schemas.microsoft.com/office/powerpoint/2010/main" val="2414620619"/>
       </p:ext>
     </p:extLst>
   </p:cSld>
@@ -15061,7 +13517,7 @@
           <p:cNvPr id="7" name="Rectangle 6">
             <a:extLst>
               <a:ext uri="{FF2B5EF4-FFF2-40B4-BE49-F238E27FC236}">
-                <a16:creationId xmlns:a16="http://schemas.microsoft.com/office/drawing/2014/main" xmlns="" id="{ED497887-B1EF-4184-95F4-276A92D54B8F}"/>
+                <a16:creationId xmlns:a16="http://schemas.microsoft.com/office/drawing/2014/main" id="{ED497887-B1EF-4184-95F4-276A92D54B8F}"/>
               </a:ext>
             </a:extLst>
           </p:cNvPr>
@@ -15113,7 +13569,7 @@
           <p:cNvPr id="8" name="Rectangle 7">
             <a:extLst>
               <a:ext uri="{FF2B5EF4-FFF2-40B4-BE49-F238E27FC236}">
-                <a16:creationId xmlns:a16="http://schemas.microsoft.com/office/drawing/2014/main" xmlns="" id="{4F93C6CC-9D8D-4981-8106-72C617756BD8}"/>
+                <a16:creationId xmlns:a16="http://schemas.microsoft.com/office/drawing/2014/main" id="{4F93C6CC-9D8D-4981-8106-72C617756BD8}"/>
               </a:ext>
             </a:extLst>
           </p:cNvPr>
@@ -15162,7 +13618,7 @@
           <p:cNvPr id="11" name="Picture Placeholder 6">
             <a:extLst>
               <a:ext uri="{FF2B5EF4-FFF2-40B4-BE49-F238E27FC236}">
-                <a16:creationId xmlns:a16="http://schemas.microsoft.com/office/drawing/2014/main" xmlns="" id="{391EAACA-1322-4E60-917E-C7408F539D5D}"/>
+                <a16:creationId xmlns:a16="http://schemas.microsoft.com/office/drawing/2014/main" id="{391EAACA-1322-4E60-917E-C7408F539D5D}"/>
               </a:ext>
             </a:extLst>
           </p:cNvPr>
@@ -15210,7 +13666,7 @@
           <p:cNvPr id="2" name="Title 1">
             <a:extLst>
               <a:ext uri="{FF2B5EF4-FFF2-40B4-BE49-F238E27FC236}">
-                <a16:creationId xmlns:a16="http://schemas.microsoft.com/office/drawing/2014/main" xmlns="" id="{4C2FFEDF-1F62-45E5-8000-9689D9DFC4D1}"/>
+                <a16:creationId xmlns:a16="http://schemas.microsoft.com/office/drawing/2014/main" id="{4C2FFEDF-1F62-45E5-8000-9689D9DFC4D1}"/>
               </a:ext>
             </a:extLst>
           </p:cNvPr>
@@ -15252,7 +13708,7 @@
           <p:cNvPr id="6" name="Slide Number Placeholder 5">
             <a:extLst>
               <a:ext uri="{FF2B5EF4-FFF2-40B4-BE49-F238E27FC236}">
-                <a16:creationId xmlns:a16="http://schemas.microsoft.com/office/drawing/2014/main" xmlns="" id="{A8D10129-98D8-456D-9925-F02A38DE1423}"/>
+                <a16:creationId xmlns:a16="http://schemas.microsoft.com/office/drawing/2014/main" id="{A8D10129-98D8-456D-9925-F02A38DE1423}"/>
               </a:ext>
             </a:extLst>
           </p:cNvPr>
@@ -15282,7 +13738,7 @@
           <p:cNvPr id="12" name="Freeform: Shape 11">
             <a:extLst>
               <a:ext uri="{FF2B5EF4-FFF2-40B4-BE49-F238E27FC236}">
-                <a16:creationId xmlns:a16="http://schemas.microsoft.com/office/drawing/2014/main" xmlns="" id="{43296215-27AE-462B-9127-E1C932633896}"/>
+                <a16:creationId xmlns:a16="http://schemas.microsoft.com/office/drawing/2014/main" id="{43296215-27AE-462B-9127-E1C932633896}"/>
               </a:ext>
             </a:extLst>
           </p:cNvPr>
@@ -15436,7 +13892,7 @@
     </p:spTree>
     <p:extLst>
       <p:ext uri="{BB962C8B-B14F-4D97-AF65-F5344CB8AC3E}">
-        <p14:creationId xmlns:p14="http://schemas.microsoft.com/office/powerpoint/2010/main" xmlns="" val="2274798320"/>
+        <p14:creationId xmlns:p14="http://schemas.microsoft.com/office/powerpoint/2010/main" val="2274798320"/>
       </p:ext>
     </p:extLst>
   </p:cSld>
@@ -15557,7 +14013,7 @@
           <p:cNvPr id="7" name="Rectangle 6">
             <a:extLst>
               <a:ext uri="{FF2B5EF4-FFF2-40B4-BE49-F238E27FC236}">
-                <a16:creationId xmlns:a16="http://schemas.microsoft.com/office/drawing/2014/main" xmlns="" id="{ED497887-B1EF-4184-95F4-276A92D54B8F}"/>
+                <a16:creationId xmlns:a16="http://schemas.microsoft.com/office/drawing/2014/main" id="{ED497887-B1EF-4184-95F4-276A92D54B8F}"/>
               </a:ext>
             </a:extLst>
           </p:cNvPr>
@@ -15609,7 +14065,7 @@
           <p:cNvPr id="33" name="Picture Placeholder 32">
             <a:extLst>
               <a:ext uri="{FF2B5EF4-FFF2-40B4-BE49-F238E27FC236}">
-                <a16:creationId xmlns:a16="http://schemas.microsoft.com/office/drawing/2014/main" xmlns="" id="{2DB7CFEB-6952-4BC3-B9E0-0C382490F9E6}"/>
+                <a16:creationId xmlns:a16="http://schemas.microsoft.com/office/drawing/2014/main" id="{2DB7CFEB-6952-4BC3-B9E0-0C382490F9E6}"/>
               </a:ext>
             </a:extLst>
           </p:cNvPr>
@@ -15967,7 +14423,7 @@
           <p:cNvPr id="2" name="Title 1">
             <a:extLst>
               <a:ext uri="{FF2B5EF4-FFF2-40B4-BE49-F238E27FC236}">
-                <a16:creationId xmlns:a16="http://schemas.microsoft.com/office/drawing/2014/main" xmlns="" id="{4C2FFEDF-1F62-45E5-8000-9689D9DFC4D1}"/>
+                <a16:creationId xmlns:a16="http://schemas.microsoft.com/office/drawing/2014/main" id="{4C2FFEDF-1F62-45E5-8000-9689D9DFC4D1}"/>
               </a:ext>
             </a:extLst>
           </p:cNvPr>
@@ -16008,7 +14464,7 @@
           <p:cNvPr id="6" name="Slide Number Placeholder 5">
             <a:extLst>
               <a:ext uri="{FF2B5EF4-FFF2-40B4-BE49-F238E27FC236}">
-                <a16:creationId xmlns:a16="http://schemas.microsoft.com/office/drawing/2014/main" xmlns="" id="{A8D10129-98D8-456D-9925-F02A38DE1423}"/>
+                <a16:creationId xmlns:a16="http://schemas.microsoft.com/office/drawing/2014/main" id="{A8D10129-98D8-456D-9925-F02A38DE1423}"/>
               </a:ext>
             </a:extLst>
           </p:cNvPr>
@@ -16038,7 +14494,7 @@
           <p:cNvPr id="16" name="Rectangle 15">
             <a:extLst>
               <a:ext uri="{FF2B5EF4-FFF2-40B4-BE49-F238E27FC236}">
-                <a16:creationId xmlns:a16="http://schemas.microsoft.com/office/drawing/2014/main" xmlns="" id="{A73E3CFC-9652-4E07-82D7-0EC3304CAA1F}"/>
+                <a16:creationId xmlns:a16="http://schemas.microsoft.com/office/drawing/2014/main" id="{A73E3CFC-9652-4E07-82D7-0EC3304CAA1F}"/>
               </a:ext>
             </a:extLst>
           </p:cNvPr>
@@ -16090,7 +14546,7 @@
           <p:cNvPr id="17" name="Rectangle 16">
             <a:extLst>
               <a:ext uri="{FF2B5EF4-FFF2-40B4-BE49-F238E27FC236}">
-                <a16:creationId xmlns:a16="http://schemas.microsoft.com/office/drawing/2014/main" xmlns="" id="{76B43515-5C7A-4125-B76D-8A24D2BBE5EC}"/>
+                <a16:creationId xmlns:a16="http://schemas.microsoft.com/office/drawing/2014/main" id="{76B43515-5C7A-4125-B76D-8A24D2BBE5EC}"/>
               </a:ext>
             </a:extLst>
           </p:cNvPr>
@@ -16142,7 +14598,7 @@
           <p:cNvPr id="18" name="Rectangle 17">
             <a:extLst>
               <a:ext uri="{FF2B5EF4-FFF2-40B4-BE49-F238E27FC236}">
-                <a16:creationId xmlns:a16="http://schemas.microsoft.com/office/drawing/2014/main" xmlns="" id="{0C9A713B-4176-4C86-9E87-4ADBD6F444FB}"/>
+                <a16:creationId xmlns:a16="http://schemas.microsoft.com/office/drawing/2014/main" id="{0C9A713B-4176-4C86-9E87-4ADBD6F444FB}"/>
               </a:ext>
             </a:extLst>
           </p:cNvPr>
@@ -16192,7 +14648,7 @@
     </p:spTree>
     <p:extLst>
       <p:ext uri="{BB962C8B-B14F-4D97-AF65-F5344CB8AC3E}">
-        <p14:creationId xmlns:p14="http://schemas.microsoft.com/office/powerpoint/2010/main" xmlns="" val="1162233376"/>
+        <p14:creationId xmlns:p14="http://schemas.microsoft.com/office/powerpoint/2010/main" val="1162233376"/>
       </p:ext>
     </p:extLst>
   </p:cSld>
@@ -16224,7 +14680,7 @@
           <p:cNvPr id="7" name="Rectangle 6">
             <a:extLst>
               <a:ext uri="{FF2B5EF4-FFF2-40B4-BE49-F238E27FC236}">
-                <a16:creationId xmlns:a16="http://schemas.microsoft.com/office/drawing/2014/main" xmlns="" id="{ED497887-B1EF-4184-95F4-276A92D54B8F}"/>
+                <a16:creationId xmlns:a16="http://schemas.microsoft.com/office/drawing/2014/main" id="{ED497887-B1EF-4184-95F4-276A92D54B8F}"/>
               </a:ext>
             </a:extLst>
           </p:cNvPr>
@@ -16276,7 +14732,7 @@
           <p:cNvPr id="2" name="Title 1">
             <a:extLst>
               <a:ext uri="{FF2B5EF4-FFF2-40B4-BE49-F238E27FC236}">
-                <a16:creationId xmlns:a16="http://schemas.microsoft.com/office/drawing/2014/main" xmlns="" id="{4C2FFEDF-1F62-45E5-8000-9689D9DFC4D1}"/>
+                <a16:creationId xmlns:a16="http://schemas.microsoft.com/office/drawing/2014/main" id="{4C2FFEDF-1F62-45E5-8000-9689D9DFC4D1}"/>
               </a:ext>
             </a:extLst>
           </p:cNvPr>
@@ -16317,7 +14773,7 @@
           <p:cNvPr id="6" name="Slide Number Placeholder 5">
             <a:extLst>
               <a:ext uri="{FF2B5EF4-FFF2-40B4-BE49-F238E27FC236}">
-                <a16:creationId xmlns:a16="http://schemas.microsoft.com/office/drawing/2014/main" xmlns="" id="{A8D10129-98D8-456D-9925-F02A38DE1423}"/>
+                <a16:creationId xmlns:a16="http://schemas.microsoft.com/office/drawing/2014/main" id="{A8D10129-98D8-456D-9925-F02A38DE1423}"/>
               </a:ext>
             </a:extLst>
           </p:cNvPr>
@@ -16347,7 +14803,7 @@
           <p:cNvPr id="16" name="Rectangle 15">
             <a:extLst>
               <a:ext uri="{FF2B5EF4-FFF2-40B4-BE49-F238E27FC236}">
-                <a16:creationId xmlns:a16="http://schemas.microsoft.com/office/drawing/2014/main" xmlns="" id="{A73E3CFC-9652-4E07-82D7-0EC3304CAA1F}"/>
+                <a16:creationId xmlns:a16="http://schemas.microsoft.com/office/drawing/2014/main" id="{A73E3CFC-9652-4E07-82D7-0EC3304CAA1F}"/>
               </a:ext>
             </a:extLst>
           </p:cNvPr>
@@ -16399,7 +14855,7 @@
           <p:cNvPr id="26" name="Rectangle 25">
             <a:extLst>
               <a:ext uri="{FF2B5EF4-FFF2-40B4-BE49-F238E27FC236}">
-                <a16:creationId xmlns:a16="http://schemas.microsoft.com/office/drawing/2014/main" xmlns="" id="{DFA0623C-0B34-4074-8AA0-6428A5AF07A3}"/>
+                <a16:creationId xmlns:a16="http://schemas.microsoft.com/office/drawing/2014/main" id="{DFA0623C-0B34-4074-8AA0-6428A5AF07A3}"/>
               </a:ext>
             </a:extLst>
           </p:cNvPr>
@@ -16451,7 +14907,7 @@
           <p:cNvPr id="33" name="Picture Placeholder 32">
             <a:extLst>
               <a:ext uri="{FF2B5EF4-FFF2-40B4-BE49-F238E27FC236}">
-                <a16:creationId xmlns:a16="http://schemas.microsoft.com/office/drawing/2014/main" xmlns="" id="{B5D335A5-A601-4D8A-AEF5-F34792FF565A}"/>
+                <a16:creationId xmlns:a16="http://schemas.microsoft.com/office/drawing/2014/main" id="{B5D335A5-A601-4D8A-AEF5-F34792FF565A}"/>
               </a:ext>
             </a:extLst>
           </p:cNvPr>
@@ -16840,7 +15296,7 @@
     </p:spTree>
     <p:extLst>
       <p:ext uri="{BB962C8B-B14F-4D97-AF65-F5344CB8AC3E}">
-        <p14:creationId xmlns:p14="http://schemas.microsoft.com/office/powerpoint/2010/main" xmlns="" val="2883340266"/>
+        <p14:creationId xmlns:p14="http://schemas.microsoft.com/office/powerpoint/2010/main" val="2883340266"/>
       </p:ext>
     </p:extLst>
   </p:cSld>
@@ -16872,7 +15328,7 @@
           <p:cNvPr id="10" name="Rectangle 9">
             <a:extLst>
               <a:ext uri="{FF2B5EF4-FFF2-40B4-BE49-F238E27FC236}">
-                <a16:creationId xmlns:a16="http://schemas.microsoft.com/office/drawing/2014/main" xmlns="" id="{A5A73287-EED0-4EEC-8007-E2C13366027B}"/>
+                <a16:creationId xmlns:a16="http://schemas.microsoft.com/office/drawing/2014/main" id="{A5A73287-EED0-4EEC-8007-E2C13366027B}"/>
               </a:ext>
             </a:extLst>
           </p:cNvPr>
@@ -16924,7 +15380,7 @@
           <p:cNvPr id="2" name="Title 1">
             <a:extLst>
               <a:ext uri="{FF2B5EF4-FFF2-40B4-BE49-F238E27FC236}">
-                <a16:creationId xmlns:a16="http://schemas.microsoft.com/office/drawing/2014/main" xmlns="" id="{DE3A6AA5-A315-455E-B5C7-E53E3746ED81}"/>
+                <a16:creationId xmlns:a16="http://schemas.microsoft.com/office/drawing/2014/main" id="{DE3A6AA5-A315-455E-B5C7-E53E3746ED81}"/>
               </a:ext>
             </a:extLst>
           </p:cNvPr>
@@ -16953,7 +15409,7 @@
           <p:cNvPr id="4" name="Content Placeholder 3">
             <a:extLst>
               <a:ext uri="{FF2B5EF4-FFF2-40B4-BE49-F238E27FC236}">
-                <a16:creationId xmlns:a16="http://schemas.microsoft.com/office/drawing/2014/main" xmlns="" id="{23F1116B-C8B0-450D-83F6-49C4ABB22CCD}"/>
+                <a16:creationId xmlns:a16="http://schemas.microsoft.com/office/drawing/2014/main" id="{23F1116B-C8B0-450D-83F6-49C4ABB22CCD}"/>
               </a:ext>
             </a:extLst>
           </p:cNvPr>
@@ -17054,7 +15510,7 @@
           <p:cNvPr id="7" name="Slide Number Placeholder 6">
             <a:extLst>
               <a:ext uri="{FF2B5EF4-FFF2-40B4-BE49-F238E27FC236}">
-                <a16:creationId xmlns:a16="http://schemas.microsoft.com/office/drawing/2014/main" xmlns="" id="{2C182A82-4FBE-4689-B739-692549B4030D}"/>
+                <a16:creationId xmlns:a16="http://schemas.microsoft.com/office/drawing/2014/main" id="{2C182A82-4FBE-4689-B739-692549B4030D}"/>
               </a:ext>
             </a:extLst>
           </p:cNvPr>
@@ -17084,7 +15540,7 @@
           <p:cNvPr id="8" name="Picture Placeholder 6">
             <a:extLst>
               <a:ext uri="{FF2B5EF4-FFF2-40B4-BE49-F238E27FC236}">
-                <a16:creationId xmlns:a16="http://schemas.microsoft.com/office/drawing/2014/main" xmlns="" id="{4DC80855-A1B8-4B65-B6F6-2AA6239EC246}"/>
+                <a16:creationId xmlns:a16="http://schemas.microsoft.com/office/drawing/2014/main" id="{4DC80855-A1B8-4B65-B6F6-2AA6239EC246}"/>
               </a:ext>
             </a:extLst>
           </p:cNvPr>
@@ -17132,7 +15588,7 @@
           <p:cNvPr id="11" name="Picture Placeholder 6">
             <a:extLst>
               <a:ext uri="{FF2B5EF4-FFF2-40B4-BE49-F238E27FC236}">
-                <a16:creationId xmlns:a16="http://schemas.microsoft.com/office/drawing/2014/main" xmlns="" id="{B9795E85-7B91-41BB-9DF4-A4893AA48FFA}"/>
+                <a16:creationId xmlns:a16="http://schemas.microsoft.com/office/drawing/2014/main" id="{B9795E85-7B91-41BB-9DF4-A4893AA48FFA}"/>
               </a:ext>
             </a:extLst>
           </p:cNvPr>
@@ -17180,7 +15636,7 @@
           <p:cNvPr id="12" name="Rectangle 11">
             <a:extLst>
               <a:ext uri="{FF2B5EF4-FFF2-40B4-BE49-F238E27FC236}">
-                <a16:creationId xmlns:a16="http://schemas.microsoft.com/office/drawing/2014/main" xmlns="" id="{BB372D75-4BAD-4C47-AE7D-0F2711031EEC}"/>
+                <a16:creationId xmlns:a16="http://schemas.microsoft.com/office/drawing/2014/main" id="{BB372D75-4BAD-4C47-AE7D-0F2711031EEC}"/>
               </a:ext>
             </a:extLst>
           </p:cNvPr>
@@ -17232,7 +15688,7 @@
           <p:cNvPr id="3" name="Content Placeholder 2">
             <a:extLst>
               <a:ext uri="{FF2B5EF4-FFF2-40B4-BE49-F238E27FC236}">
-                <a16:creationId xmlns:a16="http://schemas.microsoft.com/office/drawing/2014/main" xmlns="" id="{3E60534E-DE82-45F4-8E2E-DA97F169177F}"/>
+                <a16:creationId xmlns:a16="http://schemas.microsoft.com/office/drawing/2014/main" id="{3E60534E-DE82-45F4-8E2E-DA97F169177F}"/>
               </a:ext>
             </a:extLst>
           </p:cNvPr>
@@ -17331,7 +15787,7 @@
     </p:spTree>
     <p:extLst>
       <p:ext uri="{BB962C8B-B14F-4D97-AF65-F5344CB8AC3E}">
-        <p14:creationId xmlns:p14="http://schemas.microsoft.com/office/powerpoint/2010/main" xmlns="" val="4281018264"/>
+        <p14:creationId xmlns:p14="http://schemas.microsoft.com/office/powerpoint/2010/main" val="4281018264"/>
       </p:ext>
     </p:extLst>
   </p:cSld>
@@ -17363,7 +15819,7 @@
           <p:cNvPr id="2" name="Title 1">
             <a:extLst>
               <a:ext uri="{FF2B5EF4-FFF2-40B4-BE49-F238E27FC236}">
-                <a16:creationId xmlns:a16="http://schemas.microsoft.com/office/drawing/2014/main" xmlns="" id="{DE3A6AA5-A315-455E-B5C7-E53E3746ED81}"/>
+                <a16:creationId xmlns:a16="http://schemas.microsoft.com/office/drawing/2014/main" id="{DE3A6AA5-A315-455E-B5C7-E53E3746ED81}"/>
               </a:ext>
             </a:extLst>
           </p:cNvPr>
@@ -17392,7 +15848,7 @@
           <p:cNvPr id="7" name="Slide Number Placeholder 6">
             <a:extLst>
               <a:ext uri="{FF2B5EF4-FFF2-40B4-BE49-F238E27FC236}">
-                <a16:creationId xmlns:a16="http://schemas.microsoft.com/office/drawing/2014/main" xmlns="" id="{2C182A82-4FBE-4689-B739-692549B4030D}"/>
+                <a16:creationId xmlns:a16="http://schemas.microsoft.com/office/drawing/2014/main" id="{2C182A82-4FBE-4689-B739-692549B4030D}"/>
               </a:ext>
             </a:extLst>
           </p:cNvPr>
@@ -17422,7 +15878,7 @@
           <p:cNvPr id="8" name="Picture Placeholder 6">
             <a:extLst>
               <a:ext uri="{FF2B5EF4-FFF2-40B4-BE49-F238E27FC236}">
-                <a16:creationId xmlns:a16="http://schemas.microsoft.com/office/drawing/2014/main" xmlns="" id="{4DC80855-A1B8-4B65-B6F6-2AA6239EC246}"/>
+                <a16:creationId xmlns:a16="http://schemas.microsoft.com/office/drawing/2014/main" id="{4DC80855-A1B8-4B65-B6F6-2AA6239EC246}"/>
               </a:ext>
             </a:extLst>
           </p:cNvPr>
@@ -17470,7 +15926,7 @@
           <p:cNvPr id="12" name="Rectangle 11">
             <a:extLst>
               <a:ext uri="{FF2B5EF4-FFF2-40B4-BE49-F238E27FC236}">
-                <a16:creationId xmlns:a16="http://schemas.microsoft.com/office/drawing/2014/main" xmlns="" id="{BB372D75-4BAD-4C47-AE7D-0F2711031EEC}"/>
+                <a16:creationId xmlns:a16="http://schemas.microsoft.com/office/drawing/2014/main" id="{BB372D75-4BAD-4C47-AE7D-0F2711031EEC}"/>
               </a:ext>
             </a:extLst>
           </p:cNvPr>
@@ -17522,7 +15978,7 @@
           <p:cNvPr id="4" name="Content Placeholder 3">
             <a:extLst>
               <a:ext uri="{FF2B5EF4-FFF2-40B4-BE49-F238E27FC236}">
-                <a16:creationId xmlns:a16="http://schemas.microsoft.com/office/drawing/2014/main" xmlns="" id="{23F1116B-C8B0-450D-83F6-49C4ABB22CCD}"/>
+                <a16:creationId xmlns:a16="http://schemas.microsoft.com/office/drawing/2014/main" id="{23F1116B-C8B0-450D-83F6-49C4ABB22CCD}"/>
               </a:ext>
             </a:extLst>
           </p:cNvPr>
@@ -17623,7 +16079,7 @@
           <p:cNvPr id="3" name="Content Placeholder 2">
             <a:extLst>
               <a:ext uri="{FF2B5EF4-FFF2-40B4-BE49-F238E27FC236}">
-                <a16:creationId xmlns:a16="http://schemas.microsoft.com/office/drawing/2014/main" xmlns="" id="{3E60534E-DE82-45F4-8E2E-DA97F169177F}"/>
+                <a16:creationId xmlns:a16="http://schemas.microsoft.com/office/drawing/2014/main" id="{3E60534E-DE82-45F4-8E2E-DA97F169177F}"/>
               </a:ext>
             </a:extLst>
           </p:cNvPr>
@@ -17724,7 +16180,7 @@
           <p:cNvPr id="6" name="Straight Connector 5">
             <a:extLst>
               <a:ext uri="{FF2B5EF4-FFF2-40B4-BE49-F238E27FC236}">
-                <a16:creationId xmlns:a16="http://schemas.microsoft.com/office/drawing/2014/main" xmlns="" id="{C15E3050-1157-4448-A84E-5AC72FC84A7F}"/>
+                <a16:creationId xmlns:a16="http://schemas.microsoft.com/office/drawing/2014/main" id="{C15E3050-1157-4448-A84E-5AC72FC84A7F}"/>
               </a:ext>
             </a:extLst>
           </p:cNvPr>
@@ -17763,7 +16219,7 @@
     </p:spTree>
     <p:extLst>
       <p:ext uri="{BB962C8B-B14F-4D97-AF65-F5344CB8AC3E}">
-        <p14:creationId xmlns:p14="http://schemas.microsoft.com/office/powerpoint/2010/main" xmlns="" val="3105386309"/>
+        <p14:creationId xmlns:p14="http://schemas.microsoft.com/office/powerpoint/2010/main" val="3105386309"/>
       </p:ext>
     </p:extLst>
   </p:cSld>
@@ -17795,7 +16251,7 @@
           <p:cNvPr id="9" name="Rectangle 8">
             <a:extLst>
               <a:ext uri="{FF2B5EF4-FFF2-40B4-BE49-F238E27FC236}">
-                <a16:creationId xmlns:a16="http://schemas.microsoft.com/office/drawing/2014/main" xmlns="" id="{F30BCBF1-64A6-4051-BC31-B793E99731A6}"/>
+                <a16:creationId xmlns:a16="http://schemas.microsoft.com/office/drawing/2014/main" id="{F30BCBF1-64A6-4051-BC31-B793E99731A6}"/>
               </a:ext>
             </a:extLst>
           </p:cNvPr>
@@ -17847,7 +16303,7 @@
           <p:cNvPr id="22" name="Rectangle 21">
             <a:extLst>
               <a:ext uri="{FF2B5EF4-FFF2-40B4-BE49-F238E27FC236}">
-                <a16:creationId xmlns:a16="http://schemas.microsoft.com/office/drawing/2014/main" xmlns="" id="{115DEB4D-1697-4E72-B2BF-F5EA1EF3B009}"/>
+                <a16:creationId xmlns:a16="http://schemas.microsoft.com/office/drawing/2014/main" id="{115DEB4D-1697-4E72-B2BF-F5EA1EF3B009}"/>
               </a:ext>
             </a:extLst>
           </p:cNvPr>
@@ -17899,7 +16355,7 @@
           <p:cNvPr id="2" name="Title 1">
             <a:extLst>
               <a:ext uri="{FF2B5EF4-FFF2-40B4-BE49-F238E27FC236}">
-                <a16:creationId xmlns:a16="http://schemas.microsoft.com/office/drawing/2014/main" xmlns="" id="{DE3A6AA5-A315-455E-B5C7-E53E3746ED81}"/>
+                <a16:creationId xmlns:a16="http://schemas.microsoft.com/office/drawing/2014/main" id="{DE3A6AA5-A315-455E-B5C7-E53E3746ED81}"/>
               </a:ext>
             </a:extLst>
           </p:cNvPr>
@@ -17938,7 +16394,7 @@
           <p:cNvPr id="7" name="Slide Number Placeholder 6">
             <a:extLst>
               <a:ext uri="{FF2B5EF4-FFF2-40B4-BE49-F238E27FC236}">
-                <a16:creationId xmlns:a16="http://schemas.microsoft.com/office/drawing/2014/main" xmlns="" id="{2C182A82-4FBE-4689-B739-692549B4030D}"/>
+                <a16:creationId xmlns:a16="http://schemas.microsoft.com/office/drawing/2014/main" id="{2C182A82-4FBE-4689-B739-692549B4030D}"/>
               </a:ext>
             </a:extLst>
           </p:cNvPr>
@@ -17968,7 +16424,7 @@
           <p:cNvPr id="4" name="Content Placeholder 3">
             <a:extLst>
               <a:ext uri="{FF2B5EF4-FFF2-40B4-BE49-F238E27FC236}">
-                <a16:creationId xmlns:a16="http://schemas.microsoft.com/office/drawing/2014/main" xmlns="" id="{23F1116B-C8B0-450D-83F6-49C4ABB22CCD}"/>
+                <a16:creationId xmlns:a16="http://schemas.microsoft.com/office/drawing/2014/main" id="{23F1116B-C8B0-450D-83F6-49C4ABB22CCD}"/>
               </a:ext>
             </a:extLst>
           </p:cNvPr>
@@ -18068,7 +16524,7 @@
           <p:cNvPr id="3" name="Content Placeholder 2">
             <a:extLst>
               <a:ext uri="{FF2B5EF4-FFF2-40B4-BE49-F238E27FC236}">
-                <a16:creationId xmlns:a16="http://schemas.microsoft.com/office/drawing/2014/main" xmlns="" id="{3E60534E-DE82-45F4-8E2E-DA97F169177F}"/>
+                <a16:creationId xmlns:a16="http://schemas.microsoft.com/office/drawing/2014/main" id="{3E60534E-DE82-45F4-8E2E-DA97F169177F}"/>
               </a:ext>
             </a:extLst>
           </p:cNvPr>
@@ -18168,7 +16624,7 @@
           <p:cNvPr id="25" name="Picture Placeholder 24">
             <a:extLst>
               <a:ext uri="{FF2B5EF4-FFF2-40B4-BE49-F238E27FC236}">
-                <a16:creationId xmlns:a16="http://schemas.microsoft.com/office/drawing/2014/main" xmlns="" id="{84421AF3-217F-49BD-BF47-1140F3F445D8}"/>
+                <a16:creationId xmlns:a16="http://schemas.microsoft.com/office/drawing/2014/main" id="{84421AF3-217F-49BD-BF47-1140F3F445D8}"/>
               </a:ext>
             </a:extLst>
           </p:cNvPr>
@@ -18427,7 +16883,7 @@
           <p:cNvPr id="20" name="Rectangle 19">
             <a:extLst>
               <a:ext uri="{FF2B5EF4-FFF2-40B4-BE49-F238E27FC236}">
-                <a16:creationId xmlns:a16="http://schemas.microsoft.com/office/drawing/2014/main" xmlns="" id="{475378D9-445B-4812-AE73-9B2CF92DCDF1}"/>
+                <a16:creationId xmlns:a16="http://schemas.microsoft.com/office/drawing/2014/main" id="{475378D9-445B-4812-AE73-9B2CF92DCDF1}"/>
               </a:ext>
             </a:extLst>
           </p:cNvPr>
@@ -18479,7 +16935,7 @@
           <p:cNvPr id="21" name="Rectangle 20">
             <a:extLst>
               <a:ext uri="{FF2B5EF4-FFF2-40B4-BE49-F238E27FC236}">
-                <a16:creationId xmlns:a16="http://schemas.microsoft.com/office/drawing/2014/main" xmlns="" id="{B569B8CC-B741-4501-A871-F6CC58941F5C}"/>
+                <a16:creationId xmlns:a16="http://schemas.microsoft.com/office/drawing/2014/main" id="{B569B8CC-B741-4501-A871-F6CC58941F5C}"/>
               </a:ext>
             </a:extLst>
           </p:cNvPr>
@@ -18531,7 +16987,7 @@
           <p:cNvPr id="23" name="Straight Connector 22">
             <a:extLst>
               <a:ext uri="{FF2B5EF4-FFF2-40B4-BE49-F238E27FC236}">
-                <a16:creationId xmlns:a16="http://schemas.microsoft.com/office/drawing/2014/main" xmlns="" id="{8ED9C5BC-5F16-4DC8-BAA3-30A378B7F5FB}"/>
+                <a16:creationId xmlns:a16="http://schemas.microsoft.com/office/drawing/2014/main" id="{8ED9C5BC-5F16-4DC8-BAA3-30A378B7F5FB}"/>
               </a:ext>
             </a:extLst>
           </p:cNvPr>
@@ -18574,7 +17030,7 @@
           <p:cNvPr id="24" name="Rectangle 23">
             <a:extLst>
               <a:ext uri="{FF2B5EF4-FFF2-40B4-BE49-F238E27FC236}">
-                <a16:creationId xmlns:a16="http://schemas.microsoft.com/office/drawing/2014/main" xmlns="" id="{2F0E9B02-FBE7-4B3F-833A-FCDE146B2DAD}"/>
+                <a16:creationId xmlns:a16="http://schemas.microsoft.com/office/drawing/2014/main" id="{2F0E9B02-FBE7-4B3F-833A-FCDE146B2DAD}"/>
               </a:ext>
             </a:extLst>
           </p:cNvPr>
@@ -18624,7 +17080,7 @@
     </p:spTree>
     <p:extLst>
       <p:ext uri="{BB962C8B-B14F-4D97-AF65-F5344CB8AC3E}">
-        <p14:creationId xmlns:p14="http://schemas.microsoft.com/office/powerpoint/2010/main" xmlns="" val="1258960895"/>
+        <p14:creationId xmlns:p14="http://schemas.microsoft.com/office/powerpoint/2010/main" val="1258960895"/>
       </p:ext>
     </p:extLst>
   </p:cSld>
@@ -18656,7 +17112,7 @@
           <p:cNvPr id="9" name="Rectangle 8">
             <a:extLst>
               <a:ext uri="{FF2B5EF4-FFF2-40B4-BE49-F238E27FC236}">
-                <a16:creationId xmlns:a16="http://schemas.microsoft.com/office/drawing/2014/main" xmlns="" id="{F30BCBF1-64A6-4051-BC31-B793E99731A6}"/>
+                <a16:creationId xmlns:a16="http://schemas.microsoft.com/office/drawing/2014/main" id="{F30BCBF1-64A6-4051-BC31-B793E99731A6}"/>
               </a:ext>
             </a:extLst>
           </p:cNvPr>
@@ -18708,7 +17164,7 @@
           <p:cNvPr id="13" name="Picture Placeholder 6">
             <a:extLst>
               <a:ext uri="{FF2B5EF4-FFF2-40B4-BE49-F238E27FC236}">
-                <a16:creationId xmlns:a16="http://schemas.microsoft.com/office/drawing/2014/main" xmlns="" id="{73E3AB81-FB3C-492F-8AB9-CFC37EECCEE7}"/>
+                <a16:creationId xmlns:a16="http://schemas.microsoft.com/office/drawing/2014/main" id="{73E3AB81-FB3C-492F-8AB9-CFC37EECCEE7}"/>
               </a:ext>
             </a:extLst>
           </p:cNvPr>
@@ -18756,7 +17212,7 @@
           <p:cNvPr id="14" name="Rectangle 13">
             <a:extLst>
               <a:ext uri="{FF2B5EF4-FFF2-40B4-BE49-F238E27FC236}">
-                <a16:creationId xmlns:a16="http://schemas.microsoft.com/office/drawing/2014/main" xmlns="" id="{BF2C4CC9-6F35-4EBF-857F-EBD298D77347}"/>
+                <a16:creationId xmlns:a16="http://schemas.microsoft.com/office/drawing/2014/main" id="{BF2C4CC9-6F35-4EBF-857F-EBD298D77347}"/>
               </a:ext>
             </a:extLst>
           </p:cNvPr>
@@ -18808,7 +17264,7 @@
           <p:cNvPr id="15" name="Rectangle 14">
             <a:extLst>
               <a:ext uri="{FF2B5EF4-FFF2-40B4-BE49-F238E27FC236}">
-                <a16:creationId xmlns:a16="http://schemas.microsoft.com/office/drawing/2014/main" xmlns="" id="{D1D54A23-014A-49B4-9E28-7641C8A4F0C1}"/>
+                <a16:creationId xmlns:a16="http://schemas.microsoft.com/office/drawing/2014/main" id="{D1D54A23-014A-49B4-9E28-7641C8A4F0C1}"/>
               </a:ext>
             </a:extLst>
           </p:cNvPr>
@@ -18860,7 +17316,7 @@
           <p:cNvPr id="2" name="Title 1">
             <a:extLst>
               <a:ext uri="{FF2B5EF4-FFF2-40B4-BE49-F238E27FC236}">
-                <a16:creationId xmlns:a16="http://schemas.microsoft.com/office/drawing/2014/main" xmlns="" id="{DE3A6AA5-A315-455E-B5C7-E53E3746ED81}"/>
+                <a16:creationId xmlns:a16="http://schemas.microsoft.com/office/drawing/2014/main" id="{DE3A6AA5-A315-455E-B5C7-E53E3746ED81}"/>
               </a:ext>
             </a:extLst>
           </p:cNvPr>
@@ -18900,7 +17356,7 @@
           <p:cNvPr id="7" name="Slide Number Placeholder 6">
             <a:extLst>
               <a:ext uri="{FF2B5EF4-FFF2-40B4-BE49-F238E27FC236}">
-                <a16:creationId xmlns:a16="http://schemas.microsoft.com/office/drawing/2014/main" xmlns="" id="{2C182A82-4FBE-4689-B739-692549B4030D}"/>
+                <a16:creationId xmlns:a16="http://schemas.microsoft.com/office/drawing/2014/main" id="{2C182A82-4FBE-4689-B739-692549B4030D}"/>
               </a:ext>
             </a:extLst>
           </p:cNvPr>
@@ -18930,7 +17386,7 @@
           <p:cNvPr id="4" name="Content Placeholder 3">
             <a:extLst>
               <a:ext uri="{FF2B5EF4-FFF2-40B4-BE49-F238E27FC236}">
-                <a16:creationId xmlns:a16="http://schemas.microsoft.com/office/drawing/2014/main" xmlns="" id="{23F1116B-C8B0-450D-83F6-49C4ABB22CCD}"/>
+                <a16:creationId xmlns:a16="http://schemas.microsoft.com/office/drawing/2014/main" id="{23F1116B-C8B0-450D-83F6-49C4ABB22CCD}"/>
               </a:ext>
             </a:extLst>
           </p:cNvPr>
@@ -19031,7 +17487,7 @@
           <p:cNvPr id="3" name="Content Placeholder 2">
             <a:extLst>
               <a:ext uri="{FF2B5EF4-FFF2-40B4-BE49-F238E27FC236}">
-                <a16:creationId xmlns:a16="http://schemas.microsoft.com/office/drawing/2014/main" xmlns="" id="{3E60534E-DE82-45F4-8E2E-DA97F169177F}"/>
+                <a16:creationId xmlns:a16="http://schemas.microsoft.com/office/drawing/2014/main" id="{3E60534E-DE82-45F4-8E2E-DA97F169177F}"/>
               </a:ext>
             </a:extLst>
           </p:cNvPr>
@@ -19130,7 +17586,7 @@
     </p:spTree>
     <p:extLst>
       <p:ext uri="{BB962C8B-B14F-4D97-AF65-F5344CB8AC3E}">
-        <p14:creationId xmlns:p14="http://schemas.microsoft.com/office/powerpoint/2010/main" xmlns="" val="3106958734"/>
+        <p14:creationId xmlns:p14="http://schemas.microsoft.com/office/powerpoint/2010/main" val="3106958734"/>
       </p:ext>
     </p:extLst>
   </p:cSld>
@@ -19162,7 +17618,7 @@
           <p:cNvPr id="3" name="Rectangle 2">
             <a:extLst>
               <a:ext uri="{FF2B5EF4-FFF2-40B4-BE49-F238E27FC236}">
-                <a16:creationId xmlns:a16="http://schemas.microsoft.com/office/drawing/2014/main" xmlns="" id="{EAB4EF4F-0A84-4C50-B171-F044231527B2}"/>
+                <a16:creationId xmlns:a16="http://schemas.microsoft.com/office/drawing/2014/main" id="{EAB4EF4F-0A84-4C50-B171-F044231527B2}"/>
               </a:ext>
             </a:extLst>
           </p:cNvPr>
@@ -19214,7 +17670,7 @@
           <p:cNvPr id="27" name="Picture Placeholder 26">
             <a:extLst>
               <a:ext uri="{FF2B5EF4-FFF2-40B4-BE49-F238E27FC236}">
-                <a16:creationId xmlns:a16="http://schemas.microsoft.com/office/drawing/2014/main" xmlns="" id="{404FC023-3732-4036-B4DA-F34DC453036D}"/>
+                <a16:creationId xmlns:a16="http://schemas.microsoft.com/office/drawing/2014/main" id="{404FC023-3732-4036-B4DA-F34DC453036D}"/>
               </a:ext>
             </a:extLst>
           </p:cNvPr>
@@ -19669,7 +18125,7 @@
     </p:spTree>
     <p:extLst>
       <p:ext uri="{BB962C8B-B14F-4D97-AF65-F5344CB8AC3E}">
-        <p14:creationId xmlns:p14="http://schemas.microsoft.com/office/powerpoint/2010/main" xmlns="" val="4221609258"/>
+        <p14:creationId xmlns:p14="http://schemas.microsoft.com/office/powerpoint/2010/main" val="4221609258"/>
       </p:ext>
     </p:extLst>
   </p:cSld>
@@ -19712,10 +18168,9 @@
           <a:lstStyle/>
           <a:p>
             <a:r>
-              <a:rPr kumimoji="0" lang="en-US" smtClean="0"/>
+              <a:rPr kumimoji="0" lang="en-US"/>
               <a:t>Click to edit Master title style</a:t>
             </a:r>
-            <a:endParaRPr kumimoji="0" lang="en-US"/>
           </a:p>
         </p:txBody>
       </p:sp>
@@ -19737,7 +18192,7 @@
             <a:fld id="{64BF4833-09CA-4F95-9AA9-D45BF689F777}" type="datetimeFigureOut">
               <a:rPr lang="en-IN" smtClean="0"/>
               <a:pPr/>
-              <a:t>11-05-2023</a:t>
+              <a:t>23-06-2023</a:t>
             </a:fld>
             <a:endParaRPr lang="en-IN"/>
           </a:p>
@@ -19808,35 +18263,35 @@
           <a:p>
             <a:pPr lvl="0" eaLnBrk="1" latinLnBrk="0" hangingPunct="1"/>
             <a:r>
-              <a:rPr lang="en-US" smtClean="0"/>
+              <a:rPr lang="en-US"/>
               <a:t>Click to edit Master text styles</a:t>
             </a:r>
           </a:p>
           <a:p>
             <a:pPr lvl="1" eaLnBrk="1" latinLnBrk="0" hangingPunct="1"/>
             <a:r>
-              <a:rPr lang="en-US" smtClean="0"/>
+              <a:rPr lang="en-US"/>
               <a:t>Second level</a:t>
             </a:r>
           </a:p>
           <a:p>
             <a:pPr lvl="2" eaLnBrk="1" latinLnBrk="0" hangingPunct="1"/>
             <a:r>
-              <a:rPr lang="en-US" smtClean="0"/>
+              <a:rPr lang="en-US"/>
               <a:t>Third level</a:t>
             </a:r>
           </a:p>
           <a:p>
             <a:pPr lvl="3" eaLnBrk="1" latinLnBrk="0" hangingPunct="1"/>
             <a:r>
-              <a:rPr lang="en-US" smtClean="0"/>
+              <a:rPr lang="en-US"/>
               <a:t>Fourth level</a:t>
             </a:r>
           </a:p>
           <a:p>
             <a:pPr lvl="4" eaLnBrk="1" latinLnBrk="0" hangingPunct="1"/>
             <a:r>
-              <a:rPr lang="en-US" smtClean="0"/>
+              <a:rPr lang="en-US"/>
               <a:t>Fifth level</a:t>
             </a:r>
             <a:endParaRPr kumimoji="0" lang="en-US"/>
@@ -19865,35 +18320,35 @@
           <a:p>
             <a:pPr lvl="0" eaLnBrk="1" latinLnBrk="0" hangingPunct="1"/>
             <a:r>
-              <a:rPr lang="en-US" smtClean="0"/>
+              <a:rPr lang="en-US"/>
               <a:t>Click to edit Master text styles</a:t>
             </a:r>
           </a:p>
           <a:p>
             <a:pPr lvl="1" eaLnBrk="1" latinLnBrk="0" hangingPunct="1"/>
             <a:r>
-              <a:rPr lang="en-US" smtClean="0"/>
+              <a:rPr lang="en-US"/>
               <a:t>Second level</a:t>
             </a:r>
           </a:p>
           <a:p>
             <a:pPr lvl="2" eaLnBrk="1" latinLnBrk="0" hangingPunct="1"/>
             <a:r>
-              <a:rPr lang="en-US" smtClean="0"/>
+              <a:rPr lang="en-US"/>
               <a:t>Third level</a:t>
             </a:r>
           </a:p>
           <a:p>
             <a:pPr lvl="3" eaLnBrk="1" latinLnBrk="0" hangingPunct="1"/>
             <a:r>
-              <a:rPr lang="en-US" smtClean="0"/>
+              <a:rPr lang="en-US"/>
               <a:t>Fourth level</a:t>
             </a:r>
           </a:p>
           <a:p>
             <a:pPr lvl="4" eaLnBrk="1" latinLnBrk="0" hangingPunct="1"/>
             <a:r>
-              <a:rPr lang="en-US" smtClean="0"/>
+              <a:rPr lang="en-US"/>
               <a:t>Fifth level</a:t>
             </a:r>
             <a:endParaRPr kumimoji="0" lang="en-US"/>
@@ -19931,7 +18386,7 @@
           <p:cNvPr id="3" name="Rectangle 2">
             <a:extLst>
               <a:ext uri="{FF2B5EF4-FFF2-40B4-BE49-F238E27FC236}">
-                <a16:creationId xmlns:a16="http://schemas.microsoft.com/office/drawing/2014/main" xmlns="" id="{EAB4EF4F-0A84-4C50-B171-F044231527B2}"/>
+                <a16:creationId xmlns:a16="http://schemas.microsoft.com/office/drawing/2014/main" id="{EAB4EF4F-0A84-4C50-B171-F044231527B2}"/>
               </a:ext>
             </a:extLst>
           </p:cNvPr>
@@ -19983,7 +18438,7 @@
           <p:cNvPr id="4" name="Picture Placeholder 6">
             <a:extLst>
               <a:ext uri="{FF2B5EF4-FFF2-40B4-BE49-F238E27FC236}">
-                <a16:creationId xmlns:a16="http://schemas.microsoft.com/office/drawing/2014/main" xmlns="" id="{18957288-25D1-4D25-BECD-5A2E6A888185}"/>
+                <a16:creationId xmlns:a16="http://schemas.microsoft.com/office/drawing/2014/main" id="{18957288-25D1-4D25-BECD-5A2E6A888185}"/>
               </a:ext>
             </a:extLst>
           </p:cNvPr>
@@ -20031,7 +18486,7 @@
           <p:cNvPr id="5" name="Picture Placeholder 6">
             <a:extLst>
               <a:ext uri="{FF2B5EF4-FFF2-40B4-BE49-F238E27FC236}">
-                <a16:creationId xmlns:a16="http://schemas.microsoft.com/office/drawing/2014/main" xmlns="" id="{D9C7DFC2-3A77-4761-A9AF-98963C5CCA07}"/>
+                <a16:creationId xmlns:a16="http://schemas.microsoft.com/office/drawing/2014/main" id="{D9C7DFC2-3A77-4761-A9AF-98963C5CCA07}"/>
               </a:ext>
             </a:extLst>
           </p:cNvPr>
@@ -20079,7 +18534,7 @@
           <p:cNvPr id="6" name="Picture Placeholder 6">
             <a:extLst>
               <a:ext uri="{FF2B5EF4-FFF2-40B4-BE49-F238E27FC236}">
-                <a16:creationId xmlns:a16="http://schemas.microsoft.com/office/drawing/2014/main" xmlns="" id="{3F6FD22A-5FDA-45EC-BE49-3C0E30A397B0}"/>
+                <a16:creationId xmlns:a16="http://schemas.microsoft.com/office/drawing/2014/main" id="{3F6FD22A-5FDA-45EC-BE49-3C0E30A397B0}"/>
               </a:ext>
             </a:extLst>
           </p:cNvPr>
@@ -20127,7 +18582,7 @@
           <p:cNvPr id="7" name="Picture Placeholder 6">
             <a:extLst>
               <a:ext uri="{FF2B5EF4-FFF2-40B4-BE49-F238E27FC236}">
-                <a16:creationId xmlns:a16="http://schemas.microsoft.com/office/drawing/2014/main" xmlns="" id="{B64BDA74-9644-41EB-984D-939D27B60F3F}"/>
+                <a16:creationId xmlns:a16="http://schemas.microsoft.com/office/drawing/2014/main" id="{B64BDA74-9644-41EB-984D-939D27B60F3F}"/>
               </a:ext>
             </a:extLst>
           </p:cNvPr>
@@ -20173,7 +18628,7 @@
     </p:spTree>
     <p:extLst>
       <p:ext uri="{BB962C8B-B14F-4D97-AF65-F5344CB8AC3E}">
-        <p14:creationId xmlns:p14="http://schemas.microsoft.com/office/powerpoint/2010/main" xmlns="" val="4114473868"/>
+        <p14:creationId xmlns:p14="http://schemas.microsoft.com/office/powerpoint/2010/main" val="4114473868"/>
       </p:ext>
     </p:extLst>
   </p:cSld>
@@ -20205,7 +18660,7 @@
           <p:cNvPr id="3" name="Rectangle 2">
             <a:extLst>
               <a:ext uri="{FF2B5EF4-FFF2-40B4-BE49-F238E27FC236}">
-                <a16:creationId xmlns:a16="http://schemas.microsoft.com/office/drawing/2014/main" xmlns="" id="{EAB4EF4F-0A84-4C50-B171-F044231527B2}"/>
+                <a16:creationId xmlns:a16="http://schemas.microsoft.com/office/drawing/2014/main" id="{EAB4EF4F-0A84-4C50-B171-F044231527B2}"/>
               </a:ext>
             </a:extLst>
           </p:cNvPr>
@@ -20257,7 +18712,7 @@
           <p:cNvPr id="4" name="Picture Placeholder 6">
             <a:extLst>
               <a:ext uri="{FF2B5EF4-FFF2-40B4-BE49-F238E27FC236}">
-                <a16:creationId xmlns:a16="http://schemas.microsoft.com/office/drawing/2014/main" xmlns="" id="{18957288-25D1-4D25-BECD-5A2E6A888185}"/>
+                <a16:creationId xmlns:a16="http://schemas.microsoft.com/office/drawing/2014/main" id="{18957288-25D1-4D25-BECD-5A2E6A888185}"/>
               </a:ext>
             </a:extLst>
           </p:cNvPr>
@@ -20305,7 +18760,7 @@
           <p:cNvPr id="2" name="Group 1">
             <a:extLst>
               <a:ext uri="{FF2B5EF4-FFF2-40B4-BE49-F238E27FC236}">
-                <a16:creationId xmlns:a16="http://schemas.microsoft.com/office/drawing/2014/main" xmlns="" id="{18F30468-CC2E-4430-88DD-81D548B988FA}"/>
+                <a16:creationId xmlns:a16="http://schemas.microsoft.com/office/drawing/2014/main" id="{18F30468-CC2E-4430-88DD-81D548B988FA}"/>
               </a:ext>
             </a:extLst>
           </p:cNvPr>
@@ -20325,7 +18780,7 @@
             <p:cNvPr id="8" name="Rectangle 7">
               <a:extLst>
                 <a:ext uri="{FF2B5EF4-FFF2-40B4-BE49-F238E27FC236}">
-                  <a16:creationId xmlns:a16="http://schemas.microsoft.com/office/drawing/2014/main" xmlns="" id="{BF6F92E0-2218-46A5-A183-84468D9B72A2}"/>
+                  <a16:creationId xmlns:a16="http://schemas.microsoft.com/office/drawing/2014/main" id="{BF6F92E0-2218-46A5-A183-84468D9B72A2}"/>
                 </a:ext>
               </a:extLst>
             </p:cNvPr>
@@ -20377,7 +18832,7 @@
             <p:cNvPr id="9" name="Rectangle 8">
               <a:extLst>
                 <a:ext uri="{FF2B5EF4-FFF2-40B4-BE49-F238E27FC236}">
-                  <a16:creationId xmlns:a16="http://schemas.microsoft.com/office/drawing/2014/main" xmlns="" id="{9B476586-864B-4C72-91AF-8CF8796C6DE8}"/>
+                  <a16:creationId xmlns:a16="http://schemas.microsoft.com/office/drawing/2014/main" id="{9B476586-864B-4C72-91AF-8CF8796C6DE8}"/>
                 </a:ext>
               </a:extLst>
             </p:cNvPr>
@@ -20430,7 +18885,7 @@
           <p:cNvPr id="10" name="Rectangle 9">
             <a:extLst>
               <a:ext uri="{FF2B5EF4-FFF2-40B4-BE49-F238E27FC236}">
-                <a16:creationId xmlns:a16="http://schemas.microsoft.com/office/drawing/2014/main" xmlns="" id="{38B3D026-83A3-4D78-8B11-A20A6F47170C}"/>
+                <a16:creationId xmlns:a16="http://schemas.microsoft.com/office/drawing/2014/main" id="{38B3D026-83A3-4D78-8B11-A20A6F47170C}"/>
               </a:ext>
             </a:extLst>
           </p:cNvPr>
@@ -20480,7 +18935,7 @@
     </p:spTree>
     <p:extLst>
       <p:ext uri="{BB962C8B-B14F-4D97-AF65-F5344CB8AC3E}">
-        <p14:creationId xmlns:p14="http://schemas.microsoft.com/office/powerpoint/2010/main" xmlns="" val="2359956026"/>
+        <p14:creationId xmlns:p14="http://schemas.microsoft.com/office/powerpoint/2010/main" val="2359956026"/>
       </p:ext>
     </p:extLst>
   </p:cSld>
@@ -20512,7 +18967,7 @@
           <p:cNvPr id="2" name="Title 1">
             <a:extLst>
               <a:ext uri="{FF2B5EF4-FFF2-40B4-BE49-F238E27FC236}">
-                <a16:creationId xmlns:a16="http://schemas.microsoft.com/office/drawing/2014/main" xmlns="" id="{9B2BA5B3-8B1C-4C1C-B4EB-C9A8AC24AEDE}"/>
+                <a16:creationId xmlns:a16="http://schemas.microsoft.com/office/drawing/2014/main" id="{9B2BA5B3-8B1C-4C1C-B4EB-C9A8AC24AEDE}"/>
               </a:ext>
             </a:extLst>
           </p:cNvPr>
@@ -20546,7 +19001,7 @@
           <p:cNvPr id="9" name="Slide Number Placeholder 8">
             <a:extLst>
               <a:ext uri="{FF2B5EF4-FFF2-40B4-BE49-F238E27FC236}">
-                <a16:creationId xmlns:a16="http://schemas.microsoft.com/office/drawing/2014/main" xmlns="" id="{6B54C622-8EF1-4AE4-AB25-19D71A5C547C}"/>
+                <a16:creationId xmlns:a16="http://schemas.microsoft.com/office/drawing/2014/main" id="{6B54C622-8EF1-4AE4-AB25-19D71A5C547C}"/>
               </a:ext>
             </a:extLst>
           </p:cNvPr>
@@ -20576,7 +19031,7 @@
           <p:cNvPr id="8" name="Picture Placeholder 6">
             <a:extLst>
               <a:ext uri="{FF2B5EF4-FFF2-40B4-BE49-F238E27FC236}">
-                <a16:creationId xmlns:a16="http://schemas.microsoft.com/office/drawing/2014/main" xmlns="" id="{39EF0319-0CF7-4AB8-BE69-FEE9B6C298FE}"/>
+                <a16:creationId xmlns:a16="http://schemas.microsoft.com/office/drawing/2014/main" id="{39EF0319-0CF7-4AB8-BE69-FEE9B6C298FE}"/>
               </a:ext>
             </a:extLst>
           </p:cNvPr>
@@ -20624,7 +19079,7 @@
           <p:cNvPr id="7" name="Rectangle 6">
             <a:extLst>
               <a:ext uri="{FF2B5EF4-FFF2-40B4-BE49-F238E27FC236}">
-                <a16:creationId xmlns:a16="http://schemas.microsoft.com/office/drawing/2014/main" xmlns="" id="{02FAA6CD-8686-4F0E-9F34-3D74AC34027E}"/>
+                <a16:creationId xmlns:a16="http://schemas.microsoft.com/office/drawing/2014/main" id="{02FAA6CD-8686-4F0E-9F34-3D74AC34027E}"/>
               </a:ext>
             </a:extLst>
           </p:cNvPr>
@@ -20676,7 +19131,7 @@
           <p:cNvPr id="3" name="Text Placeholder 2">
             <a:extLst>
               <a:ext uri="{FF2B5EF4-FFF2-40B4-BE49-F238E27FC236}">
-                <a16:creationId xmlns:a16="http://schemas.microsoft.com/office/drawing/2014/main" xmlns="" id="{9DA658D4-2F70-44A3-A7C3-BF6A1D7BE2A9}"/>
+                <a16:creationId xmlns:a16="http://schemas.microsoft.com/office/drawing/2014/main" id="{9DA658D4-2F70-44A3-A7C3-BF6A1D7BE2A9}"/>
               </a:ext>
             </a:extLst>
           </p:cNvPr>
@@ -20752,7 +19207,7 @@
           <p:cNvPr id="10" name="Rectangle 9">
             <a:extLst>
               <a:ext uri="{FF2B5EF4-FFF2-40B4-BE49-F238E27FC236}">
-                <a16:creationId xmlns:a16="http://schemas.microsoft.com/office/drawing/2014/main" xmlns="" id="{735AFBAA-25FF-494A-937E-3DFC5F737803}"/>
+                <a16:creationId xmlns:a16="http://schemas.microsoft.com/office/drawing/2014/main" id="{735AFBAA-25FF-494A-937E-3DFC5F737803}"/>
               </a:ext>
             </a:extLst>
           </p:cNvPr>
@@ -20808,7 +19263,7 @@
           <p:cNvPr id="4" name="Content Placeholder 3">
             <a:extLst>
               <a:ext uri="{FF2B5EF4-FFF2-40B4-BE49-F238E27FC236}">
-                <a16:creationId xmlns:a16="http://schemas.microsoft.com/office/drawing/2014/main" xmlns="" id="{CDF57B0C-62A3-4053-936D-9841C7D76D8B}"/>
+                <a16:creationId xmlns:a16="http://schemas.microsoft.com/office/drawing/2014/main" id="{CDF57B0C-62A3-4053-936D-9841C7D76D8B}"/>
               </a:ext>
             </a:extLst>
           </p:cNvPr>
@@ -20889,7 +19344,7 @@
           <p:cNvPr id="11" name="Picture Placeholder 6">
             <a:extLst>
               <a:ext uri="{FF2B5EF4-FFF2-40B4-BE49-F238E27FC236}">
-                <a16:creationId xmlns:a16="http://schemas.microsoft.com/office/drawing/2014/main" xmlns="" id="{F36B08A9-4F2C-4D72-A755-CBF0DAD5A4FC}"/>
+                <a16:creationId xmlns:a16="http://schemas.microsoft.com/office/drawing/2014/main" id="{F36B08A9-4F2C-4D72-A755-CBF0DAD5A4FC}"/>
               </a:ext>
             </a:extLst>
           </p:cNvPr>
@@ -20937,7 +19392,7 @@
           <p:cNvPr id="12" name="Rectangle 11">
             <a:extLst>
               <a:ext uri="{FF2B5EF4-FFF2-40B4-BE49-F238E27FC236}">
-                <a16:creationId xmlns:a16="http://schemas.microsoft.com/office/drawing/2014/main" xmlns="" id="{7CD8F79B-BFE6-4B3E-8853-5C61FDFF46D9}"/>
+                <a16:creationId xmlns:a16="http://schemas.microsoft.com/office/drawing/2014/main" id="{7CD8F79B-BFE6-4B3E-8853-5C61FDFF46D9}"/>
               </a:ext>
             </a:extLst>
           </p:cNvPr>
@@ -20993,7 +19448,7 @@
           <p:cNvPr id="13" name="Rectangle 12">
             <a:extLst>
               <a:ext uri="{FF2B5EF4-FFF2-40B4-BE49-F238E27FC236}">
-                <a16:creationId xmlns:a16="http://schemas.microsoft.com/office/drawing/2014/main" xmlns="" id="{33B3569E-E4EC-433C-AFDA-E50961675D8F}"/>
+                <a16:creationId xmlns:a16="http://schemas.microsoft.com/office/drawing/2014/main" id="{33B3569E-E4EC-433C-AFDA-E50961675D8F}"/>
               </a:ext>
             </a:extLst>
           </p:cNvPr>
@@ -21049,7 +19504,7 @@
           <p:cNvPr id="5" name="Text Placeholder 4">
             <a:extLst>
               <a:ext uri="{FF2B5EF4-FFF2-40B4-BE49-F238E27FC236}">
-                <a16:creationId xmlns:a16="http://schemas.microsoft.com/office/drawing/2014/main" xmlns="" id="{BA2A6524-3EAC-4E27-BF8E-8F87E480F902}"/>
+                <a16:creationId xmlns:a16="http://schemas.microsoft.com/office/drawing/2014/main" id="{BA2A6524-3EAC-4E27-BF8E-8F87E480F902}"/>
               </a:ext>
             </a:extLst>
           </p:cNvPr>
@@ -21125,7 +19580,7 @@
           <p:cNvPr id="6" name="Content Placeholder 5">
             <a:extLst>
               <a:ext uri="{FF2B5EF4-FFF2-40B4-BE49-F238E27FC236}">
-                <a16:creationId xmlns:a16="http://schemas.microsoft.com/office/drawing/2014/main" xmlns="" id="{61FB94EC-1786-4ACB-B9A8-28216C7AB699}"/>
+                <a16:creationId xmlns:a16="http://schemas.microsoft.com/office/drawing/2014/main" id="{61FB94EC-1786-4ACB-B9A8-28216C7AB699}"/>
               </a:ext>
             </a:extLst>
           </p:cNvPr>
@@ -21204,7 +19659,7 @@
     </p:spTree>
     <p:extLst>
       <p:ext uri="{BB962C8B-B14F-4D97-AF65-F5344CB8AC3E}">
-        <p14:creationId xmlns:p14="http://schemas.microsoft.com/office/powerpoint/2010/main" xmlns="" val="389618877"/>
+        <p14:creationId xmlns:p14="http://schemas.microsoft.com/office/powerpoint/2010/main" val="389618877"/>
       </p:ext>
     </p:extLst>
   </p:cSld>
@@ -21236,7 +19691,7 @@
           <p:cNvPr id="2" name="Title 1">
             <a:extLst>
               <a:ext uri="{FF2B5EF4-FFF2-40B4-BE49-F238E27FC236}">
-                <a16:creationId xmlns:a16="http://schemas.microsoft.com/office/drawing/2014/main" xmlns="" id="{9B2BA5B3-8B1C-4C1C-B4EB-C9A8AC24AEDE}"/>
+                <a16:creationId xmlns:a16="http://schemas.microsoft.com/office/drawing/2014/main" id="{9B2BA5B3-8B1C-4C1C-B4EB-C9A8AC24AEDE}"/>
               </a:ext>
             </a:extLst>
           </p:cNvPr>
@@ -21270,7 +19725,7 @@
           <p:cNvPr id="9" name="Slide Number Placeholder 8">
             <a:extLst>
               <a:ext uri="{FF2B5EF4-FFF2-40B4-BE49-F238E27FC236}">
-                <a16:creationId xmlns:a16="http://schemas.microsoft.com/office/drawing/2014/main" xmlns="" id="{6B54C622-8EF1-4AE4-AB25-19D71A5C547C}"/>
+                <a16:creationId xmlns:a16="http://schemas.microsoft.com/office/drawing/2014/main" id="{6B54C622-8EF1-4AE4-AB25-19D71A5C547C}"/>
               </a:ext>
             </a:extLst>
           </p:cNvPr>
@@ -21300,7 +19755,7 @@
           <p:cNvPr id="8" name="Picture Placeholder 6">
             <a:extLst>
               <a:ext uri="{FF2B5EF4-FFF2-40B4-BE49-F238E27FC236}">
-                <a16:creationId xmlns:a16="http://schemas.microsoft.com/office/drawing/2014/main" xmlns="" id="{39EF0319-0CF7-4AB8-BE69-FEE9B6C298FE}"/>
+                <a16:creationId xmlns:a16="http://schemas.microsoft.com/office/drawing/2014/main" id="{39EF0319-0CF7-4AB8-BE69-FEE9B6C298FE}"/>
               </a:ext>
             </a:extLst>
           </p:cNvPr>
@@ -21348,7 +19803,7 @@
           <p:cNvPr id="7" name="Rectangle 6">
             <a:extLst>
               <a:ext uri="{FF2B5EF4-FFF2-40B4-BE49-F238E27FC236}">
-                <a16:creationId xmlns:a16="http://schemas.microsoft.com/office/drawing/2014/main" xmlns="" id="{02FAA6CD-8686-4F0E-9F34-3D74AC34027E}"/>
+                <a16:creationId xmlns:a16="http://schemas.microsoft.com/office/drawing/2014/main" id="{02FAA6CD-8686-4F0E-9F34-3D74AC34027E}"/>
               </a:ext>
             </a:extLst>
           </p:cNvPr>
@@ -21400,7 +19855,7 @@
           <p:cNvPr id="3" name="Text Placeholder 2">
             <a:extLst>
               <a:ext uri="{FF2B5EF4-FFF2-40B4-BE49-F238E27FC236}">
-                <a16:creationId xmlns:a16="http://schemas.microsoft.com/office/drawing/2014/main" xmlns="" id="{9DA658D4-2F70-44A3-A7C3-BF6A1D7BE2A9}"/>
+                <a16:creationId xmlns:a16="http://schemas.microsoft.com/office/drawing/2014/main" id="{9DA658D4-2F70-44A3-A7C3-BF6A1D7BE2A9}"/>
               </a:ext>
             </a:extLst>
           </p:cNvPr>
@@ -21476,7 +19931,7 @@
           <p:cNvPr id="10" name="Rectangle 9">
             <a:extLst>
               <a:ext uri="{FF2B5EF4-FFF2-40B4-BE49-F238E27FC236}">
-                <a16:creationId xmlns:a16="http://schemas.microsoft.com/office/drawing/2014/main" xmlns="" id="{735AFBAA-25FF-494A-937E-3DFC5F737803}"/>
+                <a16:creationId xmlns:a16="http://schemas.microsoft.com/office/drawing/2014/main" id="{735AFBAA-25FF-494A-937E-3DFC5F737803}"/>
               </a:ext>
             </a:extLst>
           </p:cNvPr>
@@ -21532,7 +19987,7 @@
           <p:cNvPr id="4" name="Content Placeholder 3">
             <a:extLst>
               <a:ext uri="{FF2B5EF4-FFF2-40B4-BE49-F238E27FC236}">
-                <a16:creationId xmlns:a16="http://schemas.microsoft.com/office/drawing/2014/main" xmlns="" id="{CDF57B0C-62A3-4053-936D-9841C7D76D8B}"/>
+                <a16:creationId xmlns:a16="http://schemas.microsoft.com/office/drawing/2014/main" id="{CDF57B0C-62A3-4053-936D-9841C7D76D8B}"/>
               </a:ext>
             </a:extLst>
           </p:cNvPr>
@@ -21613,7 +20068,7 @@
           <p:cNvPr id="12" name="Rectangle 11">
             <a:extLst>
               <a:ext uri="{FF2B5EF4-FFF2-40B4-BE49-F238E27FC236}">
-                <a16:creationId xmlns:a16="http://schemas.microsoft.com/office/drawing/2014/main" xmlns="" id="{7CD8F79B-BFE6-4B3E-8853-5C61FDFF46D9}"/>
+                <a16:creationId xmlns:a16="http://schemas.microsoft.com/office/drawing/2014/main" id="{7CD8F79B-BFE6-4B3E-8853-5C61FDFF46D9}"/>
               </a:ext>
             </a:extLst>
           </p:cNvPr>
@@ -21669,7 +20124,7 @@
           <p:cNvPr id="13" name="Rectangle 12">
             <a:extLst>
               <a:ext uri="{FF2B5EF4-FFF2-40B4-BE49-F238E27FC236}">
-                <a16:creationId xmlns:a16="http://schemas.microsoft.com/office/drawing/2014/main" xmlns="" id="{33B3569E-E4EC-433C-AFDA-E50961675D8F}"/>
+                <a16:creationId xmlns:a16="http://schemas.microsoft.com/office/drawing/2014/main" id="{33B3569E-E4EC-433C-AFDA-E50961675D8F}"/>
               </a:ext>
             </a:extLst>
           </p:cNvPr>
@@ -21725,7 +20180,7 @@
           <p:cNvPr id="5" name="Text Placeholder 4">
             <a:extLst>
               <a:ext uri="{FF2B5EF4-FFF2-40B4-BE49-F238E27FC236}">
-                <a16:creationId xmlns:a16="http://schemas.microsoft.com/office/drawing/2014/main" xmlns="" id="{BA2A6524-3EAC-4E27-BF8E-8F87E480F902}"/>
+                <a16:creationId xmlns:a16="http://schemas.microsoft.com/office/drawing/2014/main" id="{BA2A6524-3EAC-4E27-BF8E-8F87E480F902}"/>
               </a:ext>
             </a:extLst>
           </p:cNvPr>
@@ -21801,7 +20256,7 @@
           <p:cNvPr id="6" name="Content Placeholder 5">
             <a:extLst>
               <a:ext uri="{FF2B5EF4-FFF2-40B4-BE49-F238E27FC236}">
-                <a16:creationId xmlns:a16="http://schemas.microsoft.com/office/drawing/2014/main" xmlns="" id="{61FB94EC-1786-4ACB-B9A8-28216C7AB699}"/>
+                <a16:creationId xmlns:a16="http://schemas.microsoft.com/office/drawing/2014/main" id="{61FB94EC-1786-4ACB-B9A8-28216C7AB699}"/>
               </a:ext>
             </a:extLst>
           </p:cNvPr>
@@ -21880,7 +20335,7 @@
     </p:spTree>
     <p:extLst>
       <p:ext uri="{BB962C8B-B14F-4D97-AF65-F5344CB8AC3E}">
-        <p14:creationId xmlns:p14="http://schemas.microsoft.com/office/powerpoint/2010/main" xmlns="" val="3258851992"/>
+        <p14:creationId xmlns:p14="http://schemas.microsoft.com/office/powerpoint/2010/main" val="3258851992"/>
       </p:ext>
     </p:extLst>
   </p:cSld>
@@ -21912,7 +20367,7 @@
           <p:cNvPr id="2" name="Title 1">
             <a:extLst>
               <a:ext uri="{FF2B5EF4-FFF2-40B4-BE49-F238E27FC236}">
-                <a16:creationId xmlns:a16="http://schemas.microsoft.com/office/drawing/2014/main" xmlns="" id="{9B2BA5B3-8B1C-4C1C-B4EB-C9A8AC24AEDE}"/>
+                <a16:creationId xmlns:a16="http://schemas.microsoft.com/office/drawing/2014/main" id="{9B2BA5B3-8B1C-4C1C-B4EB-C9A8AC24AEDE}"/>
               </a:ext>
             </a:extLst>
           </p:cNvPr>
@@ -21946,7 +20401,7 @@
           <p:cNvPr id="9" name="Slide Number Placeholder 8">
             <a:extLst>
               <a:ext uri="{FF2B5EF4-FFF2-40B4-BE49-F238E27FC236}">
-                <a16:creationId xmlns:a16="http://schemas.microsoft.com/office/drawing/2014/main" xmlns="" id="{6B54C622-8EF1-4AE4-AB25-19D71A5C547C}"/>
+                <a16:creationId xmlns:a16="http://schemas.microsoft.com/office/drawing/2014/main" id="{6B54C622-8EF1-4AE4-AB25-19D71A5C547C}"/>
               </a:ext>
             </a:extLst>
           </p:cNvPr>
@@ -21976,7 +20431,7 @@
           <p:cNvPr id="8" name="Picture Placeholder 6">
             <a:extLst>
               <a:ext uri="{FF2B5EF4-FFF2-40B4-BE49-F238E27FC236}">
-                <a16:creationId xmlns:a16="http://schemas.microsoft.com/office/drawing/2014/main" xmlns="" id="{39EF0319-0CF7-4AB8-BE69-FEE9B6C298FE}"/>
+                <a16:creationId xmlns:a16="http://schemas.microsoft.com/office/drawing/2014/main" id="{39EF0319-0CF7-4AB8-BE69-FEE9B6C298FE}"/>
               </a:ext>
             </a:extLst>
           </p:cNvPr>
@@ -22024,7 +20479,7 @@
           <p:cNvPr id="5" name="Text Placeholder 4">
             <a:extLst>
               <a:ext uri="{FF2B5EF4-FFF2-40B4-BE49-F238E27FC236}">
-                <a16:creationId xmlns:a16="http://schemas.microsoft.com/office/drawing/2014/main" xmlns="" id="{BA2A6524-3EAC-4E27-BF8E-8F87E480F902}"/>
+                <a16:creationId xmlns:a16="http://schemas.microsoft.com/office/drawing/2014/main" id="{BA2A6524-3EAC-4E27-BF8E-8F87E480F902}"/>
               </a:ext>
             </a:extLst>
           </p:cNvPr>
@@ -22102,7 +20557,7 @@
           <p:cNvPr id="6" name="Content Placeholder 5">
             <a:extLst>
               <a:ext uri="{FF2B5EF4-FFF2-40B4-BE49-F238E27FC236}">
-                <a16:creationId xmlns:a16="http://schemas.microsoft.com/office/drawing/2014/main" xmlns="" id="{61FB94EC-1786-4ACB-B9A8-28216C7AB699}"/>
+                <a16:creationId xmlns:a16="http://schemas.microsoft.com/office/drawing/2014/main" id="{61FB94EC-1786-4ACB-B9A8-28216C7AB699}"/>
               </a:ext>
             </a:extLst>
           </p:cNvPr>
@@ -22203,7 +20658,7 @@
           <p:cNvPr id="3" name="Text Placeholder 2">
             <a:extLst>
               <a:ext uri="{FF2B5EF4-FFF2-40B4-BE49-F238E27FC236}">
-                <a16:creationId xmlns:a16="http://schemas.microsoft.com/office/drawing/2014/main" xmlns="" id="{9DA658D4-2F70-44A3-A7C3-BF6A1D7BE2A9}"/>
+                <a16:creationId xmlns:a16="http://schemas.microsoft.com/office/drawing/2014/main" id="{9DA658D4-2F70-44A3-A7C3-BF6A1D7BE2A9}"/>
               </a:ext>
             </a:extLst>
           </p:cNvPr>
@@ -22279,7 +20734,7 @@
           <p:cNvPr id="4" name="Content Placeholder 3">
             <a:extLst>
               <a:ext uri="{FF2B5EF4-FFF2-40B4-BE49-F238E27FC236}">
-                <a16:creationId xmlns:a16="http://schemas.microsoft.com/office/drawing/2014/main" xmlns="" id="{CDF57B0C-62A3-4053-936D-9841C7D76D8B}"/>
+                <a16:creationId xmlns:a16="http://schemas.microsoft.com/office/drawing/2014/main" id="{CDF57B0C-62A3-4053-936D-9841C7D76D8B}"/>
               </a:ext>
             </a:extLst>
           </p:cNvPr>
@@ -22378,7 +20833,7 @@
     </p:spTree>
     <p:extLst>
       <p:ext uri="{BB962C8B-B14F-4D97-AF65-F5344CB8AC3E}">
-        <p14:creationId xmlns:p14="http://schemas.microsoft.com/office/powerpoint/2010/main" xmlns="" val="3686419478"/>
+        <p14:creationId xmlns:p14="http://schemas.microsoft.com/office/powerpoint/2010/main" val="3686419478"/>
       </p:ext>
     </p:extLst>
   </p:cSld>
@@ -22410,7 +20865,7 @@
           <p:cNvPr id="15" name="Rectangle 14">
             <a:extLst>
               <a:ext uri="{FF2B5EF4-FFF2-40B4-BE49-F238E27FC236}">
-                <a16:creationId xmlns:a16="http://schemas.microsoft.com/office/drawing/2014/main" xmlns="" id="{990C1024-E4C7-44C6-ADC4-870B3D482C3F}"/>
+                <a16:creationId xmlns:a16="http://schemas.microsoft.com/office/drawing/2014/main" id="{990C1024-E4C7-44C6-ADC4-870B3D482C3F}"/>
               </a:ext>
             </a:extLst>
           </p:cNvPr>
@@ -22462,7 +20917,7 @@
           <p:cNvPr id="7" name="Rectangle 6">
             <a:extLst>
               <a:ext uri="{FF2B5EF4-FFF2-40B4-BE49-F238E27FC236}">
-                <a16:creationId xmlns:a16="http://schemas.microsoft.com/office/drawing/2014/main" xmlns="" id="{4DB43705-0B3F-4F77-A8BB-08EC09D36A56}"/>
+                <a16:creationId xmlns:a16="http://schemas.microsoft.com/office/drawing/2014/main" id="{4DB43705-0B3F-4F77-A8BB-08EC09D36A56}"/>
               </a:ext>
             </a:extLst>
           </p:cNvPr>
@@ -22514,7 +20969,7 @@
           <p:cNvPr id="2" name="Title 1">
             <a:extLst>
               <a:ext uri="{FF2B5EF4-FFF2-40B4-BE49-F238E27FC236}">
-                <a16:creationId xmlns:a16="http://schemas.microsoft.com/office/drawing/2014/main" xmlns="" id="{9B2BA5B3-8B1C-4C1C-B4EB-C9A8AC24AEDE}"/>
+                <a16:creationId xmlns:a16="http://schemas.microsoft.com/office/drawing/2014/main" id="{9B2BA5B3-8B1C-4C1C-B4EB-C9A8AC24AEDE}"/>
               </a:ext>
             </a:extLst>
           </p:cNvPr>
@@ -22556,7 +21011,7 @@
           <p:cNvPr id="9" name="Slide Number Placeholder 8">
             <a:extLst>
               <a:ext uri="{FF2B5EF4-FFF2-40B4-BE49-F238E27FC236}">
-                <a16:creationId xmlns:a16="http://schemas.microsoft.com/office/drawing/2014/main" xmlns="" id="{6B54C622-8EF1-4AE4-AB25-19D71A5C547C}"/>
+                <a16:creationId xmlns:a16="http://schemas.microsoft.com/office/drawing/2014/main" id="{6B54C622-8EF1-4AE4-AB25-19D71A5C547C}"/>
               </a:ext>
             </a:extLst>
           </p:cNvPr>
@@ -22586,7 +21041,7 @@
           <p:cNvPr id="5" name="Text Placeholder 4">
             <a:extLst>
               <a:ext uri="{FF2B5EF4-FFF2-40B4-BE49-F238E27FC236}">
-                <a16:creationId xmlns:a16="http://schemas.microsoft.com/office/drawing/2014/main" xmlns="" id="{BA2A6524-3EAC-4E27-BF8E-8F87E480F902}"/>
+                <a16:creationId xmlns:a16="http://schemas.microsoft.com/office/drawing/2014/main" id="{BA2A6524-3EAC-4E27-BF8E-8F87E480F902}"/>
               </a:ext>
             </a:extLst>
           </p:cNvPr>
@@ -22664,7 +21119,7 @@
           <p:cNvPr id="6" name="Content Placeholder 5">
             <a:extLst>
               <a:ext uri="{FF2B5EF4-FFF2-40B4-BE49-F238E27FC236}">
-                <a16:creationId xmlns:a16="http://schemas.microsoft.com/office/drawing/2014/main" xmlns="" id="{61FB94EC-1786-4ACB-B9A8-28216C7AB699}"/>
+                <a16:creationId xmlns:a16="http://schemas.microsoft.com/office/drawing/2014/main" id="{61FB94EC-1786-4ACB-B9A8-28216C7AB699}"/>
               </a:ext>
             </a:extLst>
           </p:cNvPr>
@@ -22765,7 +21220,7 @@
           <p:cNvPr id="3" name="Text Placeholder 2">
             <a:extLst>
               <a:ext uri="{FF2B5EF4-FFF2-40B4-BE49-F238E27FC236}">
-                <a16:creationId xmlns:a16="http://schemas.microsoft.com/office/drawing/2014/main" xmlns="" id="{9DA658D4-2F70-44A3-A7C3-BF6A1D7BE2A9}"/>
+                <a16:creationId xmlns:a16="http://schemas.microsoft.com/office/drawing/2014/main" id="{9DA658D4-2F70-44A3-A7C3-BF6A1D7BE2A9}"/>
               </a:ext>
             </a:extLst>
           </p:cNvPr>
@@ -22841,7 +21296,7 @@
           <p:cNvPr id="4" name="Content Placeholder 3">
             <a:extLst>
               <a:ext uri="{FF2B5EF4-FFF2-40B4-BE49-F238E27FC236}">
-                <a16:creationId xmlns:a16="http://schemas.microsoft.com/office/drawing/2014/main" xmlns="" id="{CDF57B0C-62A3-4053-936D-9841C7D76D8B}"/>
+                <a16:creationId xmlns:a16="http://schemas.microsoft.com/office/drawing/2014/main" id="{CDF57B0C-62A3-4053-936D-9841C7D76D8B}"/>
               </a:ext>
             </a:extLst>
           </p:cNvPr>
@@ -22942,7 +21397,7 @@
           <p:cNvPr id="17" name="Picture Placeholder 6">
             <a:extLst>
               <a:ext uri="{FF2B5EF4-FFF2-40B4-BE49-F238E27FC236}">
-                <a16:creationId xmlns:a16="http://schemas.microsoft.com/office/drawing/2014/main" xmlns="" id="{9DFBCB44-5019-402B-BEC3-12F7F5526F0E}"/>
+                <a16:creationId xmlns:a16="http://schemas.microsoft.com/office/drawing/2014/main" id="{9DFBCB44-5019-402B-BEC3-12F7F5526F0E}"/>
               </a:ext>
             </a:extLst>
           </p:cNvPr>
@@ -22990,7 +21445,7 @@
           <p:cNvPr id="18" name="Picture Placeholder 6">
             <a:extLst>
               <a:ext uri="{FF2B5EF4-FFF2-40B4-BE49-F238E27FC236}">
-                <a16:creationId xmlns:a16="http://schemas.microsoft.com/office/drawing/2014/main" xmlns="" id="{8CD826C9-080C-4638-B261-376BD8B31622}"/>
+                <a16:creationId xmlns:a16="http://schemas.microsoft.com/office/drawing/2014/main" id="{8CD826C9-080C-4638-B261-376BD8B31622}"/>
               </a:ext>
             </a:extLst>
           </p:cNvPr>
@@ -23036,7 +21491,7 @@
     </p:spTree>
     <p:extLst>
       <p:ext uri="{BB962C8B-B14F-4D97-AF65-F5344CB8AC3E}">
-        <p14:creationId xmlns:p14="http://schemas.microsoft.com/office/powerpoint/2010/main" xmlns="" val="3565490311"/>
+        <p14:creationId xmlns:p14="http://schemas.microsoft.com/office/powerpoint/2010/main" val="3565490311"/>
       </p:ext>
     </p:extLst>
   </p:cSld>
@@ -23068,7 +21523,7 @@
           <p:cNvPr id="2" name="Title 1">
             <a:extLst>
               <a:ext uri="{FF2B5EF4-FFF2-40B4-BE49-F238E27FC236}">
-                <a16:creationId xmlns:a16="http://schemas.microsoft.com/office/drawing/2014/main" xmlns="" id="{BADB3C88-F13B-4B5F-920D-B4EFFAA592E5}"/>
+                <a16:creationId xmlns:a16="http://schemas.microsoft.com/office/drawing/2014/main" id="{BADB3C88-F13B-4B5F-920D-B4EFFAA592E5}"/>
               </a:ext>
             </a:extLst>
           </p:cNvPr>
@@ -23096,7 +21551,7 @@
           <p:cNvPr id="5" name="Slide Number Placeholder 4">
             <a:extLst>
               <a:ext uri="{FF2B5EF4-FFF2-40B4-BE49-F238E27FC236}">
-                <a16:creationId xmlns:a16="http://schemas.microsoft.com/office/drawing/2014/main" xmlns="" id="{6E5460C4-49C1-4270-BC58-5EEBC77615CD}"/>
+                <a16:creationId xmlns:a16="http://schemas.microsoft.com/office/drawing/2014/main" id="{6E5460C4-49C1-4270-BC58-5EEBC77615CD}"/>
               </a:ext>
             </a:extLst>
           </p:cNvPr>
@@ -23126,7 +21581,7 @@
           <p:cNvPr id="4" name="Picture Placeholder 6">
             <a:extLst>
               <a:ext uri="{FF2B5EF4-FFF2-40B4-BE49-F238E27FC236}">
-                <a16:creationId xmlns:a16="http://schemas.microsoft.com/office/drawing/2014/main" xmlns="" id="{7E138685-E3C5-48A4-8460-3BEDDDEDA6AD}"/>
+                <a16:creationId xmlns:a16="http://schemas.microsoft.com/office/drawing/2014/main" id="{7E138685-E3C5-48A4-8460-3BEDDDEDA6AD}"/>
               </a:ext>
             </a:extLst>
           </p:cNvPr>
@@ -23174,7 +21629,7 @@
           <p:cNvPr id="6" name="Picture Placeholder 6">
             <a:extLst>
               <a:ext uri="{FF2B5EF4-FFF2-40B4-BE49-F238E27FC236}">
-                <a16:creationId xmlns:a16="http://schemas.microsoft.com/office/drawing/2014/main" xmlns="" id="{B6811C8C-D1DA-4EE5-888B-A30D6285BA5D}"/>
+                <a16:creationId xmlns:a16="http://schemas.microsoft.com/office/drawing/2014/main" id="{B6811C8C-D1DA-4EE5-888B-A30D6285BA5D}"/>
               </a:ext>
             </a:extLst>
           </p:cNvPr>
@@ -23222,7 +21677,7 @@
           <p:cNvPr id="7" name="Rectangle 6">
             <a:extLst>
               <a:ext uri="{FF2B5EF4-FFF2-40B4-BE49-F238E27FC236}">
-                <a16:creationId xmlns:a16="http://schemas.microsoft.com/office/drawing/2014/main" xmlns="" id="{85661614-E5E5-43DF-A12A-7BE84E58EE3B}"/>
+                <a16:creationId xmlns:a16="http://schemas.microsoft.com/office/drawing/2014/main" id="{85661614-E5E5-43DF-A12A-7BE84E58EE3B}"/>
               </a:ext>
             </a:extLst>
           </p:cNvPr>
@@ -23274,7 +21729,7 @@
           <p:cNvPr id="8" name="Rectangle 7">
             <a:extLst>
               <a:ext uri="{FF2B5EF4-FFF2-40B4-BE49-F238E27FC236}">
-                <a16:creationId xmlns:a16="http://schemas.microsoft.com/office/drawing/2014/main" xmlns="" id="{9161B260-71A2-402A-A38D-FE2C484B7F99}"/>
+                <a16:creationId xmlns:a16="http://schemas.microsoft.com/office/drawing/2014/main" id="{9161B260-71A2-402A-A38D-FE2C484B7F99}"/>
               </a:ext>
             </a:extLst>
           </p:cNvPr>
@@ -23326,7 +21781,7 @@
           <p:cNvPr id="9" name="Text Placeholder 8">
             <a:extLst>
               <a:ext uri="{FF2B5EF4-FFF2-40B4-BE49-F238E27FC236}">
-                <a16:creationId xmlns:a16="http://schemas.microsoft.com/office/drawing/2014/main" xmlns="" id="{B15B70BB-4776-4914-92C9-092579FD6EBE}"/>
+                <a16:creationId xmlns:a16="http://schemas.microsoft.com/office/drawing/2014/main" id="{B15B70BB-4776-4914-92C9-092579FD6EBE}"/>
               </a:ext>
             </a:extLst>
           </p:cNvPr>
@@ -23388,7 +21843,7 @@
           <p:cNvPr id="10" name="Text Placeholder 8">
             <a:extLst>
               <a:ext uri="{FF2B5EF4-FFF2-40B4-BE49-F238E27FC236}">
-                <a16:creationId xmlns:a16="http://schemas.microsoft.com/office/drawing/2014/main" xmlns="" id="{58899736-796A-4B23-9534-D8784DD9A238}"/>
+                <a16:creationId xmlns:a16="http://schemas.microsoft.com/office/drawing/2014/main" id="{58899736-796A-4B23-9534-D8784DD9A238}"/>
               </a:ext>
             </a:extLst>
           </p:cNvPr>
@@ -23448,7 +21903,7 @@
     </p:spTree>
     <p:extLst>
       <p:ext uri="{BB962C8B-B14F-4D97-AF65-F5344CB8AC3E}">
-        <p14:creationId xmlns:p14="http://schemas.microsoft.com/office/powerpoint/2010/main" xmlns="" val="2878641747"/>
+        <p14:creationId xmlns:p14="http://schemas.microsoft.com/office/powerpoint/2010/main" val="2878641747"/>
       </p:ext>
     </p:extLst>
   </p:cSld>
@@ -23480,7 +21935,7 @@
           <p:cNvPr id="11" name="Rectangle 10">
             <a:extLst>
               <a:ext uri="{FF2B5EF4-FFF2-40B4-BE49-F238E27FC236}">
-                <a16:creationId xmlns:a16="http://schemas.microsoft.com/office/drawing/2014/main" xmlns="" id="{0565E0AE-C9AC-4E26-B4A4-DDEE620D8979}"/>
+                <a16:creationId xmlns:a16="http://schemas.microsoft.com/office/drawing/2014/main" id="{0565E0AE-C9AC-4E26-B4A4-DDEE620D8979}"/>
               </a:ext>
             </a:extLst>
           </p:cNvPr>
@@ -23532,7 +21987,7 @@
           <p:cNvPr id="12" name="Rectangle 11">
             <a:extLst>
               <a:ext uri="{FF2B5EF4-FFF2-40B4-BE49-F238E27FC236}">
-                <a16:creationId xmlns:a16="http://schemas.microsoft.com/office/drawing/2014/main" xmlns="" id="{6F023CF6-0A85-4867-A5CF-F75DDBC4C20A}"/>
+                <a16:creationId xmlns:a16="http://schemas.microsoft.com/office/drawing/2014/main" id="{6F023CF6-0A85-4867-A5CF-F75DDBC4C20A}"/>
               </a:ext>
             </a:extLst>
           </p:cNvPr>
@@ -23584,7 +22039,7 @@
           <p:cNvPr id="4" name="Picture Placeholder 6">
             <a:extLst>
               <a:ext uri="{FF2B5EF4-FFF2-40B4-BE49-F238E27FC236}">
-                <a16:creationId xmlns:a16="http://schemas.microsoft.com/office/drawing/2014/main" xmlns="" id="{7E138685-E3C5-48A4-8460-3BEDDDEDA6AD}"/>
+                <a16:creationId xmlns:a16="http://schemas.microsoft.com/office/drawing/2014/main" id="{7E138685-E3C5-48A4-8460-3BEDDDEDA6AD}"/>
               </a:ext>
             </a:extLst>
           </p:cNvPr>
@@ -23632,7 +22087,7 @@
           <p:cNvPr id="6" name="Picture Placeholder 6">
             <a:extLst>
               <a:ext uri="{FF2B5EF4-FFF2-40B4-BE49-F238E27FC236}">
-                <a16:creationId xmlns:a16="http://schemas.microsoft.com/office/drawing/2014/main" xmlns="" id="{B6811C8C-D1DA-4EE5-888B-A30D6285BA5D}"/>
+                <a16:creationId xmlns:a16="http://schemas.microsoft.com/office/drawing/2014/main" id="{B6811C8C-D1DA-4EE5-888B-A30D6285BA5D}"/>
               </a:ext>
             </a:extLst>
           </p:cNvPr>
@@ -23680,7 +22135,7 @@
           <p:cNvPr id="9" name="Text Placeholder 8">
             <a:extLst>
               <a:ext uri="{FF2B5EF4-FFF2-40B4-BE49-F238E27FC236}">
-                <a16:creationId xmlns:a16="http://schemas.microsoft.com/office/drawing/2014/main" xmlns="" id="{B15B70BB-4776-4914-92C9-092579FD6EBE}"/>
+                <a16:creationId xmlns:a16="http://schemas.microsoft.com/office/drawing/2014/main" id="{B15B70BB-4776-4914-92C9-092579FD6EBE}"/>
               </a:ext>
             </a:extLst>
           </p:cNvPr>
@@ -23742,7 +22197,7 @@
           <p:cNvPr id="10" name="Text Placeholder 8">
             <a:extLst>
               <a:ext uri="{FF2B5EF4-FFF2-40B4-BE49-F238E27FC236}">
-                <a16:creationId xmlns:a16="http://schemas.microsoft.com/office/drawing/2014/main" xmlns="" id="{58899736-796A-4B23-9534-D8784DD9A238}"/>
+                <a16:creationId xmlns:a16="http://schemas.microsoft.com/office/drawing/2014/main" id="{58899736-796A-4B23-9534-D8784DD9A238}"/>
               </a:ext>
             </a:extLst>
           </p:cNvPr>
@@ -23804,7 +22259,7 @@
           <p:cNvPr id="14" name="Group 13">
             <a:extLst>
               <a:ext uri="{FF2B5EF4-FFF2-40B4-BE49-F238E27FC236}">
-                <a16:creationId xmlns:a16="http://schemas.microsoft.com/office/drawing/2014/main" xmlns="" id="{AF4B4D45-80E3-42F8-B437-4182608210C3}"/>
+                <a16:creationId xmlns:a16="http://schemas.microsoft.com/office/drawing/2014/main" id="{AF4B4D45-80E3-42F8-B437-4182608210C3}"/>
               </a:ext>
             </a:extLst>
           </p:cNvPr>
@@ -23827,7 +22282,7 @@
             <p:cNvPr id="15" name="Rectangle 14">
               <a:extLst>
                 <a:ext uri="{FF2B5EF4-FFF2-40B4-BE49-F238E27FC236}">
-                  <a16:creationId xmlns:a16="http://schemas.microsoft.com/office/drawing/2014/main" xmlns="" id="{D670E361-AF23-4722-9250-CCF26B3C5884}"/>
+                  <a16:creationId xmlns:a16="http://schemas.microsoft.com/office/drawing/2014/main" id="{D670E361-AF23-4722-9250-CCF26B3C5884}"/>
                 </a:ext>
               </a:extLst>
             </p:cNvPr>
@@ -23877,7 +22332,7 @@
             <p:cNvPr id="16" name="Rectangle 15">
               <a:extLst>
                 <a:ext uri="{FF2B5EF4-FFF2-40B4-BE49-F238E27FC236}">
-                  <a16:creationId xmlns:a16="http://schemas.microsoft.com/office/drawing/2014/main" xmlns="" id="{BDE16CED-9FCD-4407-99EF-FFBE689DA9F1}"/>
+                  <a16:creationId xmlns:a16="http://schemas.microsoft.com/office/drawing/2014/main" id="{BDE16CED-9FCD-4407-99EF-FFBE689DA9F1}"/>
                 </a:ext>
               </a:extLst>
             </p:cNvPr>
@@ -23928,7 +22383,7 @@
           <p:cNvPr id="17" name="Group 16">
             <a:extLst>
               <a:ext uri="{FF2B5EF4-FFF2-40B4-BE49-F238E27FC236}">
-                <a16:creationId xmlns:a16="http://schemas.microsoft.com/office/drawing/2014/main" xmlns="" id="{FA147081-5AFB-463F-B27C-7A0C4CA0573B}"/>
+                <a16:creationId xmlns:a16="http://schemas.microsoft.com/office/drawing/2014/main" id="{FA147081-5AFB-463F-B27C-7A0C4CA0573B}"/>
               </a:ext>
             </a:extLst>
           </p:cNvPr>
@@ -23951,7 +22406,7 @@
             <p:cNvPr id="18" name="Rectangle 17">
               <a:extLst>
                 <a:ext uri="{FF2B5EF4-FFF2-40B4-BE49-F238E27FC236}">
-                  <a16:creationId xmlns:a16="http://schemas.microsoft.com/office/drawing/2014/main" xmlns="" id="{AE24567E-B0AE-4E55-A5FB-3019A9598162}"/>
+                  <a16:creationId xmlns:a16="http://schemas.microsoft.com/office/drawing/2014/main" id="{AE24567E-B0AE-4E55-A5FB-3019A9598162}"/>
                 </a:ext>
               </a:extLst>
             </p:cNvPr>
@@ -24001,7 +22456,7 @@
             <p:cNvPr id="19" name="Rectangle 18">
               <a:extLst>
                 <a:ext uri="{FF2B5EF4-FFF2-40B4-BE49-F238E27FC236}">
-                  <a16:creationId xmlns:a16="http://schemas.microsoft.com/office/drawing/2014/main" xmlns="" id="{4918E6C0-B582-4943-9462-FE9740846585}"/>
+                  <a16:creationId xmlns:a16="http://schemas.microsoft.com/office/drawing/2014/main" id="{4918E6C0-B582-4943-9462-FE9740846585}"/>
                 </a:ext>
               </a:extLst>
             </p:cNvPr>
@@ -24050,7 +22505,7 @@
     </p:spTree>
     <p:extLst>
       <p:ext uri="{BB962C8B-B14F-4D97-AF65-F5344CB8AC3E}">
-        <p14:creationId xmlns:p14="http://schemas.microsoft.com/office/powerpoint/2010/main" xmlns="" val="493388266"/>
+        <p14:creationId xmlns:p14="http://schemas.microsoft.com/office/powerpoint/2010/main" val="493388266"/>
       </p:ext>
     </p:extLst>
   </p:cSld>
@@ -24082,7 +22537,7 @@
           <p:cNvPr id="11" name="Rectangle 10">
             <a:extLst>
               <a:ext uri="{FF2B5EF4-FFF2-40B4-BE49-F238E27FC236}">
-                <a16:creationId xmlns:a16="http://schemas.microsoft.com/office/drawing/2014/main" xmlns="" id="{0565E0AE-C9AC-4E26-B4A4-DDEE620D8979}"/>
+                <a16:creationId xmlns:a16="http://schemas.microsoft.com/office/drawing/2014/main" id="{0565E0AE-C9AC-4E26-B4A4-DDEE620D8979}"/>
               </a:ext>
             </a:extLst>
           </p:cNvPr>
@@ -24134,7 +22589,7 @@
           <p:cNvPr id="4" name="Picture Placeholder 6">
             <a:extLst>
               <a:ext uri="{FF2B5EF4-FFF2-40B4-BE49-F238E27FC236}">
-                <a16:creationId xmlns:a16="http://schemas.microsoft.com/office/drawing/2014/main" xmlns="" id="{7E138685-E3C5-48A4-8460-3BEDDDEDA6AD}"/>
+                <a16:creationId xmlns:a16="http://schemas.microsoft.com/office/drawing/2014/main" id="{7E138685-E3C5-48A4-8460-3BEDDDEDA6AD}"/>
               </a:ext>
             </a:extLst>
           </p:cNvPr>
@@ -24182,7 +22637,7 @@
           <p:cNvPr id="6" name="Picture Placeholder 6">
             <a:extLst>
               <a:ext uri="{FF2B5EF4-FFF2-40B4-BE49-F238E27FC236}">
-                <a16:creationId xmlns:a16="http://schemas.microsoft.com/office/drawing/2014/main" xmlns="" id="{B6811C8C-D1DA-4EE5-888B-A30D6285BA5D}"/>
+                <a16:creationId xmlns:a16="http://schemas.microsoft.com/office/drawing/2014/main" id="{B6811C8C-D1DA-4EE5-888B-A30D6285BA5D}"/>
               </a:ext>
             </a:extLst>
           </p:cNvPr>
@@ -24230,7 +22685,7 @@
           <p:cNvPr id="9" name="Text Placeholder 8">
             <a:extLst>
               <a:ext uri="{FF2B5EF4-FFF2-40B4-BE49-F238E27FC236}">
-                <a16:creationId xmlns:a16="http://schemas.microsoft.com/office/drawing/2014/main" xmlns="" id="{B15B70BB-4776-4914-92C9-092579FD6EBE}"/>
+                <a16:creationId xmlns:a16="http://schemas.microsoft.com/office/drawing/2014/main" id="{B15B70BB-4776-4914-92C9-092579FD6EBE}"/>
               </a:ext>
             </a:extLst>
           </p:cNvPr>
@@ -24292,7 +22747,7 @@
           <p:cNvPr id="10" name="Text Placeholder 8">
             <a:extLst>
               <a:ext uri="{FF2B5EF4-FFF2-40B4-BE49-F238E27FC236}">
-                <a16:creationId xmlns:a16="http://schemas.microsoft.com/office/drawing/2014/main" xmlns="" id="{58899736-796A-4B23-9534-D8784DD9A238}"/>
+                <a16:creationId xmlns:a16="http://schemas.microsoft.com/office/drawing/2014/main" id="{58899736-796A-4B23-9534-D8784DD9A238}"/>
               </a:ext>
             </a:extLst>
           </p:cNvPr>
@@ -24352,7 +22807,7 @@
     </p:spTree>
     <p:extLst>
       <p:ext uri="{BB962C8B-B14F-4D97-AF65-F5344CB8AC3E}">
-        <p14:creationId xmlns:p14="http://schemas.microsoft.com/office/powerpoint/2010/main" xmlns="" val="3303732246"/>
+        <p14:creationId xmlns:p14="http://schemas.microsoft.com/office/powerpoint/2010/main" val="3303732246"/>
       </p:ext>
     </p:extLst>
   </p:cSld>
@@ -24384,7 +22839,7 @@
           <p:cNvPr id="11" name="Rectangle 10">
             <a:extLst>
               <a:ext uri="{FF2B5EF4-FFF2-40B4-BE49-F238E27FC236}">
-                <a16:creationId xmlns:a16="http://schemas.microsoft.com/office/drawing/2014/main" xmlns="" id="{0565E0AE-C9AC-4E26-B4A4-DDEE620D8979}"/>
+                <a16:creationId xmlns:a16="http://schemas.microsoft.com/office/drawing/2014/main" id="{0565E0AE-C9AC-4E26-B4A4-DDEE620D8979}"/>
               </a:ext>
             </a:extLst>
           </p:cNvPr>
@@ -24436,7 +22891,7 @@
           <p:cNvPr id="12" name="Rectangle 11">
             <a:extLst>
               <a:ext uri="{FF2B5EF4-FFF2-40B4-BE49-F238E27FC236}">
-                <a16:creationId xmlns:a16="http://schemas.microsoft.com/office/drawing/2014/main" xmlns="" id="{6F023CF6-0A85-4867-A5CF-F75DDBC4C20A}"/>
+                <a16:creationId xmlns:a16="http://schemas.microsoft.com/office/drawing/2014/main" id="{6F023CF6-0A85-4867-A5CF-F75DDBC4C20A}"/>
               </a:ext>
             </a:extLst>
           </p:cNvPr>
@@ -24488,7 +22943,7 @@
           <p:cNvPr id="4" name="Picture Placeholder 6">
             <a:extLst>
               <a:ext uri="{FF2B5EF4-FFF2-40B4-BE49-F238E27FC236}">
-                <a16:creationId xmlns:a16="http://schemas.microsoft.com/office/drawing/2014/main" xmlns="" id="{7E138685-E3C5-48A4-8460-3BEDDDEDA6AD}"/>
+                <a16:creationId xmlns:a16="http://schemas.microsoft.com/office/drawing/2014/main" id="{7E138685-E3C5-48A4-8460-3BEDDDEDA6AD}"/>
               </a:ext>
             </a:extLst>
           </p:cNvPr>
@@ -24536,7 +22991,7 @@
           <p:cNvPr id="20" name="Rectangle 19">
             <a:extLst>
               <a:ext uri="{FF2B5EF4-FFF2-40B4-BE49-F238E27FC236}">
-                <a16:creationId xmlns:a16="http://schemas.microsoft.com/office/drawing/2014/main" xmlns="" id="{97E2F46B-C34E-40D3-9D43-BBA43EDFC924}"/>
+                <a16:creationId xmlns:a16="http://schemas.microsoft.com/office/drawing/2014/main" id="{97E2F46B-C34E-40D3-9D43-BBA43EDFC924}"/>
               </a:ext>
             </a:extLst>
           </p:cNvPr>
@@ -24588,7 +23043,7 @@
           <p:cNvPr id="6" name="Picture Placeholder 6">
             <a:extLst>
               <a:ext uri="{FF2B5EF4-FFF2-40B4-BE49-F238E27FC236}">
-                <a16:creationId xmlns:a16="http://schemas.microsoft.com/office/drawing/2014/main" xmlns="" id="{B6811C8C-D1DA-4EE5-888B-A30D6285BA5D}"/>
+                <a16:creationId xmlns:a16="http://schemas.microsoft.com/office/drawing/2014/main" id="{B6811C8C-D1DA-4EE5-888B-A30D6285BA5D}"/>
               </a:ext>
             </a:extLst>
           </p:cNvPr>
@@ -24636,7 +23091,7 @@
           <p:cNvPr id="9" name="Text Placeholder 8">
             <a:extLst>
               <a:ext uri="{FF2B5EF4-FFF2-40B4-BE49-F238E27FC236}">
-                <a16:creationId xmlns:a16="http://schemas.microsoft.com/office/drawing/2014/main" xmlns="" id="{B15B70BB-4776-4914-92C9-092579FD6EBE}"/>
+                <a16:creationId xmlns:a16="http://schemas.microsoft.com/office/drawing/2014/main" id="{B15B70BB-4776-4914-92C9-092579FD6EBE}"/>
               </a:ext>
             </a:extLst>
           </p:cNvPr>
@@ -24698,7 +23153,7 @@
           <p:cNvPr id="10" name="Text Placeholder 8">
             <a:extLst>
               <a:ext uri="{FF2B5EF4-FFF2-40B4-BE49-F238E27FC236}">
-                <a16:creationId xmlns:a16="http://schemas.microsoft.com/office/drawing/2014/main" xmlns="" id="{58899736-796A-4B23-9534-D8784DD9A238}"/>
+                <a16:creationId xmlns:a16="http://schemas.microsoft.com/office/drawing/2014/main" id="{58899736-796A-4B23-9534-D8784DD9A238}"/>
               </a:ext>
             </a:extLst>
           </p:cNvPr>
@@ -24758,7 +23213,7 @@
     </p:spTree>
     <p:extLst>
       <p:ext uri="{BB962C8B-B14F-4D97-AF65-F5344CB8AC3E}">
-        <p14:creationId xmlns:p14="http://schemas.microsoft.com/office/powerpoint/2010/main" xmlns="" val="3633710137"/>
+        <p14:creationId xmlns:p14="http://schemas.microsoft.com/office/powerpoint/2010/main" val="3633710137"/>
       </p:ext>
     </p:extLst>
   </p:cSld>
@@ -24810,10 +23265,9 @@
           </a:lstStyle>
           <a:p>
             <a:r>
-              <a:rPr kumimoji="0" lang="en-US" smtClean="0"/>
+              <a:rPr kumimoji="0" lang="en-US"/>
               <a:t>Click to edit Master title style</a:t>
             </a:r>
-            <a:endParaRPr kumimoji="0" lang="en-US"/>
           </a:p>
         </p:txBody>
       </p:sp>
@@ -24835,7 +23289,7 @@
             <a:fld id="{64BF4833-09CA-4F95-9AA9-D45BF689F777}" type="datetimeFigureOut">
               <a:rPr lang="en-IN" smtClean="0"/>
               <a:pPr/>
-              <a:t>11-05-2023</a:t>
+              <a:t>23-06-2023</a:t>
             </a:fld>
             <a:endParaRPr lang="en-IN"/>
           </a:p>
@@ -24906,35 +23360,35 @@
           <a:p>
             <a:pPr lvl="0" eaLnBrk="1" latinLnBrk="0" hangingPunct="1"/>
             <a:r>
-              <a:rPr lang="en-US" smtClean="0"/>
+              <a:rPr lang="en-US"/>
               <a:t>Click to edit Master text styles</a:t>
             </a:r>
           </a:p>
           <a:p>
             <a:pPr lvl="1" eaLnBrk="1" latinLnBrk="0" hangingPunct="1"/>
             <a:r>
-              <a:rPr lang="en-US" smtClean="0"/>
+              <a:rPr lang="en-US"/>
               <a:t>Second level</a:t>
             </a:r>
           </a:p>
           <a:p>
             <a:pPr lvl="2" eaLnBrk="1" latinLnBrk="0" hangingPunct="1"/>
             <a:r>
-              <a:rPr lang="en-US" smtClean="0"/>
+              <a:rPr lang="en-US"/>
               <a:t>Third level</a:t>
             </a:r>
           </a:p>
           <a:p>
             <a:pPr lvl="3" eaLnBrk="1" latinLnBrk="0" hangingPunct="1"/>
             <a:r>
-              <a:rPr lang="en-US" smtClean="0"/>
+              <a:rPr lang="en-US"/>
               <a:t>Fourth level</a:t>
             </a:r>
           </a:p>
           <a:p>
             <a:pPr lvl="4" eaLnBrk="1" latinLnBrk="0" hangingPunct="1"/>
             <a:r>
-              <a:rPr lang="en-US" smtClean="0"/>
+              <a:rPr lang="en-US"/>
               <a:t>Fifth level</a:t>
             </a:r>
             <a:endParaRPr kumimoji="0" lang="en-US"/>
@@ -24963,35 +23417,35 @@
           <a:p>
             <a:pPr lvl="0" eaLnBrk="1" latinLnBrk="0" hangingPunct="1"/>
             <a:r>
-              <a:rPr lang="en-US" smtClean="0"/>
+              <a:rPr lang="en-US"/>
               <a:t>Click to edit Master text styles</a:t>
             </a:r>
           </a:p>
           <a:p>
             <a:pPr lvl="1" eaLnBrk="1" latinLnBrk="0" hangingPunct="1"/>
             <a:r>
-              <a:rPr lang="en-US" smtClean="0"/>
+              <a:rPr lang="en-US"/>
               <a:t>Second level</a:t>
             </a:r>
           </a:p>
           <a:p>
             <a:pPr lvl="2" eaLnBrk="1" latinLnBrk="0" hangingPunct="1"/>
             <a:r>
-              <a:rPr lang="en-US" smtClean="0"/>
+              <a:rPr lang="en-US"/>
               <a:t>Third level</a:t>
             </a:r>
           </a:p>
           <a:p>
             <a:pPr lvl="3" eaLnBrk="1" latinLnBrk="0" hangingPunct="1"/>
             <a:r>
-              <a:rPr lang="en-US" smtClean="0"/>
+              <a:rPr lang="en-US"/>
               <a:t>Fourth level</a:t>
             </a:r>
           </a:p>
           <a:p>
             <a:pPr lvl="4" eaLnBrk="1" latinLnBrk="0" hangingPunct="1"/>
             <a:r>
-              <a:rPr lang="en-US" smtClean="0"/>
+              <a:rPr lang="en-US"/>
               <a:t>Fifth level</a:t>
             </a:r>
             <a:endParaRPr kumimoji="0" lang="en-US"/>
@@ -25040,7 +23494,7 @@
           <a:p>
             <a:pPr lvl="0" eaLnBrk="1" latinLnBrk="0" hangingPunct="1"/>
             <a:r>
-              <a:rPr kumimoji="0" lang="en-US" smtClean="0"/>
+              <a:rPr kumimoji="0" lang="en-US"/>
               <a:t>Click to edit Master text styles</a:t>
             </a:r>
           </a:p>
@@ -25088,7 +23542,7 @@
           <a:p>
             <a:pPr lvl="0" eaLnBrk="1" latinLnBrk="0" hangingPunct="1"/>
             <a:r>
-              <a:rPr kumimoji="0" lang="en-US" smtClean="0"/>
+              <a:rPr kumimoji="0" lang="en-US"/>
               <a:t>Click to edit Master text styles</a:t>
             </a:r>
           </a:p>
@@ -25125,7 +23579,7 @@
           <p:cNvPr id="21" name="Rectangle 20">
             <a:extLst>
               <a:ext uri="{FF2B5EF4-FFF2-40B4-BE49-F238E27FC236}">
-                <a16:creationId xmlns:a16="http://schemas.microsoft.com/office/drawing/2014/main" xmlns="" id="{6B607F24-5B01-4964-9736-E876BC347E55}"/>
+                <a16:creationId xmlns:a16="http://schemas.microsoft.com/office/drawing/2014/main" id="{6B607F24-5B01-4964-9736-E876BC347E55}"/>
               </a:ext>
             </a:extLst>
           </p:cNvPr>
@@ -25177,7 +23631,7 @@
           <p:cNvPr id="2" name="Title 1">
             <a:extLst>
               <a:ext uri="{FF2B5EF4-FFF2-40B4-BE49-F238E27FC236}">
-                <a16:creationId xmlns:a16="http://schemas.microsoft.com/office/drawing/2014/main" xmlns="" id="{BADB3C88-F13B-4B5F-920D-B4EFFAA592E5}"/>
+                <a16:creationId xmlns:a16="http://schemas.microsoft.com/office/drawing/2014/main" id="{BADB3C88-F13B-4B5F-920D-B4EFFAA592E5}"/>
               </a:ext>
             </a:extLst>
           </p:cNvPr>
@@ -25211,7 +23665,7 @@
           <p:cNvPr id="24" name="Rectangle 23">
             <a:extLst>
               <a:ext uri="{FF2B5EF4-FFF2-40B4-BE49-F238E27FC236}">
-                <a16:creationId xmlns:a16="http://schemas.microsoft.com/office/drawing/2014/main" xmlns="" id="{E2950CCA-59F9-4C47-A5BA-294E9EDCBABE}"/>
+                <a16:creationId xmlns:a16="http://schemas.microsoft.com/office/drawing/2014/main" id="{E2950CCA-59F9-4C47-A5BA-294E9EDCBABE}"/>
               </a:ext>
             </a:extLst>
           </p:cNvPr>
@@ -25263,7 +23717,7 @@
           <p:cNvPr id="22" name="Rectangle 21">
             <a:extLst>
               <a:ext uri="{FF2B5EF4-FFF2-40B4-BE49-F238E27FC236}">
-                <a16:creationId xmlns:a16="http://schemas.microsoft.com/office/drawing/2014/main" xmlns="" id="{F44232AA-36A1-4A85-8868-9D12848EB106}"/>
+                <a16:creationId xmlns:a16="http://schemas.microsoft.com/office/drawing/2014/main" id="{F44232AA-36A1-4A85-8868-9D12848EB106}"/>
               </a:ext>
             </a:extLst>
           </p:cNvPr>
@@ -25315,7 +23769,7 @@
           <p:cNvPr id="23" name="Rectangle 22">
             <a:extLst>
               <a:ext uri="{FF2B5EF4-FFF2-40B4-BE49-F238E27FC236}">
-                <a16:creationId xmlns:a16="http://schemas.microsoft.com/office/drawing/2014/main" xmlns="" id="{0B045D93-056D-486E-A634-890ECB9AF9C2}"/>
+                <a16:creationId xmlns:a16="http://schemas.microsoft.com/office/drawing/2014/main" id="{0B045D93-056D-486E-A634-890ECB9AF9C2}"/>
               </a:ext>
             </a:extLst>
           </p:cNvPr>
@@ -25367,7 +23821,7 @@
           <p:cNvPr id="28" name="Rectangle 27">
             <a:extLst>
               <a:ext uri="{FF2B5EF4-FFF2-40B4-BE49-F238E27FC236}">
-                <a16:creationId xmlns:a16="http://schemas.microsoft.com/office/drawing/2014/main" xmlns="" id="{567CD5E4-19A9-4EFD-BBF1-2B1FBC9BB9BD}"/>
+                <a16:creationId xmlns:a16="http://schemas.microsoft.com/office/drawing/2014/main" id="{567CD5E4-19A9-4EFD-BBF1-2B1FBC9BB9BD}"/>
               </a:ext>
             </a:extLst>
           </p:cNvPr>
@@ -25421,7 +23875,7 @@
           <p:cNvPr id="33" name="Rectangle 32">
             <a:extLst>
               <a:ext uri="{FF2B5EF4-FFF2-40B4-BE49-F238E27FC236}">
-                <a16:creationId xmlns:a16="http://schemas.microsoft.com/office/drawing/2014/main" xmlns="" id="{AA533582-AC3E-4F3B-9602-085EB97AD294}"/>
+                <a16:creationId xmlns:a16="http://schemas.microsoft.com/office/drawing/2014/main" id="{AA533582-AC3E-4F3B-9602-085EB97AD294}"/>
               </a:ext>
             </a:extLst>
           </p:cNvPr>
@@ -25475,7 +23929,7 @@
           <p:cNvPr id="37" name="Rectangle 36">
             <a:extLst>
               <a:ext uri="{FF2B5EF4-FFF2-40B4-BE49-F238E27FC236}">
-                <a16:creationId xmlns:a16="http://schemas.microsoft.com/office/drawing/2014/main" xmlns="" id="{CF0B1BD9-4AC2-4549-9001-383664C7F224}"/>
+                <a16:creationId xmlns:a16="http://schemas.microsoft.com/office/drawing/2014/main" id="{CF0B1BD9-4AC2-4549-9001-383664C7F224}"/>
               </a:ext>
             </a:extLst>
           </p:cNvPr>
@@ -25529,7 +23983,7 @@
           <p:cNvPr id="4" name="Isosceles Triangle 3">
             <a:extLst>
               <a:ext uri="{FF2B5EF4-FFF2-40B4-BE49-F238E27FC236}">
-                <a16:creationId xmlns:a16="http://schemas.microsoft.com/office/drawing/2014/main" xmlns="" id="{32B2DC05-AAD7-458D-B737-BE8CCA1FFA99}"/>
+                <a16:creationId xmlns:a16="http://schemas.microsoft.com/office/drawing/2014/main" id="{32B2DC05-AAD7-458D-B737-BE8CCA1FFA99}"/>
               </a:ext>
             </a:extLst>
           </p:cNvPr>
@@ -25578,7 +24032,7 @@
           <p:cNvPr id="39" name="Isosceles Triangle 38">
             <a:extLst>
               <a:ext uri="{FF2B5EF4-FFF2-40B4-BE49-F238E27FC236}">
-                <a16:creationId xmlns:a16="http://schemas.microsoft.com/office/drawing/2014/main" xmlns="" id="{E423C01B-EB10-48EF-8F1C-C2A7E1923E3E}"/>
+                <a16:creationId xmlns:a16="http://schemas.microsoft.com/office/drawing/2014/main" id="{E423C01B-EB10-48EF-8F1C-C2A7E1923E3E}"/>
               </a:ext>
             </a:extLst>
           </p:cNvPr>
@@ -25630,7 +24084,7 @@
           <p:cNvPr id="44" name="Isosceles Triangle 43">
             <a:extLst>
               <a:ext uri="{FF2B5EF4-FFF2-40B4-BE49-F238E27FC236}">
-                <a16:creationId xmlns:a16="http://schemas.microsoft.com/office/drawing/2014/main" xmlns="" id="{BB0D5D5D-BB46-489A-A006-03E52FDA0AB6}"/>
+                <a16:creationId xmlns:a16="http://schemas.microsoft.com/office/drawing/2014/main" id="{BB0D5D5D-BB46-489A-A006-03E52FDA0AB6}"/>
               </a:ext>
             </a:extLst>
           </p:cNvPr>
@@ -25682,7 +24136,7 @@
           <p:cNvPr id="45" name="Picture Placeholder 33">
             <a:extLst>
               <a:ext uri="{FF2B5EF4-FFF2-40B4-BE49-F238E27FC236}">
-                <a16:creationId xmlns:a16="http://schemas.microsoft.com/office/drawing/2014/main" xmlns="" id="{2D0DCA06-9544-45C9-BE22-EBB853AE757C}"/>
+                <a16:creationId xmlns:a16="http://schemas.microsoft.com/office/drawing/2014/main" id="{2D0DCA06-9544-45C9-BE22-EBB853AE757C}"/>
               </a:ext>
             </a:extLst>
           </p:cNvPr>
@@ -25727,7 +24181,7 @@
           <p:cNvPr id="46" name="Picture Placeholder 33">
             <a:extLst>
               <a:ext uri="{FF2B5EF4-FFF2-40B4-BE49-F238E27FC236}">
-                <a16:creationId xmlns:a16="http://schemas.microsoft.com/office/drawing/2014/main" xmlns="" id="{21403A13-F195-405D-B352-4B77969E358B}"/>
+                <a16:creationId xmlns:a16="http://schemas.microsoft.com/office/drawing/2014/main" id="{21403A13-F195-405D-B352-4B77969E358B}"/>
               </a:ext>
             </a:extLst>
           </p:cNvPr>
@@ -25772,7 +24226,7 @@
           <p:cNvPr id="47" name="Picture Placeholder 33">
             <a:extLst>
               <a:ext uri="{FF2B5EF4-FFF2-40B4-BE49-F238E27FC236}">
-                <a16:creationId xmlns:a16="http://schemas.microsoft.com/office/drawing/2014/main" xmlns="" id="{390C9BE2-4328-41D9-82FB-F6FEE7026C55}"/>
+                <a16:creationId xmlns:a16="http://schemas.microsoft.com/office/drawing/2014/main" id="{390C9BE2-4328-41D9-82FB-F6FEE7026C55}"/>
               </a:ext>
             </a:extLst>
           </p:cNvPr>
@@ -25817,7 +24271,7 @@
           <p:cNvPr id="48" name="Picture Placeholder 6">
             <a:extLst>
               <a:ext uri="{FF2B5EF4-FFF2-40B4-BE49-F238E27FC236}">
-                <a16:creationId xmlns:a16="http://schemas.microsoft.com/office/drawing/2014/main" xmlns="" id="{7E57D58E-479C-4409-8D5F-7CAC3178A771}"/>
+                <a16:creationId xmlns:a16="http://schemas.microsoft.com/office/drawing/2014/main" id="{7E57D58E-479C-4409-8D5F-7CAC3178A771}"/>
               </a:ext>
             </a:extLst>
           </p:cNvPr>
@@ -25865,7 +24319,7 @@
           <p:cNvPr id="17" name="Text Placeholder 39">
             <a:extLst>
               <a:ext uri="{FF2B5EF4-FFF2-40B4-BE49-F238E27FC236}">
-                <a16:creationId xmlns:a16="http://schemas.microsoft.com/office/drawing/2014/main" xmlns="" id="{1EE624A7-7FE4-44DC-B710-D995C25C9CEA}"/>
+                <a16:creationId xmlns:a16="http://schemas.microsoft.com/office/drawing/2014/main" id="{1EE624A7-7FE4-44DC-B710-D995C25C9CEA}"/>
               </a:ext>
             </a:extLst>
           </p:cNvPr>
@@ -25942,7 +24396,7 @@
           <p:cNvPr id="18" name="Text Placeholder 39">
             <a:extLst>
               <a:ext uri="{FF2B5EF4-FFF2-40B4-BE49-F238E27FC236}">
-                <a16:creationId xmlns:a16="http://schemas.microsoft.com/office/drawing/2014/main" xmlns="" id="{34CC27D1-7AB7-4922-81C5-41E9C01BAAE1}"/>
+                <a16:creationId xmlns:a16="http://schemas.microsoft.com/office/drawing/2014/main" id="{34CC27D1-7AB7-4922-81C5-41E9C01BAAE1}"/>
               </a:ext>
             </a:extLst>
           </p:cNvPr>
@@ -26019,7 +24473,7 @@
           <p:cNvPr id="19" name="Text Placeholder 39">
             <a:extLst>
               <a:ext uri="{FF2B5EF4-FFF2-40B4-BE49-F238E27FC236}">
-                <a16:creationId xmlns:a16="http://schemas.microsoft.com/office/drawing/2014/main" xmlns="" id="{03F0CFEB-33B8-47FE-BC44-44AF273543D5}"/>
+                <a16:creationId xmlns:a16="http://schemas.microsoft.com/office/drawing/2014/main" id="{03F0CFEB-33B8-47FE-BC44-44AF273543D5}"/>
               </a:ext>
             </a:extLst>
           </p:cNvPr>
@@ -26094,7 +24548,7 @@
     </p:spTree>
     <p:extLst>
       <p:ext uri="{BB962C8B-B14F-4D97-AF65-F5344CB8AC3E}">
-        <p14:creationId xmlns:p14="http://schemas.microsoft.com/office/powerpoint/2010/main" xmlns="" val="2014259182"/>
+        <p14:creationId xmlns:p14="http://schemas.microsoft.com/office/powerpoint/2010/main" val="2014259182"/>
       </p:ext>
     </p:extLst>
   </p:cSld>
@@ -26126,7 +24580,7 @@
           <p:cNvPr id="2" name="Title 1">
             <a:extLst>
               <a:ext uri="{FF2B5EF4-FFF2-40B4-BE49-F238E27FC236}">
-                <a16:creationId xmlns:a16="http://schemas.microsoft.com/office/drawing/2014/main" xmlns="" id="{BADB3C88-F13B-4B5F-920D-B4EFFAA592E5}"/>
+                <a16:creationId xmlns:a16="http://schemas.microsoft.com/office/drawing/2014/main" id="{BADB3C88-F13B-4B5F-920D-B4EFFAA592E5}"/>
               </a:ext>
             </a:extLst>
           </p:cNvPr>
@@ -26160,7 +24614,7 @@
           <p:cNvPr id="48" name="Picture Placeholder 6">
             <a:extLst>
               <a:ext uri="{FF2B5EF4-FFF2-40B4-BE49-F238E27FC236}">
-                <a16:creationId xmlns:a16="http://schemas.microsoft.com/office/drawing/2014/main" xmlns="" id="{7E57D58E-479C-4409-8D5F-7CAC3178A771}"/>
+                <a16:creationId xmlns:a16="http://schemas.microsoft.com/office/drawing/2014/main" id="{7E57D58E-479C-4409-8D5F-7CAC3178A771}"/>
               </a:ext>
             </a:extLst>
           </p:cNvPr>
@@ -26208,7 +24662,7 @@
           <p:cNvPr id="17" name="Slide Number Placeholder 4">
             <a:extLst>
               <a:ext uri="{FF2B5EF4-FFF2-40B4-BE49-F238E27FC236}">
-                <a16:creationId xmlns:a16="http://schemas.microsoft.com/office/drawing/2014/main" xmlns="" id="{76336E3A-55EE-4423-B1AA-7489CA988813}"/>
+                <a16:creationId xmlns:a16="http://schemas.microsoft.com/office/drawing/2014/main" id="{76336E3A-55EE-4423-B1AA-7489CA988813}"/>
               </a:ext>
             </a:extLst>
           </p:cNvPr>
@@ -26243,7 +24697,7 @@
           <p:cNvPr id="20" name="Picture Placeholder 33">
             <a:extLst>
               <a:ext uri="{FF2B5EF4-FFF2-40B4-BE49-F238E27FC236}">
-                <a16:creationId xmlns:a16="http://schemas.microsoft.com/office/drawing/2014/main" xmlns="" id="{917F3183-F8DC-409E-BDAF-E3190E5CC10A}"/>
+                <a16:creationId xmlns:a16="http://schemas.microsoft.com/office/drawing/2014/main" id="{917F3183-F8DC-409E-BDAF-E3190E5CC10A}"/>
               </a:ext>
             </a:extLst>
           </p:cNvPr>
@@ -26288,7 +24742,7 @@
           <p:cNvPr id="25" name="Picture Placeholder 33">
             <a:extLst>
               <a:ext uri="{FF2B5EF4-FFF2-40B4-BE49-F238E27FC236}">
-                <a16:creationId xmlns:a16="http://schemas.microsoft.com/office/drawing/2014/main" xmlns="" id="{8DCF90EE-8A0F-46BB-A8EC-27CB7826EB0D}"/>
+                <a16:creationId xmlns:a16="http://schemas.microsoft.com/office/drawing/2014/main" id="{8DCF90EE-8A0F-46BB-A8EC-27CB7826EB0D}"/>
               </a:ext>
             </a:extLst>
           </p:cNvPr>
@@ -26333,7 +24787,7 @@
           <p:cNvPr id="26" name="Picture Placeholder 33">
             <a:extLst>
               <a:ext uri="{FF2B5EF4-FFF2-40B4-BE49-F238E27FC236}">
-                <a16:creationId xmlns:a16="http://schemas.microsoft.com/office/drawing/2014/main" xmlns="" id="{4B6BCE84-A7A7-4701-966F-9F969C523C51}"/>
+                <a16:creationId xmlns:a16="http://schemas.microsoft.com/office/drawing/2014/main" id="{4B6BCE84-A7A7-4701-966F-9F969C523C51}"/>
               </a:ext>
             </a:extLst>
           </p:cNvPr>
@@ -26378,7 +24832,7 @@
           <p:cNvPr id="27" name="Picture Placeholder 33">
             <a:extLst>
               <a:ext uri="{FF2B5EF4-FFF2-40B4-BE49-F238E27FC236}">
-                <a16:creationId xmlns:a16="http://schemas.microsoft.com/office/drawing/2014/main" xmlns="" id="{2F810615-16AA-4D3F-93BB-1074BABE1234}"/>
+                <a16:creationId xmlns:a16="http://schemas.microsoft.com/office/drawing/2014/main" id="{2F810615-16AA-4D3F-93BB-1074BABE1234}"/>
               </a:ext>
             </a:extLst>
           </p:cNvPr>
@@ -26423,7 +24877,7 @@
           <p:cNvPr id="32" name="Rectangle 31">
             <a:extLst>
               <a:ext uri="{FF2B5EF4-FFF2-40B4-BE49-F238E27FC236}">
-                <a16:creationId xmlns:a16="http://schemas.microsoft.com/office/drawing/2014/main" xmlns="" id="{E9E999B4-BC91-4EF5-915C-59E58E141134}"/>
+                <a16:creationId xmlns:a16="http://schemas.microsoft.com/office/drawing/2014/main" id="{E9E999B4-BC91-4EF5-915C-59E58E141134}"/>
               </a:ext>
             </a:extLst>
           </p:cNvPr>
@@ -26475,7 +24929,7 @@
           <p:cNvPr id="34" name="Rectangle 33">
             <a:extLst>
               <a:ext uri="{FF2B5EF4-FFF2-40B4-BE49-F238E27FC236}">
-                <a16:creationId xmlns:a16="http://schemas.microsoft.com/office/drawing/2014/main" xmlns="" id="{8E3D72D1-545E-4FA9-B18F-DBE257DA9472}"/>
+                <a16:creationId xmlns:a16="http://schemas.microsoft.com/office/drawing/2014/main" id="{8E3D72D1-545E-4FA9-B18F-DBE257DA9472}"/>
               </a:ext>
             </a:extLst>
           </p:cNvPr>
@@ -26527,7 +24981,7 @@
           <p:cNvPr id="35" name="Rectangle 34">
             <a:extLst>
               <a:ext uri="{FF2B5EF4-FFF2-40B4-BE49-F238E27FC236}">
-                <a16:creationId xmlns:a16="http://schemas.microsoft.com/office/drawing/2014/main" xmlns="" id="{A1FF2C74-7F94-4D15-9530-4844CA0ABABA}"/>
+                <a16:creationId xmlns:a16="http://schemas.microsoft.com/office/drawing/2014/main" id="{A1FF2C74-7F94-4D15-9530-4844CA0ABABA}"/>
               </a:ext>
             </a:extLst>
           </p:cNvPr>
@@ -26579,7 +25033,7 @@
           <p:cNvPr id="36" name="Rectangle 35">
             <a:extLst>
               <a:ext uri="{FF2B5EF4-FFF2-40B4-BE49-F238E27FC236}">
-                <a16:creationId xmlns:a16="http://schemas.microsoft.com/office/drawing/2014/main" xmlns="" id="{D65048BF-5755-467D-94DA-799CD1A9ED70}"/>
+                <a16:creationId xmlns:a16="http://schemas.microsoft.com/office/drawing/2014/main" id="{D65048BF-5755-467D-94DA-799CD1A9ED70}"/>
               </a:ext>
             </a:extLst>
           </p:cNvPr>
@@ -26631,7 +25085,7 @@
           <p:cNvPr id="38" name="Text Placeholder 39">
             <a:extLst>
               <a:ext uri="{FF2B5EF4-FFF2-40B4-BE49-F238E27FC236}">
-                <a16:creationId xmlns:a16="http://schemas.microsoft.com/office/drawing/2014/main" xmlns="" id="{3C8488B4-AC1B-43A6-A416-3F5BC72456F9}"/>
+                <a16:creationId xmlns:a16="http://schemas.microsoft.com/office/drawing/2014/main" id="{3C8488B4-AC1B-43A6-A416-3F5BC72456F9}"/>
               </a:ext>
             </a:extLst>
           </p:cNvPr>
@@ -26708,7 +25162,7 @@
           <p:cNvPr id="40" name="Text Placeholder 39">
             <a:extLst>
               <a:ext uri="{FF2B5EF4-FFF2-40B4-BE49-F238E27FC236}">
-                <a16:creationId xmlns:a16="http://schemas.microsoft.com/office/drawing/2014/main" xmlns="" id="{950DB978-3832-472D-9958-42D6A712EA6B}"/>
+                <a16:creationId xmlns:a16="http://schemas.microsoft.com/office/drawing/2014/main" id="{950DB978-3832-472D-9958-42D6A712EA6B}"/>
               </a:ext>
             </a:extLst>
           </p:cNvPr>
@@ -26785,7 +25239,7 @@
           <p:cNvPr id="41" name="Text Placeholder 39">
             <a:extLst>
               <a:ext uri="{FF2B5EF4-FFF2-40B4-BE49-F238E27FC236}">
-                <a16:creationId xmlns:a16="http://schemas.microsoft.com/office/drawing/2014/main" xmlns="" id="{7A9C8821-D3DD-40C3-83BD-38D190405711}"/>
+                <a16:creationId xmlns:a16="http://schemas.microsoft.com/office/drawing/2014/main" id="{7A9C8821-D3DD-40C3-83BD-38D190405711}"/>
               </a:ext>
             </a:extLst>
           </p:cNvPr>
@@ -26862,7 +25316,7 @@
           <p:cNvPr id="42" name="Text Placeholder 39">
             <a:extLst>
               <a:ext uri="{FF2B5EF4-FFF2-40B4-BE49-F238E27FC236}">
-                <a16:creationId xmlns:a16="http://schemas.microsoft.com/office/drawing/2014/main" xmlns="" id="{C3FC554A-BF67-40BD-BD4F-B2EA17BBDBC1}"/>
+                <a16:creationId xmlns:a16="http://schemas.microsoft.com/office/drawing/2014/main" id="{C3FC554A-BF67-40BD-BD4F-B2EA17BBDBC1}"/>
               </a:ext>
             </a:extLst>
           </p:cNvPr>
@@ -26939,7 +25393,7 @@
           <p:cNvPr id="6" name="Straight Connector 5">
             <a:extLst>
               <a:ext uri="{FF2B5EF4-FFF2-40B4-BE49-F238E27FC236}">
-                <a16:creationId xmlns:a16="http://schemas.microsoft.com/office/drawing/2014/main" xmlns="" id="{62ECF54D-C7AE-4FFE-A9FA-ECD663CD2A09}"/>
+                <a16:creationId xmlns:a16="http://schemas.microsoft.com/office/drawing/2014/main" id="{62ECF54D-C7AE-4FFE-A9FA-ECD663CD2A09}"/>
               </a:ext>
             </a:extLst>
           </p:cNvPr>
@@ -26982,7 +25436,7 @@
           <p:cNvPr id="29" name="Straight Connector 28">
             <a:extLst>
               <a:ext uri="{FF2B5EF4-FFF2-40B4-BE49-F238E27FC236}">
-                <a16:creationId xmlns:a16="http://schemas.microsoft.com/office/drawing/2014/main" xmlns="" id="{7FB84BED-8481-4D23-AE06-31529215FE6C}"/>
+                <a16:creationId xmlns:a16="http://schemas.microsoft.com/office/drawing/2014/main" id="{7FB84BED-8481-4D23-AE06-31529215FE6C}"/>
               </a:ext>
             </a:extLst>
           </p:cNvPr>
@@ -27025,7 +25479,7 @@
           <p:cNvPr id="30" name="Straight Connector 29">
             <a:extLst>
               <a:ext uri="{FF2B5EF4-FFF2-40B4-BE49-F238E27FC236}">
-                <a16:creationId xmlns:a16="http://schemas.microsoft.com/office/drawing/2014/main" xmlns="" id="{4A09D405-9228-4697-A91F-4E5A2B5B6512}"/>
+                <a16:creationId xmlns:a16="http://schemas.microsoft.com/office/drawing/2014/main" id="{4A09D405-9228-4697-A91F-4E5A2B5B6512}"/>
               </a:ext>
             </a:extLst>
           </p:cNvPr>
@@ -27068,7 +25522,7 @@
           <p:cNvPr id="31" name="Straight Connector 30">
             <a:extLst>
               <a:ext uri="{FF2B5EF4-FFF2-40B4-BE49-F238E27FC236}">
-                <a16:creationId xmlns:a16="http://schemas.microsoft.com/office/drawing/2014/main" xmlns="" id="{9645748A-37E1-4661-B50F-D1FCAF7F3088}"/>
+                <a16:creationId xmlns:a16="http://schemas.microsoft.com/office/drawing/2014/main" id="{9645748A-37E1-4661-B50F-D1FCAF7F3088}"/>
               </a:ext>
             </a:extLst>
           </p:cNvPr>
@@ -27109,7 +25563,7 @@
     </p:spTree>
     <p:extLst>
       <p:ext uri="{BB962C8B-B14F-4D97-AF65-F5344CB8AC3E}">
-        <p14:creationId xmlns:p14="http://schemas.microsoft.com/office/powerpoint/2010/main" xmlns="" val="2230872149"/>
+        <p14:creationId xmlns:p14="http://schemas.microsoft.com/office/powerpoint/2010/main" val="2230872149"/>
       </p:ext>
     </p:extLst>
   </p:cSld>
@@ -27141,7 +25595,7 @@
           <p:cNvPr id="2" name="Title 1">
             <a:extLst>
               <a:ext uri="{FF2B5EF4-FFF2-40B4-BE49-F238E27FC236}">
-                <a16:creationId xmlns:a16="http://schemas.microsoft.com/office/drawing/2014/main" xmlns="" id="{BADB3C88-F13B-4B5F-920D-B4EFFAA592E5}"/>
+                <a16:creationId xmlns:a16="http://schemas.microsoft.com/office/drawing/2014/main" id="{BADB3C88-F13B-4B5F-920D-B4EFFAA592E5}"/>
               </a:ext>
             </a:extLst>
           </p:cNvPr>
@@ -27175,7 +25629,7 @@
           <p:cNvPr id="48" name="Picture Placeholder 6">
             <a:extLst>
               <a:ext uri="{FF2B5EF4-FFF2-40B4-BE49-F238E27FC236}">
-                <a16:creationId xmlns:a16="http://schemas.microsoft.com/office/drawing/2014/main" xmlns="" id="{7E57D58E-479C-4409-8D5F-7CAC3178A771}"/>
+                <a16:creationId xmlns:a16="http://schemas.microsoft.com/office/drawing/2014/main" id="{7E57D58E-479C-4409-8D5F-7CAC3178A771}"/>
               </a:ext>
             </a:extLst>
           </p:cNvPr>
@@ -27223,7 +25677,7 @@
           <p:cNvPr id="17" name="Slide Number Placeholder 4">
             <a:extLst>
               <a:ext uri="{FF2B5EF4-FFF2-40B4-BE49-F238E27FC236}">
-                <a16:creationId xmlns:a16="http://schemas.microsoft.com/office/drawing/2014/main" xmlns="" id="{76336E3A-55EE-4423-B1AA-7489CA988813}"/>
+                <a16:creationId xmlns:a16="http://schemas.microsoft.com/office/drawing/2014/main" id="{76336E3A-55EE-4423-B1AA-7489CA988813}"/>
               </a:ext>
             </a:extLst>
           </p:cNvPr>
@@ -27258,7 +25712,7 @@
           <p:cNvPr id="18" name="Rectangle 17">
             <a:extLst>
               <a:ext uri="{FF2B5EF4-FFF2-40B4-BE49-F238E27FC236}">
-                <a16:creationId xmlns:a16="http://schemas.microsoft.com/office/drawing/2014/main" xmlns="" id="{1DD2DC66-11E4-4714-A8DE-E8AC34D49655}"/>
+                <a16:creationId xmlns:a16="http://schemas.microsoft.com/office/drawing/2014/main" id="{1DD2DC66-11E4-4714-A8DE-E8AC34D49655}"/>
               </a:ext>
             </a:extLst>
           </p:cNvPr>
@@ -27310,7 +25764,7 @@
           <p:cNvPr id="5" name="Group 4">
             <a:extLst>
               <a:ext uri="{FF2B5EF4-FFF2-40B4-BE49-F238E27FC236}">
-                <a16:creationId xmlns:a16="http://schemas.microsoft.com/office/drawing/2014/main" xmlns="" id="{B6748F93-9B1D-4874-A164-A654BF7D6C8C}"/>
+                <a16:creationId xmlns:a16="http://schemas.microsoft.com/office/drawing/2014/main" id="{B6748F93-9B1D-4874-A164-A654BF7D6C8C}"/>
               </a:ext>
             </a:extLst>
           </p:cNvPr>
@@ -27330,7 +25784,7 @@
             <p:cNvPr id="4" name="Straight Connector 3">
               <a:extLst>
                 <a:ext uri="{FF2B5EF4-FFF2-40B4-BE49-F238E27FC236}">
-                  <a16:creationId xmlns:a16="http://schemas.microsoft.com/office/drawing/2014/main" xmlns="" id="{4AEF10CE-C943-4C6B-9DBF-5A0E63CDC89B}"/>
+                  <a16:creationId xmlns:a16="http://schemas.microsoft.com/office/drawing/2014/main" id="{4AEF10CE-C943-4C6B-9DBF-5A0E63CDC89B}"/>
                 </a:ext>
               </a:extLst>
             </p:cNvPr>
@@ -27371,7 +25825,7 @@
             <p:cNvPr id="21" name="Straight Connector 20">
               <a:extLst>
                 <a:ext uri="{FF2B5EF4-FFF2-40B4-BE49-F238E27FC236}">
-                  <a16:creationId xmlns:a16="http://schemas.microsoft.com/office/drawing/2014/main" xmlns="" id="{3428B198-0637-4F15-900F-6709BFE4BDEA}"/>
+                  <a16:creationId xmlns:a16="http://schemas.microsoft.com/office/drawing/2014/main" id="{3428B198-0637-4F15-900F-6709BFE4BDEA}"/>
                 </a:ext>
               </a:extLst>
             </p:cNvPr>
@@ -27412,7 +25866,7 @@
             <p:cNvPr id="22" name="Straight Connector 21">
               <a:extLst>
                 <a:ext uri="{FF2B5EF4-FFF2-40B4-BE49-F238E27FC236}">
-                  <a16:creationId xmlns:a16="http://schemas.microsoft.com/office/drawing/2014/main" xmlns="" id="{7F29A1B0-F4AB-4243-979A-50FADE3330EA}"/>
+                  <a16:creationId xmlns:a16="http://schemas.microsoft.com/office/drawing/2014/main" id="{7F29A1B0-F4AB-4243-979A-50FADE3330EA}"/>
                 </a:ext>
               </a:extLst>
             </p:cNvPr>
@@ -27454,7 +25908,7 @@
           <p:cNvPr id="24" name="Straight Connector 23">
             <a:extLst>
               <a:ext uri="{FF2B5EF4-FFF2-40B4-BE49-F238E27FC236}">
-                <a16:creationId xmlns:a16="http://schemas.microsoft.com/office/drawing/2014/main" xmlns="" id="{0C61EA57-B8EA-4589-A9DD-E25F300D5AFD}"/>
+                <a16:creationId xmlns:a16="http://schemas.microsoft.com/office/drawing/2014/main" id="{0C61EA57-B8EA-4589-A9DD-E25F300D5AFD}"/>
               </a:ext>
             </a:extLst>
           </p:cNvPr>
@@ -27495,7 +25949,7 @@
           <p:cNvPr id="28" name="Group 27">
             <a:extLst>
               <a:ext uri="{FF2B5EF4-FFF2-40B4-BE49-F238E27FC236}">
-                <a16:creationId xmlns:a16="http://schemas.microsoft.com/office/drawing/2014/main" xmlns="" id="{F894F998-0FDF-4CA2-802E-4FCFA7674171}"/>
+                <a16:creationId xmlns:a16="http://schemas.microsoft.com/office/drawing/2014/main" id="{F894F998-0FDF-4CA2-802E-4FCFA7674171}"/>
               </a:ext>
             </a:extLst>
           </p:cNvPr>
@@ -27515,7 +25969,7 @@
             <p:cNvPr id="33" name="Straight Connector 32">
               <a:extLst>
                 <a:ext uri="{FF2B5EF4-FFF2-40B4-BE49-F238E27FC236}">
-                  <a16:creationId xmlns:a16="http://schemas.microsoft.com/office/drawing/2014/main" xmlns="" id="{C1F0C0C8-87C4-49FB-B35B-E937E9D0BEC5}"/>
+                  <a16:creationId xmlns:a16="http://schemas.microsoft.com/office/drawing/2014/main" id="{C1F0C0C8-87C4-49FB-B35B-E937E9D0BEC5}"/>
                 </a:ext>
               </a:extLst>
             </p:cNvPr>
@@ -27558,7 +26012,7 @@
             <p:cNvPr id="37" name="Straight Connector 36">
               <a:extLst>
                 <a:ext uri="{FF2B5EF4-FFF2-40B4-BE49-F238E27FC236}">
-                  <a16:creationId xmlns:a16="http://schemas.microsoft.com/office/drawing/2014/main" xmlns="" id="{4857C5D3-7E33-4894-8AC3-0FD1BEB12F40}"/>
+                  <a16:creationId xmlns:a16="http://schemas.microsoft.com/office/drawing/2014/main" id="{4857C5D3-7E33-4894-8AC3-0FD1BEB12F40}"/>
                 </a:ext>
               </a:extLst>
             </p:cNvPr>
@@ -27601,7 +26055,7 @@
             <p:cNvPr id="38" name="Straight Connector 37">
               <a:extLst>
                 <a:ext uri="{FF2B5EF4-FFF2-40B4-BE49-F238E27FC236}">
-                  <a16:creationId xmlns:a16="http://schemas.microsoft.com/office/drawing/2014/main" xmlns="" id="{100BA9F8-92BF-42F0-BD46-D9B7E7422F75}"/>
+                  <a16:creationId xmlns:a16="http://schemas.microsoft.com/office/drawing/2014/main" id="{100BA9F8-92BF-42F0-BD46-D9B7E7422F75}"/>
                 </a:ext>
               </a:extLst>
             </p:cNvPr>
@@ -27645,7 +26099,7 @@
           <p:cNvPr id="39" name="Text Placeholder 39">
             <a:extLst>
               <a:ext uri="{FF2B5EF4-FFF2-40B4-BE49-F238E27FC236}">
-                <a16:creationId xmlns:a16="http://schemas.microsoft.com/office/drawing/2014/main" xmlns="" id="{9760B601-DCBC-47C8-95BE-A5DFCCBAD096}"/>
+                <a16:creationId xmlns:a16="http://schemas.microsoft.com/office/drawing/2014/main" id="{9760B601-DCBC-47C8-95BE-A5DFCCBAD096}"/>
               </a:ext>
             </a:extLst>
           </p:cNvPr>
@@ -27722,7 +26176,7 @@
           <p:cNvPr id="40" name="Text Placeholder 39">
             <a:extLst>
               <a:ext uri="{FF2B5EF4-FFF2-40B4-BE49-F238E27FC236}">
-                <a16:creationId xmlns:a16="http://schemas.microsoft.com/office/drawing/2014/main" xmlns="" id="{179CBA0C-6465-4209-AF3F-548A57F20CE8}"/>
+                <a16:creationId xmlns:a16="http://schemas.microsoft.com/office/drawing/2014/main" id="{179CBA0C-6465-4209-AF3F-548A57F20CE8}"/>
               </a:ext>
             </a:extLst>
           </p:cNvPr>
@@ -27799,7 +26253,7 @@
           <p:cNvPr id="41" name="Text Placeholder 39">
             <a:extLst>
               <a:ext uri="{FF2B5EF4-FFF2-40B4-BE49-F238E27FC236}">
-                <a16:creationId xmlns:a16="http://schemas.microsoft.com/office/drawing/2014/main" xmlns="" id="{99852211-6BD9-4B69-BBC9-F2181F272D23}"/>
+                <a16:creationId xmlns:a16="http://schemas.microsoft.com/office/drawing/2014/main" id="{99852211-6BD9-4B69-BBC9-F2181F272D23}"/>
               </a:ext>
             </a:extLst>
           </p:cNvPr>
@@ -27876,7 +26330,7 @@
           <p:cNvPr id="42" name="Text Placeholder 39">
             <a:extLst>
               <a:ext uri="{FF2B5EF4-FFF2-40B4-BE49-F238E27FC236}">
-                <a16:creationId xmlns:a16="http://schemas.microsoft.com/office/drawing/2014/main" xmlns="" id="{EEF11D65-7095-41D2-9630-E2EB44552E58}"/>
+                <a16:creationId xmlns:a16="http://schemas.microsoft.com/office/drawing/2014/main" id="{EEF11D65-7095-41D2-9630-E2EB44552E58}"/>
               </a:ext>
             </a:extLst>
           </p:cNvPr>
@@ -27953,7 +26407,7 @@
           <p:cNvPr id="43" name="Picture Placeholder 33">
             <a:extLst>
               <a:ext uri="{FF2B5EF4-FFF2-40B4-BE49-F238E27FC236}">
-                <a16:creationId xmlns:a16="http://schemas.microsoft.com/office/drawing/2014/main" xmlns="" id="{1644FD94-AD03-4C4F-A1A5-085DD8F56646}"/>
+                <a16:creationId xmlns:a16="http://schemas.microsoft.com/office/drawing/2014/main" id="{1644FD94-AD03-4C4F-A1A5-085DD8F56646}"/>
               </a:ext>
             </a:extLst>
           </p:cNvPr>
@@ -27998,7 +26452,7 @@
           <p:cNvPr id="44" name="Picture Placeholder 33">
             <a:extLst>
               <a:ext uri="{FF2B5EF4-FFF2-40B4-BE49-F238E27FC236}">
-                <a16:creationId xmlns:a16="http://schemas.microsoft.com/office/drawing/2014/main" xmlns="" id="{9A1BE0BE-1FFD-445C-B6BA-E4A602D22112}"/>
+                <a16:creationId xmlns:a16="http://schemas.microsoft.com/office/drawing/2014/main" id="{9A1BE0BE-1FFD-445C-B6BA-E4A602D22112}"/>
               </a:ext>
             </a:extLst>
           </p:cNvPr>
@@ -28043,7 +26497,7 @@
           <p:cNvPr id="45" name="Picture Placeholder 33">
             <a:extLst>
               <a:ext uri="{FF2B5EF4-FFF2-40B4-BE49-F238E27FC236}">
-                <a16:creationId xmlns:a16="http://schemas.microsoft.com/office/drawing/2014/main" xmlns="" id="{B577AF17-6C7E-48B9-B267-0874B232A710}"/>
+                <a16:creationId xmlns:a16="http://schemas.microsoft.com/office/drawing/2014/main" id="{B577AF17-6C7E-48B9-B267-0874B232A710}"/>
               </a:ext>
             </a:extLst>
           </p:cNvPr>
@@ -28088,7 +26542,7 @@
           <p:cNvPr id="46" name="Picture Placeholder 33">
             <a:extLst>
               <a:ext uri="{FF2B5EF4-FFF2-40B4-BE49-F238E27FC236}">
-                <a16:creationId xmlns:a16="http://schemas.microsoft.com/office/drawing/2014/main" xmlns="" id="{98A01AB1-3434-46C7-B1B3-90AFD4B1799F}"/>
+                <a16:creationId xmlns:a16="http://schemas.microsoft.com/office/drawing/2014/main" id="{98A01AB1-3434-46C7-B1B3-90AFD4B1799F}"/>
               </a:ext>
             </a:extLst>
           </p:cNvPr>
@@ -28131,7 +26585,7 @@
     </p:spTree>
     <p:extLst>
       <p:ext uri="{BB962C8B-B14F-4D97-AF65-F5344CB8AC3E}">
-        <p14:creationId xmlns:p14="http://schemas.microsoft.com/office/powerpoint/2010/main" xmlns="" val="2728092510"/>
+        <p14:creationId xmlns:p14="http://schemas.microsoft.com/office/powerpoint/2010/main" val="2728092510"/>
       </p:ext>
     </p:extLst>
   </p:cSld>
@@ -28163,7 +26617,7 @@
           <p:cNvPr id="2" name="Title 1">
             <a:extLst>
               <a:ext uri="{FF2B5EF4-FFF2-40B4-BE49-F238E27FC236}">
-                <a16:creationId xmlns:a16="http://schemas.microsoft.com/office/drawing/2014/main" xmlns="" id="{BADB3C88-F13B-4B5F-920D-B4EFFAA592E5}"/>
+                <a16:creationId xmlns:a16="http://schemas.microsoft.com/office/drawing/2014/main" id="{BADB3C88-F13B-4B5F-920D-B4EFFAA592E5}"/>
               </a:ext>
             </a:extLst>
           </p:cNvPr>
@@ -28197,7 +26651,7 @@
           <p:cNvPr id="17" name="Slide Number Placeholder 4">
             <a:extLst>
               <a:ext uri="{FF2B5EF4-FFF2-40B4-BE49-F238E27FC236}">
-                <a16:creationId xmlns:a16="http://schemas.microsoft.com/office/drawing/2014/main" xmlns="" id="{76336E3A-55EE-4423-B1AA-7489CA988813}"/>
+                <a16:creationId xmlns:a16="http://schemas.microsoft.com/office/drawing/2014/main" id="{76336E3A-55EE-4423-B1AA-7489CA988813}"/>
               </a:ext>
             </a:extLst>
           </p:cNvPr>
@@ -28232,7 +26686,7 @@
           <p:cNvPr id="24" name="Straight Connector 23">
             <a:extLst>
               <a:ext uri="{FF2B5EF4-FFF2-40B4-BE49-F238E27FC236}">
-                <a16:creationId xmlns:a16="http://schemas.microsoft.com/office/drawing/2014/main" xmlns="" id="{0C61EA57-B8EA-4589-A9DD-E25F300D5AFD}"/>
+                <a16:creationId xmlns:a16="http://schemas.microsoft.com/office/drawing/2014/main" id="{0C61EA57-B8EA-4589-A9DD-E25F300D5AFD}"/>
               </a:ext>
             </a:extLst>
           </p:cNvPr>
@@ -28273,7 +26727,7 @@
           <p:cNvPr id="18" name="Rectangle 17">
             <a:extLst>
               <a:ext uri="{FF2B5EF4-FFF2-40B4-BE49-F238E27FC236}">
-                <a16:creationId xmlns:a16="http://schemas.microsoft.com/office/drawing/2014/main" xmlns="" id="{1DD2DC66-11E4-4714-A8DE-E8AC34D49655}"/>
+                <a16:creationId xmlns:a16="http://schemas.microsoft.com/office/drawing/2014/main" id="{1DD2DC66-11E4-4714-A8DE-E8AC34D49655}"/>
               </a:ext>
             </a:extLst>
           </p:cNvPr>
@@ -28325,7 +26779,7 @@
           <p:cNvPr id="23" name="Rectangle 22">
             <a:extLst>
               <a:ext uri="{FF2B5EF4-FFF2-40B4-BE49-F238E27FC236}">
-                <a16:creationId xmlns:a16="http://schemas.microsoft.com/office/drawing/2014/main" xmlns="" id="{EAF541B1-4F4B-40BC-BF0B-B80864399D0C}"/>
+                <a16:creationId xmlns:a16="http://schemas.microsoft.com/office/drawing/2014/main" id="{EAF541B1-4F4B-40BC-BF0B-B80864399D0C}"/>
               </a:ext>
             </a:extLst>
           </p:cNvPr>
@@ -28377,7 +26831,7 @@
           <p:cNvPr id="26" name="Rectangle 25">
             <a:extLst>
               <a:ext uri="{FF2B5EF4-FFF2-40B4-BE49-F238E27FC236}">
-                <a16:creationId xmlns:a16="http://schemas.microsoft.com/office/drawing/2014/main" xmlns="" id="{DB837A4A-8DA3-4F45-9468-2C7DE5B35803}"/>
+                <a16:creationId xmlns:a16="http://schemas.microsoft.com/office/drawing/2014/main" id="{DB837A4A-8DA3-4F45-9468-2C7DE5B35803}"/>
               </a:ext>
             </a:extLst>
           </p:cNvPr>
@@ -28429,7 +26883,7 @@
           <p:cNvPr id="27" name="Rectangle 26">
             <a:extLst>
               <a:ext uri="{FF2B5EF4-FFF2-40B4-BE49-F238E27FC236}">
-                <a16:creationId xmlns:a16="http://schemas.microsoft.com/office/drawing/2014/main" xmlns="" id="{39CA034F-F360-4CF5-B944-C16768254C5A}"/>
+                <a16:creationId xmlns:a16="http://schemas.microsoft.com/office/drawing/2014/main" id="{39CA034F-F360-4CF5-B944-C16768254C5A}"/>
               </a:ext>
             </a:extLst>
           </p:cNvPr>
@@ -28481,7 +26935,7 @@
           <p:cNvPr id="43" name="Picture Placeholder 33">
             <a:extLst>
               <a:ext uri="{FF2B5EF4-FFF2-40B4-BE49-F238E27FC236}">
-                <a16:creationId xmlns:a16="http://schemas.microsoft.com/office/drawing/2014/main" xmlns="" id="{1644FD94-AD03-4C4F-A1A5-085DD8F56646}"/>
+                <a16:creationId xmlns:a16="http://schemas.microsoft.com/office/drawing/2014/main" id="{1644FD94-AD03-4C4F-A1A5-085DD8F56646}"/>
               </a:ext>
             </a:extLst>
           </p:cNvPr>
@@ -28526,7 +26980,7 @@
           <p:cNvPr id="32" name="Rectangle 31">
             <a:extLst>
               <a:ext uri="{FF2B5EF4-FFF2-40B4-BE49-F238E27FC236}">
-                <a16:creationId xmlns:a16="http://schemas.microsoft.com/office/drawing/2014/main" xmlns="" id="{ECA01639-D8FA-4F18-8FE5-E923F5A1BB48}"/>
+                <a16:creationId xmlns:a16="http://schemas.microsoft.com/office/drawing/2014/main" id="{ECA01639-D8FA-4F18-8FE5-E923F5A1BB48}"/>
               </a:ext>
             </a:extLst>
           </p:cNvPr>
@@ -28580,7 +27034,7 @@
           <p:cNvPr id="34" name="Rectangle 33">
             <a:extLst>
               <a:ext uri="{FF2B5EF4-FFF2-40B4-BE49-F238E27FC236}">
-                <a16:creationId xmlns:a16="http://schemas.microsoft.com/office/drawing/2014/main" xmlns="" id="{AF02D09E-3C25-405E-BF24-A884A07C224A}"/>
+                <a16:creationId xmlns:a16="http://schemas.microsoft.com/office/drawing/2014/main" id="{AF02D09E-3C25-405E-BF24-A884A07C224A}"/>
               </a:ext>
             </a:extLst>
           </p:cNvPr>
@@ -28634,7 +27088,7 @@
           <p:cNvPr id="39" name="Text Placeholder 39">
             <a:extLst>
               <a:ext uri="{FF2B5EF4-FFF2-40B4-BE49-F238E27FC236}">
-                <a16:creationId xmlns:a16="http://schemas.microsoft.com/office/drawing/2014/main" xmlns="" id="{9760B601-DCBC-47C8-95BE-A5DFCCBAD096}"/>
+                <a16:creationId xmlns:a16="http://schemas.microsoft.com/office/drawing/2014/main" id="{9760B601-DCBC-47C8-95BE-A5DFCCBAD096}"/>
               </a:ext>
             </a:extLst>
           </p:cNvPr>
@@ -28711,7 +27165,7 @@
           <p:cNvPr id="35" name="Text Placeholder 39">
             <a:extLst>
               <a:ext uri="{FF2B5EF4-FFF2-40B4-BE49-F238E27FC236}">
-                <a16:creationId xmlns:a16="http://schemas.microsoft.com/office/drawing/2014/main" xmlns="" id="{33BDF68D-A417-4526-95BD-83DC0A4FA5B1}"/>
+                <a16:creationId xmlns:a16="http://schemas.microsoft.com/office/drawing/2014/main" id="{33BDF68D-A417-4526-95BD-83DC0A4FA5B1}"/>
               </a:ext>
             </a:extLst>
           </p:cNvPr>
@@ -28788,7 +27242,7 @@
           <p:cNvPr id="36" name="Rectangle 35">
             <a:extLst>
               <a:ext uri="{FF2B5EF4-FFF2-40B4-BE49-F238E27FC236}">
-                <a16:creationId xmlns:a16="http://schemas.microsoft.com/office/drawing/2014/main" xmlns="" id="{1C6F0F84-9668-4EA8-A3F5-3AD5AED3EFDD}"/>
+                <a16:creationId xmlns:a16="http://schemas.microsoft.com/office/drawing/2014/main" id="{1C6F0F84-9668-4EA8-A3F5-3AD5AED3EFDD}"/>
               </a:ext>
             </a:extLst>
           </p:cNvPr>
@@ -28842,7 +27296,7 @@
           <p:cNvPr id="47" name="Rectangle 46">
             <a:extLst>
               <a:ext uri="{FF2B5EF4-FFF2-40B4-BE49-F238E27FC236}">
-                <a16:creationId xmlns:a16="http://schemas.microsoft.com/office/drawing/2014/main" xmlns="" id="{19CCCFCB-4EAD-47A3-8F4A-307EE022DD53}"/>
+                <a16:creationId xmlns:a16="http://schemas.microsoft.com/office/drawing/2014/main" id="{19CCCFCB-4EAD-47A3-8F4A-307EE022DD53}"/>
               </a:ext>
             </a:extLst>
           </p:cNvPr>
@@ -28896,7 +27350,7 @@
           <p:cNvPr id="49" name="Text Placeholder 39">
             <a:extLst>
               <a:ext uri="{FF2B5EF4-FFF2-40B4-BE49-F238E27FC236}">
-                <a16:creationId xmlns:a16="http://schemas.microsoft.com/office/drawing/2014/main" xmlns="" id="{058CD71F-A7E3-4F68-ADE3-4E6B1BAE3129}"/>
+                <a16:creationId xmlns:a16="http://schemas.microsoft.com/office/drawing/2014/main" id="{058CD71F-A7E3-4F68-ADE3-4E6B1BAE3129}"/>
               </a:ext>
             </a:extLst>
           </p:cNvPr>
@@ -28973,7 +27427,7 @@
           <p:cNvPr id="50" name="Text Placeholder 39">
             <a:extLst>
               <a:ext uri="{FF2B5EF4-FFF2-40B4-BE49-F238E27FC236}">
-                <a16:creationId xmlns:a16="http://schemas.microsoft.com/office/drawing/2014/main" xmlns="" id="{6EC40EC2-3775-4AF2-965D-0235107D8342}"/>
+                <a16:creationId xmlns:a16="http://schemas.microsoft.com/office/drawing/2014/main" id="{6EC40EC2-3775-4AF2-965D-0235107D8342}"/>
               </a:ext>
             </a:extLst>
           </p:cNvPr>
@@ -29050,7 +27504,7 @@
           <p:cNvPr id="51" name="Picture Placeholder 33">
             <a:extLst>
               <a:ext uri="{FF2B5EF4-FFF2-40B4-BE49-F238E27FC236}">
-                <a16:creationId xmlns:a16="http://schemas.microsoft.com/office/drawing/2014/main" xmlns="" id="{F196EA03-E36C-4E2A-A82F-8FA76EC2DBFC}"/>
+                <a16:creationId xmlns:a16="http://schemas.microsoft.com/office/drawing/2014/main" id="{F196EA03-E36C-4E2A-A82F-8FA76EC2DBFC}"/>
               </a:ext>
             </a:extLst>
           </p:cNvPr>
@@ -29095,7 +27549,7 @@
           <p:cNvPr id="52" name="Picture Placeholder 33">
             <a:extLst>
               <a:ext uri="{FF2B5EF4-FFF2-40B4-BE49-F238E27FC236}">
-                <a16:creationId xmlns:a16="http://schemas.microsoft.com/office/drawing/2014/main" xmlns="" id="{9A754FAD-4B3A-4A76-9F0D-84DA72FD822B}"/>
+                <a16:creationId xmlns:a16="http://schemas.microsoft.com/office/drawing/2014/main" id="{9A754FAD-4B3A-4A76-9F0D-84DA72FD822B}"/>
               </a:ext>
             </a:extLst>
           </p:cNvPr>
@@ -29140,7 +27594,7 @@
           <p:cNvPr id="53" name="Picture Placeholder 33">
             <a:extLst>
               <a:ext uri="{FF2B5EF4-FFF2-40B4-BE49-F238E27FC236}">
-                <a16:creationId xmlns:a16="http://schemas.microsoft.com/office/drawing/2014/main" xmlns="" id="{7A45718F-1012-47C4-BF29-7462E5C6CB90}"/>
+                <a16:creationId xmlns:a16="http://schemas.microsoft.com/office/drawing/2014/main" id="{7A45718F-1012-47C4-BF29-7462E5C6CB90}"/>
               </a:ext>
             </a:extLst>
           </p:cNvPr>
@@ -29183,7 +27637,7 @@
     </p:spTree>
     <p:extLst>
       <p:ext uri="{BB962C8B-B14F-4D97-AF65-F5344CB8AC3E}">
-        <p14:creationId xmlns:p14="http://schemas.microsoft.com/office/powerpoint/2010/main" xmlns="" val="627732245"/>
+        <p14:creationId xmlns:p14="http://schemas.microsoft.com/office/powerpoint/2010/main" val="627732245"/>
       </p:ext>
     </p:extLst>
   </p:cSld>
@@ -29215,7 +27669,7 @@
           <p:cNvPr id="23" name="Rectangle 22">
             <a:extLst>
               <a:ext uri="{FF2B5EF4-FFF2-40B4-BE49-F238E27FC236}">
-                <a16:creationId xmlns:a16="http://schemas.microsoft.com/office/drawing/2014/main" xmlns="" id="{FBB81E01-55F6-44A7-8ACB-B172EA0F9FB3}"/>
+                <a16:creationId xmlns:a16="http://schemas.microsoft.com/office/drawing/2014/main" id="{FBB81E01-55F6-44A7-8ACB-B172EA0F9FB3}"/>
               </a:ext>
             </a:extLst>
           </p:cNvPr>
@@ -29267,7 +27721,7 @@
           <p:cNvPr id="26" name="Rectangle 25">
             <a:extLst>
               <a:ext uri="{FF2B5EF4-FFF2-40B4-BE49-F238E27FC236}">
-                <a16:creationId xmlns:a16="http://schemas.microsoft.com/office/drawing/2014/main" xmlns="" id="{FAD85DF7-0BE8-4B88-98A1-F5062CDAA964}"/>
+                <a16:creationId xmlns:a16="http://schemas.microsoft.com/office/drawing/2014/main" id="{FAD85DF7-0BE8-4B88-98A1-F5062CDAA964}"/>
               </a:ext>
             </a:extLst>
           </p:cNvPr>
@@ -29319,7 +27773,7 @@
           <p:cNvPr id="27" name="Rectangle 26">
             <a:extLst>
               <a:ext uri="{FF2B5EF4-FFF2-40B4-BE49-F238E27FC236}">
-                <a16:creationId xmlns:a16="http://schemas.microsoft.com/office/drawing/2014/main" xmlns="" id="{DF69394C-95D0-4D10-A34D-A35EF27D2806}"/>
+                <a16:creationId xmlns:a16="http://schemas.microsoft.com/office/drawing/2014/main" id="{DF69394C-95D0-4D10-A34D-A35EF27D2806}"/>
               </a:ext>
             </a:extLst>
           </p:cNvPr>
@@ -29371,7 +27825,7 @@
           <p:cNvPr id="32" name="Rectangle 31">
             <a:extLst>
               <a:ext uri="{FF2B5EF4-FFF2-40B4-BE49-F238E27FC236}">
-                <a16:creationId xmlns:a16="http://schemas.microsoft.com/office/drawing/2014/main" xmlns="" id="{86DBF753-694A-4503-A33B-73C09E8EE3A5}"/>
+                <a16:creationId xmlns:a16="http://schemas.microsoft.com/office/drawing/2014/main" id="{86DBF753-694A-4503-A33B-73C09E8EE3A5}"/>
               </a:ext>
             </a:extLst>
           </p:cNvPr>
@@ -29423,7 +27877,7 @@
           <p:cNvPr id="2" name="Title 1">
             <a:extLst>
               <a:ext uri="{FF2B5EF4-FFF2-40B4-BE49-F238E27FC236}">
-                <a16:creationId xmlns:a16="http://schemas.microsoft.com/office/drawing/2014/main" xmlns="" id="{BADB3C88-F13B-4B5F-920D-B4EFFAA592E5}"/>
+                <a16:creationId xmlns:a16="http://schemas.microsoft.com/office/drawing/2014/main" id="{BADB3C88-F13B-4B5F-920D-B4EFFAA592E5}"/>
               </a:ext>
             </a:extLst>
           </p:cNvPr>
@@ -29457,7 +27911,7 @@
           <p:cNvPr id="17" name="Slide Number Placeholder 4">
             <a:extLst>
               <a:ext uri="{FF2B5EF4-FFF2-40B4-BE49-F238E27FC236}">
-                <a16:creationId xmlns:a16="http://schemas.microsoft.com/office/drawing/2014/main" xmlns="" id="{76336E3A-55EE-4423-B1AA-7489CA988813}"/>
+                <a16:creationId xmlns:a16="http://schemas.microsoft.com/office/drawing/2014/main" id="{76336E3A-55EE-4423-B1AA-7489CA988813}"/>
               </a:ext>
             </a:extLst>
           </p:cNvPr>
@@ -29492,7 +27946,7 @@
           <p:cNvPr id="24" name="Straight Connector 23">
             <a:extLst>
               <a:ext uri="{FF2B5EF4-FFF2-40B4-BE49-F238E27FC236}">
-                <a16:creationId xmlns:a16="http://schemas.microsoft.com/office/drawing/2014/main" xmlns="" id="{0C61EA57-B8EA-4589-A9DD-E25F300D5AFD}"/>
+                <a16:creationId xmlns:a16="http://schemas.microsoft.com/office/drawing/2014/main" id="{0C61EA57-B8EA-4589-A9DD-E25F300D5AFD}"/>
               </a:ext>
             </a:extLst>
           </p:cNvPr>
@@ -29533,7 +27987,7 @@
           <p:cNvPr id="43" name="Picture Placeholder 33">
             <a:extLst>
               <a:ext uri="{FF2B5EF4-FFF2-40B4-BE49-F238E27FC236}">
-                <a16:creationId xmlns:a16="http://schemas.microsoft.com/office/drawing/2014/main" xmlns="" id="{1644FD94-AD03-4C4F-A1A5-085DD8F56646}"/>
+                <a16:creationId xmlns:a16="http://schemas.microsoft.com/office/drawing/2014/main" id="{1644FD94-AD03-4C4F-A1A5-085DD8F56646}"/>
               </a:ext>
             </a:extLst>
           </p:cNvPr>
@@ -29578,7 +28032,7 @@
           <p:cNvPr id="28" name="Picture Placeholder 33">
             <a:extLst>
               <a:ext uri="{FF2B5EF4-FFF2-40B4-BE49-F238E27FC236}">
-                <a16:creationId xmlns:a16="http://schemas.microsoft.com/office/drawing/2014/main" xmlns="" id="{85BB27A3-DB87-46F4-8CA4-3C04A088E787}"/>
+                <a16:creationId xmlns:a16="http://schemas.microsoft.com/office/drawing/2014/main" id="{85BB27A3-DB87-46F4-8CA4-3C04A088E787}"/>
               </a:ext>
             </a:extLst>
           </p:cNvPr>
@@ -29623,7 +28077,7 @@
           <p:cNvPr id="29" name="Picture Placeholder 33">
             <a:extLst>
               <a:ext uri="{FF2B5EF4-FFF2-40B4-BE49-F238E27FC236}">
-                <a16:creationId xmlns:a16="http://schemas.microsoft.com/office/drawing/2014/main" xmlns="" id="{F356E399-83ED-4937-A1CC-F591866C0E8C}"/>
+                <a16:creationId xmlns:a16="http://schemas.microsoft.com/office/drawing/2014/main" id="{F356E399-83ED-4937-A1CC-F591866C0E8C}"/>
               </a:ext>
             </a:extLst>
           </p:cNvPr>
@@ -29668,7 +28122,7 @@
           <p:cNvPr id="30" name="Picture Placeholder 33">
             <a:extLst>
               <a:ext uri="{FF2B5EF4-FFF2-40B4-BE49-F238E27FC236}">
-                <a16:creationId xmlns:a16="http://schemas.microsoft.com/office/drawing/2014/main" xmlns="" id="{0967254B-CF1D-4F0D-A7F6-EC4E117B7509}"/>
+                <a16:creationId xmlns:a16="http://schemas.microsoft.com/office/drawing/2014/main" id="{0967254B-CF1D-4F0D-A7F6-EC4E117B7509}"/>
               </a:ext>
             </a:extLst>
           </p:cNvPr>
@@ -29713,7 +28167,7 @@
           <p:cNvPr id="31" name="Text Placeholder 39">
             <a:extLst>
               <a:ext uri="{FF2B5EF4-FFF2-40B4-BE49-F238E27FC236}">
-                <a16:creationId xmlns:a16="http://schemas.microsoft.com/office/drawing/2014/main" xmlns="" id="{0CEF6C35-6F7B-43AD-9E4D-44C2F8A7DFAC}"/>
+                <a16:creationId xmlns:a16="http://schemas.microsoft.com/office/drawing/2014/main" id="{0CEF6C35-6F7B-43AD-9E4D-44C2F8A7DFAC}"/>
               </a:ext>
             </a:extLst>
           </p:cNvPr>
@@ -29791,7 +28245,7 @@
           <p:cNvPr id="33" name="Text Placeholder 39">
             <a:extLst>
               <a:ext uri="{FF2B5EF4-FFF2-40B4-BE49-F238E27FC236}">
-                <a16:creationId xmlns:a16="http://schemas.microsoft.com/office/drawing/2014/main" xmlns="" id="{44EF032C-161A-4C58-B624-66488C255E1F}"/>
+                <a16:creationId xmlns:a16="http://schemas.microsoft.com/office/drawing/2014/main" id="{44EF032C-161A-4C58-B624-66488C255E1F}"/>
               </a:ext>
             </a:extLst>
           </p:cNvPr>
@@ -29869,7 +28323,7 @@
           <p:cNvPr id="37" name="Text Placeholder 39">
             <a:extLst>
               <a:ext uri="{FF2B5EF4-FFF2-40B4-BE49-F238E27FC236}">
-                <a16:creationId xmlns:a16="http://schemas.microsoft.com/office/drawing/2014/main" xmlns="" id="{ACF86334-F4A8-4CCD-944F-524700CD8386}"/>
+                <a16:creationId xmlns:a16="http://schemas.microsoft.com/office/drawing/2014/main" id="{ACF86334-F4A8-4CCD-944F-524700CD8386}"/>
               </a:ext>
             </a:extLst>
           </p:cNvPr>
@@ -29947,7 +28401,7 @@
           <p:cNvPr id="38" name="Text Placeholder 39">
             <a:extLst>
               <a:ext uri="{FF2B5EF4-FFF2-40B4-BE49-F238E27FC236}">
-                <a16:creationId xmlns:a16="http://schemas.microsoft.com/office/drawing/2014/main" xmlns="" id="{135B4AC9-821C-4D70-8A4A-1992394DE432}"/>
+                <a16:creationId xmlns:a16="http://schemas.microsoft.com/office/drawing/2014/main" id="{135B4AC9-821C-4D70-8A4A-1992394DE432}"/>
               </a:ext>
             </a:extLst>
           </p:cNvPr>
@@ -30025,7 +28479,7 @@
           <p:cNvPr id="40" name="Text Placeholder 39">
             <a:extLst>
               <a:ext uri="{FF2B5EF4-FFF2-40B4-BE49-F238E27FC236}">
-                <a16:creationId xmlns:a16="http://schemas.microsoft.com/office/drawing/2014/main" xmlns="" id="{D2CF516C-7598-43D3-95E9-5633F8F4469B}"/>
+                <a16:creationId xmlns:a16="http://schemas.microsoft.com/office/drawing/2014/main" id="{D2CF516C-7598-43D3-95E9-5633F8F4469B}"/>
               </a:ext>
             </a:extLst>
           </p:cNvPr>
@@ -30103,7 +28557,7 @@
           <p:cNvPr id="41" name="Text Placeholder 39">
             <a:extLst>
               <a:ext uri="{FF2B5EF4-FFF2-40B4-BE49-F238E27FC236}">
-                <a16:creationId xmlns:a16="http://schemas.microsoft.com/office/drawing/2014/main" xmlns="" id="{12A6084C-5383-4EFC-8D49-33C5B61E6492}"/>
+                <a16:creationId xmlns:a16="http://schemas.microsoft.com/office/drawing/2014/main" id="{12A6084C-5383-4EFC-8D49-33C5B61E6492}"/>
               </a:ext>
             </a:extLst>
           </p:cNvPr>
@@ -30181,7 +28635,7 @@
           <p:cNvPr id="42" name="Text Placeholder 39">
             <a:extLst>
               <a:ext uri="{FF2B5EF4-FFF2-40B4-BE49-F238E27FC236}">
-                <a16:creationId xmlns:a16="http://schemas.microsoft.com/office/drawing/2014/main" xmlns="" id="{EFC5493B-D3CF-41B9-A996-7FBE932504B8}"/>
+                <a16:creationId xmlns:a16="http://schemas.microsoft.com/office/drawing/2014/main" id="{EFC5493B-D3CF-41B9-A996-7FBE932504B8}"/>
               </a:ext>
             </a:extLst>
           </p:cNvPr>
@@ -30259,7 +28713,7 @@
           <p:cNvPr id="44" name="Text Placeholder 39">
             <a:extLst>
               <a:ext uri="{FF2B5EF4-FFF2-40B4-BE49-F238E27FC236}">
-                <a16:creationId xmlns:a16="http://schemas.microsoft.com/office/drawing/2014/main" xmlns="" id="{33A98F60-C169-44C1-9654-2239C9C1F29A}"/>
+                <a16:creationId xmlns:a16="http://schemas.microsoft.com/office/drawing/2014/main" id="{33A98F60-C169-44C1-9654-2239C9C1F29A}"/>
               </a:ext>
             </a:extLst>
           </p:cNvPr>
@@ -30335,7 +28789,7 @@
     </p:spTree>
     <p:extLst>
       <p:ext uri="{BB962C8B-B14F-4D97-AF65-F5344CB8AC3E}">
-        <p14:creationId xmlns:p14="http://schemas.microsoft.com/office/powerpoint/2010/main" xmlns="" val="565382800"/>
+        <p14:creationId xmlns:p14="http://schemas.microsoft.com/office/powerpoint/2010/main" val="565382800"/>
       </p:ext>
     </p:extLst>
   </p:cSld>
@@ -30367,7 +28821,7 @@
           <p:cNvPr id="2" name="Title 1">
             <a:extLst>
               <a:ext uri="{FF2B5EF4-FFF2-40B4-BE49-F238E27FC236}">
-                <a16:creationId xmlns:a16="http://schemas.microsoft.com/office/drawing/2014/main" xmlns="" id="{BADB3C88-F13B-4B5F-920D-B4EFFAA592E5}"/>
+                <a16:creationId xmlns:a16="http://schemas.microsoft.com/office/drawing/2014/main" id="{BADB3C88-F13B-4B5F-920D-B4EFFAA592E5}"/>
               </a:ext>
             </a:extLst>
           </p:cNvPr>
@@ -30401,7 +28855,7 @@
           <p:cNvPr id="17" name="Slide Number Placeholder 4">
             <a:extLst>
               <a:ext uri="{FF2B5EF4-FFF2-40B4-BE49-F238E27FC236}">
-                <a16:creationId xmlns:a16="http://schemas.microsoft.com/office/drawing/2014/main" xmlns="" id="{76336E3A-55EE-4423-B1AA-7489CA988813}"/>
+                <a16:creationId xmlns:a16="http://schemas.microsoft.com/office/drawing/2014/main" id="{76336E3A-55EE-4423-B1AA-7489CA988813}"/>
               </a:ext>
             </a:extLst>
           </p:cNvPr>
@@ -30436,7 +28890,7 @@
           <p:cNvPr id="24" name="Straight Connector 23">
             <a:extLst>
               <a:ext uri="{FF2B5EF4-FFF2-40B4-BE49-F238E27FC236}">
-                <a16:creationId xmlns:a16="http://schemas.microsoft.com/office/drawing/2014/main" xmlns="" id="{0C61EA57-B8EA-4589-A9DD-E25F300D5AFD}"/>
+                <a16:creationId xmlns:a16="http://schemas.microsoft.com/office/drawing/2014/main" id="{0C61EA57-B8EA-4589-A9DD-E25F300D5AFD}"/>
               </a:ext>
             </a:extLst>
           </p:cNvPr>
@@ -30477,7 +28931,7 @@
           <p:cNvPr id="4" name="Chart Placeholder 3">
             <a:extLst>
               <a:ext uri="{FF2B5EF4-FFF2-40B4-BE49-F238E27FC236}">
-                <a16:creationId xmlns:a16="http://schemas.microsoft.com/office/drawing/2014/main" xmlns="" id="{56084AEC-DB39-4367-A213-BB2FE4AD38BE}"/>
+                <a16:creationId xmlns:a16="http://schemas.microsoft.com/office/drawing/2014/main" id="{56084AEC-DB39-4367-A213-BB2FE4AD38BE}"/>
               </a:ext>
             </a:extLst>
           </p:cNvPr>
@@ -30516,7 +28970,7 @@
     </p:spTree>
     <p:extLst>
       <p:ext uri="{BB962C8B-B14F-4D97-AF65-F5344CB8AC3E}">
-        <p14:creationId xmlns:p14="http://schemas.microsoft.com/office/powerpoint/2010/main" xmlns="" val="2589529795"/>
+        <p14:creationId xmlns:p14="http://schemas.microsoft.com/office/powerpoint/2010/main" val="2589529795"/>
       </p:ext>
     </p:extLst>
   </p:cSld>
@@ -30548,7 +29002,7 @@
           <p:cNvPr id="2" name="Title 1">
             <a:extLst>
               <a:ext uri="{FF2B5EF4-FFF2-40B4-BE49-F238E27FC236}">
-                <a16:creationId xmlns:a16="http://schemas.microsoft.com/office/drawing/2014/main" xmlns="" id="{BADB3C88-F13B-4B5F-920D-B4EFFAA592E5}"/>
+                <a16:creationId xmlns:a16="http://schemas.microsoft.com/office/drawing/2014/main" id="{BADB3C88-F13B-4B5F-920D-B4EFFAA592E5}"/>
               </a:ext>
             </a:extLst>
           </p:cNvPr>
@@ -30582,7 +29036,7 @@
           <p:cNvPr id="17" name="Slide Number Placeholder 4">
             <a:extLst>
               <a:ext uri="{FF2B5EF4-FFF2-40B4-BE49-F238E27FC236}">
-                <a16:creationId xmlns:a16="http://schemas.microsoft.com/office/drawing/2014/main" xmlns="" id="{76336E3A-55EE-4423-B1AA-7489CA988813}"/>
+                <a16:creationId xmlns:a16="http://schemas.microsoft.com/office/drawing/2014/main" id="{76336E3A-55EE-4423-B1AA-7489CA988813}"/>
               </a:ext>
             </a:extLst>
           </p:cNvPr>
@@ -30617,7 +29071,7 @@
           <p:cNvPr id="24" name="Straight Connector 23">
             <a:extLst>
               <a:ext uri="{FF2B5EF4-FFF2-40B4-BE49-F238E27FC236}">
-                <a16:creationId xmlns:a16="http://schemas.microsoft.com/office/drawing/2014/main" xmlns="" id="{0C61EA57-B8EA-4589-A9DD-E25F300D5AFD}"/>
+                <a16:creationId xmlns:a16="http://schemas.microsoft.com/office/drawing/2014/main" id="{0C61EA57-B8EA-4589-A9DD-E25F300D5AFD}"/>
               </a:ext>
             </a:extLst>
           </p:cNvPr>
@@ -30658,7 +29112,7 @@
           <p:cNvPr id="4" name="Chart Placeholder 3">
             <a:extLst>
               <a:ext uri="{FF2B5EF4-FFF2-40B4-BE49-F238E27FC236}">
-                <a16:creationId xmlns:a16="http://schemas.microsoft.com/office/drawing/2014/main" xmlns="" id="{56084AEC-DB39-4367-A213-BB2FE4AD38BE}"/>
+                <a16:creationId xmlns:a16="http://schemas.microsoft.com/office/drawing/2014/main" id="{56084AEC-DB39-4367-A213-BB2FE4AD38BE}"/>
               </a:ext>
             </a:extLst>
           </p:cNvPr>
@@ -30699,7 +29153,7 @@
           <p:cNvPr id="5" name="Picture Placeholder 4">
             <a:extLst>
               <a:ext uri="{FF2B5EF4-FFF2-40B4-BE49-F238E27FC236}">
-                <a16:creationId xmlns:a16="http://schemas.microsoft.com/office/drawing/2014/main" xmlns="" id="{F1D1D3DC-359F-47D3-A498-6E5DEF615BD3}"/>
+                <a16:creationId xmlns:a16="http://schemas.microsoft.com/office/drawing/2014/main" id="{F1D1D3DC-359F-47D3-A498-6E5DEF615BD3}"/>
               </a:ext>
             </a:extLst>
           </p:cNvPr>
@@ -30738,7 +29192,7 @@
     </p:spTree>
     <p:extLst>
       <p:ext uri="{BB962C8B-B14F-4D97-AF65-F5344CB8AC3E}">
-        <p14:creationId xmlns:p14="http://schemas.microsoft.com/office/powerpoint/2010/main" xmlns="" val="3840593002"/>
+        <p14:creationId xmlns:p14="http://schemas.microsoft.com/office/powerpoint/2010/main" val="3840593002"/>
       </p:ext>
     </p:extLst>
   </p:cSld>
@@ -30770,7 +29224,7 @@
           <p:cNvPr id="2" name="Title 1">
             <a:extLst>
               <a:ext uri="{FF2B5EF4-FFF2-40B4-BE49-F238E27FC236}">
-                <a16:creationId xmlns:a16="http://schemas.microsoft.com/office/drawing/2014/main" xmlns="" id="{BADB3C88-F13B-4B5F-920D-B4EFFAA592E5}"/>
+                <a16:creationId xmlns:a16="http://schemas.microsoft.com/office/drawing/2014/main" id="{BADB3C88-F13B-4B5F-920D-B4EFFAA592E5}"/>
               </a:ext>
             </a:extLst>
           </p:cNvPr>
@@ -30804,7 +29258,7 @@
           <p:cNvPr id="17" name="Slide Number Placeholder 4">
             <a:extLst>
               <a:ext uri="{FF2B5EF4-FFF2-40B4-BE49-F238E27FC236}">
-                <a16:creationId xmlns:a16="http://schemas.microsoft.com/office/drawing/2014/main" xmlns="" id="{76336E3A-55EE-4423-B1AA-7489CA988813}"/>
+                <a16:creationId xmlns:a16="http://schemas.microsoft.com/office/drawing/2014/main" id="{76336E3A-55EE-4423-B1AA-7489CA988813}"/>
               </a:ext>
             </a:extLst>
           </p:cNvPr>
@@ -30839,7 +29293,7 @@
           <p:cNvPr id="24" name="Straight Connector 23">
             <a:extLst>
               <a:ext uri="{FF2B5EF4-FFF2-40B4-BE49-F238E27FC236}">
-                <a16:creationId xmlns:a16="http://schemas.microsoft.com/office/drawing/2014/main" xmlns="" id="{0C61EA57-B8EA-4589-A9DD-E25F300D5AFD}"/>
+                <a16:creationId xmlns:a16="http://schemas.microsoft.com/office/drawing/2014/main" id="{0C61EA57-B8EA-4589-A9DD-E25F300D5AFD}"/>
               </a:ext>
             </a:extLst>
           </p:cNvPr>
@@ -30880,7 +29334,7 @@
           <p:cNvPr id="4" name="Chart Placeholder 3">
             <a:extLst>
               <a:ext uri="{FF2B5EF4-FFF2-40B4-BE49-F238E27FC236}">
-                <a16:creationId xmlns:a16="http://schemas.microsoft.com/office/drawing/2014/main" xmlns="" id="{56084AEC-DB39-4367-A213-BB2FE4AD38BE}"/>
+                <a16:creationId xmlns:a16="http://schemas.microsoft.com/office/drawing/2014/main" id="{56084AEC-DB39-4367-A213-BB2FE4AD38BE}"/>
               </a:ext>
             </a:extLst>
           </p:cNvPr>
@@ -30921,7 +29375,7 @@
           <p:cNvPr id="7" name="Chart Placeholder 3">
             <a:extLst>
               <a:ext uri="{FF2B5EF4-FFF2-40B4-BE49-F238E27FC236}">
-                <a16:creationId xmlns:a16="http://schemas.microsoft.com/office/drawing/2014/main" xmlns="" id="{6750280A-6976-42F9-B984-8601DD1972DC}"/>
+                <a16:creationId xmlns:a16="http://schemas.microsoft.com/office/drawing/2014/main" id="{6750280A-6976-42F9-B984-8601DD1972DC}"/>
               </a:ext>
             </a:extLst>
           </p:cNvPr>
@@ -30962,7 +29416,7 @@
           <p:cNvPr id="6" name="Straight Connector 5">
             <a:extLst>
               <a:ext uri="{FF2B5EF4-FFF2-40B4-BE49-F238E27FC236}">
-                <a16:creationId xmlns:a16="http://schemas.microsoft.com/office/drawing/2014/main" xmlns="" id="{5E63221D-DF23-4F80-AB42-A74C1B1CB425}"/>
+                <a16:creationId xmlns:a16="http://schemas.microsoft.com/office/drawing/2014/main" id="{5E63221D-DF23-4F80-AB42-A74C1B1CB425}"/>
               </a:ext>
             </a:extLst>
           </p:cNvPr>
@@ -31001,7 +29455,7 @@
     </p:spTree>
     <p:extLst>
       <p:ext uri="{BB962C8B-B14F-4D97-AF65-F5344CB8AC3E}">
-        <p14:creationId xmlns:p14="http://schemas.microsoft.com/office/powerpoint/2010/main" xmlns="" val="257739575"/>
+        <p14:creationId xmlns:p14="http://schemas.microsoft.com/office/powerpoint/2010/main" val="257739575"/>
       </p:ext>
     </p:extLst>
   </p:cSld>
@@ -31033,7 +29487,7 @@
           <p:cNvPr id="2" name="Title 1">
             <a:extLst>
               <a:ext uri="{FF2B5EF4-FFF2-40B4-BE49-F238E27FC236}">
-                <a16:creationId xmlns:a16="http://schemas.microsoft.com/office/drawing/2014/main" xmlns="" id="{BADB3C88-F13B-4B5F-920D-B4EFFAA592E5}"/>
+                <a16:creationId xmlns:a16="http://schemas.microsoft.com/office/drawing/2014/main" id="{BADB3C88-F13B-4B5F-920D-B4EFFAA592E5}"/>
               </a:ext>
             </a:extLst>
           </p:cNvPr>
@@ -31067,7 +29521,7 @@
           <p:cNvPr id="17" name="Slide Number Placeholder 4">
             <a:extLst>
               <a:ext uri="{FF2B5EF4-FFF2-40B4-BE49-F238E27FC236}">
-                <a16:creationId xmlns:a16="http://schemas.microsoft.com/office/drawing/2014/main" xmlns="" id="{76336E3A-55EE-4423-B1AA-7489CA988813}"/>
+                <a16:creationId xmlns:a16="http://schemas.microsoft.com/office/drawing/2014/main" id="{76336E3A-55EE-4423-B1AA-7489CA988813}"/>
               </a:ext>
             </a:extLst>
           </p:cNvPr>
@@ -31102,7 +29556,7 @@
           <p:cNvPr id="24" name="Straight Connector 23">
             <a:extLst>
               <a:ext uri="{FF2B5EF4-FFF2-40B4-BE49-F238E27FC236}">
-                <a16:creationId xmlns:a16="http://schemas.microsoft.com/office/drawing/2014/main" xmlns="" id="{0C61EA57-B8EA-4589-A9DD-E25F300D5AFD}"/>
+                <a16:creationId xmlns:a16="http://schemas.microsoft.com/office/drawing/2014/main" id="{0C61EA57-B8EA-4589-A9DD-E25F300D5AFD}"/>
               </a:ext>
             </a:extLst>
           </p:cNvPr>
@@ -31143,7 +29597,7 @@
           <p:cNvPr id="4" name="Chart Placeholder 3">
             <a:extLst>
               <a:ext uri="{FF2B5EF4-FFF2-40B4-BE49-F238E27FC236}">
-                <a16:creationId xmlns:a16="http://schemas.microsoft.com/office/drawing/2014/main" xmlns="" id="{56084AEC-DB39-4367-A213-BB2FE4AD38BE}"/>
+                <a16:creationId xmlns:a16="http://schemas.microsoft.com/office/drawing/2014/main" id="{56084AEC-DB39-4367-A213-BB2FE4AD38BE}"/>
               </a:ext>
             </a:extLst>
           </p:cNvPr>
@@ -31184,7 +29638,7 @@
           <p:cNvPr id="9" name="Chart Placeholder 3">
             <a:extLst>
               <a:ext uri="{FF2B5EF4-FFF2-40B4-BE49-F238E27FC236}">
-                <a16:creationId xmlns:a16="http://schemas.microsoft.com/office/drawing/2014/main" xmlns="" id="{3CC4F2FB-E360-40E2-BDA5-455EB243C216}"/>
+                <a16:creationId xmlns:a16="http://schemas.microsoft.com/office/drawing/2014/main" id="{3CC4F2FB-E360-40E2-BDA5-455EB243C216}"/>
               </a:ext>
             </a:extLst>
           </p:cNvPr>
@@ -31225,7 +29679,7 @@
           <p:cNvPr id="10" name="Chart Placeholder 3">
             <a:extLst>
               <a:ext uri="{FF2B5EF4-FFF2-40B4-BE49-F238E27FC236}">
-                <a16:creationId xmlns:a16="http://schemas.microsoft.com/office/drawing/2014/main" xmlns="" id="{6373EAFD-6648-4861-97FB-A3961B86C814}"/>
+                <a16:creationId xmlns:a16="http://schemas.microsoft.com/office/drawing/2014/main" id="{6373EAFD-6648-4861-97FB-A3961B86C814}"/>
               </a:ext>
             </a:extLst>
           </p:cNvPr>
@@ -31266,7 +29720,7 @@
           <p:cNvPr id="11" name="Chart Placeholder 3">
             <a:extLst>
               <a:ext uri="{FF2B5EF4-FFF2-40B4-BE49-F238E27FC236}">
-                <a16:creationId xmlns:a16="http://schemas.microsoft.com/office/drawing/2014/main" xmlns="" id="{CF0E102C-57E1-46ED-BE41-21C356F42BAD}"/>
+                <a16:creationId xmlns:a16="http://schemas.microsoft.com/office/drawing/2014/main" id="{CF0E102C-57E1-46ED-BE41-21C356F42BAD}"/>
               </a:ext>
             </a:extLst>
           </p:cNvPr>
@@ -31305,7 +29759,7 @@
     </p:spTree>
     <p:extLst>
       <p:ext uri="{BB962C8B-B14F-4D97-AF65-F5344CB8AC3E}">
-        <p14:creationId xmlns:p14="http://schemas.microsoft.com/office/powerpoint/2010/main" xmlns="" val="102084420"/>
+        <p14:creationId xmlns:p14="http://schemas.microsoft.com/office/powerpoint/2010/main" val="102084420"/>
       </p:ext>
     </p:extLst>
   </p:cSld>
@@ -31337,7 +29791,7 @@
           <p:cNvPr id="7" name="Rectangle 6">
             <a:extLst>
               <a:ext uri="{FF2B5EF4-FFF2-40B4-BE49-F238E27FC236}">
-                <a16:creationId xmlns:a16="http://schemas.microsoft.com/office/drawing/2014/main" xmlns="" id="{76607FB0-0FB2-41FD-B334-74C7B05B8CEE}"/>
+                <a16:creationId xmlns:a16="http://schemas.microsoft.com/office/drawing/2014/main" id="{76607FB0-0FB2-41FD-B334-74C7B05B8CEE}"/>
               </a:ext>
             </a:extLst>
           </p:cNvPr>
@@ -31389,7 +29843,7 @@
           <p:cNvPr id="9" name="Picture Placeholder 8">
             <a:extLst>
               <a:ext uri="{FF2B5EF4-FFF2-40B4-BE49-F238E27FC236}">
-                <a16:creationId xmlns:a16="http://schemas.microsoft.com/office/drawing/2014/main" xmlns="" id="{2D02598E-521E-41CD-B068-134834CFF4FF}"/>
+                <a16:creationId xmlns:a16="http://schemas.microsoft.com/office/drawing/2014/main" id="{2D02598E-521E-41CD-B068-134834CFF4FF}"/>
               </a:ext>
             </a:extLst>
           </p:cNvPr>
@@ -31435,7 +29889,7 @@
           <p:cNvPr id="2" name="Title 1">
             <a:extLst>
               <a:ext uri="{FF2B5EF4-FFF2-40B4-BE49-F238E27FC236}">
-                <a16:creationId xmlns:a16="http://schemas.microsoft.com/office/drawing/2014/main" xmlns="" id="{4E8B51C6-9166-4F67-995A-396809E6533C}"/>
+                <a16:creationId xmlns:a16="http://schemas.microsoft.com/office/drawing/2014/main" id="{4E8B51C6-9166-4F67-995A-396809E6533C}"/>
               </a:ext>
             </a:extLst>
           </p:cNvPr>
@@ -31476,7 +29930,7 @@
     </p:spTree>
     <p:extLst>
       <p:ext uri="{BB962C8B-B14F-4D97-AF65-F5344CB8AC3E}">
-        <p14:creationId xmlns:p14="http://schemas.microsoft.com/office/powerpoint/2010/main" xmlns="" val="2757538097"/>
+        <p14:creationId xmlns:p14="http://schemas.microsoft.com/office/powerpoint/2010/main" val="2757538097"/>
       </p:ext>
     </p:extLst>
   </p:cSld>
@@ -31519,10 +29973,9 @@
           <a:lstStyle/>
           <a:p>
             <a:r>
-              <a:rPr kumimoji="0" lang="en-US" smtClean="0"/>
+              <a:rPr kumimoji="0" lang="en-US"/>
               <a:t>Click to edit Master title style</a:t>
             </a:r>
-            <a:endParaRPr kumimoji="0" lang="en-US"/>
           </a:p>
         </p:txBody>
       </p:sp>
@@ -31544,7 +29997,7 @@
             <a:fld id="{64BF4833-09CA-4F95-9AA9-D45BF689F777}" type="datetimeFigureOut">
               <a:rPr lang="en-IN" smtClean="0"/>
               <a:pPr/>
-              <a:t>11-05-2023</a:t>
+              <a:t>23-06-2023</a:t>
             </a:fld>
             <a:endParaRPr lang="en-IN"/>
           </a:p>
@@ -31637,7 +30090,7 @@
             <a:fld id="{64BF4833-09CA-4F95-9AA9-D45BF689F777}" type="datetimeFigureOut">
               <a:rPr lang="en-IN" smtClean="0"/>
               <a:pPr/>
-              <a:t>11-05-2023</a:t>
+              <a:t>23-06-2023</a:t>
             </a:fld>
             <a:endParaRPr lang="en-IN"/>
           </a:p>
@@ -31782,10 +30235,9 @@
           </a:lstStyle>
           <a:p>
             <a:r>
-              <a:rPr kumimoji="0" lang="en-US" smtClean="0"/>
+              <a:rPr kumimoji="0" lang="en-US"/>
               <a:t>Click to edit Master title style</a:t>
             </a:r>
-            <a:endParaRPr kumimoji="0" lang="en-US"/>
           </a:p>
         </p:txBody>
       </p:sp>
@@ -31838,7 +30290,7 @@
           <a:p>
             <a:pPr lvl="0" eaLnBrk="1" latinLnBrk="0" hangingPunct="1"/>
             <a:r>
-              <a:rPr kumimoji="0" lang="en-US" smtClean="0"/>
+              <a:rPr kumimoji="0" lang="en-US"/>
               <a:t>Click to edit Master text styles</a:t>
             </a:r>
           </a:p>
@@ -32104,35 +30556,35 @@
           <a:p>
             <a:pPr lvl="0" eaLnBrk="1" latinLnBrk="0" hangingPunct="1"/>
             <a:r>
-              <a:rPr lang="en-US" smtClean="0"/>
+              <a:rPr lang="en-US"/>
               <a:t>Click to edit Master text styles</a:t>
             </a:r>
           </a:p>
           <a:p>
             <a:pPr lvl="1" eaLnBrk="1" latinLnBrk="0" hangingPunct="1"/>
             <a:r>
-              <a:rPr lang="en-US" smtClean="0"/>
+              <a:rPr lang="en-US"/>
               <a:t>Second level</a:t>
             </a:r>
           </a:p>
           <a:p>
             <a:pPr lvl="2" eaLnBrk="1" latinLnBrk="0" hangingPunct="1"/>
             <a:r>
-              <a:rPr lang="en-US" smtClean="0"/>
+              <a:rPr lang="en-US"/>
               <a:t>Third level</a:t>
             </a:r>
           </a:p>
           <a:p>
             <a:pPr lvl="3" eaLnBrk="1" latinLnBrk="0" hangingPunct="1"/>
             <a:r>
-              <a:rPr lang="en-US" smtClean="0"/>
+              <a:rPr lang="en-US"/>
               <a:t>Fourth level</a:t>
             </a:r>
           </a:p>
           <a:p>
             <a:pPr lvl="4" eaLnBrk="1" latinLnBrk="0" hangingPunct="1"/>
             <a:r>
-              <a:rPr lang="en-US" smtClean="0"/>
+              <a:rPr lang="en-US"/>
               <a:t>Fifth level</a:t>
             </a:r>
             <a:endParaRPr kumimoji="0" lang="en-US"/>
@@ -32157,7 +30609,7 @@
             <a:fld id="{64BF4833-09CA-4F95-9AA9-D45BF689F777}" type="datetimeFigureOut">
               <a:rPr lang="en-IN" smtClean="0"/>
               <a:pPr/>
-              <a:t>11-05-2023</a:t>
+              <a:t>23-06-2023</a:t>
             </a:fld>
             <a:endParaRPr lang="en-IN"/>
           </a:p>
@@ -32338,10 +30790,9 @@
           </a:lstStyle>
           <a:p>
             <a:r>
-              <a:rPr kumimoji="0" lang="en-US" smtClean="0"/>
+              <a:rPr kumimoji="0" lang="en-US"/>
               <a:t>Click to edit Master title style</a:t>
             </a:r>
-            <a:endParaRPr kumimoji="0" lang="en-US"/>
           </a:p>
         </p:txBody>
       </p:sp>
@@ -32397,7 +30848,7 @@
               <a:buNone/>
             </a:pPr>
             <a:r>
-              <a:rPr kumimoji="0" lang="en-US" smtClean="0"/>
+              <a:rPr kumimoji="0" lang="en-US"/>
               <a:t>Click icon to add picture</a:t>
             </a:r>
             <a:endParaRPr kumimoji="0" lang="en-US" dirty="0"/>
@@ -32452,7 +30903,7 @@
           <a:p>
             <a:pPr lvl="0" eaLnBrk="1" latinLnBrk="0" hangingPunct="1"/>
             <a:r>
-              <a:rPr kumimoji="0" lang="en-US" smtClean="0"/>
+              <a:rPr kumimoji="0" lang="en-US"/>
               <a:t>Click to edit Master text styles</a:t>
             </a:r>
           </a:p>
@@ -32670,7 +31121,7 @@
             <a:fld id="{64BF4833-09CA-4F95-9AA9-D45BF689F777}" type="datetimeFigureOut">
               <a:rPr lang="en-IN" smtClean="0"/>
               <a:pPr/>
-              <a:t>11-05-2023</a:t>
+              <a:t>23-06-2023</a:t>
             </a:fld>
             <a:endParaRPr lang="en-IN"/>
           </a:p>
@@ -32814,10 +31265,9 @@
           <a:lstStyle/>
           <a:p>
             <a:r>
-              <a:rPr kumimoji="0" lang="en-US" smtClean="0"/>
+              <a:rPr kumimoji="0" lang="en-US"/>
               <a:t>Click to edit Master title style</a:t>
             </a:r>
-            <a:endParaRPr kumimoji="0" lang="en-US"/>
           </a:p>
         </p:txBody>
       </p:sp>
@@ -32848,38 +31298,37 @@
           <a:p>
             <a:pPr lvl="0" eaLnBrk="1" latinLnBrk="0" hangingPunct="1"/>
             <a:r>
-              <a:rPr kumimoji="0" lang="en-US" smtClean="0"/>
+              <a:rPr kumimoji="0" lang="en-US"/>
               <a:t>Click to edit Master text styles</a:t>
             </a:r>
           </a:p>
           <a:p>
             <a:pPr lvl="1" eaLnBrk="1" latinLnBrk="0" hangingPunct="1"/>
             <a:r>
-              <a:rPr kumimoji="0" lang="en-US" smtClean="0"/>
+              <a:rPr kumimoji="0" lang="en-US"/>
               <a:t>Second level</a:t>
             </a:r>
           </a:p>
           <a:p>
             <a:pPr lvl="2" eaLnBrk="1" latinLnBrk="0" hangingPunct="1"/>
             <a:r>
-              <a:rPr kumimoji="0" lang="en-US" smtClean="0"/>
+              <a:rPr kumimoji="0" lang="en-US"/>
               <a:t>Third level</a:t>
             </a:r>
           </a:p>
           <a:p>
             <a:pPr lvl="3" eaLnBrk="1" latinLnBrk="0" hangingPunct="1"/>
             <a:r>
-              <a:rPr kumimoji="0" lang="en-US" smtClean="0"/>
+              <a:rPr kumimoji="0" lang="en-US"/>
               <a:t>Fourth level</a:t>
             </a:r>
           </a:p>
           <a:p>
             <a:pPr lvl="4" eaLnBrk="1" latinLnBrk="0" hangingPunct="1"/>
             <a:r>
-              <a:rPr kumimoji="0" lang="en-US" smtClean="0"/>
+              <a:rPr kumimoji="0" lang="en-US"/>
               <a:t>Fifth level</a:t>
             </a:r>
-            <a:endParaRPr kumimoji="0" lang="en-US"/>
           </a:p>
         </p:txBody>
       </p:sp>
@@ -32917,7 +31366,7 @@
             <a:fld id="{64BF4833-09CA-4F95-9AA9-D45BF689F777}" type="datetimeFigureOut">
               <a:rPr lang="en-IN" smtClean="0"/>
               <a:pPr/>
-              <a:t>11-05-2023</a:t>
+              <a:t>23-06-2023</a:t>
             </a:fld>
             <a:endParaRPr lang="en-IN"/>
           </a:p>
@@ -33205,7 +31654,7 @@
           <p:cNvPr id="15" name="Rectangle 14">
             <a:extLst>
               <a:ext uri="{FF2B5EF4-FFF2-40B4-BE49-F238E27FC236}">
-                <a16:creationId xmlns:a16="http://schemas.microsoft.com/office/drawing/2014/main" xmlns="" id="{A3BC3459-A353-4F9B-8C87-A98FF9397256}"/>
+                <a16:creationId xmlns:a16="http://schemas.microsoft.com/office/drawing/2014/main" id="{A3BC3459-A353-4F9B-8C87-A98FF9397256}"/>
               </a:ext>
             </a:extLst>
           </p:cNvPr>
@@ -33257,7 +31706,7 @@
           <p:cNvPr id="17" name="Rectangle 16">
             <a:extLst>
               <a:ext uri="{FF2B5EF4-FFF2-40B4-BE49-F238E27FC236}">
-                <a16:creationId xmlns:a16="http://schemas.microsoft.com/office/drawing/2014/main" xmlns="" id="{EE49F491-898E-4BB1-8BB9-BEBFACF27F4E}"/>
+                <a16:creationId xmlns:a16="http://schemas.microsoft.com/office/drawing/2014/main" id="{EE49F491-898E-4BB1-8BB9-BEBFACF27F4E}"/>
               </a:ext>
             </a:extLst>
           </p:cNvPr>
@@ -33681,7 +32130,7 @@
           <p:cNvPr id="10" name="Picture Placeholder 9">
             <a:extLst>
               <a:ext uri="{FF2B5EF4-FFF2-40B4-BE49-F238E27FC236}">
-                <a16:creationId xmlns:a16="http://schemas.microsoft.com/office/drawing/2014/main" xmlns="" id="{26EBDBA8-B5EE-45FE-B1E4-9CE2C8C17EB9}"/>
+                <a16:creationId xmlns:a16="http://schemas.microsoft.com/office/drawing/2014/main" id="{26EBDBA8-B5EE-45FE-B1E4-9CE2C8C17EB9}"/>
               </a:ext>
             </a:extLst>
           </p:cNvPr>
@@ -33711,7 +32160,7 @@
           <p:cNvPr id="3" name="Title 2">
             <a:extLst>
               <a:ext uri="{FF2B5EF4-FFF2-40B4-BE49-F238E27FC236}">
-                <a16:creationId xmlns:a16="http://schemas.microsoft.com/office/drawing/2014/main" xmlns="" id="{3D71C9CD-CAE8-4AC8-936D-333769D479E5}"/>
+                <a16:creationId xmlns:a16="http://schemas.microsoft.com/office/drawing/2014/main" id="{3D71C9CD-CAE8-4AC8-936D-333769D479E5}"/>
               </a:ext>
             </a:extLst>
           </p:cNvPr>
@@ -33735,29 +32184,25 @@
           <a:lstStyle/>
           <a:p>
             <a:r>
-              <a:rPr lang="en-US" dirty="0" smtClean="0">
+              <a:rPr lang="en-US" dirty="0">
                 <a:latin typeface="Times New Roman" pitchFamily="18" charset="0"/>
                 <a:cs typeface="Times New Roman" pitchFamily="18" charset="0"/>
               </a:rPr>
               <a:t>PRESENTATION ON TECHIFYINDIA</a:t>
             </a:r>
             <a:br>
-              <a:rPr lang="en-US" dirty="0" smtClean="0">
+              <a:rPr lang="en-US" dirty="0">
                 <a:latin typeface="Times New Roman" pitchFamily="18" charset="0"/>
                 <a:cs typeface="Times New Roman" pitchFamily="18" charset="0"/>
               </a:rPr>
             </a:br>
             <a:r>
-              <a:rPr lang="en-US" dirty="0" smtClean="0">
+              <a:rPr lang="en-US" dirty="0">
                 <a:latin typeface="Times New Roman" pitchFamily="18" charset="0"/>
                 <a:cs typeface="Times New Roman" pitchFamily="18" charset="0"/>
               </a:rPr>
               <a:t>ORGANIZATION </a:t>
             </a:r>
-            <a:endParaRPr lang="en-US" dirty="0">
-              <a:latin typeface="Times New Roman" pitchFamily="18" charset="0"/>
-              <a:cs typeface="Times New Roman" pitchFamily="18" charset="0"/>
-            </a:endParaRPr>
           </a:p>
         </p:txBody>
       </p:sp>
@@ -33766,7 +32211,7 @@
           <p:cNvPr id="4" name="Subtitle 3">
             <a:extLst>
               <a:ext uri="{FF2B5EF4-FFF2-40B4-BE49-F238E27FC236}">
-                <a16:creationId xmlns:a16="http://schemas.microsoft.com/office/drawing/2014/main" xmlns="" id="{C6D24F99-E026-485A-96CD-AEC98137262A}"/>
+                <a16:creationId xmlns:a16="http://schemas.microsoft.com/office/drawing/2014/main" id="{C6D24F99-E026-485A-96CD-AEC98137262A}"/>
               </a:ext>
             </a:extLst>
           </p:cNvPr>
@@ -33794,33 +32239,28 @@
               <a:t>		</a:t>
             </a:r>
             <a:r>
-              <a:rPr lang="en-US" sz="2000" b="1" dirty="0" err="1" smtClean="0"/>
+              <a:rPr lang="en-US" sz="2000" b="1" dirty="0" err="1"/>
               <a:t>maiboobsab</a:t>
             </a:r>
             <a:r>
-              <a:rPr lang="en-US" sz="2000" b="1" dirty="0" smtClean="0"/>
+              <a:rPr lang="en-US" sz="2000" b="1" dirty="0"/>
               <a:t> </a:t>
             </a:r>
             <a:r>
-              <a:rPr lang="en-US" sz="2000" b="1" dirty="0" err="1" smtClean="0"/>
+              <a:rPr lang="en-US" sz="2000" b="1" dirty="0" err="1"/>
               <a:t>nadaf</a:t>
             </a:r>
             <a:r>
               <a:rPr lang="en-US" sz="2000" b="1" dirty="0"/>
-              <a:t>			</a:t>
-            </a:r>
-            <a:r>
-              <a:rPr lang="en-US" sz="2000" b="1" dirty="0" smtClean="0"/>
-              <a:t>393CS20009</a:t>
-            </a:r>
-            <a:endParaRPr lang="en-US" sz="2000" b="1" dirty="0"/>
+              <a:t>			393CS20009</a:t>
+            </a:r>
           </a:p>
         </p:txBody>
       </p:sp>
     </p:spTree>
     <p:extLst>
       <p:ext uri="{BB962C8B-B14F-4D97-AF65-F5344CB8AC3E}">
-        <p14:creationId xmlns:p14="http://schemas.microsoft.com/office/powerpoint/2010/main" xmlns="" val="1495496538"/>
+        <p14:creationId xmlns:p14="http://schemas.microsoft.com/office/powerpoint/2010/main" val="1495496538"/>
       </p:ext>
     </p:extLst>
   </p:cSld>
@@ -33852,7 +32292,7 @@
           <p:cNvPr id="2" name="Slide Number Placeholder 1">
             <a:extLst>
               <a:ext uri="{FF2B5EF4-FFF2-40B4-BE49-F238E27FC236}">
-                <a16:creationId xmlns:a16="http://schemas.microsoft.com/office/drawing/2014/main" xmlns="" id="{7EAB17F8-59B5-4C93-9884-D30446299CA5}"/>
+                <a16:creationId xmlns:a16="http://schemas.microsoft.com/office/drawing/2014/main" id="{7EAB17F8-59B5-4C93-9884-D30446299CA5}"/>
               </a:ext>
             </a:extLst>
           </p:cNvPr>
@@ -33887,10 +32327,10 @@
           <p:cNvPr id="22" name="Picture Placeholder 21">
             <a:extLst>
               <a:ext uri="{FF2B5EF4-FFF2-40B4-BE49-F238E27FC236}">
-                <a16:creationId xmlns:a16="http://schemas.microsoft.com/office/drawing/2014/main" xmlns="" id="{0F5C8F58-81B2-4162-9563-70C679CF85F2}"/>
+                <a16:creationId xmlns:a16="http://schemas.microsoft.com/office/drawing/2014/main" id="{0F5C8F58-81B2-4162-9563-70C679CF85F2}"/>
               </a:ext>
               <a:ext uri="{C183D7F6-B498-43B3-948B-1728B52AA6E4}">
-                <adec:decorative xmlns:adec="http://schemas.microsoft.com/office/drawing/2017/decorative" xmlns="" val="1"/>
+                <adec:decorative xmlns:adec="http://schemas.microsoft.com/office/drawing/2017/decorative" val="1"/>
               </a:ext>
             </a:extLst>
           </p:cNvPr>
@@ -33905,10 +32345,10 @@
           <a:blip r:embed="rId2">
             <a:extLst>
               <a:ext uri="{28A0092B-C50C-407E-A947-70E740481C1C}">
-                <a14:useLocalDpi xmlns:a14="http://schemas.microsoft.com/office/drawing/2010/main" xmlns="" val="0"/>
+                <a14:useLocalDpi xmlns:a14="http://schemas.microsoft.com/office/drawing/2010/main" val="0"/>
               </a:ext>
               <a:ext uri="{96DAC541-7B7A-43D3-8B79-37D633B846F1}">
-                <asvg:svgBlip xmlns:asvg="http://schemas.microsoft.com/office/drawing/2016/SVG/main" xmlns="" r:embed="rId3"/>
+                <asvg:svgBlip xmlns:asvg="http://schemas.microsoft.com/office/drawing/2016/SVG/main" r:embed="rId3"/>
               </a:ext>
             </a:extLst>
           </a:blip>
@@ -33927,10 +32367,10 @@
           <p:cNvPr id="26" name="Picture Placeholder 25">
             <a:extLst>
               <a:ext uri="{FF2B5EF4-FFF2-40B4-BE49-F238E27FC236}">
-                <a16:creationId xmlns:a16="http://schemas.microsoft.com/office/drawing/2014/main" xmlns="" id="{2AD0E03E-80ED-4CBF-B567-3E1EAB01FD41}"/>
+                <a16:creationId xmlns:a16="http://schemas.microsoft.com/office/drawing/2014/main" id="{2AD0E03E-80ED-4CBF-B567-3E1EAB01FD41}"/>
               </a:ext>
               <a:ext uri="{C183D7F6-B498-43B3-948B-1728B52AA6E4}">
-                <adec:decorative xmlns:adec="http://schemas.microsoft.com/office/drawing/2017/decorative" xmlns="" val="1"/>
+                <adec:decorative xmlns:adec="http://schemas.microsoft.com/office/drawing/2017/decorative" val="1"/>
               </a:ext>
             </a:extLst>
           </p:cNvPr>
@@ -33945,10 +32385,10 @@
           <a:blip r:embed="rId4">
             <a:extLst>
               <a:ext uri="{28A0092B-C50C-407E-A947-70E740481C1C}">
-                <a14:useLocalDpi xmlns:a14="http://schemas.microsoft.com/office/drawing/2010/main" xmlns="" val="0"/>
+                <a14:useLocalDpi xmlns:a14="http://schemas.microsoft.com/office/drawing/2010/main" val="0"/>
               </a:ext>
               <a:ext uri="{96DAC541-7B7A-43D3-8B79-37D633B846F1}">
-                <asvg:svgBlip xmlns:asvg="http://schemas.microsoft.com/office/drawing/2016/SVG/main" xmlns="" r:embed="rId5"/>
+                <asvg:svgBlip xmlns:asvg="http://schemas.microsoft.com/office/drawing/2016/SVG/main" r:embed="rId5"/>
               </a:ext>
             </a:extLst>
           </a:blip>
@@ -33967,10 +32407,10 @@
           <p:cNvPr id="24" name="Picture Placeholder 23">
             <a:extLst>
               <a:ext uri="{FF2B5EF4-FFF2-40B4-BE49-F238E27FC236}">
-                <a16:creationId xmlns:a16="http://schemas.microsoft.com/office/drawing/2014/main" xmlns="" id="{F1E0AF3E-867C-4F0D-8325-9DC9A985B427}"/>
+                <a16:creationId xmlns:a16="http://schemas.microsoft.com/office/drawing/2014/main" id="{F1E0AF3E-867C-4F0D-8325-9DC9A985B427}"/>
               </a:ext>
               <a:ext uri="{C183D7F6-B498-43B3-948B-1728B52AA6E4}">
-                <adec:decorative xmlns:adec="http://schemas.microsoft.com/office/drawing/2017/decorative" xmlns="" val="1"/>
+                <adec:decorative xmlns:adec="http://schemas.microsoft.com/office/drawing/2017/decorative" val="1"/>
               </a:ext>
             </a:extLst>
           </p:cNvPr>
@@ -33985,10 +32425,10 @@
           <a:blip r:embed="rId6">
             <a:extLst>
               <a:ext uri="{28A0092B-C50C-407E-A947-70E740481C1C}">
-                <a14:useLocalDpi xmlns:a14="http://schemas.microsoft.com/office/drawing/2010/main" xmlns="" val="0"/>
+                <a14:useLocalDpi xmlns:a14="http://schemas.microsoft.com/office/drawing/2010/main" val="0"/>
               </a:ext>
               <a:ext uri="{96DAC541-7B7A-43D3-8B79-37D633B846F1}">
-                <asvg:svgBlip xmlns:asvg="http://schemas.microsoft.com/office/drawing/2016/SVG/main" xmlns="" r:embed="rId7"/>
+                <asvg:svgBlip xmlns:asvg="http://schemas.microsoft.com/office/drawing/2016/SVG/main" r:embed="rId7"/>
               </a:ext>
             </a:extLst>
           </a:blip>
@@ -34007,10 +32447,10 @@
           <p:cNvPr id="28" name="Picture Placeholder 27">
             <a:extLst>
               <a:ext uri="{FF2B5EF4-FFF2-40B4-BE49-F238E27FC236}">
-                <a16:creationId xmlns:a16="http://schemas.microsoft.com/office/drawing/2014/main" xmlns="" id="{43BC7054-E269-4210-98F5-65D485066725}"/>
+                <a16:creationId xmlns:a16="http://schemas.microsoft.com/office/drawing/2014/main" id="{43BC7054-E269-4210-98F5-65D485066725}"/>
               </a:ext>
               <a:ext uri="{C183D7F6-B498-43B3-948B-1728B52AA6E4}">
-                <adec:decorative xmlns:adec="http://schemas.microsoft.com/office/drawing/2017/decorative" xmlns="" val="1"/>
+                <adec:decorative xmlns:adec="http://schemas.microsoft.com/office/drawing/2017/decorative" val="1"/>
               </a:ext>
             </a:extLst>
           </p:cNvPr>
@@ -34025,10 +32465,10 @@
           <a:blip r:embed="rId8">
             <a:extLst>
               <a:ext uri="{28A0092B-C50C-407E-A947-70E740481C1C}">
-                <a14:useLocalDpi xmlns:a14="http://schemas.microsoft.com/office/drawing/2010/main" xmlns="" val="0"/>
+                <a14:useLocalDpi xmlns:a14="http://schemas.microsoft.com/office/drawing/2010/main" val="0"/>
               </a:ext>
               <a:ext uri="{96DAC541-7B7A-43D3-8B79-37D633B846F1}">
-                <asvg:svgBlip xmlns:asvg="http://schemas.microsoft.com/office/drawing/2016/SVG/main" xmlns="" r:embed="rId9"/>
+                <asvg:svgBlip xmlns:asvg="http://schemas.microsoft.com/office/drawing/2016/SVG/main" r:embed="rId9"/>
               </a:ext>
             </a:extLst>
           </a:blip>
@@ -34047,7 +32487,7 @@
           <p:cNvPr id="5" name="Chart 4">
             <a:extLst>
               <a:ext uri="{FF2B5EF4-FFF2-40B4-BE49-F238E27FC236}">
-                <a16:creationId xmlns:a16="http://schemas.microsoft.com/office/drawing/2014/main" xmlns="" id="{6EF9E1B2-7087-4E02-920C-30F40BC8B5E3}"/>
+                <a16:creationId xmlns:a16="http://schemas.microsoft.com/office/drawing/2014/main" id="{6EF9E1B2-7087-4E02-920C-30F40BC8B5E3}"/>
               </a:ext>
             </a:extLst>
           </p:cNvPr>
@@ -34055,7 +32495,7 @@
           <p:nvPr>
             <p:extLst>
               <p:ext uri="{D42A27DB-BD31-4B8C-83A1-F6EECF244321}">
-                <p14:modId xmlns:p14="http://schemas.microsoft.com/office/powerpoint/2010/main" xmlns="" val="783950892"/>
+                <p14:modId xmlns:p14="http://schemas.microsoft.com/office/powerpoint/2010/main" val="783950892"/>
               </p:ext>
             </p:extLst>
           </p:nvPr>
@@ -34075,7 +32515,7 @@
           <p:cNvPr id="3" name="Picture 2">
             <a:extLst>
               <a:ext uri="{FF2B5EF4-FFF2-40B4-BE49-F238E27FC236}">
-                <a16:creationId xmlns:a16="http://schemas.microsoft.com/office/drawing/2014/main" xmlns="" id="{55A176B1-DE90-4D74-B6A3-9984E2E6D1E7}"/>
+                <a16:creationId xmlns:a16="http://schemas.microsoft.com/office/drawing/2014/main" id="{55A176B1-DE90-4D74-B6A3-9984E2E6D1E7}"/>
               </a:ext>
             </a:extLst>
           </p:cNvPr>
@@ -34103,7 +32543,7 @@
     </p:spTree>
     <p:extLst>
       <p:ext uri="{BB962C8B-B14F-4D97-AF65-F5344CB8AC3E}">
-        <p14:creationId xmlns:p14="http://schemas.microsoft.com/office/powerpoint/2010/main" xmlns="" val="1163063007"/>
+        <p14:creationId xmlns:p14="http://schemas.microsoft.com/office/powerpoint/2010/main" val="1163063007"/>
       </p:ext>
     </p:extLst>
   </p:cSld>
@@ -34135,7 +32575,7 @@
           <p:cNvPr id="3" name="Slide Number Placeholder 2">
             <a:extLst>
               <a:ext uri="{FF2B5EF4-FFF2-40B4-BE49-F238E27FC236}">
-                <a16:creationId xmlns:a16="http://schemas.microsoft.com/office/drawing/2014/main" xmlns="" id="{CE84475F-A218-40AD-91D5-2A42073651D9}"/>
+                <a16:creationId xmlns:a16="http://schemas.microsoft.com/office/drawing/2014/main" id="{CE84475F-A218-40AD-91D5-2A42073651D9}"/>
               </a:ext>
             </a:extLst>
           </p:cNvPr>
@@ -34170,7 +32610,7 @@
           <p:cNvPr id="38" name="Chart 37">
             <a:extLst>
               <a:ext uri="{FF2B5EF4-FFF2-40B4-BE49-F238E27FC236}">
-                <a16:creationId xmlns:a16="http://schemas.microsoft.com/office/drawing/2014/main" xmlns="" id="{9F3D9408-1EE9-40D5-991D-8F751A00F428}"/>
+                <a16:creationId xmlns:a16="http://schemas.microsoft.com/office/drawing/2014/main" id="{9F3D9408-1EE9-40D5-991D-8F751A00F428}"/>
               </a:ext>
             </a:extLst>
           </p:cNvPr>
@@ -34178,7 +32618,7 @@
           <p:nvPr>
             <p:extLst>
               <p:ext uri="{D42A27DB-BD31-4B8C-83A1-F6EECF244321}">
-                <p14:modId xmlns:p14="http://schemas.microsoft.com/office/powerpoint/2010/main" xmlns="" val="2660243558"/>
+                <p14:modId xmlns:p14="http://schemas.microsoft.com/office/powerpoint/2010/main" val="2660243558"/>
               </p:ext>
             </p:extLst>
           </p:nvPr>
@@ -34198,7 +32638,7 @@
           <p:cNvPr id="39" name="Picture 38">
             <a:extLst>
               <a:ext uri="{FF2B5EF4-FFF2-40B4-BE49-F238E27FC236}">
-                <a16:creationId xmlns:a16="http://schemas.microsoft.com/office/drawing/2014/main" xmlns="" id="{79FDA841-FA1E-4AC0-8980-5680F4BB7661}"/>
+                <a16:creationId xmlns:a16="http://schemas.microsoft.com/office/drawing/2014/main" id="{79FDA841-FA1E-4AC0-8980-5680F4BB7661}"/>
               </a:ext>
             </a:extLst>
           </p:cNvPr>
@@ -34226,7 +32666,7 @@
     </p:spTree>
     <p:extLst>
       <p:ext uri="{BB962C8B-B14F-4D97-AF65-F5344CB8AC3E}">
-        <p14:creationId xmlns:p14="http://schemas.microsoft.com/office/powerpoint/2010/main" xmlns="" val="2971040159"/>
+        <p14:creationId xmlns:p14="http://schemas.microsoft.com/office/powerpoint/2010/main" val="2971040159"/>
       </p:ext>
     </p:extLst>
   </p:cSld>
@@ -34258,7 +32698,7 @@
           <p:cNvPr id="3" name="Slide Number Placeholder 2">
             <a:extLst>
               <a:ext uri="{FF2B5EF4-FFF2-40B4-BE49-F238E27FC236}">
-                <a16:creationId xmlns:a16="http://schemas.microsoft.com/office/drawing/2014/main" xmlns="" id="{581E71C2-3FC1-41C1-8255-33A1AC802247}"/>
+                <a16:creationId xmlns:a16="http://schemas.microsoft.com/office/drawing/2014/main" id="{581E71C2-3FC1-41C1-8255-33A1AC802247}"/>
               </a:ext>
             </a:extLst>
           </p:cNvPr>
@@ -34293,7 +32733,7 @@
           <p:cNvPr id="5" name="Chart 4">
             <a:extLst>
               <a:ext uri="{FF2B5EF4-FFF2-40B4-BE49-F238E27FC236}">
-                <a16:creationId xmlns:a16="http://schemas.microsoft.com/office/drawing/2014/main" xmlns="" id="{EBE22FB5-ED03-4382-BD6F-59A4C5CE2041}"/>
+                <a16:creationId xmlns:a16="http://schemas.microsoft.com/office/drawing/2014/main" id="{EBE22FB5-ED03-4382-BD6F-59A4C5CE2041}"/>
               </a:ext>
             </a:extLst>
           </p:cNvPr>
@@ -34301,7 +32741,7 @@
           <p:nvPr>
             <p:extLst>
               <p:ext uri="{D42A27DB-BD31-4B8C-83A1-F6EECF244321}">
-                <p14:modId xmlns:p14="http://schemas.microsoft.com/office/powerpoint/2010/main" xmlns="" val="3519709908"/>
+                <p14:modId xmlns:p14="http://schemas.microsoft.com/office/powerpoint/2010/main" val="4094589540"/>
               </p:ext>
             </p:extLst>
           </p:nvPr>
@@ -34321,7 +32761,7 @@
           <p:cNvPr id="6" name="Picture 5">
             <a:extLst>
               <a:ext uri="{FF2B5EF4-FFF2-40B4-BE49-F238E27FC236}">
-                <a16:creationId xmlns:a16="http://schemas.microsoft.com/office/drawing/2014/main" xmlns="" id="{9057EACC-E61A-4B40-90D1-63D280947548}"/>
+                <a16:creationId xmlns:a16="http://schemas.microsoft.com/office/drawing/2014/main" id="{9057EACC-E61A-4B40-90D1-63D280947548}"/>
               </a:ext>
             </a:extLst>
           </p:cNvPr>
@@ -34349,7 +32789,7 @@
     </p:spTree>
     <p:extLst>
       <p:ext uri="{BB962C8B-B14F-4D97-AF65-F5344CB8AC3E}">
-        <p14:creationId xmlns:p14="http://schemas.microsoft.com/office/powerpoint/2010/main" xmlns="" val="2900026269"/>
+        <p14:creationId xmlns:p14="http://schemas.microsoft.com/office/powerpoint/2010/main" val="2900026269"/>
       </p:ext>
     </p:extLst>
   </p:cSld>
@@ -34381,7 +32821,7 @@
           <p:cNvPr id="2" name="Slide Number Placeholder 1">
             <a:extLst>
               <a:ext uri="{FF2B5EF4-FFF2-40B4-BE49-F238E27FC236}">
-                <a16:creationId xmlns:a16="http://schemas.microsoft.com/office/drawing/2014/main" xmlns="" id="{65C3BFBB-331A-46AE-94C1-43012460D8F7}"/>
+                <a16:creationId xmlns:a16="http://schemas.microsoft.com/office/drawing/2014/main" id="{65C3BFBB-331A-46AE-94C1-43012460D8F7}"/>
               </a:ext>
             </a:extLst>
           </p:cNvPr>
@@ -34416,7 +32856,7 @@
           <p:cNvPr id="6" name="Picture 5">
             <a:extLst>
               <a:ext uri="{FF2B5EF4-FFF2-40B4-BE49-F238E27FC236}">
-                <a16:creationId xmlns:a16="http://schemas.microsoft.com/office/drawing/2014/main" xmlns="" id="{B128EBCF-0AE7-4A5A-BA21-5FA18EB38F96}"/>
+                <a16:creationId xmlns:a16="http://schemas.microsoft.com/office/drawing/2014/main" id="{B128EBCF-0AE7-4A5A-BA21-5FA18EB38F96}"/>
               </a:ext>
             </a:extLst>
           </p:cNvPr>
@@ -34446,7 +32886,7 @@
           <p:cNvPr id="7" name="Picture 6">
             <a:extLst>
               <a:ext uri="{FF2B5EF4-FFF2-40B4-BE49-F238E27FC236}">
-                <a16:creationId xmlns:a16="http://schemas.microsoft.com/office/drawing/2014/main" xmlns="" id="{48E9AB5A-FE0C-4C40-B7F4-755AFD42A007}"/>
+                <a16:creationId xmlns:a16="http://schemas.microsoft.com/office/drawing/2014/main" id="{48E9AB5A-FE0C-4C40-B7F4-755AFD42A007}"/>
               </a:ext>
             </a:extLst>
           </p:cNvPr>
@@ -34474,7 +32914,7 @@
     </p:spTree>
     <p:extLst>
       <p:ext uri="{BB962C8B-B14F-4D97-AF65-F5344CB8AC3E}">
-        <p14:creationId xmlns:p14="http://schemas.microsoft.com/office/powerpoint/2010/main" xmlns="" val="2829328913"/>
+        <p14:creationId xmlns:p14="http://schemas.microsoft.com/office/powerpoint/2010/main" val="2829328913"/>
       </p:ext>
     </p:extLst>
   </p:cSld>
@@ -34506,7 +32946,7 @@
           <p:cNvPr id="23" name="Title 22">
             <a:extLst>
               <a:ext uri="{FF2B5EF4-FFF2-40B4-BE49-F238E27FC236}">
-                <a16:creationId xmlns:a16="http://schemas.microsoft.com/office/drawing/2014/main" xmlns="" id="{0A9F878B-3F4A-4620-9915-6DD94C576218}"/>
+                <a16:creationId xmlns:a16="http://schemas.microsoft.com/office/drawing/2014/main" id="{0A9F878B-3F4A-4620-9915-6DD94C576218}"/>
               </a:ext>
             </a:extLst>
           </p:cNvPr>
@@ -34560,7 +33000,7 @@
           <p:cNvPr id="4" name="Slide Number Placeholder 3">
             <a:extLst>
               <a:ext uri="{FF2B5EF4-FFF2-40B4-BE49-F238E27FC236}">
-                <a16:creationId xmlns:a16="http://schemas.microsoft.com/office/drawing/2014/main" xmlns="" id="{D4C183CA-19AD-485E-AEC5-FC032D453828}"/>
+                <a16:creationId xmlns:a16="http://schemas.microsoft.com/office/drawing/2014/main" id="{D4C183CA-19AD-485E-AEC5-FC032D453828}"/>
               </a:ext>
             </a:extLst>
           </p:cNvPr>
@@ -34607,7 +33047,7 @@
           <p:cNvPr id="3" name="Picture 2">
             <a:extLst>
               <a:ext uri="{FF2B5EF4-FFF2-40B4-BE49-F238E27FC236}">
-                <a16:creationId xmlns:a16="http://schemas.microsoft.com/office/drawing/2014/main" xmlns="" id="{D4E7B027-1593-4FDC-9DD3-FE6787F04365}"/>
+                <a16:creationId xmlns:a16="http://schemas.microsoft.com/office/drawing/2014/main" id="{D4E7B027-1593-4FDC-9DD3-FE6787F04365}"/>
               </a:ext>
             </a:extLst>
           </p:cNvPr>
@@ -34637,7 +33077,7 @@
           <p:cNvPr id="24" name="TextBox 23">
             <a:extLst>
               <a:ext uri="{FF2B5EF4-FFF2-40B4-BE49-F238E27FC236}">
-                <a16:creationId xmlns:a16="http://schemas.microsoft.com/office/drawing/2014/main" xmlns="" id="{6E3EC895-BB12-458C-87E8-770BF6F09B8D}"/>
+                <a16:creationId xmlns:a16="http://schemas.microsoft.com/office/drawing/2014/main" id="{6E3EC895-BB12-458C-87E8-770BF6F09B8D}"/>
               </a:ext>
             </a:extLst>
           </p:cNvPr>
@@ -34734,7 +33174,7 @@
           <p:cNvPr id="6" name="Straight Connector 5">
             <a:extLst>
               <a:ext uri="{FF2B5EF4-FFF2-40B4-BE49-F238E27FC236}">
-                <a16:creationId xmlns:a16="http://schemas.microsoft.com/office/drawing/2014/main" xmlns="" id="{D216F24A-4AA7-4D3C-9531-FA09AC2E8FC4}"/>
+                <a16:creationId xmlns:a16="http://schemas.microsoft.com/office/drawing/2014/main" id="{D216F24A-4AA7-4D3C-9531-FA09AC2E8FC4}"/>
               </a:ext>
             </a:extLst>
           </p:cNvPr>
@@ -34770,7 +33210,7 @@
     </p:spTree>
     <p:extLst>
       <p:ext uri="{BB962C8B-B14F-4D97-AF65-F5344CB8AC3E}">
-        <p14:creationId xmlns:p14="http://schemas.microsoft.com/office/powerpoint/2010/main" xmlns="" val="26456775"/>
+        <p14:creationId xmlns:p14="http://schemas.microsoft.com/office/powerpoint/2010/main" val="26456775"/>
       </p:ext>
     </p:extLst>
   </p:cSld>
@@ -34802,7 +33242,7 @@
           <p:cNvPr id="2" name="Slide Number Placeholder 1">
             <a:extLst>
               <a:ext uri="{FF2B5EF4-FFF2-40B4-BE49-F238E27FC236}">
-                <a16:creationId xmlns:a16="http://schemas.microsoft.com/office/drawing/2014/main" xmlns="" id="{EE867346-FFF8-4674-BD90-C72F031D56FA}"/>
+                <a16:creationId xmlns:a16="http://schemas.microsoft.com/office/drawing/2014/main" id="{EE867346-FFF8-4674-BD90-C72F031D56FA}"/>
               </a:ext>
             </a:extLst>
           </p:cNvPr>
@@ -34832,7 +33272,7 @@
           <p:cNvPr id="3" name="Title 2">
             <a:extLst>
               <a:ext uri="{FF2B5EF4-FFF2-40B4-BE49-F238E27FC236}">
-                <a16:creationId xmlns:a16="http://schemas.microsoft.com/office/drawing/2014/main" xmlns="" id="{2C065025-6FEC-42DA-ABC0-9EF025AE13A0}"/>
+                <a16:creationId xmlns:a16="http://schemas.microsoft.com/office/drawing/2014/main" id="{2C065025-6FEC-42DA-ABC0-9EF025AE13A0}"/>
               </a:ext>
             </a:extLst>
           </p:cNvPr>
@@ -34856,18 +33296,11 @@
           <a:lstStyle/>
           <a:p>
             <a:r>
-              <a:rPr lang="en-GB" sz="8000" dirty="0" smtClean="0">
-                <a:latin typeface="Times New Roman" pitchFamily="18" charset="0"/>
-                <a:cs typeface="Times New Roman" pitchFamily="18" charset="0"/>
-              </a:rPr>
-              <a:t>       Thank </a:t>
-            </a:r>
-            <a:r>
               <a:rPr lang="en-GB" sz="8000" dirty="0">
                 <a:latin typeface="Times New Roman" pitchFamily="18" charset="0"/>
                 <a:cs typeface="Times New Roman" pitchFamily="18" charset="0"/>
               </a:rPr>
-              <a:t>You</a:t>
+              <a:t>       Thank You</a:t>
             </a:r>
             <a:endParaRPr lang="en-IN" sz="8000" dirty="0">
               <a:latin typeface="Times New Roman" pitchFamily="18" charset="0"/>
@@ -34879,7 +33312,7 @@
     </p:spTree>
     <p:extLst>
       <p:ext uri="{BB962C8B-B14F-4D97-AF65-F5344CB8AC3E}">
-        <p14:creationId xmlns:p14="http://schemas.microsoft.com/office/powerpoint/2010/main" xmlns="" val="2461629764"/>
+        <p14:creationId xmlns:p14="http://schemas.microsoft.com/office/powerpoint/2010/main" val="2461629764"/>
       </p:ext>
     </p:extLst>
   </p:cSld>
@@ -34911,7 +33344,7 @@
           <p:cNvPr id="23" name="Title 22">
             <a:extLst>
               <a:ext uri="{FF2B5EF4-FFF2-40B4-BE49-F238E27FC236}">
-                <a16:creationId xmlns:a16="http://schemas.microsoft.com/office/drawing/2014/main" xmlns="" id="{0A9F878B-3F4A-4620-9915-6DD94C576218}"/>
+                <a16:creationId xmlns:a16="http://schemas.microsoft.com/office/drawing/2014/main" id="{0A9F878B-3F4A-4620-9915-6DD94C576218}"/>
               </a:ext>
             </a:extLst>
           </p:cNvPr>
@@ -34953,7 +33386,7 @@
           <p:cNvPr id="4" name="Slide Number Placeholder 3">
             <a:extLst>
               <a:ext uri="{FF2B5EF4-FFF2-40B4-BE49-F238E27FC236}">
-                <a16:creationId xmlns:a16="http://schemas.microsoft.com/office/drawing/2014/main" xmlns="" id="{D4C183CA-19AD-485E-AEC5-FC032D453828}"/>
+                <a16:creationId xmlns:a16="http://schemas.microsoft.com/office/drawing/2014/main" id="{D4C183CA-19AD-485E-AEC5-FC032D453828}"/>
               </a:ext>
             </a:extLst>
           </p:cNvPr>
@@ -35000,7 +33433,7 @@
           <p:cNvPr id="3" name="Picture 2">
             <a:extLst>
               <a:ext uri="{FF2B5EF4-FFF2-40B4-BE49-F238E27FC236}">
-                <a16:creationId xmlns:a16="http://schemas.microsoft.com/office/drawing/2014/main" xmlns="" id="{D4E7B027-1593-4FDC-9DD3-FE6787F04365}"/>
+                <a16:creationId xmlns:a16="http://schemas.microsoft.com/office/drawing/2014/main" id="{D4E7B027-1593-4FDC-9DD3-FE6787F04365}"/>
               </a:ext>
             </a:extLst>
           </p:cNvPr>
@@ -35030,7 +33463,7 @@
           <p:cNvPr id="24" name="TextBox 23">
             <a:extLst>
               <a:ext uri="{FF2B5EF4-FFF2-40B4-BE49-F238E27FC236}">
-                <a16:creationId xmlns:a16="http://schemas.microsoft.com/office/drawing/2014/main" xmlns="" id="{6E3EC895-BB12-458C-87E8-770BF6F09B8D}"/>
+                <a16:creationId xmlns:a16="http://schemas.microsoft.com/office/drawing/2014/main" id="{6E3EC895-BB12-458C-87E8-770BF6F09B8D}"/>
               </a:ext>
             </a:extLst>
           </p:cNvPr>
@@ -35173,7 +33606,7 @@
           <p:cNvPr id="6" name="Straight Connector 5">
             <a:extLst>
               <a:ext uri="{FF2B5EF4-FFF2-40B4-BE49-F238E27FC236}">
-                <a16:creationId xmlns:a16="http://schemas.microsoft.com/office/drawing/2014/main" xmlns="" id="{D216F24A-4AA7-4D3C-9531-FA09AC2E8FC4}"/>
+                <a16:creationId xmlns:a16="http://schemas.microsoft.com/office/drawing/2014/main" id="{D216F24A-4AA7-4D3C-9531-FA09AC2E8FC4}"/>
               </a:ext>
             </a:extLst>
           </p:cNvPr>
@@ -35209,7 +33642,7 @@
     </p:spTree>
     <p:extLst>
       <p:ext uri="{BB962C8B-B14F-4D97-AF65-F5344CB8AC3E}">
-        <p14:creationId xmlns:p14="http://schemas.microsoft.com/office/powerpoint/2010/main" xmlns="" val="1300311978"/>
+        <p14:creationId xmlns:p14="http://schemas.microsoft.com/office/powerpoint/2010/main" val="1300311978"/>
       </p:ext>
     </p:extLst>
   </p:cSld>
@@ -35241,7 +33674,7 @@
           <p:cNvPr id="23" name="Title 22">
             <a:extLst>
               <a:ext uri="{FF2B5EF4-FFF2-40B4-BE49-F238E27FC236}">
-                <a16:creationId xmlns:a16="http://schemas.microsoft.com/office/drawing/2014/main" xmlns="" id="{0A9F878B-3F4A-4620-9915-6DD94C576218}"/>
+                <a16:creationId xmlns:a16="http://schemas.microsoft.com/office/drawing/2014/main" id="{0A9F878B-3F4A-4620-9915-6DD94C576218}"/>
               </a:ext>
             </a:extLst>
           </p:cNvPr>
@@ -35295,7 +33728,7 @@
           <p:cNvPr id="4" name="Slide Number Placeholder 3">
             <a:extLst>
               <a:ext uri="{FF2B5EF4-FFF2-40B4-BE49-F238E27FC236}">
-                <a16:creationId xmlns:a16="http://schemas.microsoft.com/office/drawing/2014/main" xmlns="" id="{D4C183CA-19AD-485E-AEC5-FC032D453828}"/>
+                <a16:creationId xmlns:a16="http://schemas.microsoft.com/office/drawing/2014/main" id="{D4C183CA-19AD-485E-AEC5-FC032D453828}"/>
               </a:ext>
             </a:extLst>
           </p:cNvPr>
@@ -35342,7 +33775,7 @@
           <p:cNvPr id="3" name="Picture 2">
             <a:extLst>
               <a:ext uri="{FF2B5EF4-FFF2-40B4-BE49-F238E27FC236}">
-                <a16:creationId xmlns:a16="http://schemas.microsoft.com/office/drawing/2014/main" xmlns="" id="{D4E7B027-1593-4FDC-9DD3-FE6787F04365}"/>
+                <a16:creationId xmlns:a16="http://schemas.microsoft.com/office/drawing/2014/main" id="{D4E7B027-1593-4FDC-9DD3-FE6787F04365}"/>
               </a:ext>
             </a:extLst>
           </p:cNvPr>
@@ -35372,7 +33805,7 @@
           <p:cNvPr id="24" name="TextBox 23">
             <a:extLst>
               <a:ext uri="{FF2B5EF4-FFF2-40B4-BE49-F238E27FC236}">
-                <a16:creationId xmlns:a16="http://schemas.microsoft.com/office/drawing/2014/main" xmlns="" id="{6E3EC895-BB12-458C-87E8-770BF6F09B8D}"/>
+                <a16:creationId xmlns:a16="http://schemas.microsoft.com/office/drawing/2014/main" id="{6E3EC895-BB12-458C-87E8-770BF6F09B8D}"/>
               </a:ext>
             </a:extLst>
           </p:cNvPr>
@@ -35480,7 +33913,7 @@
           <p:cNvPr id="6" name="Straight Connector 5">
             <a:extLst>
               <a:ext uri="{FF2B5EF4-FFF2-40B4-BE49-F238E27FC236}">
-                <a16:creationId xmlns:a16="http://schemas.microsoft.com/office/drawing/2014/main" xmlns="" id="{D216F24A-4AA7-4D3C-9531-FA09AC2E8FC4}"/>
+                <a16:creationId xmlns:a16="http://schemas.microsoft.com/office/drawing/2014/main" id="{D216F24A-4AA7-4D3C-9531-FA09AC2E8FC4}"/>
               </a:ext>
             </a:extLst>
           </p:cNvPr>
@@ -35516,7 +33949,7 @@
     </p:spTree>
     <p:extLst>
       <p:ext uri="{BB962C8B-B14F-4D97-AF65-F5344CB8AC3E}">
-        <p14:creationId xmlns:p14="http://schemas.microsoft.com/office/powerpoint/2010/main" xmlns="" val="906771254"/>
+        <p14:creationId xmlns:p14="http://schemas.microsoft.com/office/powerpoint/2010/main" val="906771254"/>
       </p:ext>
     </p:extLst>
   </p:cSld>
@@ -35548,7 +33981,7 @@
           <p:cNvPr id="5" name="Title 4">
             <a:extLst>
               <a:ext uri="{FF2B5EF4-FFF2-40B4-BE49-F238E27FC236}">
-                <a16:creationId xmlns:a16="http://schemas.microsoft.com/office/drawing/2014/main" xmlns="" id="{6F3494C0-ABDD-4C4D-8C46-49B8F20CC7E9}"/>
+                <a16:creationId xmlns:a16="http://schemas.microsoft.com/office/drawing/2014/main" id="{6F3494C0-ABDD-4C4D-8C46-49B8F20CC7E9}"/>
               </a:ext>
             </a:extLst>
           </p:cNvPr>
@@ -35603,7 +34036,7 @@
           <p:cNvPr id="3" name="Slide Number Placeholder 2">
             <a:extLst>
               <a:ext uri="{FF2B5EF4-FFF2-40B4-BE49-F238E27FC236}">
-                <a16:creationId xmlns:a16="http://schemas.microsoft.com/office/drawing/2014/main" xmlns="" id="{C9D622C3-EE4F-4FB9-94FB-550563528286}"/>
+                <a16:creationId xmlns:a16="http://schemas.microsoft.com/office/drawing/2014/main" id="{C9D622C3-EE4F-4FB9-94FB-550563528286}"/>
               </a:ext>
             </a:extLst>
           </p:cNvPr>
@@ -35638,7 +34071,7 @@
           <p:cNvPr id="23" name="Picture Placeholder 22">
             <a:extLst>
               <a:ext uri="{FF2B5EF4-FFF2-40B4-BE49-F238E27FC236}">
-                <a16:creationId xmlns:a16="http://schemas.microsoft.com/office/drawing/2014/main" xmlns="" id="{0A73D31B-4084-45BD-A18C-4153EFA1B81B}"/>
+                <a16:creationId xmlns:a16="http://schemas.microsoft.com/office/drawing/2014/main" id="{0A73D31B-4084-45BD-A18C-4153EFA1B81B}"/>
               </a:ext>
             </a:extLst>
           </p:cNvPr>
@@ -35663,7 +34096,7 @@
           <p:cNvPr id="25" name="Picture Placeholder 24">
             <a:extLst>
               <a:ext uri="{FF2B5EF4-FFF2-40B4-BE49-F238E27FC236}">
-                <a16:creationId xmlns:a16="http://schemas.microsoft.com/office/drawing/2014/main" xmlns="" id="{96BA4573-B347-4CDD-933E-4BAFDA2C3015}"/>
+                <a16:creationId xmlns:a16="http://schemas.microsoft.com/office/drawing/2014/main" id="{96BA4573-B347-4CDD-933E-4BAFDA2C3015}"/>
               </a:ext>
             </a:extLst>
           </p:cNvPr>
@@ -35688,7 +34121,7 @@
           <p:cNvPr id="27" name="Picture Placeholder 26">
             <a:extLst>
               <a:ext uri="{FF2B5EF4-FFF2-40B4-BE49-F238E27FC236}">
-                <a16:creationId xmlns:a16="http://schemas.microsoft.com/office/drawing/2014/main" xmlns="" id="{874A7BE1-B66F-42C4-8175-5A2952C24CD4}"/>
+                <a16:creationId xmlns:a16="http://schemas.microsoft.com/office/drawing/2014/main" id="{874A7BE1-B66F-42C4-8175-5A2952C24CD4}"/>
               </a:ext>
             </a:extLst>
           </p:cNvPr>
@@ -35711,7 +34144,7 @@
           <p:cNvPr id="35" name="Picture Placeholder 34">
             <a:extLst>
               <a:ext uri="{FF2B5EF4-FFF2-40B4-BE49-F238E27FC236}">
-                <a16:creationId xmlns:a16="http://schemas.microsoft.com/office/drawing/2014/main" xmlns="" id="{BBB34E6C-0C18-4561-B259-4CFEF7A54A48}"/>
+                <a16:creationId xmlns:a16="http://schemas.microsoft.com/office/drawing/2014/main" id="{BBB34E6C-0C18-4561-B259-4CFEF7A54A48}"/>
               </a:ext>
             </a:extLst>
           </p:cNvPr>
@@ -35734,7 +34167,7 @@
           <p:cNvPr id="2" name="Text Placeholder 1">
             <a:extLst>
               <a:ext uri="{FF2B5EF4-FFF2-40B4-BE49-F238E27FC236}">
-                <a16:creationId xmlns:a16="http://schemas.microsoft.com/office/drawing/2014/main" xmlns="" id="{AC8AD2CA-D508-4F09-80F4-12FF4658917F}"/>
+                <a16:creationId xmlns:a16="http://schemas.microsoft.com/office/drawing/2014/main" id="{AC8AD2CA-D508-4F09-80F4-12FF4658917F}"/>
               </a:ext>
             </a:extLst>
           </p:cNvPr>
@@ -35767,7 +34200,7 @@
           <p:cNvPr id="10" name="Text Placeholder 9">
             <a:extLst>
               <a:ext uri="{FF2B5EF4-FFF2-40B4-BE49-F238E27FC236}">
-                <a16:creationId xmlns:a16="http://schemas.microsoft.com/office/drawing/2014/main" xmlns="" id="{0846F302-5C33-4F94-83C0-B454A7ED57D6}"/>
+                <a16:creationId xmlns:a16="http://schemas.microsoft.com/office/drawing/2014/main" id="{0846F302-5C33-4F94-83C0-B454A7ED57D6}"/>
               </a:ext>
             </a:extLst>
           </p:cNvPr>
@@ -35800,7 +34233,7 @@
           <p:cNvPr id="12" name="Text Placeholder 11">
             <a:extLst>
               <a:ext uri="{FF2B5EF4-FFF2-40B4-BE49-F238E27FC236}">
-                <a16:creationId xmlns:a16="http://schemas.microsoft.com/office/drawing/2014/main" xmlns="" id="{78162207-766B-4DFC-B8B5-60B81643713B}"/>
+                <a16:creationId xmlns:a16="http://schemas.microsoft.com/office/drawing/2014/main" id="{78162207-766B-4DFC-B8B5-60B81643713B}"/>
               </a:ext>
             </a:extLst>
           </p:cNvPr>
@@ -35833,7 +34266,7 @@
           <p:cNvPr id="14" name="Text Placeholder 13">
             <a:extLst>
               <a:ext uri="{FF2B5EF4-FFF2-40B4-BE49-F238E27FC236}">
-                <a16:creationId xmlns:a16="http://schemas.microsoft.com/office/drawing/2014/main" xmlns="" id="{3558D145-2D12-487E-A0D6-9A70A2D60828}"/>
+                <a16:creationId xmlns:a16="http://schemas.microsoft.com/office/drawing/2014/main" id="{3558D145-2D12-487E-A0D6-9A70A2D60828}"/>
               </a:ext>
             </a:extLst>
           </p:cNvPr>
@@ -35869,7 +34302,7 @@
           <p:cNvPr id="4" name="Picture 3">
             <a:extLst>
               <a:ext uri="{FF2B5EF4-FFF2-40B4-BE49-F238E27FC236}">
-                <a16:creationId xmlns:a16="http://schemas.microsoft.com/office/drawing/2014/main" xmlns="" id="{4542D3E7-313E-4344-98EA-D67314BA8371}"/>
+                <a16:creationId xmlns:a16="http://schemas.microsoft.com/office/drawing/2014/main" id="{4542D3E7-313E-4344-98EA-D67314BA8371}"/>
               </a:ext>
             </a:extLst>
           </p:cNvPr>
@@ -35899,7 +34332,7 @@
           <p:cNvPr id="13" name="Straight Connector 12">
             <a:extLst>
               <a:ext uri="{FF2B5EF4-FFF2-40B4-BE49-F238E27FC236}">
-                <a16:creationId xmlns:a16="http://schemas.microsoft.com/office/drawing/2014/main" xmlns="" id="{91316DE3-5333-4618-AA60-8CA4865DE762}"/>
+                <a16:creationId xmlns:a16="http://schemas.microsoft.com/office/drawing/2014/main" id="{91316DE3-5333-4618-AA60-8CA4865DE762}"/>
               </a:ext>
             </a:extLst>
           </p:cNvPr>
@@ -35935,7 +34368,7 @@
     </p:spTree>
     <p:extLst>
       <p:ext uri="{BB962C8B-B14F-4D97-AF65-F5344CB8AC3E}">
-        <p14:creationId xmlns:p14="http://schemas.microsoft.com/office/powerpoint/2010/main" xmlns="" val="3462884272"/>
+        <p14:creationId xmlns:p14="http://schemas.microsoft.com/office/powerpoint/2010/main" val="3462884272"/>
       </p:ext>
     </p:extLst>
   </p:cSld>
@@ -35975,7 +34408,7 @@
           <p:cNvPr id="7" name="Slide Number Placeholder 2">
             <a:extLst>
               <a:ext uri="{FF2B5EF4-FFF2-40B4-BE49-F238E27FC236}">
-                <a16:creationId xmlns:a16="http://schemas.microsoft.com/office/drawing/2014/main" xmlns="" id="{534263F4-8325-4C55-A088-98F4AAEC6DD8}"/>
+                <a16:creationId xmlns:a16="http://schemas.microsoft.com/office/drawing/2014/main" id="{534263F4-8325-4C55-A088-98F4AAEC6DD8}"/>
               </a:ext>
             </a:extLst>
           </p:cNvPr>
@@ -36005,7 +34438,7 @@
           <p:cNvPr id="5" name="Title 4">
             <a:extLst>
               <a:ext uri="{FF2B5EF4-FFF2-40B4-BE49-F238E27FC236}">
-                <a16:creationId xmlns:a16="http://schemas.microsoft.com/office/drawing/2014/main" xmlns="" id="{89D4047B-CB70-4525-84CD-D291A6642F3F}"/>
+                <a16:creationId xmlns:a16="http://schemas.microsoft.com/office/drawing/2014/main" id="{89D4047B-CB70-4525-84CD-D291A6642F3F}"/>
               </a:ext>
             </a:extLst>
           </p:cNvPr>
@@ -36028,13 +34461,6 @@
           </a:bodyPr>
           <a:lstStyle/>
           <a:p>
-            <a:r>
-              <a:rPr lang="en-GB" sz="4400" b="1" dirty="0">
-                <a:latin typeface="Times New Roman" pitchFamily="18" charset="0"/>
-                <a:cs typeface="Times New Roman" pitchFamily="18" charset="0"/>
-              </a:rPr>
-              <a:t/>
-            </a:r>
             <a:br>
               <a:rPr lang="en-GB" sz="4400" b="1" dirty="0">
                 <a:latin typeface="Times New Roman" pitchFamily="18" charset="0"/>
@@ -36066,7 +34492,7 @@
           <p:cNvPr id="6" name="Subtitle 5">
             <a:extLst>
               <a:ext uri="{FF2B5EF4-FFF2-40B4-BE49-F238E27FC236}">
-                <a16:creationId xmlns:a16="http://schemas.microsoft.com/office/drawing/2014/main" xmlns="" id="{C01C482D-8CAA-4BB0-B5AD-52A859E6E08A}"/>
+                <a16:creationId xmlns:a16="http://schemas.microsoft.com/office/drawing/2014/main" id="{C01C482D-8CAA-4BB0-B5AD-52A859E6E08A}"/>
               </a:ext>
             </a:extLst>
           </p:cNvPr>
@@ -36144,7 +34570,7 @@
           <p:cNvPr id="2" name="Picture 1">
             <a:extLst>
               <a:ext uri="{FF2B5EF4-FFF2-40B4-BE49-F238E27FC236}">
-                <a16:creationId xmlns:a16="http://schemas.microsoft.com/office/drawing/2014/main" xmlns="" id="{5FD40BF2-0EB5-469C-B255-CBDF8519D80A}"/>
+                <a16:creationId xmlns:a16="http://schemas.microsoft.com/office/drawing/2014/main" id="{5FD40BF2-0EB5-469C-B255-CBDF8519D80A}"/>
               </a:ext>
             </a:extLst>
           </p:cNvPr>
@@ -36174,7 +34600,7 @@
           <p:cNvPr id="8" name="Straight Connector 7">
             <a:extLst>
               <a:ext uri="{FF2B5EF4-FFF2-40B4-BE49-F238E27FC236}">
-                <a16:creationId xmlns:a16="http://schemas.microsoft.com/office/drawing/2014/main" xmlns="" id="{9544DE49-07B0-46D0-A59E-71D2B072F9C7}"/>
+                <a16:creationId xmlns:a16="http://schemas.microsoft.com/office/drawing/2014/main" id="{9544DE49-07B0-46D0-A59E-71D2B072F9C7}"/>
               </a:ext>
             </a:extLst>
           </p:cNvPr>
@@ -36210,7 +34636,7 @@
     </p:spTree>
     <p:extLst>
       <p:ext uri="{BB962C8B-B14F-4D97-AF65-F5344CB8AC3E}">
-        <p14:creationId xmlns:p14="http://schemas.microsoft.com/office/powerpoint/2010/main" xmlns="" val="196070355"/>
+        <p14:creationId xmlns:p14="http://schemas.microsoft.com/office/powerpoint/2010/main" val="196070355"/>
       </p:ext>
     </p:extLst>
   </p:cSld>
@@ -36242,7 +34668,7 @@
           <p:cNvPr id="3" name="Slide Number Placeholder 2">
             <a:extLst>
               <a:ext uri="{FF2B5EF4-FFF2-40B4-BE49-F238E27FC236}">
-                <a16:creationId xmlns:a16="http://schemas.microsoft.com/office/drawing/2014/main" xmlns="" id="{774AF259-0EA0-486A-A345-68549DF558C8}"/>
+                <a16:creationId xmlns:a16="http://schemas.microsoft.com/office/drawing/2014/main" id="{774AF259-0EA0-486A-A345-68549DF558C8}"/>
               </a:ext>
             </a:extLst>
           </p:cNvPr>
@@ -36272,7 +34698,7 @@
           <p:cNvPr id="5" name="Title 4">
             <a:extLst>
               <a:ext uri="{FF2B5EF4-FFF2-40B4-BE49-F238E27FC236}">
-                <a16:creationId xmlns:a16="http://schemas.microsoft.com/office/drawing/2014/main" xmlns="" id="{9151932C-7145-4FBD-B81D-9ADC42401B87}"/>
+                <a16:creationId xmlns:a16="http://schemas.microsoft.com/office/drawing/2014/main" id="{9151932C-7145-4FBD-B81D-9ADC42401B87}"/>
               </a:ext>
             </a:extLst>
           </p:cNvPr>
@@ -36296,18 +34722,11 @@
           <a:lstStyle/>
           <a:p>
             <a:r>
-              <a:rPr lang="en-US" sz="4000" b="1" dirty="0" smtClean="0">
-                <a:latin typeface="Times New Roman" pitchFamily="18" charset="0"/>
-                <a:cs typeface="Times New Roman" pitchFamily="18" charset="0"/>
-              </a:rPr>
-              <a:t>Organization </a:t>
-            </a:r>
-            <a:r>
               <a:rPr lang="en-US" sz="4000" b="1" dirty="0">
                 <a:latin typeface="Times New Roman" pitchFamily="18" charset="0"/>
                 <a:cs typeface="Times New Roman" pitchFamily="18" charset="0"/>
               </a:rPr>
-              <a:t>structure:</a:t>
+              <a:t>Organization structure:</a:t>
             </a:r>
           </a:p>
         </p:txBody>
@@ -36317,7 +34736,7 @@
           <p:cNvPr id="7" name="Content Placeholder 6">
             <a:extLst>
               <a:ext uri="{FF2B5EF4-FFF2-40B4-BE49-F238E27FC236}">
-                <a16:creationId xmlns:a16="http://schemas.microsoft.com/office/drawing/2014/main" xmlns="" id="{A7F42263-DE86-44BB-AC19-CD7982D365B2}"/>
+                <a16:creationId xmlns:a16="http://schemas.microsoft.com/office/drawing/2014/main" id="{A7F42263-DE86-44BB-AC19-CD7982D365B2}"/>
               </a:ext>
             </a:extLst>
           </p:cNvPr>
@@ -36398,7 +34817,7 @@
           <p:cNvPr id="2" name="Picture 1">
             <a:extLst>
               <a:ext uri="{FF2B5EF4-FFF2-40B4-BE49-F238E27FC236}">
-                <a16:creationId xmlns:a16="http://schemas.microsoft.com/office/drawing/2014/main" xmlns="" id="{BA51EBA2-2AAF-4986-BCCF-29A968FF511F}"/>
+                <a16:creationId xmlns:a16="http://schemas.microsoft.com/office/drawing/2014/main" id="{BA51EBA2-2AAF-4986-BCCF-29A968FF511F}"/>
               </a:ext>
             </a:extLst>
           </p:cNvPr>
@@ -36428,7 +34847,7 @@
           <p:cNvPr id="6" name="Straight Connector 5">
             <a:extLst>
               <a:ext uri="{FF2B5EF4-FFF2-40B4-BE49-F238E27FC236}">
-                <a16:creationId xmlns:a16="http://schemas.microsoft.com/office/drawing/2014/main" xmlns="" id="{57C5E9D5-21DA-46DA-80E0-1E8DF957BAAB}"/>
+                <a16:creationId xmlns:a16="http://schemas.microsoft.com/office/drawing/2014/main" id="{57C5E9D5-21DA-46DA-80E0-1E8DF957BAAB}"/>
               </a:ext>
             </a:extLst>
           </p:cNvPr>
@@ -36464,7 +34883,7 @@
     </p:spTree>
     <p:extLst>
       <p:ext uri="{BB962C8B-B14F-4D97-AF65-F5344CB8AC3E}">
-        <p14:creationId xmlns:p14="http://schemas.microsoft.com/office/powerpoint/2010/main" xmlns="" val="3242389936"/>
+        <p14:creationId xmlns:p14="http://schemas.microsoft.com/office/powerpoint/2010/main" val="3242389936"/>
       </p:ext>
     </p:extLst>
   </p:cSld>
@@ -36496,7 +34915,7 @@
           <p:cNvPr id="9" name="Title 8">
             <a:extLst>
               <a:ext uri="{FF2B5EF4-FFF2-40B4-BE49-F238E27FC236}">
-                <a16:creationId xmlns:a16="http://schemas.microsoft.com/office/drawing/2014/main" xmlns="" id="{DEF48F30-BEB4-44C7-9F35-3BBB61CF89AF}"/>
+                <a16:creationId xmlns:a16="http://schemas.microsoft.com/office/drawing/2014/main" id="{DEF48F30-BEB4-44C7-9F35-3BBB61CF89AF}"/>
               </a:ext>
             </a:extLst>
           </p:cNvPr>
@@ -36519,13 +34938,6 @@
           </a:bodyPr>
           <a:lstStyle/>
           <a:p>
-            <a:r>
-              <a:rPr lang="en-GB" b="1" dirty="0">
-                <a:latin typeface="Times New Roman" pitchFamily="18" charset="0"/>
-                <a:cs typeface="Times New Roman" pitchFamily="18" charset="0"/>
-              </a:rPr>
-              <a:t/>
-            </a:r>
             <a:br>
               <a:rPr lang="en-GB" b="1" dirty="0">
                 <a:latin typeface="Times New Roman" pitchFamily="18" charset="0"/>
@@ -36564,7 +34976,7 @@
           <p:cNvPr id="11" name="Content Placeholder 10">
             <a:extLst>
               <a:ext uri="{FF2B5EF4-FFF2-40B4-BE49-F238E27FC236}">
-                <a16:creationId xmlns:a16="http://schemas.microsoft.com/office/drawing/2014/main" xmlns="" id="{2B253683-524F-46CF-BFCD-BFF6A7A920A7}"/>
+                <a16:creationId xmlns:a16="http://schemas.microsoft.com/office/drawing/2014/main" id="{2B253683-524F-46CF-BFCD-BFF6A7A920A7}"/>
               </a:ext>
             </a:extLst>
           </p:cNvPr>
@@ -36648,7 +35060,7 @@
           <p:cNvPr id="3" name="Slide Number Placeholder 2">
             <a:extLst>
               <a:ext uri="{FF2B5EF4-FFF2-40B4-BE49-F238E27FC236}">
-                <a16:creationId xmlns:a16="http://schemas.microsoft.com/office/drawing/2014/main" xmlns="" id="{FE60433D-E380-4571-991C-16B6CE7A48BE}"/>
+                <a16:creationId xmlns:a16="http://schemas.microsoft.com/office/drawing/2014/main" id="{FE60433D-E380-4571-991C-16B6CE7A48BE}"/>
               </a:ext>
             </a:extLst>
           </p:cNvPr>
@@ -36683,7 +35095,7 @@
           <p:cNvPr id="4" name="Picture 3">
             <a:extLst>
               <a:ext uri="{FF2B5EF4-FFF2-40B4-BE49-F238E27FC236}">
-                <a16:creationId xmlns:a16="http://schemas.microsoft.com/office/drawing/2014/main" xmlns="" id="{5AABD8CC-7046-44B0-BD51-C78FDB6CC609}"/>
+                <a16:creationId xmlns:a16="http://schemas.microsoft.com/office/drawing/2014/main" id="{5AABD8CC-7046-44B0-BD51-C78FDB6CC609}"/>
               </a:ext>
             </a:extLst>
           </p:cNvPr>
@@ -36713,7 +35125,7 @@
           <p:cNvPr id="6" name="Straight Connector 5">
             <a:extLst>
               <a:ext uri="{FF2B5EF4-FFF2-40B4-BE49-F238E27FC236}">
-                <a16:creationId xmlns:a16="http://schemas.microsoft.com/office/drawing/2014/main" xmlns="" id="{ADC9A189-DF95-41E3-8587-72F02897FBE1}"/>
+                <a16:creationId xmlns:a16="http://schemas.microsoft.com/office/drawing/2014/main" id="{ADC9A189-DF95-41E3-8587-72F02897FBE1}"/>
               </a:ext>
             </a:extLst>
           </p:cNvPr>
@@ -36749,7 +35161,7 @@
     </p:spTree>
     <p:extLst>
       <p:ext uri="{BB962C8B-B14F-4D97-AF65-F5344CB8AC3E}">
-        <p14:creationId xmlns:p14="http://schemas.microsoft.com/office/powerpoint/2010/main" xmlns="" val="1154969311"/>
+        <p14:creationId xmlns:p14="http://schemas.microsoft.com/office/powerpoint/2010/main" val="1154969311"/>
       </p:ext>
     </p:extLst>
   </p:cSld>
@@ -36781,7 +35193,7 @@
           <p:cNvPr id="9" name="Title 8">
             <a:extLst>
               <a:ext uri="{FF2B5EF4-FFF2-40B4-BE49-F238E27FC236}">
-                <a16:creationId xmlns:a16="http://schemas.microsoft.com/office/drawing/2014/main" xmlns="" id="{DEF48F30-BEB4-44C7-9F35-3BBB61CF89AF}"/>
+                <a16:creationId xmlns:a16="http://schemas.microsoft.com/office/drawing/2014/main" id="{DEF48F30-BEB4-44C7-9F35-3BBB61CF89AF}"/>
               </a:ext>
             </a:extLst>
           </p:cNvPr>
@@ -36804,13 +35216,6 @@
           </a:bodyPr>
           <a:lstStyle/>
           <a:p>
-            <a:r>
-              <a:rPr lang="en-GB" sz="3600" dirty="0">
-                <a:latin typeface="Times New Roman" pitchFamily="18" charset="0"/>
-                <a:cs typeface="Times New Roman" pitchFamily="18" charset="0"/>
-              </a:rPr>
-              <a:t/>
-            </a:r>
             <a:br>
               <a:rPr lang="en-GB" sz="3600" dirty="0">
                 <a:latin typeface="Times New Roman" pitchFamily="18" charset="0"/>
@@ -36836,7 +35241,7 @@
           <p:cNvPr id="11" name="Content Placeholder 10">
             <a:extLst>
               <a:ext uri="{FF2B5EF4-FFF2-40B4-BE49-F238E27FC236}">
-                <a16:creationId xmlns:a16="http://schemas.microsoft.com/office/drawing/2014/main" xmlns="" id="{2B253683-524F-46CF-BFCD-BFF6A7A920A7}"/>
+                <a16:creationId xmlns:a16="http://schemas.microsoft.com/office/drawing/2014/main" id="{2B253683-524F-46CF-BFCD-BFF6A7A920A7}"/>
               </a:ext>
             </a:extLst>
           </p:cNvPr>
@@ -36928,7 +35333,7 @@
           <p:cNvPr id="3" name="Slide Number Placeholder 2">
             <a:extLst>
               <a:ext uri="{FF2B5EF4-FFF2-40B4-BE49-F238E27FC236}">
-                <a16:creationId xmlns:a16="http://schemas.microsoft.com/office/drawing/2014/main" xmlns="" id="{FE60433D-E380-4571-991C-16B6CE7A48BE}"/>
+                <a16:creationId xmlns:a16="http://schemas.microsoft.com/office/drawing/2014/main" id="{FE60433D-E380-4571-991C-16B6CE7A48BE}"/>
               </a:ext>
             </a:extLst>
           </p:cNvPr>
@@ -36963,7 +35368,7 @@
           <p:cNvPr id="4" name="Picture 3">
             <a:extLst>
               <a:ext uri="{FF2B5EF4-FFF2-40B4-BE49-F238E27FC236}">
-                <a16:creationId xmlns:a16="http://schemas.microsoft.com/office/drawing/2014/main" xmlns="" id="{9240A8C1-18D7-4432-834C-78A061495EA6}"/>
+                <a16:creationId xmlns:a16="http://schemas.microsoft.com/office/drawing/2014/main" id="{9240A8C1-18D7-4432-834C-78A061495EA6}"/>
               </a:ext>
             </a:extLst>
           </p:cNvPr>
@@ -36993,7 +35398,7 @@
           <p:cNvPr id="6" name="Straight Connector 5">
             <a:extLst>
               <a:ext uri="{FF2B5EF4-FFF2-40B4-BE49-F238E27FC236}">
-                <a16:creationId xmlns:a16="http://schemas.microsoft.com/office/drawing/2014/main" xmlns="" id="{D54596E0-B99E-4C71-9BFC-90187D2507E3}"/>
+                <a16:creationId xmlns:a16="http://schemas.microsoft.com/office/drawing/2014/main" id="{D54596E0-B99E-4C71-9BFC-90187D2507E3}"/>
               </a:ext>
             </a:extLst>
           </p:cNvPr>
@@ -37029,7 +35434,7 @@
     </p:spTree>
     <p:extLst>
       <p:ext uri="{BB962C8B-B14F-4D97-AF65-F5344CB8AC3E}">
-        <p14:creationId xmlns:p14="http://schemas.microsoft.com/office/powerpoint/2010/main" xmlns="" val="4220313636"/>
+        <p14:creationId xmlns:p14="http://schemas.microsoft.com/office/powerpoint/2010/main" val="4220313636"/>
       </p:ext>
     </p:extLst>
   </p:cSld>
@@ -37061,7 +35466,7 @@
           <p:cNvPr id="3" name="Slide Number Placeholder 2">
             <a:extLst>
               <a:ext uri="{FF2B5EF4-FFF2-40B4-BE49-F238E27FC236}">
-                <a16:creationId xmlns:a16="http://schemas.microsoft.com/office/drawing/2014/main" xmlns="" id="{8D0BEB88-12D3-41F1-B6BA-706EF7480FD3}"/>
+                <a16:creationId xmlns:a16="http://schemas.microsoft.com/office/drawing/2014/main" id="{8D0BEB88-12D3-41F1-B6BA-706EF7480FD3}"/>
               </a:ext>
             </a:extLst>
           </p:cNvPr>
@@ -37096,7 +35501,7 @@
           <p:cNvPr id="32" name="Picture 31">
             <a:extLst>
               <a:ext uri="{FF2B5EF4-FFF2-40B4-BE49-F238E27FC236}">
-                <a16:creationId xmlns:a16="http://schemas.microsoft.com/office/drawing/2014/main" xmlns="" id="{716FF175-BA07-4EC1-98D9-09028390CCE0}"/>
+                <a16:creationId xmlns:a16="http://schemas.microsoft.com/office/drawing/2014/main" id="{716FF175-BA07-4EC1-98D9-09028390CCE0}"/>
               </a:ext>
             </a:extLst>
           </p:cNvPr>
@@ -37126,7 +35531,7 @@
           <p:cNvPr id="36" name="Picture 35">
             <a:extLst>
               <a:ext uri="{FF2B5EF4-FFF2-40B4-BE49-F238E27FC236}">
-                <a16:creationId xmlns:a16="http://schemas.microsoft.com/office/drawing/2014/main" xmlns="" id="{0380DFB9-6E88-4451-A85D-1C355CD7ADB6}"/>
+                <a16:creationId xmlns:a16="http://schemas.microsoft.com/office/drawing/2014/main" id="{0380DFB9-6E88-4451-A85D-1C355CD7ADB6}"/>
               </a:ext>
             </a:extLst>
           </p:cNvPr>
@@ -37156,7 +35561,7 @@
           <p:cNvPr id="2" name="Picture 1">
             <a:extLst>
               <a:ext uri="{FF2B5EF4-FFF2-40B4-BE49-F238E27FC236}">
-                <a16:creationId xmlns:a16="http://schemas.microsoft.com/office/drawing/2014/main" xmlns="" id="{45287BBD-9193-4208-83E8-FC4AAC2D88A2}"/>
+                <a16:creationId xmlns:a16="http://schemas.microsoft.com/office/drawing/2014/main" id="{45287BBD-9193-4208-83E8-FC4AAC2D88A2}"/>
               </a:ext>
             </a:extLst>
           </p:cNvPr>
@@ -37184,7 +35589,7 @@
     </p:spTree>
     <p:extLst>
       <p:ext uri="{BB962C8B-B14F-4D97-AF65-F5344CB8AC3E}">
-        <p14:creationId xmlns:p14="http://schemas.microsoft.com/office/powerpoint/2010/main" xmlns="" val="3149670743"/>
+        <p14:creationId xmlns:p14="http://schemas.microsoft.com/office/powerpoint/2010/main" val="3149670743"/>
       </p:ext>
     </p:extLst>
   </p:cSld>
@@ -37776,7 +36181,7 @@
   <a:extraClrSchemeLst/>
   <a:extLst>
     <a:ext uri="{05A4C25C-085E-4340-85A3-A5531E510DB2}">
-      <thm15:themeFamily xmlns:thm15="http://schemas.microsoft.com/office/thememl/2012/main" xmlns="" name="Office Theme" id="{62F939B6-93AF-4DB8-9C6B-D6C7DFDC589F}" vid="{4A3C46E8-61CC-4603-A589-7422A47A8E4A}"/>
+      <thm15:themeFamily xmlns:thm15="http://schemas.microsoft.com/office/thememl/2012/main" name="Office Theme" id="{62F939B6-93AF-4DB8-9C6B-D6C7DFDC589F}" vid="{4A3C46E8-61CC-4603-A589-7422A47A8E4A}"/>
     </a:ext>
   </a:extLst>
 </a:theme>
@@ -38071,7 +36476,7 @@
   <a:extraClrSchemeLst/>
   <a:extLst>
     <a:ext uri="{05A4C25C-085E-4340-85A3-A5531E510DB2}">
-      <thm15:themeFamily xmlns:thm15="http://schemas.microsoft.com/office/thememl/2012/main" xmlns="" name="Office Theme" id="{62F939B6-93AF-4DB8-9C6B-D6C7DFDC589F}" vid="{4A3C46E8-61CC-4603-A589-7422A47A8E4A}"/>
+      <thm15:themeFamily xmlns:thm15="http://schemas.microsoft.com/office/thememl/2012/main" name="Office Theme" id="{62F939B6-93AF-4DB8-9C6B-D6C7DFDC589F}" vid="{4A3C46E8-61CC-4603-A589-7422A47A8E4A}"/>
     </a:ext>
   </a:extLst>
 </a:theme>
